--- a/MVVM-Clean-Migration/Guidence.pptx
+++ b/MVVM-Clean-Migration/Guidence.pptx
@@ -5,18 +5,20 @@
     <p:sldMasterId id="2147483648" r:id="rId1"/>
   </p:sldMasterIdLst>
   <p:notesMasterIdLst>
-    <p:notesMasterId r:id="rId8"/>
+    <p:notesMasterId r:id="rId10"/>
   </p:notesMasterIdLst>
   <p:handoutMasterIdLst>
-    <p:handoutMasterId r:id="rId9"/>
+    <p:handoutMasterId r:id="rId11"/>
   </p:handoutMasterIdLst>
   <p:sldIdLst>
     <p:sldId id="273" r:id="rId2"/>
-    <p:sldId id="349" r:id="rId3"/>
-    <p:sldId id="347" r:id="rId4"/>
-    <p:sldId id="348" r:id="rId5"/>
-    <p:sldId id="343" r:id="rId6"/>
-    <p:sldId id="336" r:id="rId7"/>
+    <p:sldId id="351" r:id="rId3"/>
+    <p:sldId id="349" r:id="rId4"/>
+    <p:sldId id="347" r:id="rId5"/>
+    <p:sldId id="348" r:id="rId6"/>
+    <p:sldId id="350" r:id="rId7"/>
+    <p:sldId id="343" r:id="rId8"/>
+    <p:sldId id="336" r:id="rId9"/>
   </p:sldIdLst>
   <p:sldSz cx="12192000" cy="6858000"/>
   <p:notesSz cx="6797675" cy="9926638"/>
@@ -219,7 +221,7 @@
           <a:p>
             <a:fld id="{73F4CB37-F97B-4530-B4E6-0474AB733BE3}" type="datetimeFigureOut">
               <a:rPr kumimoji="1" lang="ja-JP" altLang="en-US" smtClean="0"/>
-              <a:t>2023/8/20</a:t>
+              <a:t>2023/8/22</a:t>
             </a:fld>
             <a:endParaRPr kumimoji="1" lang="ja-JP" altLang="en-US"/>
           </a:p>
@@ -384,7 +386,7 @@
           <a:p>
             <a:fld id="{3AE129ED-E021-412F-A6BB-F29022CB135E}" type="datetimeFigureOut">
               <a:rPr kumimoji="1" lang="ja-JP" altLang="en-US" smtClean="0"/>
-              <a:t>2023/8/20</a:t>
+              <a:t>2023/8/22</a:t>
             </a:fld>
             <a:endParaRPr kumimoji="1" lang="ja-JP" altLang="en-US"/>
           </a:p>
@@ -832,7 +834,7 @@
           <a:p>
             <a:fld id="{FFC4CC46-C8F2-4731-96DE-09F553337401}" type="slidenum">
               <a:rPr kumimoji="1" lang="ja-JP" altLang="en-US" smtClean="0"/>
-              <a:t>3</a:t>
+              <a:t>2</a:t>
             </a:fld>
             <a:endParaRPr kumimoji="1" lang="ja-JP" altLang="en-US"/>
           </a:p>
@@ -841,7 +843,7 @@
     </p:spTree>
     <p:extLst>
       <p:ext uri="{BB962C8B-B14F-4D97-AF65-F5344CB8AC3E}">
-        <p14:creationId xmlns:p14="http://schemas.microsoft.com/office/powerpoint/2010/main" val="2867711796"/>
+        <p14:creationId xmlns:p14="http://schemas.microsoft.com/office/powerpoint/2010/main" val="3400883877"/>
       </p:ext>
     </p:extLst>
   </p:cSld>
@@ -925,7 +927,7 @@
     </p:spTree>
     <p:extLst>
       <p:ext uri="{BB962C8B-B14F-4D97-AF65-F5344CB8AC3E}">
-        <p14:creationId xmlns:p14="http://schemas.microsoft.com/office/powerpoint/2010/main" val="1840906456"/>
+        <p14:creationId xmlns:p14="http://schemas.microsoft.com/office/powerpoint/2010/main" val="2867711796"/>
       </p:ext>
     </p:extLst>
   </p:cSld>
@@ -1001,6 +1003,174 @@
             <a:fld id="{FFC4CC46-C8F2-4731-96DE-09F553337401}" type="slidenum">
               <a:rPr kumimoji="1" lang="ja-JP" altLang="en-US" smtClean="0"/>
               <a:t>5</a:t>
+            </a:fld>
+            <a:endParaRPr kumimoji="1" lang="ja-JP" altLang="en-US"/>
+          </a:p>
+        </p:txBody>
+      </p:sp>
+    </p:spTree>
+    <p:extLst>
+      <p:ext uri="{BB962C8B-B14F-4D97-AF65-F5344CB8AC3E}">
+        <p14:creationId xmlns:p14="http://schemas.microsoft.com/office/powerpoint/2010/main" val="1840906456"/>
+      </p:ext>
+    </p:extLst>
+  </p:cSld>
+  <p:clrMapOvr>
+    <a:masterClrMapping/>
+  </p:clrMapOvr>
+</p:notes>
+</file>
+
+<file path=ppt/notesSlides/notesSlide5.xml><?xml version="1.0" encoding="utf-8"?>
+<p:notes xmlns:a="http://schemas.openxmlformats.org/drawingml/2006/main" xmlns:r="http://schemas.openxmlformats.org/officeDocument/2006/relationships" xmlns:p="http://schemas.openxmlformats.org/presentationml/2006/main">
+  <p:cSld>
+    <p:spTree>
+      <p:nvGrpSpPr>
+        <p:cNvPr id="1" name=""/>
+        <p:cNvGrpSpPr/>
+        <p:nvPr/>
+      </p:nvGrpSpPr>
+      <p:grpSpPr>
+        <a:xfrm>
+          <a:off x="0" y="0"/>
+          <a:ext cx="0" cy="0"/>
+          <a:chOff x="0" y="0"/>
+          <a:chExt cx="0" cy="0"/>
+        </a:xfrm>
+      </p:grpSpPr>
+      <p:sp>
+        <p:nvSpPr>
+          <p:cNvPr id="2" name="スライド イメージ プレースホルダー 1"/>
+          <p:cNvSpPr>
+            <a:spLocks noGrp="1" noRot="1" noChangeAspect="1"/>
+          </p:cNvSpPr>
+          <p:nvPr>
+            <p:ph type="sldImg"/>
+          </p:nvPr>
+        </p:nvSpPr>
+        <p:spPr/>
+      </p:sp>
+      <p:sp>
+        <p:nvSpPr>
+          <p:cNvPr id="3" name="ノート プレースホルダー 2"/>
+          <p:cNvSpPr>
+            <a:spLocks noGrp="1"/>
+          </p:cNvSpPr>
+          <p:nvPr>
+            <p:ph type="body" idx="1"/>
+          </p:nvPr>
+        </p:nvSpPr>
+        <p:spPr/>
+        <p:txBody>
+          <a:bodyPr/>
+          <a:lstStyle/>
+          <a:p>
+            <a:endParaRPr kumimoji="1" lang="ja-JP" altLang="en-US"/>
+          </a:p>
+        </p:txBody>
+      </p:sp>
+      <p:sp>
+        <p:nvSpPr>
+          <p:cNvPr id="4" name="スライド番号プレースホルダー 3"/>
+          <p:cNvSpPr>
+            <a:spLocks noGrp="1"/>
+          </p:cNvSpPr>
+          <p:nvPr>
+            <p:ph type="sldNum" sz="quarter" idx="10"/>
+          </p:nvPr>
+        </p:nvSpPr>
+        <p:spPr/>
+        <p:txBody>
+          <a:bodyPr/>
+          <a:lstStyle/>
+          <a:p>
+            <a:fld id="{FFC4CC46-C8F2-4731-96DE-09F553337401}" type="slidenum">
+              <a:rPr kumimoji="1" lang="ja-JP" altLang="en-US" smtClean="0"/>
+              <a:t>6</a:t>
+            </a:fld>
+            <a:endParaRPr kumimoji="1" lang="ja-JP" altLang="en-US"/>
+          </a:p>
+        </p:txBody>
+      </p:sp>
+    </p:spTree>
+    <p:extLst>
+      <p:ext uri="{BB962C8B-B14F-4D97-AF65-F5344CB8AC3E}">
+        <p14:creationId xmlns:p14="http://schemas.microsoft.com/office/powerpoint/2010/main" val="2384119414"/>
+      </p:ext>
+    </p:extLst>
+  </p:cSld>
+  <p:clrMapOvr>
+    <a:masterClrMapping/>
+  </p:clrMapOvr>
+</p:notes>
+</file>
+
+<file path=ppt/notesSlides/notesSlide6.xml><?xml version="1.0" encoding="utf-8"?>
+<p:notes xmlns:a="http://schemas.openxmlformats.org/drawingml/2006/main" xmlns:r="http://schemas.openxmlformats.org/officeDocument/2006/relationships" xmlns:p="http://schemas.openxmlformats.org/presentationml/2006/main">
+  <p:cSld>
+    <p:spTree>
+      <p:nvGrpSpPr>
+        <p:cNvPr id="1" name=""/>
+        <p:cNvGrpSpPr/>
+        <p:nvPr/>
+      </p:nvGrpSpPr>
+      <p:grpSpPr>
+        <a:xfrm>
+          <a:off x="0" y="0"/>
+          <a:ext cx="0" cy="0"/>
+          <a:chOff x="0" y="0"/>
+          <a:chExt cx="0" cy="0"/>
+        </a:xfrm>
+      </p:grpSpPr>
+      <p:sp>
+        <p:nvSpPr>
+          <p:cNvPr id="2" name="スライド イメージ プレースホルダー 1"/>
+          <p:cNvSpPr>
+            <a:spLocks noGrp="1" noRot="1" noChangeAspect="1"/>
+          </p:cNvSpPr>
+          <p:nvPr>
+            <p:ph type="sldImg"/>
+          </p:nvPr>
+        </p:nvSpPr>
+        <p:spPr/>
+      </p:sp>
+      <p:sp>
+        <p:nvSpPr>
+          <p:cNvPr id="3" name="ノート プレースホルダー 2"/>
+          <p:cNvSpPr>
+            <a:spLocks noGrp="1"/>
+          </p:cNvSpPr>
+          <p:nvPr>
+            <p:ph type="body" idx="1"/>
+          </p:nvPr>
+        </p:nvSpPr>
+        <p:spPr/>
+        <p:txBody>
+          <a:bodyPr/>
+          <a:lstStyle/>
+          <a:p>
+            <a:endParaRPr kumimoji="1" lang="ja-JP" altLang="en-US"/>
+          </a:p>
+        </p:txBody>
+      </p:sp>
+      <p:sp>
+        <p:nvSpPr>
+          <p:cNvPr id="4" name="スライド番号プレースホルダー 3"/>
+          <p:cNvSpPr>
+            <a:spLocks noGrp="1"/>
+          </p:cNvSpPr>
+          <p:nvPr>
+            <p:ph type="sldNum" sz="quarter" idx="10"/>
+          </p:nvPr>
+        </p:nvSpPr>
+        <p:spPr/>
+        <p:txBody>
+          <a:bodyPr/>
+          <a:lstStyle/>
+          <a:p>
+            <a:fld id="{FFC4CC46-C8F2-4731-96DE-09F553337401}" type="slidenum">
+              <a:rPr kumimoji="1" lang="ja-JP" altLang="en-US" smtClean="0"/>
+              <a:t>7</a:t>
             </a:fld>
             <a:endParaRPr kumimoji="1" lang="ja-JP" altLang="en-US"/>
           </a:p>
@@ -2636,7 +2806,7 @@
           </a:ln>
           <a:extLst>
             <a:ext uri="{C572A759-6A51-4108-AA02-DFA0A04FC94B}">
-              <ma14:wrappingTextBoxFlag xmlns:ma14="http://schemas.microsoft.com/office/mac/drawingml/2011/main" xmlns="" val="1"/>
+              <ma14:wrappingTextBoxFlag xmlns="" xmlns:ma14="http://schemas.microsoft.com/office/mac/drawingml/2011/main" val="1"/>
             </a:ext>
           </a:extLst>
         </p:spPr>
@@ -3670,6 +3840,408 @@
             <p:ph type="title"/>
           </p:nvPr>
         </p:nvSpPr>
+        <p:spPr/>
+        <p:txBody>
+          <a:bodyPr>
+            <a:noAutofit/>
+          </a:bodyPr>
+          <a:lstStyle/>
+          <a:p>
+            <a:pPr algn="ctr"/>
+            <a:r>
+              <a:rPr lang="en-US" altLang="ja-JP" sz="3600" b="1" kern="0" dirty="0">
+                <a:latin typeface="Rakuten Sans" panose="020B0503020203020204" pitchFamily="34" charset="0"/>
+                <a:cs typeface="Rakuten Sans" panose="020B0503020203020204" pitchFamily="34" charset="0"/>
+              </a:rPr>
+              <a:t>Copy template</a:t>
+            </a:r>
+            <a:endParaRPr lang="ja-JP" altLang="en-US" sz="3600" b="1" kern="0" dirty="0">
+              <a:latin typeface="Rakuten Sans" panose="020B0503020203020204" pitchFamily="34" charset="0"/>
+              <a:cs typeface="Rakuten Sans" panose="020B0503020203020204" pitchFamily="34" charset="0"/>
+            </a:endParaRPr>
+          </a:p>
+        </p:txBody>
+      </p:sp>
+      <p:cxnSp>
+        <p:nvCxnSpPr>
+          <p:cNvPr id="8" name="Straight Connector 7">
+            <a:extLst>
+              <a:ext uri="{FF2B5EF4-FFF2-40B4-BE49-F238E27FC236}">
+                <a16:creationId xmlns:a16="http://schemas.microsoft.com/office/drawing/2014/main" id="{0F07A22E-5A49-9049-9297-0D650C8F1F64}"/>
+              </a:ext>
+            </a:extLst>
+          </p:cNvPr>
+          <p:cNvCxnSpPr>
+            <a:cxnSpLocks/>
+          </p:cNvCxnSpPr>
+          <p:nvPr/>
+        </p:nvCxnSpPr>
+        <p:spPr>
+          <a:xfrm>
+            <a:off x="797441" y="950071"/>
+            <a:ext cx="10047768" cy="0"/>
+          </a:xfrm>
+          <a:prstGeom prst="line">
+            <a:avLst/>
+          </a:prstGeom>
+          <a:ln/>
+        </p:spPr>
+        <p:style>
+          <a:lnRef idx="2">
+            <a:schemeClr val="dk1"/>
+          </a:lnRef>
+          <a:fillRef idx="0">
+            <a:schemeClr val="dk1"/>
+          </a:fillRef>
+          <a:effectRef idx="1">
+            <a:schemeClr val="dk1"/>
+          </a:effectRef>
+          <a:fontRef idx="minor">
+            <a:schemeClr val="tx1"/>
+          </a:fontRef>
+        </p:style>
+      </p:cxnSp>
+      <p:pic>
+        <p:nvPicPr>
+          <p:cNvPr id="13" name="Picture 12">
+            <a:extLst>
+              <a:ext uri="{FF2B5EF4-FFF2-40B4-BE49-F238E27FC236}">
+                <a16:creationId xmlns:a16="http://schemas.microsoft.com/office/drawing/2014/main" id="{C49CF637-8380-02BA-A59C-8D8AAC563FF9}"/>
+              </a:ext>
+            </a:extLst>
+          </p:cNvPr>
+          <p:cNvPicPr>
+            <a:picLocks noChangeAspect="1"/>
+          </p:cNvPicPr>
+          <p:nvPr/>
+        </p:nvPicPr>
+        <p:blipFill>
+          <a:blip r:embed="rId3"/>
+          <a:stretch>
+            <a:fillRect/>
+          </a:stretch>
+        </p:blipFill>
+        <p:spPr>
+          <a:xfrm>
+            <a:off x="957421" y="1182496"/>
+            <a:ext cx="2503415" cy="2973600"/>
+          </a:xfrm>
+          <a:prstGeom prst="rect">
+            <a:avLst/>
+          </a:prstGeom>
+          <a:solidFill>
+            <a:srgbClr val="FFFFFF">
+              <a:shade val="85000"/>
+            </a:srgbClr>
+          </a:solidFill>
+          <a:ln w="88900" cap="sq">
+            <a:solidFill>
+              <a:srgbClr val="FFFFFF"/>
+            </a:solidFill>
+            <a:miter lim="800000"/>
+          </a:ln>
+          <a:effectLst>
+            <a:outerShdw blurRad="55000" dist="18000" dir="5400000" algn="tl" rotWithShape="0">
+              <a:srgbClr val="000000">
+                <a:alpha val="40000"/>
+              </a:srgbClr>
+            </a:outerShdw>
+          </a:effectLst>
+          <a:scene3d>
+            <a:camera prst="orthographicFront"/>
+            <a:lightRig rig="twoPt" dir="t">
+              <a:rot lat="0" lon="0" rev="7200000"/>
+            </a:lightRig>
+          </a:scene3d>
+          <a:sp3d>
+            <a:bevelT w="25400" h="19050"/>
+            <a:contourClr>
+              <a:srgbClr val="FFFFFF"/>
+            </a:contourClr>
+          </a:sp3d>
+        </p:spPr>
+      </p:pic>
+      <p:sp>
+        <p:nvSpPr>
+          <p:cNvPr id="14" name="TextBox 13">
+            <a:extLst>
+              <a:ext uri="{FF2B5EF4-FFF2-40B4-BE49-F238E27FC236}">
+                <a16:creationId xmlns:a16="http://schemas.microsoft.com/office/drawing/2014/main" id="{06A1CBA2-A659-BC40-8661-1B0194715EE3}"/>
+              </a:ext>
+            </a:extLst>
+          </p:cNvPr>
+          <p:cNvSpPr txBox="1"/>
+          <p:nvPr/>
+        </p:nvSpPr>
+        <p:spPr>
+          <a:xfrm>
+            <a:off x="5034889" y="1182496"/>
+            <a:ext cx="5630978" cy="727122"/>
+          </a:xfrm>
+          <a:prstGeom prst="rect">
+            <a:avLst/>
+          </a:prstGeom>
+          <a:noFill/>
+        </p:spPr>
+        <p:txBody>
+          <a:bodyPr wrap="square" rtlCol="0">
+            <a:spAutoFit/>
+          </a:bodyPr>
+          <a:lstStyle/>
+          <a:p>
+            <a:pPr>
+              <a:lnSpc>
+                <a:spcPct val="150000"/>
+              </a:lnSpc>
+            </a:pPr>
+            <a:r>
+              <a:rPr lang="en-US" sz="3000" b="1" i="0" u="none" strike="noStrike" dirty="0">
+                <a:solidFill>
+                  <a:srgbClr val="242424"/>
+                </a:solidFill>
+                <a:effectLst/>
+                <a:latin typeface="Rakuten Sans" panose="020B0503020203020204" pitchFamily="34" charset="0"/>
+                <a:cs typeface="Rakuten Sans" panose="020B0503020203020204" pitchFamily="34" charset="0"/>
+              </a:rPr>
+              <a:t>~/Library/Developer/</a:t>
+            </a:r>
+            <a:r>
+              <a:rPr lang="en-US" sz="3000" b="1" i="0" u="none" strike="noStrike" dirty="0" err="1">
+                <a:solidFill>
+                  <a:srgbClr val="242424"/>
+                </a:solidFill>
+                <a:effectLst/>
+                <a:latin typeface="Rakuten Sans" panose="020B0503020203020204" pitchFamily="34" charset="0"/>
+                <a:cs typeface="Rakuten Sans" panose="020B0503020203020204" pitchFamily="34" charset="0"/>
+              </a:rPr>
+              <a:t>Xcode</a:t>
+            </a:r>
+            <a:r>
+              <a:rPr lang="en-US" sz="3000" b="1" i="0" u="none" strike="noStrike" dirty="0">
+                <a:solidFill>
+                  <a:srgbClr val="242424"/>
+                </a:solidFill>
+                <a:effectLst/>
+                <a:latin typeface="Rakuten Sans" panose="020B0503020203020204" pitchFamily="34" charset="0"/>
+                <a:cs typeface="Rakuten Sans" panose="020B0503020203020204" pitchFamily="34" charset="0"/>
+              </a:rPr>
+              <a:t>/</a:t>
+            </a:r>
+            <a:endParaRPr lang="en-US" sz="3000" b="1" dirty="0">
+              <a:solidFill>
+                <a:srgbClr val="FF0000"/>
+              </a:solidFill>
+              <a:effectLst/>
+              <a:latin typeface="Rakuten Sans" panose="020B0503020203020204" pitchFamily="34" charset="0"/>
+              <a:cs typeface="Rakuten Sans" panose="020B0503020203020204" pitchFamily="34" charset="0"/>
+            </a:endParaRPr>
+          </a:p>
+        </p:txBody>
+      </p:sp>
+      <p:cxnSp>
+        <p:nvCxnSpPr>
+          <p:cNvPr id="27" name="Straight Arrow Connector 26">
+            <a:extLst>
+              <a:ext uri="{FF2B5EF4-FFF2-40B4-BE49-F238E27FC236}">
+                <a16:creationId xmlns:a16="http://schemas.microsoft.com/office/drawing/2014/main" id="{F9E1A6BA-0667-7F2E-D900-C0F528E50F6C}"/>
+              </a:ext>
+            </a:extLst>
+          </p:cNvPr>
+          <p:cNvCxnSpPr>
+            <a:cxnSpLocks/>
+          </p:cNvCxnSpPr>
+          <p:nvPr/>
+        </p:nvCxnSpPr>
+        <p:spPr>
+          <a:xfrm>
+            <a:off x="4244865" y="1546057"/>
+            <a:ext cx="512713" cy="0"/>
+          </a:xfrm>
+          <a:prstGeom prst="straightConnector1">
+            <a:avLst/>
+          </a:prstGeom>
+          <a:ln w="66675">
+            <a:solidFill>
+              <a:schemeClr val="accent6">
+                <a:lumMod val="50000"/>
+              </a:schemeClr>
+            </a:solidFill>
+            <a:tailEnd type="triangle"/>
+          </a:ln>
+        </p:spPr>
+        <p:style>
+          <a:lnRef idx="1">
+            <a:schemeClr val="accent1"/>
+          </a:lnRef>
+          <a:fillRef idx="0">
+            <a:schemeClr val="accent1"/>
+          </a:fillRef>
+          <a:effectRef idx="0">
+            <a:schemeClr val="accent1"/>
+          </a:effectRef>
+          <a:fontRef idx="minor">
+            <a:schemeClr val="tx1"/>
+          </a:fontRef>
+        </p:style>
+      </p:cxnSp>
+      <p:pic>
+        <p:nvPicPr>
+          <p:cNvPr id="36" name="Picture 35" descr="A screenshot of a computer&#10;&#10;Description automatically generated">
+            <a:extLst>
+              <a:ext uri="{FF2B5EF4-FFF2-40B4-BE49-F238E27FC236}">
+                <a16:creationId xmlns:a16="http://schemas.microsoft.com/office/drawing/2014/main" id="{17493A67-0015-577D-4E17-5A2A125F2FEE}"/>
+              </a:ext>
+            </a:extLst>
+          </p:cNvPr>
+          <p:cNvPicPr>
+            <a:picLocks noChangeAspect="1"/>
+          </p:cNvPicPr>
+          <p:nvPr/>
+        </p:nvPicPr>
+        <p:blipFill>
+          <a:blip r:embed="rId4">
+            <a:extLst>
+              <a:ext uri="{28A0092B-C50C-407E-A947-70E740481C1C}">
+                <a14:useLocalDpi xmlns:a14="http://schemas.microsoft.com/office/drawing/2010/main" val="0"/>
+              </a:ext>
+            </a:extLst>
+          </a:blip>
+          <a:stretch>
+            <a:fillRect/>
+          </a:stretch>
+        </p:blipFill>
+        <p:spPr>
+          <a:xfrm>
+            <a:off x="4021597" y="2142041"/>
+            <a:ext cx="6949295" cy="4002279"/>
+          </a:xfrm>
+          <a:prstGeom prst="rect">
+            <a:avLst/>
+          </a:prstGeom>
+          <a:solidFill>
+            <a:srgbClr val="FFFFFF">
+              <a:shade val="85000"/>
+            </a:srgbClr>
+          </a:solidFill>
+          <a:ln w="88900" cap="sq">
+            <a:solidFill>
+              <a:srgbClr val="FFFFFF"/>
+            </a:solidFill>
+            <a:miter lim="800000"/>
+          </a:ln>
+          <a:effectLst>
+            <a:outerShdw blurRad="55000" dist="18000" dir="5400000" algn="tl" rotWithShape="0">
+              <a:srgbClr val="000000">
+                <a:alpha val="40000"/>
+              </a:srgbClr>
+            </a:outerShdw>
+          </a:effectLst>
+          <a:scene3d>
+            <a:camera prst="orthographicFront"/>
+            <a:lightRig rig="twoPt" dir="t">
+              <a:rot lat="0" lon="0" rev="7200000"/>
+            </a:lightRig>
+          </a:scene3d>
+          <a:sp3d>
+            <a:bevelT w="25400" h="19050"/>
+            <a:contourClr>
+              <a:srgbClr val="FFFFFF"/>
+            </a:contourClr>
+          </a:sp3d>
+        </p:spPr>
+      </p:pic>
+      <p:sp>
+        <p:nvSpPr>
+          <p:cNvPr id="37" name="Rectangle 36">
+            <a:extLst>
+              <a:ext uri="{FF2B5EF4-FFF2-40B4-BE49-F238E27FC236}">
+                <a16:creationId xmlns:a16="http://schemas.microsoft.com/office/drawing/2014/main" id="{D877651D-66F6-9AF1-5086-E5CB4D3F490F}"/>
+              </a:ext>
+            </a:extLst>
+          </p:cNvPr>
+          <p:cNvSpPr/>
+          <p:nvPr/>
+        </p:nvSpPr>
+        <p:spPr>
+          <a:xfrm>
+            <a:off x="4244865" y="4289007"/>
+            <a:ext cx="2256296" cy="1766105"/>
+          </a:xfrm>
+          <a:prstGeom prst="rect">
+            <a:avLst/>
+          </a:prstGeom>
+          <a:noFill/>
+          <a:ln w="19050">
+            <a:solidFill>
+              <a:srgbClr val="FF0000"/>
+            </a:solidFill>
+          </a:ln>
+        </p:spPr>
+        <p:style>
+          <a:lnRef idx="2">
+            <a:schemeClr val="accent1">
+              <a:shade val="50000"/>
+            </a:schemeClr>
+          </a:lnRef>
+          <a:fillRef idx="1">
+            <a:schemeClr val="accent1"/>
+          </a:fillRef>
+          <a:effectRef idx="0">
+            <a:schemeClr val="accent1"/>
+          </a:effectRef>
+          <a:fontRef idx="minor">
+            <a:schemeClr val="lt1"/>
+          </a:fontRef>
+        </p:style>
+        <p:txBody>
+          <a:bodyPr rtlCol="0" anchor="ctr"/>
+          <a:lstStyle/>
+          <a:p>
+            <a:pPr algn="ctr"/>
+            <a:endParaRPr kumimoji="1" lang="en-JP" dirty="0"/>
+          </a:p>
+        </p:txBody>
+      </p:sp>
+    </p:spTree>
+    <p:extLst>
+      <p:ext uri="{BB962C8B-B14F-4D97-AF65-F5344CB8AC3E}">
+        <p14:creationId xmlns:p14="http://schemas.microsoft.com/office/powerpoint/2010/main" val="915905604"/>
+      </p:ext>
+    </p:extLst>
+  </p:cSld>
+  <p:clrMapOvr>
+    <a:masterClrMapping/>
+  </p:clrMapOvr>
+</p:sld>
+</file>
+
+<file path=ppt/slides/slide3.xml><?xml version="1.0" encoding="utf-8"?>
+<p:sld xmlns:a="http://schemas.openxmlformats.org/drawingml/2006/main" xmlns:r="http://schemas.openxmlformats.org/officeDocument/2006/relationships" xmlns:p="http://schemas.openxmlformats.org/presentationml/2006/main">
+  <p:cSld>
+    <p:spTree>
+      <p:nvGrpSpPr>
+        <p:cNvPr id="1" name=""/>
+        <p:cNvGrpSpPr/>
+        <p:nvPr/>
+      </p:nvGrpSpPr>
+      <p:grpSpPr>
+        <a:xfrm>
+          <a:off x="0" y="0"/>
+          <a:ext cx="0" cy="0"/>
+          <a:chOff x="0" y="0"/>
+          <a:chExt cx="0" cy="0"/>
+        </a:xfrm>
+      </p:grpSpPr>
+      <p:sp>
+        <p:nvSpPr>
+          <p:cNvPr id="2" name="タイトル 1"/>
+          <p:cNvSpPr>
+            <a:spLocks noGrp="1"/>
+          </p:cNvSpPr>
+          <p:nvPr>
+            <p:ph type="title"/>
+          </p:nvPr>
+        </p:nvSpPr>
         <p:spPr>
           <a:xfrm>
             <a:off x="240370" y="4109545"/>
@@ -3742,7 +4314,7 @@
           </a:ln>
           <a:extLst>
             <a:ext uri="{C572A759-6A51-4108-AA02-DFA0A04FC94B}">
-              <ma14:wrappingTextBoxFlag xmlns:ma14="http://schemas.microsoft.com/office/mac/drawingml/2011/main" xmlns="" val="1"/>
+              <ma14:wrappingTextBoxFlag xmlns="" xmlns:ma14="http://schemas.microsoft.com/office/mac/drawingml/2011/main" val="1"/>
             </a:ext>
           </a:extLst>
         </p:spPr>
@@ -4097,7 +4669,7 @@
 </p:sld>
 </file>
 
-<file path=ppt/slides/slide3.xml><?xml version="1.0" encoding="utf-8"?>
+<file path=ppt/slides/slide4.xml><?xml version="1.0" encoding="utf-8"?>
 <p:sld xmlns:a="http://schemas.openxmlformats.org/drawingml/2006/main" xmlns:r="http://schemas.openxmlformats.org/officeDocument/2006/relationships" xmlns:p="http://schemas.openxmlformats.org/presentationml/2006/main">
   <p:cSld>
     <p:spTree>
@@ -4114,6 +4686,72 @@
           <a:chExt cx="0" cy="0"/>
         </a:xfrm>
       </p:grpSpPr>
+      <p:pic>
+        <p:nvPicPr>
+          <p:cNvPr id="6" name="Picture 5" descr="A screenshot of a qr code&#10;&#10;Description automatically generated">
+            <a:extLst>
+              <a:ext uri="{FF2B5EF4-FFF2-40B4-BE49-F238E27FC236}">
+                <a16:creationId xmlns:a16="http://schemas.microsoft.com/office/drawing/2014/main" id="{5B752C18-986B-DC55-B347-BA2C36578541}"/>
+              </a:ext>
+            </a:extLst>
+          </p:cNvPr>
+          <p:cNvPicPr>
+            <a:picLocks noChangeAspect="1"/>
+          </p:cNvPicPr>
+          <p:nvPr/>
+        </p:nvPicPr>
+        <p:blipFill>
+          <a:blip r:embed="rId3">
+            <a:extLst>
+              <a:ext uri="{28A0092B-C50C-407E-A947-70E740481C1C}">
+                <a14:useLocalDpi xmlns:a14="http://schemas.microsoft.com/office/drawing/2010/main" val="0"/>
+              </a:ext>
+            </a:extLst>
+          </a:blip>
+          <a:stretch>
+            <a:fillRect/>
+          </a:stretch>
+        </p:blipFill>
+        <p:spPr>
+          <a:xfrm>
+            <a:off x="7142197" y="1036474"/>
+            <a:ext cx="2648812" cy="5732302"/>
+          </a:xfrm>
+          <a:prstGeom prst="rect">
+            <a:avLst/>
+          </a:prstGeom>
+          <a:solidFill>
+            <a:srgbClr val="FFFFFF">
+              <a:shade val="85000"/>
+            </a:srgbClr>
+          </a:solidFill>
+          <a:ln w="88900" cap="sq">
+            <a:solidFill>
+              <a:srgbClr val="FFFFFF"/>
+            </a:solidFill>
+            <a:miter lim="800000"/>
+          </a:ln>
+          <a:effectLst>
+            <a:outerShdw blurRad="55000" dist="18000" dir="5400000" algn="tl" rotWithShape="0">
+              <a:srgbClr val="000000">
+                <a:alpha val="40000"/>
+              </a:srgbClr>
+            </a:outerShdw>
+          </a:effectLst>
+          <a:scene3d>
+            <a:camera prst="orthographicFront"/>
+            <a:lightRig rig="twoPt" dir="t">
+              <a:rot lat="0" lon="0" rev="7200000"/>
+            </a:lightRig>
+          </a:scene3d>
+          <a:sp3d>
+            <a:bevelT w="25400" h="19050"/>
+            <a:contourClr>
+              <a:srgbClr val="FFFFFF"/>
+            </a:contourClr>
+          </a:sp3d>
+        </p:spPr>
+      </p:pic>
       <p:sp>
         <p:nvSpPr>
           <p:cNvPr id="2" name="タイトル 1"/>
@@ -4525,115 +5163,12 @@
           </a:fontRef>
         </p:style>
       </p:cxnSp>
-    </p:spTree>
-    <p:extLst>
-      <p:ext uri="{BB962C8B-B14F-4D97-AF65-F5344CB8AC3E}">
-        <p14:creationId xmlns:p14="http://schemas.microsoft.com/office/powerpoint/2010/main" val="1025249058"/>
-      </p:ext>
-    </p:extLst>
-  </p:cSld>
-  <p:clrMapOvr>
-    <a:masterClrMapping/>
-  </p:clrMapOvr>
-</p:sld>
-</file>
-
-<file path=ppt/slides/slide4.xml><?xml version="1.0" encoding="utf-8"?>
-<p:sld xmlns:a="http://schemas.openxmlformats.org/drawingml/2006/main" xmlns:r="http://schemas.openxmlformats.org/officeDocument/2006/relationships" xmlns:p="http://schemas.openxmlformats.org/presentationml/2006/main">
-  <p:cSld>
-    <p:spTree>
-      <p:nvGrpSpPr>
-        <p:cNvPr id="1" name=""/>
-        <p:cNvGrpSpPr/>
-        <p:nvPr/>
-      </p:nvGrpSpPr>
-      <p:grpSpPr>
-        <a:xfrm>
-          <a:off x="0" y="0"/>
-          <a:ext cx="0" cy="0"/>
-          <a:chOff x="0" y="0"/>
-          <a:chExt cx="0" cy="0"/>
-        </a:xfrm>
-      </p:grpSpPr>
       <p:sp>
         <p:nvSpPr>
-          <p:cNvPr id="2" name="タイトル 1"/>
-          <p:cNvSpPr>
-            <a:spLocks noGrp="1"/>
-          </p:cNvSpPr>
-          <p:nvPr>
-            <p:ph type="title"/>
-          </p:nvPr>
-        </p:nvSpPr>
-        <p:spPr/>
-        <p:txBody>
-          <a:bodyPr>
-            <a:noAutofit/>
-          </a:bodyPr>
-          <a:lstStyle/>
-          <a:p>
-            <a:pPr algn="ctr"/>
-            <a:r>
-              <a:rPr lang="en-JP" altLang="ja-JP" sz="3600" b="1" kern="0" dirty="0"/>
-              <a:t>Sep</a:t>
-            </a:r>
-            <a:r>
-              <a:rPr lang="en-US" altLang="ja-JP" sz="3600" b="1" kern="0" dirty="0"/>
-              <a:t>a</a:t>
-            </a:r>
-            <a:r>
-              <a:rPr lang="en-JP" altLang="ja-JP" sz="3600" b="1" kern="0" dirty="0"/>
-              <a:t>rate usecase into modules</a:t>
-            </a:r>
-            <a:endParaRPr lang="ja-JP" altLang="en-US" sz="3600" b="1" kern="0" dirty="0"/>
-          </a:p>
-        </p:txBody>
-      </p:sp>
-      <p:cxnSp>
-        <p:nvCxnSpPr>
-          <p:cNvPr id="8" name="Straight Connector 7">
+          <p:cNvPr id="10" name="Rectangle 9">
             <a:extLst>
               <a:ext uri="{FF2B5EF4-FFF2-40B4-BE49-F238E27FC236}">
-                <a16:creationId xmlns:a16="http://schemas.microsoft.com/office/drawing/2014/main" id="{0F07A22E-5A49-9049-9297-0D650C8F1F64}"/>
-              </a:ext>
-            </a:extLst>
-          </p:cNvPr>
-          <p:cNvCxnSpPr>
-            <a:cxnSpLocks/>
-          </p:cNvCxnSpPr>
-          <p:nvPr/>
-        </p:nvCxnSpPr>
-        <p:spPr>
-          <a:xfrm>
-            <a:off x="797441" y="950071"/>
-            <a:ext cx="10047768" cy="0"/>
-          </a:xfrm>
-          <a:prstGeom prst="line">
-            <a:avLst/>
-          </a:prstGeom>
-          <a:ln/>
-        </p:spPr>
-        <p:style>
-          <a:lnRef idx="2">
-            <a:schemeClr val="dk1"/>
-          </a:lnRef>
-          <a:fillRef idx="0">
-            <a:schemeClr val="dk1"/>
-          </a:fillRef>
-          <a:effectRef idx="1">
-            <a:schemeClr val="dk1"/>
-          </a:effectRef>
-          <a:fontRef idx="minor">
-            <a:schemeClr val="tx1"/>
-          </a:fontRef>
-        </p:style>
-      </p:cxnSp>
-      <p:sp>
-        <p:nvSpPr>
-          <p:cNvPr id="3" name="正方形/長方形 34">
-            <a:extLst>
-              <a:ext uri="{FF2B5EF4-FFF2-40B4-BE49-F238E27FC236}">
-                <a16:creationId xmlns:a16="http://schemas.microsoft.com/office/drawing/2014/main" id="{A7187707-2915-2D5A-202D-E35793A539E5}"/>
+                <a16:creationId xmlns:a16="http://schemas.microsoft.com/office/drawing/2014/main" id="{DA46A039-01AF-CE59-0EDA-09D8285F9C16}"/>
               </a:ext>
             </a:extLst>
           </p:cNvPr>
@@ -4642,19 +5177,17 @@
         </p:nvSpPr>
         <p:spPr>
           <a:xfrm>
-            <a:off x="244821" y="1690632"/>
-            <a:ext cx="1365594" cy="423145"/>
+            <a:off x="9050694" y="3229641"/>
+            <a:ext cx="384330" cy="398717"/>
           </a:xfrm>
           <a:prstGeom prst="rect">
             <a:avLst/>
           </a:prstGeom>
-          <a:solidFill>
-            <a:schemeClr val="accent6">
-              <a:lumMod val="50000"/>
-            </a:schemeClr>
-          </a:solidFill>
-          <a:ln>
-            <a:noFill/>
+          <a:noFill/>
+          <a:ln w="19050">
+            <a:solidFill>
+              <a:srgbClr val="FF0000"/>
+            </a:solidFill>
           </a:ln>
         </p:spPr>
         <p:style>
@@ -4678,1215 +5211,14 @@
           <a:lstStyle/>
           <a:p>
             <a:pPr algn="ctr"/>
-            <a:r>
-              <a:rPr kumimoji="1" lang="en-US" sz="1300" b="1" dirty="0" err="1">
-                <a:solidFill>
-                  <a:schemeClr val="bg1"/>
-                </a:solidFill>
-              </a:rPr>
-              <a:t>ViewController</a:t>
-            </a:r>
-            <a:endParaRPr kumimoji="1" lang="en-US" sz="1300" b="1" dirty="0">
-              <a:solidFill>
-                <a:schemeClr val="bg1"/>
-              </a:solidFill>
-            </a:endParaRPr>
-          </a:p>
-        </p:txBody>
-      </p:sp>
-      <p:sp>
-        <p:nvSpPr>
-          <p:cNvPr id="4" name="正方形/長方形 34">
-            <a:extLst>
-              <a:ext uri="{FF2B5EF4-FFF2-40B4-BE49-F238E27FC236}">
-                <a16:creationId xmlns:a16="http://schemas.microsoft.com/office/drawing/2014/main" id="{48FCBF24-58E7-9631-41C4-AF5D40DC66AD}"/>
-              </a:ext>
-            </a:extLst>
-          </p:cNvPr>
-          <p:cNvSpPr/>
-          <p:nvPr/>
-        </p:nvSpPr>
-        <p:spPr>
-          <a:xfrm>
-            <a:off x="2139788" y="1690297"/>
-            <a:ext cx="1302398" cy="423145"/>
-          </a:xfrm>
-          <a:prstGeom prst="rect">
-            <a:avLst/>
-          </a:prstGeom>
-          <a:solidFill>
-            <a:schemeClr val="accent6">
-              <a:lumMod val="50000"/>
-            </a:schemeClr>
-          </a:solidFill>
-          <a:ln>
-            <a:noFill/>
-          </a:ln>
-        </p:spPr>
-        <p:style>
-          <a:lnRef idx="2">
-            <a:schemeClr val="accent1">
-              <a:shade val="50000"/>
-            </a:schemeClr>
-          </a:lnRef>
-          <a:fillRef idx="1">
-            <a:schemeClr val="accent1"/>
-          </a:fillRef>
-          <a:effectRef idx="0">
-            <a:schemeClr val="accent1"/>
-          </a:effectRef>
-          <a:fontRef idx="minor">
-            <a:schemeClr val="lt1"/>
-          </a:fontRef>
-        </p:style>
-        <p:txBody>
-          <a:bodyPr rtlCol="0" anchor="ctr"/>
-          <a:lstStyle/>
-          <a:p>
-            <a:pPr algn="ctr"/>
-            <a:r>
-              <a:rPr kumimoji="1" lang="en-US" sz="1300" b="1" dirty="0" err="1">
-                <a:solidFill>
-                  <a:schemeClr val="bg1"/>
-                </a:solidFill>
-              </a:rPr>
-              <a:t>ViewModel</a:t>
-            </a:r>
-            <a:endParaRPr kumimoji="1" lang="en-US" sz="1300" b="1" dirty="0">
-              <a:solidFill>
-                <a:schemeClr val="bg1"/>
-              </a:solidFill>
-            </a:endParaRPr>
-          </a:p>
-        </p:txBody>
-      </p:sp>
-      <p:sp>
-        <p:nvSpPr>
-          <p:cNvPr id="5" name="正方形/長方形 34">
-            <a:extLst>
-              <a:ext uri="{FF2B5EF4-FFF2-40B4-BE49-F238E27FC236}">
-                <a16:creationId xmlns:a16="http://schemas.microsoft.com/office/drawing/2014/main" id="{F1E8CE5B-CE3A-97CD-AC99-87EE253EE6C9}"/>
-              </a:ext>
-            </a:extLst>
-          </p:cNvPr>
-          <p:cNvSpPr/>
-          <p:nvPr/>
-        </p:nvSpPr>
-        <p:spPr>
-          <a:xfrm>
-            <a:off x="5942464" y="1690296"/>
-            <a:ext cx="1302404" cy="423145"/>
-          </a:xfrm>
-          <a:prstGeom prst="rect">
-            <a:avLst/>
-          </a:prstGeom>
-          <a:solidFill>
-            <a:schemeClr val="accent2">
-              <a:lumMod val="50000"/>
-            </a:schemeClr>
-          </a:solidFill>
-          <a:ln>
-            <a:noFill/>
-          </a:ln>
-        </p:spPr>
-        <p:style>
-          <a:lnRef idx="2">
-            <a:schemeClr val="accent1">
-              <a:shade val="50000"/>
-            </a:schemeClr>
-          </a:lnRef>
-          <a:fillRef idx="1">
-            <a:schemeClr val="accent1"/>
-          </a:fillRef>
-          <a:effectRef idx="0">
-            <a:schemeClr val="accent1"/>
-          </a:effectRef>
-          <a:fontRef idx="minor">
-            <a:schemeClr val="lt1"/>
-          </a:fontRef>
-        </p:style>
-        <p:txBody>
-          <a:bodyPr rtlCol="0" anchor="ctr"/>
-          <a:lstStyle/>
-          <a:p>
-            <a:pPr algn="ctr"/>
-            <a:r>
-              <a:rPr kumimoji="1" lang="en-US" sz="1300" b="1" dirty="0" err="1">
-                <a:solidFill>
-                  <a:schemeClr val="bg1"/>
-                </a:solidFill>
-              </a:rPr>
-              <a:t>Use</a:t>
-            </a:r>
-            <a:r>
-              <a:rPr lang="en-US" sz="1300" b="1" dirty="0" err="1">
-                <a:solidFill>
-                  <a:schemeClr val="bg1"/>
-                </a:solidFill>
-              </a:rPr>
-              <a:t>Case</a:t>
-            </a:r>
-            <a:endParaRPr kumimoji="1" lang="en-US" sz="1300" b="1" dirty="0">
-              <a:solidFill>
-                <a:schemeClr val="bg1"/>
-              </a:solidFill>
-            </a:endParaRPr>
-          </a:p>
-        </p:txBody>
-      </p:sp>
-      <p:sp>
-        <p:nvSpPr>
-          <p:cNvPr id="7" name="正方形/長方形 34">
-            <a:extLst>
-              <a:ext uri="{FF2B5EF4-FFF2-40B4-BE49-F238E27FC236}">
-                <a16:creationId xmlns:a16="http://schemas.microsoft.com/office/drawing/2014/main" id="{14F20244-57BF-7C8D-C75C-BE6D1A638FA7}"/>
-              </a:ext>
-            </a:extLst>
-          </p:cNvPr>
-          <p:cNvSpPr/>
-          <p:nvPr/>
-        </p:nvSpPr>
-        <p:spPr>
-          <a:xfrm>
-            <a:off x="7784688" y="1697498"/>
-            <a:ext cx="1402364" cy="423145"/>
-          </a:xfrm>
-          <a:prstGeom prst="rect">
-            <a:avLst/>
-          </a:prstGeom>
-          <a:solidFill>
-            <a:schemeClr val="accent2">
-              <a:lumMod val="50000"/>
-            </a:schemeClr>
-          </a:solidFill>
-          <a:ln>
-            <a:noFill/>
-          </a:ln>
-        </p:spPr>
-        <p:style>
-          <a:lnRef idx="2">
-            <a:schemeClr val="accent1">
-              <a:shade val="50000"/>
-            </a:schemeClr>
-          </a:lnRef>
-          <a:fillRef idx="1">
-            <a:schemeClr val="accent1"/>
-          </a:fillRef>
-          <a:effectRef idx="0">
-            <a:schemeClr val="accent1"/>
-          </a:effectRef>
-          <a:fontRef idx="minor">
-            <a:schemeClr val="lt1"/>
-          </a:fontRef>
-        </p:style>
-        <p:txBody>
-          <a:bodyPr rtlCol="0" anchor="ctr"/>
-          <a:lstStyle/>
-          <a:p>
-            <a:pPr algn="ctr"/>
-            <a:r>
-              <a:rPr kumimoji="1" lang="en-US" sz="1300" b="1" dirty="0">
-                <a:solidFill>
-                  <a:schemeClr val="bg1"/>
-                </a:solidFill>
-              </a:rPr>
-              <a:t>Entity</a:t>
-            </a:r>
-          </a:p>
-        </p:txBody>
-      </p:sp>
-      <p:sp>
-        <p:nvSpPr>
-          <p:cNvPr id="9" name="正方形/長方形 34">
-            <a:extLst>
-              <a:ext uri="{FF2B5EF4-FFF2-40B4-BE49-F238E27FC236}">
-                <a16:creationId xmlns:a16="http://schemas.microsoft.com/office/drawing/2014/main" id="{C22802ED-6767-EFDC-DF26-A2BE37A4E294}"/>
-              </a:ext>
-            </a:extLst>
-          </p:cNvPr>
-          <p:cNvSpPr/>
-          <p:nvPr/>
-        </p:nvSpPr>
-        <p:spPr>
-          <a:xfrm>
-            <a:off x="244821" y="4486354"/>
-            <a:ext cx="1402357" cy="423145"/>
-          </a:xfrm>
-          <a:prstGeom prst="rect">
-            <a:avLst/>
-          </a:prstGeom>
-          <a:solidFill>
-            <a:schemeClr val="accent4">
-              <a:lumMod val="50000"/>
-            </a:schemeClr>
-          </a:solidFill>
-          <a:ln>
-            <a:noFill/>
-          </a:ln>
-        </p:spPr>
-        <p:style>
-          <a:lnRef idx="2">
-            <a:schemeClr val="accent1">
-              <a:shade val="50000"/>
-            </a:schemeClr>
-          </a:lnRef>
-          <a:fillRef idx="1">
-            <a:schemeClr val="accent1"/>
-          </a:fillRef>
-          <a:effectRef idx="0">
-            <a:schemeClr val="accent1"/>
-          </a:effectRef>
-          <a:fontRef idx="minor">
-            <a:schemeClr val="lt1"/>
-          </a:fontRef>
-        </p:style>
-        <p:txBody>
-          <a:bodyPr rtlCol="0" anchor="ctr"/>
-          <a:lstStyle/>
-          <a:p>
-            <a:pPr algn="ctr"/>
-            <a:r>
-              <a:rPr kumimoji="1" lang="en-US" sz="1300" b="1" dirty="0">
-                <a:solidFill>
-                  <a:schemeClr val="bg1"/>
-                </a:solidFill>
-              </a:rPr>
-              <a:t>Repository</a:t>
-            </a:r>
-          </a:p>
-        </p:txBody>
-      </p:sp>
-      <p:sp>
-        <p:nvSpPr>
-          <p:cNvPr id="10" name="正方形/長方形 34">
-            <a:extLst>
-              <a:ext uri="{FF2B5EF4-FFF2-40B4-BE49-F238E27FC236}">
-                <a16:creationId xmlns:a16="http://schemas.microsoft.com/office/drawing/2014/main" id="{1657F4C2-5745-15DE-D408-BF71FEE21B7C}"/>
-              </a:ext>
-            </a:extLst>
-          </p:cNvPr>
-          <p:cNvSpPr/>
-          <p:nvPr/>
-        </p:nvSpPr>
-        <p:spPr>
-          <a:xfrm>
-            <a:off x="4000285" y="1697498"/>
-            <a:ext cx="1302398" cy="423145"/>
-          </a:xfrm>
-          <a:prstGeom prst="rect">
-            <a:avLst/>
-          </a:prstGeom>
-          <a:solidFill>
-            <a:schemeClr val="accent2">
-              <a:lumMod val="50000"/>
-            </a:schemeClr>
-          </a:solidFill>
-          <a:ln>
-            <a:noFill/>
-          </a:ln>
-        </p:spPr>
-        <p:style>
-          <a:lnRef idx="2">
-            <a:schemeClr val="accent1">
-              <a:shade val="50000"/>
-            </a:schemeClr>
-          </a:lnRef>
-          <a:fillRef idx="1">
-            <a:schemeClr val="accent1"/>
-          </a:fillRef>
-          <a:effectRef idx="0">
-            <a:schemeClr val="accent1"/>
-          </a:effectRef>
-          <a:fontRef idx="minor">
-            <a:schemeClr val="lt1"/>
-          </a:fontRef>
-        </p:style>
-        <p:txBody>
-          <a:bodyPr rtlCol="0" anchor="ctr"/>
-          <a:lstStyle/>
-          <a:p>
-            <a:pPr algn="ctr"/>
-            <a:r>
-              <a:rPr kumimoji="1" lang="en-US" sz="1300" b="1" dirty="0">
-                <a:solidFill>
-                  <a:schemeClr val="bg1"/>
-                </a:solidFill>
-              </a:rPr>
-              <a:t>Model</a:t>
-            </a:r>
-          </a:p>
-        </p:txBody>
-      </p:sp>
-      <p:sp>
-        <p:nvSpPr>
-          <p:cNvPr id="11" name="正方形/長方形 34">
-            <a:extLst>
-              <a:ext uri="{FF2B5EF4-FFF2-40B4-BE49-F238E27FC236}">
-                <a16:creationId xmlns:a16="http://schemas.microsoft.com/office/drawing/2014/main" id="{A6FFF8C6-990F-C2BF-A0AF-DD9A30D57ED0}"/>
-              </a:ext>
-            </a:extLst>
-          </p:cNvPr>
-          <p:cNvSpPr/>
-          <p:nvPr/>
-        </p:nvSpPr>
-        <p:spPr>
-          <a:xfrm>
-            <a:off x="10000923" y="1690297"/>
-            <a:ext cx="1729056" cy="423145"/>
-          </a:xfrm>
-          <a:prstGeom prst="rect">
-            <a:avLst/>
-          </a:prstGeom>
-          <a:solidFill>
-            <a:schemeClr val="accent6">
-              <a:lumMod val="50000"/>
-            </a:schemeClr>
-          </a:solidFill>
-          <a:ln>
-            <a:noFill/>
-          </a:ln>
-        </p:spPr>
-        <p:style>
-          <a:lnRef idx="2">
-            <a:schemeClr val="accent1">
-              <a:shade val="50000"/>
-            </a:schemeClr>
-          </a:lnRef>
-          <a:fillRef idx="1">
-            <a:schemeClr val="accent1"/>
-          </a:fillRef>
-          <a:effectRef idx="0">
-            <a:schemeClr val="accent1"/>
-          </a:effectRef>
-          <a:fontRef idx="minor">
-            <a:schemeClr val="lt1"/>
-          </a:fontRef>
-        </p:style>
-        <p:txBody>
-          <a:bodyPr rtlCol="0" anchor="ctr"/>
-          <a:lstStyle/>
-          <a:p>
-            <a:pPr algn="ctr"/>
-            <a:r>
-              <a:rPr kumimoji="1" lang="en-US" sz="1300" b="1" dirty="0">
-                <a:solidFill>
-                  <a:schemeClr val="bg1"/>
-                </a:solidFill>
-              </a:rPr>
-              <a:t>Core Module</a:t>
-            </a:r>
-          </a:p>
-        </p:txBody>
-      </p:sp>
-      <p:cxnSp>
-        <p:nvCxnSpPr>
-          <p:cNvPr id="12" name="Straight Connector 11">
-            <a:extLst>
-              <a:ext uri="{FF2B5EF4-FFF2-40B4-BE49-F238E27FC236}">
-                <a16:creationId xmlns:a16="http://schemas.microsoft.com/office/drawing/2014/main" id="{4317C956-603C-369F-D5BB-CA037E01FCFD}"/>
-              </a:ext>
-            </a:extLst>
-          </p:cNvPr>
-          <p:cNvCxnSpPr>
-            <a:cxnSpLocks/>
-          </p:cNvCxnSpPr>
-          <p:nvPr/>
-        </p:nvCxnSpPr>
-        <p:spPr>
-          <a:xfrm>
-            <a:off x="9838251" y="1258452"/>
-            <a:ext cx="0" cy="5054940"/>
-          </a:xfrm>
-          <a:prstGeom prst="line">
-            <a:avLst/>
-          </a:prstGeom>
-          <a:ln>
-            <a:prstDash val="sysDash"/>
-          </a:ln>
-        </p:spPr>
-        <p:style>
-          <a:lnRef idx="2">
-            <a:schemeClr val="dk1"/>
-          </a:lnRef>
-          <a:fillRef idx="0">
-            <a:schemeClr val="dk1"/>
-          </a:fillRef>
-          <a:effectRef idx="1">
-            <a:schemeClr val="dk1"/>
-          </a:effectRef>
-          <a:fontRef idx="minor">
-            <a:schemeClr val="tx1"/>
-          </a:fontRef>
-        </p:style>
-      </p:cxnSp>
-      <p:sp>
-        <p:nvSpPr>
-          <p:cNvPr id="16" name="Rectangle 15">
-            <a:extLst>
-              <a:ext uri="{FF2B5EF4-FFF2-40B4-BE49-F238E27FC236}">
-                <a16:creationId xmlns:a16="http://schemas.microsoft.com/office/drawing/2014/main" id="{03E4145C-6752-EC64-D865-C92B5AC9DAFA}"/>
-              </a:ext>
-            </a:extLst>
-          </p:cNvPr>
-          <p:cNvSpPr/>
-          <p:nvPr/>
-        </p:nvSpPr>
-        <p:spPr>
-          <a:xfrm>
-            <a:off x="10000923" y="3217427"/>
-            <a:ext cx="1708814" cy="423145"/>
-          </a:xfrm>
-          <a:prstGeom prst="rect">
-            <a:avLst/>
-          </a:prstGeom>
-          <a:ln>
-            <a:noFill/>
-          </a:ln>
-        </p:spPr>
-        <p:style>
-          <a:lnRef idx="2">
-            <a:schemeClr val="accent1">
-              <a:shade val="50000"/>
-            </a:schemeClr>
-          </a:lnRef>
-          <a:fillRef idx="1">
-            <a:schemeClr val="accent1"/>
-          </a:fillRef>
-          <a:effectRef idx="0">
-            <a:schemeClr val="accent1"/>
-          </a:effectRef>
-          <a:fontRef idx="minor">
-            <a:schemeClr val="lt1"/>
-          </a:fontRef>
-        </p:style>
-        <p:txBody>
-          <a:bodyPr rtlCol="0" anchor="ctr"/>
-          <a:lstStyle/>
-          <a:p>
-            <a:pPr algn="ctr"/>
-            <a:r>
-              <a:rPr kumimoji="1" lang="en-US" sz="1500" dirty="0"/>
-              <a:t>Local persistent</a:t>
-            </a:r>
-            <a:endParaRPr kumimoji="1" lang="en-JP" sz="1500" dirty="0"/>
-          </a:p>
-        </p:txBody>
-      </p:sp>
-      <p:sp>
-        <p:nvSpPr>
-          <p:cNvPr id="17" name="Rectangle 16">
-            <a:extLst>
-              <a:ext uri="{FF2B5EF4-FFF2-40B4-BE49-F238E27FC236}">
-                <a16:creationId xmlns:a16="http://schemas.microsoft.com/office/drawing/2014/main" id="{81FE434C-EEE3-DEC6-ABB8-1CC7971211F9}"/>
-              </a:ext>
-            </a:extLst>
-          </p:cNvPr>
-          <p:cNvSpPr/>
-          <p:nvPr/>
-        </p:nvSpPr>
-        <p:spPr>
-          <a:xfrm>
-            <a:off x="10021150" y="2450889"/>
-            <a:ext cx="1708829" cy="423145"/>
-          </a:xfrm>
-          <a:prstGeom prst="rect">
-            <a:avLst/>
-          </a:prstGeom>
-          <a:ln>
-            <a:noFill/>
-          </a:ln>
-        </p:spPr>
-        <p:style>
-          <a:lnRef idx="2">
-            <a:schemeClr val="accent1">
-              <a:shade val="50000"/>
-            </a:schemeClr>
-          </a:lnRef>
-          <a:fillRef idx="1">
-            <a:schemeClr val="accent1"/>
-          </a:fillRef>
-          <a:effectRef idx="0">
-            <a:schemeClr val="accent1"/>
-          </a:effectRef>
-          <a:fontRef idx="minor">
-            <a:schemeClr val="lt1"/>
-          </a:fontRef>
-        </p:style>
-        <p:txBody>
-          <a:bodyPr rtlCol="0" anchor="ctr"/>
-          <a:lstStyle/>
-          <a:p>
-            <a:pPr algn="ctr"/>
-            <a:r>
-              <a:rPr kumimoji="1" lang="en-US" sz="1500" dirty="0"/>
-              <a:t>Network</a:t>
-            </a:r>
-            <a:endParaRPr kumimoji="1" lang="en-JP" sz="1500" dirty="0"/>
-          </a:p>
-        </p:txBody>
-      </p:sp>
-      <p:cxnSp>
-        <p:nvCxnSpPr>
-          <p:cNvPr id="18" name="Straight Arrow Connector 17">
-            <a:extLst>
-              <a:ext uri="{FF2B5EF4-FFF2-40B4-BE49-F238E27FC236}">
-                <a16:creationId xmlns:a16="http://schemas.microsoft.com/office/drawing/2014/main" id="{D875ECD4-9093-31DB-FF0F-B46B31F0E8D9}"/>
-              </a:ext>
-            </a:extLst>
-          </p:cNvPr>
-          <p:cNvCxnSpPr>
-            <a:cxnSpLocks/>
-          </p:cNvCxnSpPr>
-          <p:nvPr/>
-        </p:nvCxnSpPr>
-        <p:spPr>
-          <a:xfrm>
-            <a:off x="914963" y="2597624"/>
-            <a:ext cx="0" cy="450319"/>
-          </a:xfrm>
-          <a:prstGeom prst="straightConnector1">
-            <a:avLst/>
-          </a:prstGeom>
-          <a:ln w="66675">
-            <a:solidFill>
-              <a:schemeClr val="accent6">
-                <a:lumMod val="50000"/>
-              </a:schemeClr>
-            </a:solidFill>
-            <a:tailEnd type="triangle"/>
-          </a:ln>
-        </p:spPr>
-        <p:style>
-          <a:lnRef idx="1">
-            <a:schemeClr val="accent1"/>
-          </a:lnRef>
-          <a:fillRef idx="0">
-            <a:schemeClr val="accent1"/>
-          </a:fillRef>
-          <a:effectRef idx="0">
-            <a:schemeClr val="accent1"/>
-          </a:effectRef>
-          <a:fontRef idx="minor">
-            <a:schemeClr val="tx1"/>
-          </a:fontRef>
-        </p:style>
-      </p:cxnSp>
-      <p:cxnSp>
-        <p:nvCxnSpPr>
-          <p:cNvPr id="19" name="Straight Arrow Connector 18">
-            <a:extLst>
-              <a:ext uri="{FF2B5EF4-FFF2-40B4-BE49-F238E27FC236}">
-                <a16:creationId xmlns:a16="http://schemas.microsoft.com/office/drawing/2014/main" id="{BECBCFD1-4D84-FC46-21FB-755BC9A706C4}"/>
-              </a:ext>
-            </a:extLst>
-          </p:cNvPr>
-          <p:cNvCxnSpPr>
-            <a:cxnSpLocks/>
-          </p:cNvCxnSpPr>
-          <p:nvPr/>
-        </p:nvCxnSpPr>
-        <p:spPr>
-          <a:xfrm>
-            <a:off x="2790987" y="2597622"/>
-            <a:ext cx="0" cy="450319"/>
-          </a:xfrm>
-          <a:prstGeom prst="straightConnector1">
-            <a:avLst/>
-          </a:prstGeom>
-          <a:ln w="66675">
-            <a:solidFill>
-              <a:schemeClr val="accent6">
-                <a:lumMod val="50000"/>
-              </a:schemeClr>
-            </a:solidFill>
-            <a:tailEnd type="triangle"/>
-          </a:ln>
-        </p:spPr>
-        <p:style>
-          <a:lnRef idx="1">
-            <a:schemeClr val="accent1"/>
-          </a:lnRef>
-          <a:fillRef idx="0">
-            <a:schemeClr val="accent1"/>
-          </a:fillRef>
-          <a:effectRef idx="0">
-            <a:schemeClr val="accent1"/>
-          </a:effectRef>
-          <a:fontRef idx="minor">
-            <a:schemeClr val="tx1"/>
-          </a:fontRef>
-        </p:style>
-      </p:cxnSp>
-      <p:sp>
-        <p:nvSpPr>
-          <p:cNvPr id="20" name="TextBox 19">
-            <a:extLst>
-              <a:ext uri="{FF2B5EF4-FFF2-40B4-BE49-F238E27FC236}">
-                <a16:creationId xmlns:a16="http://schemas.microsoft.com/office/drawing/2014/main" id="{E23E0997-73DE-2A94-0B10-9CBF2E24AF50}"/>
-              </a:ext>
-            </a:extLst>
-          </p:cNvPr>
-          <p:cNvSpPr txBox="1"/>
-          <p:nvPr/>
-        </p:nvSpPr>
-        <p:spPr>
-          <a:xfrm>
-            <a:off x="363545" y="3393290"/>
-            <a:ext cx="1395939" cy="307777"/>
-          </a:xfrm>
-          <a:prstGeom prst="rect">
-            <a:avLst/>
-          </a:prstGeom>
-          <a:noFill/>
-        </p:spPr>
-        <p:txBody>
-          <a:bodyPr wrap="square" rtlCol="0">
-            <a:spAutoFit/>
-          </a:bodyPr>
-          <a:lstStyle/>
-          <a:p>
-            <a:r>
-              <a:rPr lang="en-US" sz="1400" i="1" u="sng" dirty="0" err="1"/>
-              <a:t>UI、Transition</a:t>
-            </a:r>
-            <a:endParaRPr kumimoji="1" lang="en-JP" sz="1400" i="1" u="sng" dirty="0"/>
-          </a:p>
-        </p:txBody>
-      </p:sp>
-      <p:sp>
-        <p:nvSpPr>
-          <p:cNvPr id="21" name="TextBox 20">
-            <a:extLst>
-              <a:ext uri="{FF2B5EF4-FFF2-40B4-BE49-F238E27FC236}">
-                <a16:creationId xmlns:a16="http://schemas.microsoft.com/office/drawing/2014/main" id="{85EACEF8-74A5-E5AA-F164-E6F7B58941A4}"/>
-              </a:ext>
-            </a:extLst>
-          </p:cNvPr>
-          <p:cNvSpPr txBox="1"/>
-          <p:nvPr/>
-        </p:nvSpPr>
-        <p:spPr>
-          <a:xfrm>
-            <a:off x="2353748" y="3348720"/>
-            <a:ext cx="1128145" cy="307777"/>
-          </a:xfrm>
-          <a:prstGeom prst="rect">
-            <a:avLst/>
-          </a:prstGeom>
-          <a:noFill/>
-        </p:spPr>
-        <p:txBody>
-          <a:bodyPr wrap="square" rtlCol="0">
-            <a:spAutoFit/>
-          </a:bodyPr>
-          <a:lstStyle/>
-          <a:p>
-            <a:r>
-              <a:rPr kumimoji="1" lang="en-US" sz="1400" i="1" u="sng" dirty="0"/>
-              <a:t>UI binding</a:t>
-            </a:r>
-            <a:endParaRPr kumimoji="1" lang="en-JP" sz="1400" i="1" u="sng" dirty="0"/>
-          </a:p>
-        </p:txBody>
-      </p:sp>
-      <p:cxnSp>
-        <p:nvCxnSpPr>
-          <p:cNvPr id="22" name="Straight Arrow Connector 21">
-            <a:extLst>
-              <a:ext uri="{FF2B5EF4-FFF2-40B4-BE49-F238E27FC236}">
-                <a16:creationId xmlns:a16="http://schemas.microsoft.com/office/drawing/2014/main" id="{002CC68D-3D7F-39DB-CE9A-835E5975B121}"/>
-              </a:ext>
-            </a:extLst>
-          </p:cNvPr>
-          <p:cNvCxnSpPr>
-            <a:cxnSpLocks/>
-          </p:cNvCxnSpPr>
-          <p:nvPr/>
-        </p:nvCxnSpPr>
-        <p:spPr>
-          <a:xfrm>
-            <a:off x="4651484" y="2597623"/>
-            <a:ext cx="0" cy="450319"/>
-          </a:xfrm>
-          <a:prstGeom prst="straightConnector1">
-            <a:avLst/>
-          </a:prstGeom>
-          <a:ln w="66675">
-            <a:solidFill>
-              <a:schemeClr val="accent6">
-                <a:lumMod val="50000"/>
-              </a:schemeClr>
-            </a:solidFill>
-            <a:tailEnd type="triangle"/>
-          </a:ln>
-        </p:spPr>
-        <p:style>
-          <a:lnRef idx="1">
-            <a:schemeClr val="accent1"/>
-          </a:lnRef>
-          <a:fillRef idx="0">
-            <a:schemeClr val="accent1"/>
-          </a:fillRef>
-          <a:effectRef idx="0">
-            <a:schemeClr val="accent1"/>
-          </a:effectRef>
-          <a:fontRef idx="minor">
-            <a:schemeClr val="tx1"/>
-          </a:fontRef>
-        </p:style>
-      </p:cxnSp>
-      <p:sp>
-        <p:nvSpPr>
-          <p:cNvPr id="23" name="TextBox 22">
-            <a:extLst>
-              <a:ext uri="{FF2B5EF4-FFF2-40B4-BE49-F238E27FC236}">
-                <a16:creationId xmlns:a16="http://schemas.microsoft.com/office/drawing/2014/main" id="{94B76862-3AAF-5813-79F3-1B2337357958}"/>
-              </a:ext>
-            </a:extLst>
-          </p:cNvPr>
-          <p:cNvSpPr txBox="1"/>
-          <p:nvPr/>
-        </p:nvSpPr>
-        <p:spPr>
-          <a:xfrm>
-            <a:off x="3983109" y="3332792"/>
-            <a:ext cx="1382235" cy="523220"/>
-          </a:xfrm>
-          <a:prstGeom prst="rect">
-            <a:avLst/>
-          </a:prstGeom>
-          <a:noFill/>
-        </p:spPr>
-        <p:txBody>
-          <a:bodyPr wrap="square" rtlCol="0">
-            <a:spAutoFit/>
-          </a:bodyPr>
-          <a:lstStyle/>
-          <a:p>
-            <a:r>
-              <a:rPr kumimoji="1" lang="en-US" sz="1400" i="1" u="sng" dirty="0"/>
-              <a:t>Business logic</a:t>
-            </a:r>
-          </a:p>
-          <a:p>
-            <a:pPr algn="ctr"/>
-            <a:r>
-              <a:rPr lang="en-US" sz="1400" b="1" u="sng" dirty="0"/>
-              <a:t>( Optional )</a:t>
-            </a:r>
-            <a:endParaRPr kumimoji="1" lang="en-JP" sz="1400" b="1" u="sng" dirty="0"/>
-          </a:p>
-        </p:txBody>
-      </p:sp>
-      <p:sp>
-        <p:nvSpPr>
-          <p:cNvPr id="24" name="TextBox 23">
-            <a:extLst>
-              <a:ext uri="{FF2B5EF4-FFF2-40B4-BE49-F238E27FC236}">
-                <a16:creationId xmlns:a16="http://schemas.microsoft.com/office/drawing/2014/main" id="{7E6A0028-7104-A9A0-ABF8-DA0A965842A1}"/>
-              </a:ext>
-            </a:extLst>
-          </p:cNvPr>
-          <p:cNvSpPr txBox="1"/>
-          <p:nvPr/>
-        </p:nvSpPr>
-        <p:spPr>
-          <a:xfrm>
-            <a:off x="5857652" y="3332794"/>
-            <a:ext cx="1302399" cy="307777"/>
-          </a:xfrm>
-          <a:prstGeom prst="rect">
-            <a:avLst/>
-          </a:prstGeom>
-          <a:noFill/>
-        </p:spPr>
-        <p:txBody>
-          <a:bodyPr wrap="square" rtlCol="0">
-            <a:spAutoFit/>
-          </a:bodyPr>
-          <a:lstStyle/>
-          <a:p>
-            <a:r>
-              <a:rPr lang="en-US" sz="1400" i="1" u="sng" dirty="0"/>
-              <a:t>Scenario flow</a:t>
-            </a:r>
-            <a:endParaRPr kumimoji="1" lang="en-JP" sz="1400" i="1" u="sng" dirty="0"/>
-          </a:p>
-        </p:txBody>
-      </p:sp>
-      <p:cxnSp>
-        <p:nvCxnSpPr>
-          <p:cNvPr id="25" name="Straight Arrow Connector 24">
-            <a:extLst>
-              <a:ext uri="{FF2B5EF4-FFF2-40B4-BE49-F238E27FC236}">
-                <a16:creationId xmlns:a16="http://schemas.microsoft.com/office/drawing/2014/main" id="{C162DB3C-62A9-6C2C-C521-29D131A13EC0}"/>
-              </a:ext>
-            </a:extLst>
-          </p:cNvPr>
-          <p:cNvCxnSpPr>
-            <a:cxnSpLocks/>
-          </p:cNvCxnSpPr>
-          <p:nvPr/>
-        </p:nvCxnSpPr>
-        <p:spPr>
-          <a:xfrm>
-            <a:off x="6439225" y="2597624"/>
-            <a:ext cx="0" cy="450319"/>
-          </a:xfrm>
-          <a:prstGeom prst="straightConnector1">
-            <a:avLst/>
-          </a:prstGeom>
-          <a:ln w="66675">
-            <a:solidFill>
-              <a:schemeClr val="accent6">
-                <a:lumMod val="50000"/>
-              </a:schemeClr>
-            </a:solidFill>
-            <a:tailEnd type="triangle"/>
-          </a:ln>
-        </p:spPr>
-        <p:style>
-          <a:lnRef idx="1">
-            <a:schemeClr val="accent1"/>
-          </a:lnRef>
-          <a:fillRef idx="0">
-            <a:schemeClr val="accent1"/>
-          </a:fillRef>
-          <a:effectRef idx="0">
-            <a:schemeClr val="accent1"/>
-          </a:effectRef>
-          <a:fontRef idx="minor">
-            <a:schemeClr val="tx1"/>
-          </a:fontRef>
-        </p:style>
-      </p:cxnSp>
-      <p:cxnSp>
-        <p:nvCxnSpPr>
-          <p:cNvPr id="26" name="Straight Arrow Connector 25">
-            <a:extLst>
-              <a:ext uri="{FF2B5EF4-FFF2-40B4-BE49-F238E27FC236}">
-                <a16:creationId xmlns:a16="http://schemas.microsoft.com/office/drawing/2014/main" id="{1F9E8D08-15A7-167D-4136-3AD74FF952F7}"/>
-              </a:ext>
-            </a:extLst>
-          </p:cNvPr>
-          <p:cNvCxnSpPr>
-            <a:cxnSpLocks/>
-          </p:cNvCxnSpPr>
-          <p:nvPr/>
-        </p:nvCxnSpPr>
-        <p:spPr>
-          <a:xfrm>
-            <a:off x="8393736" y="2565546"/>
-            <a:ext cx="0" cy="450319"/>
-          </a:xfrm>
-          <a:prstGeom prst="straightConnector1">
-            <a:avLst/>
-          </a:prstGeom>
-          <a:ln w="66675">
-            <a:solidFill>
-              <a:schemeClr val="accent6">
-                <a:lumMod val="50000"/>
-              </a:schemeClr>
-            </a:solidFill>
-            <a:tailEnd type="triangle"/>
-          </a:ln>
-        </p:spPr>
-        <p:style>
-          <a:lnRef idx="1">
-            <a:schemeClr val="accent1"/>
-          </a:lnRef>
-          <a:fillRef idx="0">
-            <a:schemeClr val="accent1"/>
-          </a:fillRef>
-          <a:effectRef idx="0">
-            <a:schemeClr val="accent1"/>
-          </a:effectRef>
-          <a:fontRef idx="minor">
-            <a:schemeClr val="tx1"/>
-          </a:fontRef>
-        </p:style>
-      </p:cxnSp>
-      <p:sp>
-        <p:nvSpPr>
-          <p:cNvPr id="28" name="TextBox 27">
-            <a:extLst>
-              <a:ext uri="{FF2B5EF4-FFF2-40B4-BE49-F238E27FC236}">
-                <a16:creationId xmlns:a16="http://schemas.microsoft.com/office/drawing/2014/main" id="{92DB1683-18F5-CC4A-94C9-A9ADE63B2673}"/>
-              </a:ext>
-            </a:extLst>
-          </p:cNvPr>
-          <p:cNvSpPr txBox="1"/>
-          <p:nvPr/>
-        </p:nvSpPr>
-        <p:spPr>
-          <a:xfrm>
-            <a:off x="7588964" y="3332793"/>
-            <a:ext cx="1820373" cy="307777"/>
-          </a:xfrm>
-          <a:prstGeom prst="rect">
-            <a:avLst/>
-          </a:prstGeom>
-          <a:noFill/>
-        </p:spPr>
-        <p:txBody>
-          <a:bodyPr wrap="square" rtlCol="0">
-            <a:spAutoFit/>
-          </a:bodyPr>
-          <a:lstStyle/>
-          <a:p>
-            <a:r>
-              <a:rPr lang="en-US" sz="1400" i="1" u="sng" dirty="0"/>
-              <a:t>Feature data object</a:t>
-            </a:r>
-            <a:endParaRPr kumimoji="1" lang="en-JP" sz="1400" i="1" u="sng" dirty="0"/>
-          </a:p>
-        </p:txBody>
-      </p:sp>
-      <p:sp>
-        <p:nvSpPr>
-          <p:cNvPr id="29" name="正方形/長方形 34">
-            <a:extLst>
-              <a:ext uri="{FF2B5EF4-FFF2-40B4-BE49-F238E27FC236}">
-                <a16:creationId xmlns:a16="http://schemas.microsoft.com/office/drawing/2014/main" id="{C9F4F6CD-6A14-5140-E3EB-5A605C29FF49}"/>
-              </a:ext>
-            </a:extLst>
-          </p:cNvPr>
-          <p:cNvSpPr/>
-          <p:nvPr/>
-        </p:nvSpPr>
-        <p:spPr>
-          <a:xfrm>
-            <a:off x="1971220" y="4470054"/>
-            <a:ext cx="2029065" cy="423145"/>
-          </a:xfrm>
-          <a:prstGeom prst="rect">
-            <a:avLst/>
-          </a:prstGeom>
-          <a:solidFill>
-            <a:schemeClr val="accent4">
-              <a:lumMod val="50000"/>
-            </a:schemeClr>
-          </a:solidFill>
-          <a:ln>
-            <a:noFill/>
-          </a:ln>
-        </p:spPr>
-        <p:style>
-          <a:lnRef idx="2">
-            <a:schemeClr val="accent1">
-              <a:shade val="50000"/>
-            </a:schemeClr>
-          </a:lnRef>
-          <a:fillRef idx="1">
-            <a:schemeClr val="accent1"/>
-          </a:fillRef>
-          <a:effectRef idx="0">
-            <a:schemeClr val="accent1"/>
-          </a:effectRef>
-          <a:fontRef idx="minor">
-            <a:schemeClr val="lt1"/>
-          </a:fontRef>
-        </p:style>
-        <p:txBody>
-          <a:bodyPr rtlCol="0" anchor="ctr"/>
-          <a:lstStyle/>
-          <a:p>
-            <a:pPr algn="ctr"/>
-            <a:r>
-              <a:rPr kumimoji="1" lang="en-US" sz="1300" b="1" dirty="0">
-                <a:solidFill>
-                  <a:schemeClr val="bg1"/>
-                </a:solidFill>
-              </a:rPr>
-              <a:t>DTO </a:t>
-            </a:r>
-          </a:p>
-          <a:p>
-            <a:pPr algn="ctr"/>
-            <a:r>
-              <a:rPr lang="en-US" sz="1300" b="1" dirty="0">
-                <a:solidFill>
-                  <a:schemeClr val="bg1"/>
-                </a:solidFill>
-              </a:rPr>
-              <a:t>(Data Transfer Object )</a:t>
-            </a:r>
-            <a:endParaRPr kumimoji="1" lang="en-US" sz="1300" b="1" dirty="0">
-              <a:solidFill>
-                <a:schemeClr val="bg1"/>
-              </a:solidFill>
-            </a:endParaRPr>
-          </a:p>
-        </p:txBody>
-      </p:sp>
-      <p:cxnSp>
-        <p:nvCxnSpPr>
-          <p:cNvPr id="30" name="Straight Arrow Connector 29">
-            <a:extLst>
-              <a:ext uri="{FF2B5EF4-FFF2-40B4-BE49-F238E27FC236}">
-                <a16:creationId xmlns:a16="http://schemas.microsoft.com/office/drawing/2014/main" id="{4214A000-CB49-6383-2D61-CCB6E7A6357C}"/>
-              </a:ext>
-            </a:extLst>
-          </p:cNvPr>
-          <p:cNvCxnSpPr>
-            <a:cxnSpLocks/>
-          </p:cNvCxnSpPr>
-          <p:nvPr/>
-        </p:nvCxnSpPr>
-        <p:spPr>
-          <a:xfrm>
-            <a:off x="945999" y="5209444"/>
-            <a:ext cx="0" cy="450319"/>
-          </a:xfrm>
-          <a:prstGeom prst="straightConnector1">
-            <a:avLst/>
-          </a:prstGeom>
-          <a:ln w="66675">
-            <a:solidFill>
-              <a:schemeClr val="accent6">
-                <a:lumMod val="50000"/>
-              </a:schemeClr>
-            </a:solidFill>
-            <a:tailEnd type="triangle"/>
-          </a:ln>
-        </p:spPr>
-        <p:style>
-          <a:lnRef idx="1">
-            <a:schemeClr val="accent1"/>
-          </a:lnRef>
-          <a:fillRef idx="0">
-            <a:schemeClr val="accent1"/>
-          </a:fillRef>
-          <a:effectRef idx="0">
-            <a:schemeClr val="accent1"/>
-          </a:effectRef>
-          <a:fontRef idx="minor">
-            <a:schemeClr val="tx1"/>
-          </a:fontRef>
-        </p:style>
-      </p:cxnSp>
-      <p:cxnSp>
-        <p:nvCxnSpPr>
-          <p:cNvPr id="31" name="Straight Arrow Connector 30">
-            <a:extLst>
-              <a:ext uri="{FF2B5EF4-FFF2-40B4-BE49-F238E27FC236}">
-                <a16:creationId xmlns:a16="http://schemas.microsoft.com/office/drawing/2014/main" id="{1529E91D-995B-45D3-FF7D-52DB894AF036}"/>
-              </a:ext>
-            </a:extLst>
-          </p:cNvPr>
-          <p:cNvCxnSpPr>
-            <a:cxnSpLocks/>
-          </p:cNvCxnSpPr>
-          <p:nvPr/>
-        </p:nvCxnSpPr>
-        <p:spPr>
-          <a:xfrm>
-            <a:off x="2917820" y="5209443"/>
-            <a:ext cx="0" cy="450319"/>
-          </a:xfrm>
-          <a:prstGeom prst="straightConnector1">
-            <a:avLst/>
-          </a:prstGeom>
-          <a:ln w="66675">
-            <a:solidFill>
-              <a:schemeClr val="accent6">
-                <a:lumMod val="50000"/>
-              </a:schemeClr>
-            </a:solidFill>
-            <a:tailEnd type="triangle"/>
-          </a:ln>
-        </p:spPr>
-        <p:style>
-          <a:lnRef idx="1">
-            <a:schemeClr val="accent1"/>
-          </a:lnRef>
-          <a:fillRef idx="0">
-            <a:schemeClr val="accent1"/>
-          </a:fillRef>
-          <a:effectRef idx="0">
-            <a:schemeClr val="accent1"/>
-          </a:effectRef>
-          <a:fontRef idx="minor">
-            <a:schemeClr val="tx1"/>
-          </a:fontRef>
-        </p:style>
-      </p:cxnSp>
-      <p:sp>
-        <p:nvSpPr>
-          <p:cNvPr id="32" name="TextBox 31">
-            <a:extLst>
-              <a:ext uri="{FF2B5EF4-FFF2-40B4-BE49-F238E27FC236}">
-                <a16:creationId xmlns:a16="http://schemas.microsoft.com/office/drawing/2014/main" id="{F6103397-A0D3-6C66-DA79-E91CE697AC52}"/>
-              </a:ext>
-            </a:extLst>
-          </p:cNvPr>
-          <p:cNvSpPr txBox="1"/>
-          <p:nvPr/>
-        </p:nvSpPr>
-        <p:spPr>
-          <a:xfrm>
-            <a:off x="415322" y="5822572"/>
-            <a:ext cx="1195093" cy="307777"/>
-          </a:xfrm>
-          <a:prstGeom prst="rect">
-            <a:avLst/>
-          </a:prstGeom>
-          <a:noFill/>
-        </p:spPr>
-        <p:txBody>
-          <a:bodyPr wrap="square" rtlCol="0">
-            <a:spAutoFit/>
-          </a:bodyPr>
-          <a:lstStyle/>
-          <a:p>
-            <a:r>
-              <a:rPr lang="en-US" sz="1400" i="1" u="sng" dirty="0"/>
-              <a:t>Data source</a:t>
-            </a:r>
-            <a:endParaRPr kumimoji="1" lang="en-JP" sz="1400" i="1" u="sng" dirty="0"/>
-          </a:p>
-        </p:txBody>
-      </p:sp>
-      <p:sp>
-        <p:nvSpPr>
-          <p:cNvPr id="33" name="TextBox 32">
-            <a:extLst>
-              <a:ext uri="{FF2B5EF4-FFF2-40B4-BE49-F238E27FC236}">
-                <a16:creationId xmlns:a16="http://schemas.microsoft.com/office/drawing/2014/main" id="{61378229-DA25-1038-3815-CE3261C3FD8F}"/>
-              </a:ext>
-            </a:extLst>
-          </p:cNvPr>
-          <p:cNvSpPr txBox="1"/>
-          <p:nvPr/>
-        </p:nvSpPr>
-        <p:spPr>
-          <a:xfrm>
-            <a:off x="2129504" y="5822117"/>
-            <a:ext cx="1712496" cy="307777"/>
-          </a:xfrm>
-          <a:prstGeom prst="rect">
-            <a:avLst/>
-          </a:prstGeom>
-          <a:noFill/>
-        </p:spPr>
-        <p:txBody>
-          <a:bodyPr wrap="square" rtlCol="0">
-            <a:spAutoFit/>
-          </a:bodyPr>
-          <a:lstStyle/>
-          <a:p>
-            <a:r>
-              <a:rPr lang="en-US" sz="1400" i="1" u="sng" dirty="0"/>
-              <a:t>Convert response</a:t>
-            </a:r>
-            <a:endParaRPr kumimoji="1" lang="en-JP" sz="1400" i="1" u="sng" dirty="0"/>
+            <a:endParaRPr kumimoji="1" lang="en-JP" dirty="0"/>
           </a:p>
         </p:txBody>
       </p:sp>
     </p:spTree>
     <p:extLst>
       <p:ext uri="{BB962C8B-B14F-4D97-AF65-F5344CB8AC3E}">
-        <p14:creationId xmlns:p14="http://schemas.microsoft.com/office/powerpoint/2010/main" val="3064127956"/>
+        <p14:creationId xmlns:p14="http://schemas.microsoft.com/office/powerpoint/2010/main" val="1025249058"/>
       </p:ext>
     </p:extLst>
   </p:cSld>
@@ -5933,6 +5265,2692 @@
             <a:pPr algn="ctr"/>
             <a:r>
               <a:rPr lang="en-JP" altLang="ja-JP" sz="3600" b="1" kern="0" dirty="0"/>
+              <a:t>Sep</a:t>
+            </a:r>
+            <a:r>
+              <a:rPr lang="en-US" altLang="ja-JP" sz="3600" b="1" kern="0" dirty="0"/>
+              <a:t>a</a:t>
+            </a:r>
+            <a:r>
+              <a:rPr lang="en-JP" altLang="ja-JP" sz="3600" b="1" kern="0" dirty="0"/>
+              <a:t>rate usecase into modules</a:t>
+            </a:r>
+            <a:endParaRPr lang="ja-JP" altLang="en-US" sz="3600" b="1" kern="0" dirty="0"/>
+          </a:p>
+        </p:txBody>
+      </p:sp>
+      <p:cxnSp>
+        <p:nvCxnSpPr>
+          <p:cNvPr id="8" name="Straight Connector 7">
+            <a:extLst>
+              <a:ext uri="{FF2B5EF4-FFF2-40B4-BE49-F238E27FC236}">
+                <a16:creationId xmlns:a16="http://schemas.microsoft.com/office/drawing/2014/main" id="{0F07A22E-5A49-9049-9297-0D650C8F1F64}"/>
+              </a:ext>
+            </a:extLst>
+          </p:cNvPr>
+          <p:cNvCxnSpPr>
+            <a:cxnSpLocks/>
+          </p:cNvCxnSpPr>
+          <p:nvPr/>
+        </p:nvCxnSpPr>
+        <p:spPr>
+          <a:xfrm>
+            <a:off x="797441" y="950071"/>
+            <a:ext cx="10047768" cy="0"/>
+          </a:xfrm>
+          <a:prstGeom prst="line">
+            <a:avLst/>
+          </a:prstGeom>
+          <a:ln/>
+        </p:spPr>
+        <p:style>
+          <a:lnRef idx="2">
+            <a:schemeClr val="dk1"/>
+          </a:lnRef>
+          <a:fillRef idx="0">
+            <a:schemeClr val="dk1"/>
+          </a:fillRef>
+          <a:effectRef idx="1">
+            <a:schemeClr val="dk1"/>
+          </a:effectRef>
+          <a:fontRef idx="minor">
+            <a:schemeClr val="tx1"/>
+          </a:fontRef>
+        </p:style>
+      </p:cxnSp>
+      <p:sp>
+        <p:nvSpPr>
+          <p:cNvPr id="3" name="正方形/長方形 34">
+            <a:extLst>
+              <a:ext uri="{FF2B5EF4-FFF2-40B4-BE49-F238E27FC236}">
+                <a16:creationId xmlns:a16="http://schemas.microsoft.com/office/drawing/2014/main" id="{A7187707-2915-2D5A-202D-E35793A539E5}"/>
+              </a:ext>
+            </a:extLst>
+          </p:cNvPr>
+          <p:cNvSpPr/>
+          <p:nvPr/>
+        </p:nvSpPr>
+        <p:spPr>
+          <a:xfrm>
+            <a:off x="244821" y="1690632"/>
+            <a:ext cx="1365594" cy="423145"/>
+          </a:xfrm>
+          <a:prstGeom prst="rect">
+            <a:avLst/>
+          </a:prstGeom>
+          <a:solidFill>
+            <a:schemeClr val="accent6">
+              <a:lumMod val="50000"/>
+            </a:schemeClr>
+          </a:solidFill>
+          <a:ln>
+            <a:noFill/>
+          </a:ln>
+        </p:spPr>
+        <p:style>
+          <a:lnRef idx="2">
+            <a:schemeClr val="accent1">
+              <a:shade val="50000"/>
+            </a:schemeClr>
+          </a:lnRef>
+          <a:fillRef idx="1">
+            <a:schemeClr val="accent1"/>
+          </a:fillRef>
+          <a:effectRef idx="0">
+            <a:schemeClr val="accent1"/>
+          </a:effectRef>
+          <a:fontRef idx="minor">
+            <a:schemeClr val="lt1"/>
+          </a:fontRef>
+        </p:style>
+        <p:txBody>
+          <a:bodyPr rtlCol="0" anchor="ctr"/>
+          <a:lstStyle/>
+          <a:p>
+            <a:pPr algn="ctr"/>
+            <a:r>
+              <a:rPr kumimoji="1" lang="en-US" sz="1300" b="1" dirty="0" err="1">
+                <a:solidFill>
+                  <a:schemeClr val="bg1"/>
+                </a:solidFill>
+              </a:rPr>
+              <a:t>ViewController</a:t>
+            </a:r>
+            <a:endParaRPr kumimoji="1" lang="en-US" sz="1300" b="1" dirty="0">
+              <a:solidFill>
+                <a:schemeClr val="bg1"/>
+              </a:solidFill>
+            </a:endParaRPr>
+          </a:p>
+        </p:txBody>
+      </p:sp>
+      <p:sp>
+        <p:nvSpPr>
+          <p:cNvPr id="4" name="正方形/長方形 34">
+            <a:extLst>
+              <a:ext uri="{FF2B5EF4-FFF2-40B4-BE49-F238E27FC236}">
+                <a16:creationId xmlns:a16="http://schemas.microsoft.com/office/drawing/2014/main" id="{48FCBF24-58E7-9631-41C4-AF5D40DC66AD}"/>
+              </a:ext>
+            </a:extLst>
+          </p:cNvPr>
+          <p:cNvSpPr/>
+          <p:nvPr/>
+        </p:nvSpPr>
+        <p:spPr>
+          <a:xfrm>
+            <a:off x="2139788" y="1690297"/>
+            <a:ext cx="1302398" cy="423145"/>
+          </a:xfrm>
+          <a:prstGeom prst="rect">
+            <a:avLst/>
+          </a:prstGeom>
+          <a:solidFill>
+            <a:schemeClr val="accent6">
+              <a:lumMod val="50000"/>
+            </a:schemeClr>
+          </a:solidFill>
+          <a:ln>
+            <a:noFill/>
+          </a:ln>
+        </p:spPr>
+        <p:style>
+          <a:lnRef idx="2">
+            <a:schemeClr val="accent1">
+              <a:shade val="50000"/>
+            </a:schemeClr>
+          </a:lnRef>
+          <a:fillRef idx="1">
+            <a:schemeClr val="accent1"/>
+          </a:fillRef>
+          <a:effectRef idx="0">
+            <a:schemeClr val="accent1"/>
+          </a:effectRef>
+          <a:fontRef idx="minor">
+            <a:schemeClr val="lt1"/>
+          </a:fontRef>
+        </p:style>
+        <p:txBody>
+          <a:bodyPr rtlCol="0" anchor="ctr"/>
+          <a:lstStyle/>
+          <a:p>
+            <a:pPr algn="ctr"/>
+            <a:r>
+              <a:rPr kumimoji="1" lang="en-US" sz="1300" b="1" dirty="0" err="1">
+                <a:solidFill>
+                  <a:schemeClr val="bg1"/>
+                </a:solidFill>
+              </a:rPr>
+              <a:t>ViewModel</a:t>
+            </a:r>
+            <a:endParaRPr kumimoji="1" lang="en-US" sz="1300" b="1" dirty="0">
+              <a:solidFill>
+                <a:schemeClr val="bg1"/>
+              </a:solidFill>
+            </a:endParaRPr>
+          </a:p>
+        </p:txBody>
+      </p:sp>
+      <p:sp>
+        <p:nvSpPr>
+          <p:cNvPr id="5" name="正方形/長方形 34">
+            <a:extLst>
+              <a:ext uri="{FF2B5EF4-FFF2-40B4-BE49-F238E27FC236}">
+                <a16:creationId xmlns:a16="http://schemas.microsoft.com/office/drawing/2014/main" id="{F1E8CE5B-CE3A-97CD-AC99-87EE253EE6C9}"/>
+              </a:ext>
+            </a:extLst>
+          </p:cNvPr>
+          <p:cNvSpPr/>
+          <p:nvPr/>
+        </p:nvSpPr>
+        <p:spPr>
+          <a:xfrm>
+            <a:off x="5942464" y="1690296"/>
+            <a:ext cx="1302404" cy="423145"/>
+          </a:xfrm>
+          <a:prstGeom prst="rect">
+            <a:avLst/>
+          </a:prstGeom>
+          <a:solidFill>
+            <a:schemeClr val="accent2">
+              <a:lumMod val="50000"/>
+            </a:schemeClr>
+          </a:solidFill>
+          <a:ln>
+            <a:noFill/>
+          </a:ln>
+        </p:spPr>
+        <p:style>
+          <a:lnRef idx="2">
+            <a:schemeClr val="accent1">
+              <a:shade val="50000"/>
+            </a:schemeClr>
+          </a:lnRef>
+          <a:fillRef idx="1">
+            <a:schemeClr val="accent1"/>
+          </a:fillRef>
+          <a:effectRef idx="0">
+            <a:schemeClr val="accent1"/>
+          </a:effectRef>
+          <a:fontRef idx="minor">
+            <a:schemeClr val="lt1"/>
+          </a:fontRef>
+        </p:style>
+        <p:txBody>
+          <a:bodyPr rtlCol="0" anchor="ctr"/>
+          <a:lstStyle/>
+          <a:p>
+            <a:pPr algn="ctr"/>
+            <a:r>
+              <a:rPr kumimoji="1" lang="en-US" sz="1300" b="1" dirty="0" err="1">
+                <a:solidFill>
+                  <a:schemeClr val="bg1"/>
+                </a:solidFill>
+              </a:rPr>
+              <a:t>Use</a:t>
+            </a:r>
+            <a:r>
+              <a:rPr lang="en-US" sz="1300" b="1" dirty="0" err="1">
+                <a:solidFill>
+                  <a:schemeClr val="bg1"/>
+                </a:solidFill>
+              </a:rPr>
+              <a:t>Case</a:t>
+            </a:r>
+            <a:endParaRPr kumimoji="1" lang="en-US" sz="1300" b="1" dirty="0">
+              <a:solidFill>
+                <a:schemeClr val="bg1"/>
+              </a:solidFill>
+            </a:endParaRPr>
+          </a:p>
+        </p:txBody>
+      </p:sp>
+      <p:sp>
+        <p:nvSpPr>
+          <p:cNvPr id="7" name="正方形/長方形 34">
+            <a:extLst>
+              <a:ext uri="{FF2B5EF4-FFF2-40B4-BE49-F238E27FC236}">
+                <a16:creationId xmlns:a16="http://schemas.microsoft.com/office/drawing/2014/main" id="{14F20244-57BF-7C8D-C75C-BE6D1A638FA7}"/>
+              </a:ext>
+            </a:extLst>
+          </p:cNvPr>
+          <p:cNvSpPr/>
+          <p:nvPr/>
+        </p:nvSpPr>
+        <p:spPr>
+          <a:xfrm>
+            <a:off x="7784688" y="1697498"/>
+            <a:ext cx="1402364" cy="423145"/>
+          </a:xfrm>
+          <a:prstGeom prst="rect">
+            <a:avLst/>
+          </a:prstGeom>
+          <a:solidFill>
+            <a:schemeClr val="accent2">
+              <a:lumMod val="50000"/>
+            </a:schemeClr>
+          </a:solidFill>
+          <a:ln>
+            <a:noFill/>
+          </a:ln>
+        </p:spPr>
+        <p:style>
+          <a:lnRef idx="2">
+            <a:schemeClr val="accent1">
+              <a:shade val="50000"/>
+            </a:schemeClr>
+          </a:lnRef>
+          <a:fillRef idx="1">
+            <a:schemeClr val="accent1"/>
+          </a:fillRef>
+          <a:effectRef idx="0">
+            <a:schemeClr val="accent1"/>
+          </a:effectRef>
+          <a:fontRef idx="minor">
+            <a:schemeClr val="lt1"/>
+          </a:fontRef>
+        </p:style>
+        <p:txBody>
+          <a:bodyPr rtlCol="0" anchor="ctr"/>
+          <a:lstStyle/>
+          <a:p>
+            <a:pPr algn="ctr"/>
+            <a:r>
+              <a:rPr kumimoji="1" lang="en-US" sz="1300" b="1" dirty="0">
+                <a:solidFill>
+                  <a:schemeClr val="bg1"/>
+                </a:solidFill>
+              </a:rPr>
+              <a:t>Entity</a:t>
+            </a:r>
+          </a:p>
+        </p:txBody>
+      </p:sp>
+      <p:sp>
+        <p:nvSpPr>
+          <p:cNvPr id="9" name="正方形/長方形 34">
+            <a:extLst>
+              <a:ext uri="{FF2B5EF4-FFF2-40B4-BE49-F238E27FC236}">
+                <a16:creationId xmlns:a16="http://schemas.microsoft.com/office/drawing/2014/main" id="{C22802ED-6767-EFDC-DF26-A2BE37A4E294}"/>
+              </a:ext>
+            </a:extLst>
+          </p:cNvPr>
+          <p:cNvSpPr/>
+          <p:nvPr/>
+        </p:nvSpPr>
+        <p:spPr>
+          <a:xfrm>
+            <a:off x="244821" y="4486354"/>
+            <a:ext cx="1402357" cy="423145"/>
+          </a:xfrm>
+          <a:prstGeom prst="rect">
+            <a:avLst/>
+          </a:prstGeom>
+          <a:solidFill>
+            <a:schemeClr val="accent4">
+              <a:lumMod val="50000"/>
+            </a:schemeClr>
+          </a:solidFill>
+          <a:ln>
+            <a:noFill/>
+          </a:ln>
+        </p:spPr>
+        <p:style>
+          <a:lnRef idx="2">
+            <a:schemeClr val="accent1">
+              <a:shade val="50000"/>
+            </a:schemeClr>
+          </a:lnRef>
+          <a:fillRef idx="1">
+            <a:schemeClr val="accent1"/>
+          </a:fillRef>
+          <a:effectRef idx="0">
+            <a:schemeClr val="accent1"/>
+          </a:effectRef>
+          <a:fontRef idx="minor">
+            <a:schemeClr val="lt1"/>
+          </a:fontRef>
+        </p:style>
+        <p:txBody>
+          <a:bodyPr rtlCol="0" anchor="ctr"/>
+          <a:lstStyle/>
+          <a:p>
+            <a:pPr algn="ctr"/>
+            <a:r>
+              <a:rPr kumimoji="1" lang="en-US" sz="1300" b="1" dirty="0">
+                <a:solidFill>
+                  <a:schemeClr val="bg1"/>
+                </a:solidFill>
+              </a:rPr>
+              <a:t>Repository</a:t>
+            </a:r>
+          </a:p>
+        </p:txBody>
+      </p:sp>
+      <p:sp>
+        <p:nvSpPr>
+          <p:cNvPr id="10" name="正方形/長方形 34">
+            <a:extLst>
+              <a:ext uri="{FF2B5EF4-FFF2-40B4-BE49-F238E27FC236}">
+                <a16:creationId xmlns:a16="http://schemas.microsoft.com/office/drawing/2014/main" id="{1657F4C2-5745-15DE-D408-BF71FEE21B7C}"/>
+              </a:ext>
+            </a:extLst>
+          </p:cNvPr>
+          <p:cNvSpPr/>
+          <p:nvPr/>
+        </p:nvSpPr>
+        <p:spPr>
+          <a:xfrm>
+            <a:off x="4000285" y="1697498"/>
+            <a:ext cx="1302398" cy="423145"/>
+          </a:xfrm>
+          <a:prstGeom prst="rect">
+            <a:avLst/>
+          </a:prstGeom>
+          <a:solidFill>
+            <a:schemeClr val="accent2">
+              <a:lumMod val="50000"/>
+            </a:schemeClr>
+          </a:solidFill>
+          <a:ln>
+            <a:noFill/>
+          </a:ln>
+        </p:spPr>
+        <p:style>
+          <a:lnRef idx="2">
+            <a:schemeClr val="accent1">
+              <a:shade val="50000"/>
+            </a:schemeClr>
+          </a:lnRef>
+          <a:fillRef idx="1">
+            <a:schemeClr val="accent1"/>
+          </a:fillRef>
+          <a:effectRef idx="0">
+            <a:schemeClr val="accent1"/>
+          </a:effectRef>
+          <a:fontRef idx="minor">
+            <a:schemeClr val="lt1"/>
+          </a:fontRef>
+        </p:style>
+        <p:txBody>
+          <a:bodyPr rtlCol="0" anchor="ctr"/>
+          <a:lstStyle/>
+          <a:p>
+            <a:pPr algn="ctr"/>
+            <a:r>
+              <a:rPr kumimoji="1" lang="en-US" sz="1300" b="1" dirty="0">
+                <a:solidFill>
+                  <a:schemeClr val="bg1"/>
+                </a:solidFill>
+              </a:rPr>
+              <a:t>Model</a:t>
+            </a:r>
+          </a:p>
+        </p:txBody>
+      </p:sp>
+      <p:sp>
+        <p:nvSpPr>
+          <p:cNvPr id="11" name="正方形/長方形 34">
+            <a:extLst>
+              <a:ext uri="{FF2B5EF4-FFF2-40B4-BE49-F238E27FC236}">
+                <a16:creationId xmlns:a16="http://schemas.microsoft.com/office/drawing/2014/main" id="{A6FFF8C6-990F-C2BF-A0AF-DD9A30D57ED0}"/>
+              </a:ext>
+            </a:extLst>
+          </p:cNvPr>
+          <p:cNvSpPr/>
+          <p:nvPr/>
+        </p:nvSpPr>
+        <p:spPr>
+          <a:xfrm>
+            <a:off x="10000923" y="1690297"/>
+            <a:ext cx="1729056" cy="423145"/>
+          </a:xfrm>
+          <a:prstGeom prst="rect">
+            <a:avLst/>
+          </a:prstGeom>
+          <a:solidFill>
+            <a:schemeClr val="accent6">
+              <a:lumMod val="50000"/>
+            </a:schemeClr>
+          </a:solidFill>
+          <a:ln>
+            <a:noFill/>
+          </a:ln>
+        </p:spPr>
+        <p:style>
+          <a:lnRef idx="2">
+            <a:schemeClr val="accent1">
+              <a:shade val="50000"/>
+            </a:schemeClr>
+          </a:lnRef>
+          <a:fillRef idx="1">
+            <a:schemeClr val="accent1"/>
+          </a:fillRef>
+          <a:effectRef idx="0">
+            <a:schemeClr val="accent1"/>
+          </a:effectRef>
+          <a:fontRef idx="minor">
+            <a:schemeClr val="lt1"/>
+          </a:fontRef>
+        </p:style>
+        <p:txBody>
+          <a:bodyPr rtlCol="0" anchor="ctr"/>
+          <a:lstStyle/>
+          <a:p>
+            <a:pPr algn="ctr"/>
+            <a:r>
+              <a:rPr kumimoji="1" lang="en-US" sz="1300" b="1" dirty="0">
+                <a:solidFill>
+                  <a:schemeClr val="bg1"/>
+                </a:solidFill>
+              </a:rPr>
+              <a:t>Core Module</a:t>
+            </a:r>
+          </a:p>
+        </p:txBody>
+      </p:sp>
+      <p:cxnSp>
+        <p:nvCxnSpPr>
+          <p:cNvPr id="12" name="Straight Connector 11">
+            <a:extLst>
+              <a:ext uri="{FF2B5EF4-FFF2-40B4-BE49-F238E27FC236}">
+                <a16:creationId xmlns:a16="http://schemas.microsoft.com/office/drawing/2014/main" id="{4317C956-603C-369F-D5BB-CA037E01FCFD}"/>
+              </a:ext>
+            </a:extLst>
+          </p:cNvPr>
+          <p:cNvCxnSpPr>
+            <a:cxnSpLocks/>
+          </p:cNvCxnSpPr>
+          <p:nvPr/>
+        </p:nvCxnSpPr>
+        <p:spPr>
+          <a:xfrm>
+            <a:off x="9838251" y="1258452"/>
+            <a:ext cx="0" cy="5054940"/>
+          </a:xfrm>
+          <a:prstGeom prst="line">
+            <a:avLst/>
+          </a:prstGeom>
+          <a:ln>
+            <a:prstDash val="sysDash"/>
+          </a:ln>
+        </p:spPr>
+        <p:style>
+          <a:lnRef idx="2">
+            <a:schemeClr val="dk1"/>
+          </a:lnRef>
+          <a:fillRef idx="0">
+            <a:schemeClr val="dk1"/>
+          </a:fillRef>
+          <a:effectRef idx="1">
+            <a:schemeClr val="dk1"/>
+          </a:effectRef>
+          <a:fontRef idx="minor">
+            <a:schemeClr val="tx1"/>
+          </a:fontRef>
+        </p:style>
+      </p:cxnSp>
+      <p:sp>
+        <p:nvSpPr>
+          <p:cNvPr id="16" name="Rectangle 15">
+            <a:extLst>
+              <a:ext uri="{FF2B5EF4-FFF2-40B4-BE49-F238E27FC236}">
+                <a16:creationId xmlns:a16="http://schemas.microsoft.com/office/drawing/2014/main" id="{03E4145C-6752-EC64-D865-C92B5AC9DAFA}"/>
+              </a:ext>
+            </a:extLst>
+          </p:cNvPr>
+          <p:cNvSpPr/>
+          <p:nvPr/>
+        </p:nvSpPr>
+        <p:spPr>
+          <a:xfrm>
+            <a:off x="10000923" y="3217427"/>
+            <a:ext cx="1708814" cy="423145"/>
+          </a:xfrm>
+          <a:prstGeom prst="rect">
+            <a:avLst/>
+          </a:prstGeom>
+          <a:ln>
+            <a:noFill/>
+          </a:ln>
+        </p:spPr>
+        <p:style>
+          <a:lnRef idx="2">
+            <a:schemeClr val="accent1">
+              <a:shade val="50000"/>
+            </a:schemeClr>
+          </a:lnRef>
+          <a:fillRef idx="1">
+            <a:schemeClr val="accent1"/>
+          </a:fillRef>
+          <a:effectRef idx="0">
+            <a:schemeClr val="accent1"/>
+          </a:effectRef>
+          <a:fontRef idx="minor">
+            <a:schemeClr val="lt1"/>
+          </a:fontRef>
+        </p:style>
+        <p:txBody>
+          <a:bodyPr rtlCol="0" anchor="ctr"/>
+          <a:lstStyle/>
+          <a:p>
+            <a:pPr algn="ctr"/>
+            <a:r>
+              <a:rPr kumimoji="1" lang="en-US" sz="1500" dirty="0"/>
+              <a:t>Local persistent</a:t>
+            </a:r>
+            <a:endParaRPr kumimoji="1" lang="en-JP" sz="1500" dirty="0"/>
+          </a:p>
+        </p:txBody>
+      </p:sp>
+      <p:sp>
+        <p:nvSpPr>
+          <p:cNvPr id="17" name="Rectangle 16">
+            <a:extLst>
+              <a:ext uri="{FF2B5EF4-FFF2-40B4-BE49-F238E27FC236}">
+                <a16:creationId xmlns:a16="http://schemas.microsoft.com/office/drawing/2014/main" id="{81FE434C-EEE3-DEC6-ABB8-1CC7971211F9}"/>
+              </a:ext>
+            </a:extLst>
+          </p:cNvPr>
+          <p:cNvSpPr/>
+          <p:nvPr/>
+        </p:nvSpPr>
+        <p:spPr>
+          <a:xfrm>
+            <a:off x="10021150" y="2450889"/>
+            <a:ext cx="1708829" cy="423145"/>
+          </a:xfrm>
+          <a:prstGeom prst="rect">
+            <a:avLst/>
+          </a:prstGeom>
+          <a:ln>
+            <a:noFill/>
+          </a:ln>
+        </p:spPr>
+        <p:style>
+          <a:lnRef idx="2">
+            <a:schemeClr val="accent1">
+              <a:shade val="50000"/>
+            </a:schemeClr>
+          </a:lnRef>
+          <a:fillRef idx="1">
+            <a:schemeClr val="accent1"/>
+          </a:fillRef>
+          <a:effectRef idx="0">
+            <a:schemeClr val="accent1"/>
+          </a:effectRef>
+          <a:fontRef idx="minor">
+            <a:schemeClr val="lt1"/>
+          </a:fontRef>
+        </p:style>
+        <p:txBody>
+          <a:bodyPr rtlCol="0" anchor="ctr"/>
+          <a:lstStyle/>
+          <a:p>
+            <a:pPr algn="ctr"/>
+            <a:r>
+              <a:rPr kumimoji="1" lang="en-US" sz="1500" dirty="0"/>
+              <a:t>Network</a:t>
+            </a:r>
+            <a:endParaRPr kumimoji="1" lang="en-JP" sz="1500" dirty="0"/>
+          </a:p>
+        </p:txBody>
+      </p:sp>
+      <p:cxnSp>
+        <p:nvCxnSpPr>
+          <p:cNvPr id="18" name="Straight Arrow Connector 17">
+            <a:extLst>
+              <a:ext uri="{FF2B5EF4-FFF2-40B4-BE49-F238E27FC236}">
+                <a16:creationId xmlns:a16="http://schemas.microsoft.com/office/drawing/2014/main" id="{D875ECD4-9093-31DB-FF0F-B46B31F0E8D9}"/>
+              </a:ext>
+            </a:extLst>
+          </p:cNvPr>
+          <p:cNvCxnSpPr>
+            <a:cxnSpLocks/>
+          </p:cNvCxnSpPr>
+          <p:nvPr/>
+        </p:nvCxnSpPr>
+        <p:spPr>
+          <a:xfrm>
+            <a:off x="914963" y="2597624"/>
+            <a:ext cx="0" cy="450319"/>
+          </a:xfrm>
+          <a:prstGeom prst="straightConnector1">
+            <a:avLst/>
+          </a:prstGeom>
+          <a:ln w="66675">
+            <a:solidFill>
+              <a:schemeClr val="accent6">
+                <a:lumMod val="50000"/>
+              </a:schemeClr>
+            </a:solidFill>
+            <a:tailEnd type="triangle"/>
+          </a:ln>
+        </p:spPr>
+        <p:style>
+          <a:lnRef idx="1">
+            <a:schemeClr val="accent1"/>
+          </a:lnRef>
+          <a:fillRef idx="0">
+            <a:schemeClr val="accent1"/>
+          </a:fillRef>
+          <a:effectRef idx="0">
+            <a:schemeClr val="accent1"/>
+          </a:effectRef>
+          <a:fontRef idx="minor">
+            <a:schemeClr val="tx1"/>
+          </a:fontRef>
+        </p:style>
+      </p:cxnSp>
+      <p:cxnSp>
+        <p:nvCxnSpPr>
+          <p:cNvPr id="19" name="Straight Arrow Connector 18">
+            <a:extLst>
+              <a:ext uri="{FF2B5EF4-FFF2-40B4-BE49-F238E27FC236}">
+                <a16:creationId xmlns:a16="http://schemas.microsoft.com/office/drawing/2014/main" id="{BECBCFD1-4D84-FC46-21FB-755BC9A706C4}"/>
+              </a:ext>
+            </a:extLst>
+          </p:cNvPr>
+          <p:cNvCxnSpPr>
+            <a:cxnSpLocks/>
+          </p:cNvCxnSpPr>
+          <p:nvPr/>
+        </p:nvCxnSpPr>
+        <p:spPr>
+          <a:xfrm>
+            <a:off x="2790987" y="2597622"/>
+            <a:ext cx="0" cy="450319"/>
+          </a:xfrm>
+          <a:prstGeom prst="straightConnector1">
+            <a:avLst/>
+          </a:prstGeom>
+          <a:ln w="66675">
+            <a:solidFill>
+              <a:schemeClr val="accent6">
+                <a:lumMod val="50000"/>
+              </a:schemeClr>
+            </a:solidFill>
+            <a:tailEnd type="triangle"/>
+          </a:ln>
+        </p:spPr>
+        <p:style>
+          <a:lnRef idx="1">
+            <a:schemeClr val="accent1"/>
+          </a:lnRef>
+          <a:fillRef idx="0">
+            <a:schemeClr val="accent1"/>
+          </a:fillRef>
+          <a:effectRef idx="0">
+            <a:schemeClr val="accent1"/>
+          </a:effectRef>
+          <a:fontRef idx="minor">
+            <a:schemeClr val="tx1"/>
+          </a:fontRef>
+        </p:style>
+      </p:cxnSp>
+      <p:sp>
+        <p:nvSpPr>
+          <p:cNvPr id="20" name="TextBox 19">
+            <a:extLst>
+              <a:ext uri="{FF2B5EF4-FFF2-40B4-BE49-F238E27FC236}">
+                <a16:creationId xmlns:a16="http://schemas.microsoft.com/office/drawing/2014/main" id="{E23E0997-73DE-2A94-0B10-9CBF2E24AF50}"/>
+              </a:ext>
+            </a:extLst>
+          </p:cNvPr>
+          <p:cNvSpPr txBox="1"/>
+          <p:nvPr/>
+        </p:nvSpPr>
+        <p:spPr>
+          <a:xfrm>
+            <a:off x="363545" y="3393290"/>
+            <a:ext cx="1395939" cy="307777"/>
+          </a:xfrm>
+          <a:prstGeom prst="rect">
+            <a:avLst/>
+          </a:prstGeom>
+          <a:noFill/>
+        </p:spPr>
+        <p:txBody>
+          <a:bodyPr wrap="square" rtlCol="0">
+            <a:spAutoFit/>
+          </a:bodyPr>
+          <a:lstStyle/>
+          <a:p>
+            <a:r>
+              <a:rPr lang="en-US" sz="1400" i="1" u="sng" dirty="0" err="1"/>
+              <a:t>UI、Transition</a:t>
+            </a:r>
+            <a:endParaRPr kumimoji="1" lang="en-JP" sz="1400" i="1" u="sng" dirty="0"/>
+          </a:p>
+        </p:txBody>
+      </p:sp>
+      <p:sp>
+        <p:nvSpPr>
+          <p:cNvPr id="21" name="TextBox 20">
+            <a:extLst>
+              <a:ext uri="{FF2B5EF4-FFF2-40B4-BE49-F238E27FC236}">
+                <a16:creationId xmlns:a16="http://schemas.microsoft.com/office/drawing/2014/main" id="{85EACEF8-74A5-E5AA-F164-E6F7B58941A4}"/>
+              </a:ext>
+            </a:extLst>
+          </p:cNvPr>
+          <p:cNvSpPr txBox="1"/>
+          <p:nvPr/>
+        </p:nvSpPr>
+        <p:spPr>
+          <a:xfrm>
+            <a:off x="2353748" y="3348720"/>
+            <a:ext cx="1128145" cy="307777"/>
+          </a:xfrm>
+          <a:prstGeom prst="rect">
+            <a:avLst/>
+          </a:prstGeom>
+          <a:noFill/>
+        </p:spPr>
+        <p:txBody>
+          <a:bodyPr wrap="square" rtlCol="0">
+            <a:spAutoFit/>
+          </a:bodyPr>
+          <a:lstStyle/>
+          <a:p>
+            <a:r>
+              <a:rPr kumimoji="1" lang="en-US" sz="1400" i="1" u="sng" dirty="0"/>
+              <a:t>UI binding</a:t>
+            </a:r>
+            <a:endParaRPr kumimoji="1" lang="en-JP" sz="1400" i="1" u="sng" dirty="0"/>
+          </a:p>
+        </p:txBody>
+      </p:sp>
+      <p:cxnSp>
+        <p:nvCxnSpPr>
+          <p:cNvPr id="22" name="Straight Arrow Connector 21">
+            <a:extLst>
+              <a:ext uri="{FF2B5EF4-FFF2-40B4-BE49-F238E27FC236}">
+                <a16:creationId xmlns:a16="http://schemas.microsoft.com/office/drawing/2014/main" id="{002CC68D-3D7F-39DB-CE9A-835E5975B121}"/>
+              </a:ext>
+            </a:extLst>
+          </p:cNvPr>
+          <p:cNvCxnSpPr>
+            <a:cxnSpLocks/>
+          </p:cNvCxnSpPr>
+          <p:nvPr/>
+        </p:nvCxnSpPr>
+        <p:spPr>
+          <a:xfrm>
+            <a:off x="4651484" y="2597623"/>
+            <a:ext cx="0" cy="450319"/>
+          </a:xfrm>
+          <a:prstGeom prst="straightConnector1">
+            <a:avLst/>
+          </a:prstGeom>
+          <a:ln w="66675">
+            <a:solidFill>
+              <a:schemeClr val="accent6">
+                <a:lumMod val="50000"/>
+              </a:schemeClr>
+            </a:solidFill>
+            <a:tailEnd type="triangle"/>
+          </a:ln>
+        </p:spPr>
+        <p:style>
+          <a:lnRef idx="1">
+            <a:schemeClr val="accent1"/>
+          </a:lnRef>
+          <a:fillRef idx="0">
+            <a:schemeClr val="accent1"/>
+          </a:fillRef>
+          <a:effectRef idx="0">
+            <a:schemeClr val="accent1"/>
+          </a:effectRef>
+          <a:fontRef idx="minor">
+            <a:schemeClr val="tx1"/>
+          </a:fontRef>
+        </p:style>
+      </p:cxnSp>
+      <p:sp>
+        <p:nvSpPr>
+          <p:cNvPr id="23" name="TextBox 22">
+            <a:extLst>
+              <a:ext uri="{FF2B5EF4-FFF2-40B4-BE49-F238E27FC236}">
+                <a16:creationId xmlns:a16="http://schemas.microsoft.com/office/drawing/2014/main" id="{94B76862-3AAF-5813-79F3-1B2337357958}"/>
+              </a:ext>
+            </a:extLst>
+          </p:cNvPr>
+          <p:cNvSpPr txBox="1"/>
+          <p:nvPr/>
+        </p:nvSpPr>
+        <p:spPr>
+          <a:xfrm>
+            <a:off x="3983109" y="3332792"/>
+            <a:ext cx="1382235" cy="523220"/>
+          </a:xfrm>
+          <a:prstGeom prst="rect">
+            <a:avLst/>
+          </a:prstGeom>
+          <a:noFill/>
+        </p:spPr>
+        <p:txBody>
+          <a:bodyPr wrap="square" rtlCol="0">
+            <a:spAutoFit/>
+          </a:bodyPr>
+          <a:lstStyle/>
+          <a:p>
+            <a:r>
+              <a:rPr kumimoji="1" lang="en-US" sz="1400" i="1" u="sng" dirty="0"/>
+              <a:t>Business logic</a:t>
+            </a:r>
+          </a:p>
+          <a:p>
+            <a:pPr algn="ctr"/>
+            <a:r>
+              <a:rPr lang="en-US" sz="1400" b="1" u="sng" dirty="0"/>
+              <a:t>( Optional )</a:t>
+            </a:r>
+            <a:endParaRPr kumimoji="1" lang="en-JP" sz="1400" b="1" u="sng" dirty="0"/>
+          </a:p>
+        </p:txBody>
+      </p:sp>
+      <p:sp>
+        <p:nvSpPr>
+          <p:cNvPr id="24" name="TextBox 23">
+            <a:extLst>
+              <a:ext uri="{FF2B5EF4-FFF2-40B4-BE49-F238E27FC236}">
+                <a16:creationId xmlns:a16="http://schemas.microsoft.com/office/drawing/2014/main" id="{7E6A0028-7104-A9A0-ABF8-DA0A965842A1}"/>
+              </a:ext>
+            </a:extLst>
+          </p:cNvPr>
+          <p:cNvSpPr txBox="1"/>
+          <p:nvPr/>
+        </p:nvSpPr>
+        <p:spPr>
+          <a:xfrm>
+            <a:off x="5857652" y="3332794"/>
+            <a:ext cx="1302399" cy="307777"/>
+          </a:xfrm>
+          <a:prstGeom prst="rect">
+            <a:avLst/>
+          </a:prstGeom>
+          <a:noFill/>
+        </p:spPr>
+        <p:txBody>
+          <a:bodyPr wrap="square" rtlCol="0">
+            <a:spAutoFit/>
+          </a:bodyPr>
+          <a:lstStyle/>
+          <a:p>
+            <a:r>
+              <a:rPr lang="en-US" sz="1400" i="1" u="sng" dirty="0"/>
+              <a:t>Scenario flow</a:t>
+            </a:r>
+            <a:endParaRPr kumimoji="1" lang="en-JP" sz="1400" i="1" u="sng" dirty="0"/>
+          </a:p>
+        </p:txBody>
+      </p:sp>
+      <p:cxnSp>
+        <p:nvCxnSpPr>
+          <p:cNvPr id="25" name="Straight Arrow Connector 24">
+            <a:extLst>
+              <a:ext uri="{FF2B5EF4-FFF2-40B4-BE49-F238E27FC236}">
+                <a16:creationId xmlns:a16="http://schemas.microsoft.com/office/drawing/2014/main" id="{C162DB3C-62A9-6C2C-C521-29D131A13EC0}"/>
+              </a:ext>
+            </a:extLst>
+          </p:cNvPr>
+          <p:cNvCxnSpPr>
+            <a:cxnSpLocks/>
+          </p:cNvCxnSpPr>
+          <p:nvPr/>
+        </p:nvCxnSpPr>
+        <p:spPr>
+          <a:xfrm>
+            <a:off x="6439225" y="2597624"/>
+            <a:ext cx="0" cy="450319"/>
+          </a:xfrm>
+          <a:prstGeom prst="straightConnector1">
+            <a:avLst/>
+          </a:prstGeom>
+          <a:ln w="66675">
+            <a:solidFill>
+              <a:schemeClr val="accent6">
+                <a:lumMod val="50000"/>
+              </a:schemeClr>
+            </a:solidFill>
+            <a:tailEnd type="triangle"/>
+          </a:ln>
+        </p:spPr>
+        <p:style>
+          <a:lnRef idx="1">
+            <a:schemeClr val="accent1"/>
+          </a:lnRef>
+          <a:fillRef idx="0">
+            <a:schemeClr val="accent1"/>
+          </a:fillRef>
+          <a:effectRef idx="0">
+            <a:schemeClr val="accent1"/>
+          </a:effectRef>
+          <a:fontRef idx="minor">
+            <a:schemeClr val="tx1"/>
+          </a:fontRef>
+        </p:style>
+      </p:cxnSp>
+      <p:cxnSp>
+        <p:nvCxnSpPr>
+          <p:cNvPr id="26" name="Straight Arrow Connector 25">
+            <a:extLst>
+              <a:ext uri="{FF2B5EF4-FFF2-40B4-BE49-F238E27FC236}">
+                <a16:creationId xmlns:a16="http://schemas.microsoft.com/office/drawing/2014/main" id="{1F9E8D08-15A7-167D-4136-3AD74FF952F7}"/>
+              </a:ext>
+            </a:extLst>
+          </p:cNvPr>
+          <p:cNvCxnSpPr>
+            <a:cxnSpLocks/>
+          </p:cNvCxnSpPr>
+          <p:nvPr/>
+        </p:nvCxnSpPr>
+        <p:spPr>
+          <a:xfrm>
+            <a:off x="8393736" y="2565546"/>
+            <a:ext cx="0" cy="450319"/>
+          </a:xfrm>
+          <a:prstGeom prst="straightConnector1">
+            <a:avLst/>
+          </a:prstGeom>
+          <a:ln w="66675">
+            <a:solidFill>
+              <a:schemeClr val="accent6">
+                <a:lumMod val="50000"/>
+              </a:schemeClr>
+            </a:solidFill>
+            <a:tailEnd type="triangle"/>
+          </a:ln>
+        </p:spPr>
+        <p:style>
+          <a:lnRef idx="1">
+            <a:schemeClr val="accent1"/>
+          </a:lnRef>
+          <a:fillRef idx="0">
+            <a:schemeClr val="accent1"/>
+          </a:fillRef>
+          <a:effectRef idx="0">
+            <a:schemeClr val="accent1"/>
+          </a:effectRef>
+          <a:fontRef idx="minor">
+            <a:schemeClr val="tx1"/>
+          </a:fontRef>
+        </p:style>
+      </p:cxnSp>
+      <p:sp>
+        <p:nvSpPr>
+          <p:cNvPr id="28" name="TextBox 27">
+            <a:extLst>
+              <a:ext uri="{FF2B5EF4-FFF2-40B4-BE49-F238E27FC236}">
+                <a16:creationId xmlns:a16="http://schemas.microsoft.com/office/drawing/2014/main" id="{92DB1683-18F5-CC4A-94C9-A9ADE63B2673}"/>
+              </a:ext>
+            </a:extLst>
+          </p:cNvPr>
+          <p:cNvSpPr txBox="1"/>
+          <p:nvPr/>
+        </p:nvSpPr>
+        <p:spPr>
+          <a:xfrm>
+            <a:off x="7588964" y="3332793"/>
+            <a:ext cx="1820373" cy="307777"/>
+          </a:xfrm>
+          <a:prstGeom prst="rect">
+            <a:avLst/>
+          </a:prstGeom>
+          <a:noFill/>
+        </p:spPr>
+        <p:txBody>
+          <a:bodyPr wrap="square" rtlCol="0">
+            <a:spAutoFit/>
+          </a:bodyPr>
+          <a:lstStyle/>
+          <a:p>
+            <a:r>
+              <a:rPr lang="en-US" sz="1400" i="1" u="sng" dirty="0"/>
+              <a:t>Feature data object</a:t>
+            </a:r>
+            <a:endParaRPr kumimoji="1" lang="en-JP" sz="1400" i="1" u="sng" dirty="0"/>
+          </a:p>
+        </p:txBody>
+      </p:sp>
+      <p:sp>
+        <p:nvSpPr>
+          <p:cNvPr id="29" name="正方形/長方形 34">
+            <a:extLst>
+              <a:ext uri="{FF2B5EF4-FFF2-40B4-BE49-F238E27FC236}">
+                <a16:creationId xmlns:a16="http://schemas.microsoft.com/office/drawing/2014/main" id="{C9F4F6CD-6A14-5140-E3EB-5A605C29FF49}"/>
+              </a:ext>
+            </a:extLst>
+          </p:cNvPr>
+          <p:cNvSpPr/>
+          <p:nvPr/>
+        </p:nvSpPr>
+        <p:spPr>
+          <a:xfrm>
+            <a:off x="1971220" y="4470054"/>
+            <a:ext cx="2029065" cy="423145"/>
+          </a:xfrm>
+          <a:prstGeom prst="rect">
+            <a:avLst/>
+          </a:prstGeom>
+          <a:solidFill>
+            <a:schemeClr val="accent4">
+              <a:lumMod val="50000"/>
+            </a:schemeClr>
+          </a:solidFill>
+          <a:ln>
+            <a:noFill/>
+          </a:ln>
+        </p:spPr>
+        <p:style>
+          <a:lnRef idx="2">
+            <a:schemeClr val="accent1">
+              <a:shade val="50000"/>
+            </a:schemeClr>
+          </a:lnRef>
+          <a:fillRef idx="1">
+            <a:schemeClr val="accent1"/>
+          </a:fillRef>
+          <a:effectRef idx="0">
+            <a:schemeClr val="accent1"/>
+          </a:effectRef>
+          <a:fontRef idx="minor">
+            <a:schemeClr val="lt1"/>
+          </a:fontRef>
+        </p:style>
+        <p:txBody>
+          <a:bodyPr rtlCol="0" anchor="ctr"/>
+          <a:lstStyle/>
+          <a:p>
+            <a:pPr algn="ctr"/>
+            <a:r>
+              <a:rPr kumimoji="1" lang="en-US" sz="1300" b="1" dirty="0">
+                <a:solidFill>
+                  <a:schemeClr val="bg1"/>
+                </a:solidFill>
+              </a:rPr>
+              <a:t>DTO </a:t>
+            </a:r>
+          </a:p>
+          <a:p>
+            <a:pPr algn="ctr"/>
+            <a:r>
+              <a:rPr lang="en-US" sz="1300" b="1" dirty="0">
+                <a:solidFill>
+                  <a:schemeClr val="bg1"/>
+                </a:solidFill>
+              </a:rPr>
+              <a:t>(Data Transfer Object )</a:t>
+            </a:r>
+            <a:endParaRPr kumimoji="1" lang="en-US" sz="1300" b="1" dirty="0">
+              <a:solidFill>
+                <a:schemeClr val="bg1"/>
+              </a:solidFill>
+            </a:endParaRPr>
+          </a:p>
+        </p:txBody>
+      </p:sp>
+      <p:cxnSp>
+        <p:nvCxnSpPr>
+          <p:cNvPr id="30" name="Straight Arrow Connector 29">
+            <a:extLst>
+              <a:ext uri="{FF2B5EF4-FFF2-40B4-BE49-F238E27FC236}">
+                <a16:creationId xmlns:a16="http://schemas.microsoft.com/office/drawing/2014/main" id="{4214A000-CB49-6383-2D61-CCB6E7A6357C}"/>
+              </a:ext>
+            </a:extLst>
+          </p:cNvPr>
+          <p:cNvCxnSpPr>
+            <a:cxnSpLocks/>
+          </p:cNvCxnSpPr>
+          <p:nvPr/>
+        </p:nvCxnSpPr>
+        <p:spPr>
+          <a:xfrm>
+            <a:off x="945999" y="5209444"/>
+            <a:ext cx="0" cy="450319"/>
+          </a:xfrm>
+          <a:prstGeom prst="straightConnector1">
+            <a:avLst/>
+          </a:prstGeom>
+          <a:ln w="66675">
+            <a:solidFill>
+              <a:schemeClr val="accent6">
+                <a:lumMod val="50000"/>
+              </a:schemeClr>
+            </a:solidFill>
+            <a:tailEnd type="triangle"/>
+          </a:ln>
+        </p:spPr>
+        <p:style>
+          <a:lnRef idx="1">
+            <a:schemeClr val="accent1"/>
+          </a:lnRef>
+          <a:fillRef idx="0">
+            <a:schemeClr val="accent1"/>
+          </a:fillRef>
+          <a:effectRef idx="0">
+            <a:schemeClr val="accent1"/>
+          </a:effectRef>
+          <a:fontRef idx="minor">
+            <a:schemeClr val="tx1"/>
+          </a:fontRef>
+        </p:style>
+      </p:cxnSp>
+      <p:cxnSp>
+        <p:nvCxnSpPr>
+          <p:cNvPr id="31" name="Straight Arrow Connector 30">
+            <a:extLst>
+              <a:ext uri="{FF2B5EF4-FFF2-40B4-BE49-F238E27FC236}">
+                <a16:creationId xmlns:a16="http://schemas.microsoft.com/office/drawing/2014/main" id="{1529E91D-995B-45D3-FF7D-52DB894AF036}"/>
+              </a:ext>
+            </a:extLst>
+          </p:cNvPr>
+          <p:cNvCxnSpPr>
+            <a:cxnSpLocks/>
+          </p:cNvCxnSpPr>
+          <p:nvPr/>
+        </p:nvCxnSpPr>
+        <p:spPr>
+          <a:xfrm>
+            <a:off x="2917820" y="5209443"/>
+            <a:ext cx="0" cy="450319"/>
+          </a:xfrm>
+          <a:prstGeom prst="straightConnector1">
+            <a:avLst/>
+          </a:prstGeom>
+          <a:ln w="66675">
+            <a:solidFill>
+              <a:schemeClr val="accent6">
+                <a:lumMod val="50000"/>
+              </a:schemeClr>
+            </a:solidFill>
+            <a:tailEnd type="triangle"/>
+          </a:ln>
+        </p:spPr>
+        <p:style>
+          <a:lnRef idx="1">
+            <a:schemeClr val="accent1"/>
+          </a:lnRef>
+          <a:fillRef idx="0">
+            <a:schemeClr val="accent1"/>
+          </a:fillRef>
+          <a:effectRef idx="0">
+            <a:schemeClr val="accent1"/>
+          </a:effectRef>
+          <a:fontRef idx="minor">
+            <a:schemeClr val="tx1"/>
+          </a:fontRef>
+        </p:style>
+      </p:cxnSp>
+      <p:sp>
+        <p:nvSpPr>
+          <p:cNvPr id="32" name="TextBox 31">
+            <a:extLst>
+              <a:ext uri="{FF2B5EF4-FFF2-40B4-BE49-F238E27FC236}">
+                <a16:creationId xmlns:a16="http://schemas.microsoft.com/office/drawing/2014/main" id="{F6103397-A0D3-6C66-DA79-E91CE697AC52}"/>
+              </a:ext>
+            </a:extLst>
+          </p:cNvPr>
+          <p:cNvSpPr txBox="1"/>
+          <p:nvPr/>
+        </p:nvSpPr>
+        <p:spPr>
+          <a:xfrm>
+            <a:off x="415322" y="5822572"/>
+            <a:ext cx="1195093" cy="307777"/>
+          </a:xfrm>
+          <a:prstGeom prst="rect">
+            <a:avLst/>
+          </a:prstGeom>
+          <a:noFill/>
+        </p:spPr>
+        <p:txBody>
+          <a:bodyPr wrap="square" rtlCol="0">
+            <a:spAutoFit/>
+          </a:bodyPr>
+          <a:lstStyle/>
+          <a:p>
+            <a:r>
+              <a:rPr lang="en-US" sz="1400" i="1" u="sng" dirty="0"/>
+              <a:t>Data source</a:t>
+            </a:r>
+            <a:endParaRPr kumimoji="1" lang="en-JP" sz="1400" i="1" u="sng" dirty="0"/>
+          </a:p>
+        </p:txBody>
+      </p:sp>
+      <p:sp>
+        <p:nvSpPr>
+          <p:cNvPr id="33" name="TextBox 32">
+            <a:extLst>
+              <a:ext uri="{FF2B5EF4-FFF2-40B4-BE49-F238E27FC236}">
+                <a16:creationId xmlns:a16="http://schemas.microsoft.com/office/drawing/2014/main" id="{61378229-DA25-1038-3815-CE3261C3FD8F}"/>
+              </a:ext>
+            </a:extLst>
+          </p:cNvPr>
+          <p:cNvSpPr txBox="1"/>
+          <p:nvPr/>
+        </p:nvSpPr>
+        <p:spPr>
+          <a:xfrm>
+            <a:off x="2129504" y="5822117"/>
+            <a:ext cx="1712496" cy="307777"/>
+          </a:xfrm>
+          <a:prstGeom prst="rect">
+            <a:avLst/>
+          </a:prstGeom>
+          <a:noFill/>
+        </p:spPr>
+        <p:txBody>
+          <a:bodyPr wrap="square" rtlCol="0">
+            <a:spAutoFit/>
+          </a:bodyPr>
+          <a:lstStyle/>
+          <a:p>
+            <a:r>
+              <a:rPr lang="en-US" sz="1400" i="1" u="sng" dirty="0"/>
+              <a:t>Convert response</a:t>
+            </a:r>
+            <a:endParaRPr kumimoji="1" lang="en-JP" sz="1400" i="1" u="sng" dirty="0"/>
+          </a:p>
+        </p:txBody>
+      </p:sp>
+    </p:spTree>
+    <p:extLst>
+      <p:ext uri="{BB962C8B-B14F-4D97-AF65-F5344CB8AC3E}">
+        <p14:creationId xmlns:p14="http://schemas.microsoft.com/office/powerpoint/2010/main" val="3064127956"/>
+      </p:ext>
+    </p:extLst>
+  </p:cSld>
+  <p:clrMapOvr>
+    <a:masterClrMapping/>
+  </p:clrMapOvr>
+</p:sld>
+</file>
+
+<file path=ppt/slides/slide6.xml><?xml version="1.0" encoding="utf-8"?>
+<p:sld xmlns:a="http://schemas.openxmlformats.org/drawingml/2006/main" xmlns:r="http://schemas.openxmlformats.org/officeDocument/2006/relationships" xmlns:p="http://schemas.openxmlformats.org/presentationml/2006/main">
+  <p:cSld>
+    <p:spTree>
+      <p:nvGrpSpPr>
+        <p:cNvPr id="1" name=""/>
+        <p:cNvGrpSpPr/>
+        <p:nvPr/>
+      </p:nvGrpSpPr>
+      <p:grpSpPr>
+        <a:xfrm>
+          <a:off x="0" y="0"/>
+          <a:ext cx="0" cy="0"/>
+          <a:chOff x="0" y="0"/>
+          <a:chExt cx="0" cy="0"/>
+        </a:xfrm>
+      </p:grpSpPr>
+      <p:sp>
+        <p:nvSpPr>
+          <p:cNvPr id="2" name="タイトル 1"/>
+          <p:cNvSpPr>
+            <a:spLocks noGrp="1"/>
+          </p:cNvSpPr>
+          <p:nvPr>
+            <p:ph type="title"/>
+          </p:nvPr>
+        </p:nvSpPr>
+        <p:spPr/>
+        <p:txBody>
+          <a:bodyPr>
+            <a:noAutofit/>
+          </a:bodyPr>
+          <a:lstStyle/>
+          <a:p>
+            <a:pPr algn="ctr"/>
+            <a:r>
+              <a:rPr lang="en-US" altLang="ja-JP" sz="3600" b="1" dirty="0"/>
+              <a:t>Create a container</a:t>
+            </a:r>
+            <a:endParaRPr lang="ja-JP" altLang="en-US" sz="3600" b="1" kern="0" dirty="0"/>
+          </a:p>
+        </p:txBody>
+      </p:sp>
+      <p:cxnSp>
+        <p:nvCxnSpPr>
+          <p:cNvPr id="8" name="Straight Connector 7">
+            <a:extLst>
+              <a:ext uri="{FF2B5EF4-FFF2-40B4-BE49-F238E27FC236}">
+                <a16:creationId xmlns:a16="http://schemas.microsoft.com/office/drawing/2014/main" id="{0F07A22E-5A49-9049-9297-0D650C8F1F64}"/>
+              </a:ext>
+            </a:extLst>
+          </p:cNvPr>
+          <p:cNvCxnSpPr>
+            <a:cxnSpLocks/>
+          </p:cNvCxnSpPr>
+          <p:nvPr/>
+        </p:nvCxnSpPr>
+        <p:spPr>
+          <a:xfrm>
+            <a:off x="797441" y="950071"/>
+            <a:ext cx="10047768" cy="0"/>
+          </a:xfrm>
+          <a:prstGeom prst="line">
+            <a:avLst/>
+          </a:prstGeom>
+          <a:ln/>
+        </p:spPr>
+        <p:style>
+          <a:lnRef idx="2">
+            <a:schemeClr val="dk1"/>
+          </a:lnRef>
+          <a:fillRef idx="0">
+            <a:schemeClr val="dk1"/>
+          </a:fillRef>
+          <a:effectRef idx="1">
+            <a:schemeClr val="dk1"/>
+          </a:effectRef>
+          <a:fontRef idx="minor">
+            <a:schemeClr val="tx1"/>
+          </a:fontRef>
+        </p:style>
+      </p:cxnSp>
+      <p:sp>
+        <p:nvSpPr>
+          <p:cNvPr id="3" name="正方形/長方形 34">
+            <a:extLst>
+              <a:ext uri="{FF2B5EF4-FFF2-40B4-BE49-F238E27FC236}">
+                <a16:creationId xmlns:a16="http://schemas.microsoft.com/office/drawing/2014/main" id="{A7187707-2915-2D5A-202D-E35793A539E5}"/>
+              </a:ext>
+            </a:extLst>
+          </p:cNvPr>
+          <p:cNvSpPr/>
+          <p:nvPr/>
+        </p:nvSpPr>
+        <p:spPr>
+          <a:xfrm>
+            <a:off x="1641529" y="1759536"/>
+            <a:ext cx="1500411" cy="477896"/>
+          </a:xfrm>
+          <a:prstGeom prst="rect">
+            <a:avLst/>
+          </a:prstGeom>
+          <a:solidFill>
+            <a:schemeClr val="accent6">
+              <a:lumMod val="50000"/>
+            </a:schemeClr>
+          </a:solidFill>
+          <a:ln>
+            <a:noFill/>
+          </a:ln>
+        </p:spPr>
+        <p:style>
+          <a:lnRef idx="2">
+            <a:schemeClr val="accent1">
+              <a:shade val="50000"/>
+            </a:schemeClr>
+          </a:lnRef>
+          <a:fillRef idx="1">
+            <a:schemeClr val="accent1"/>
+          </a:fillRef>
+          <a:effectRef idx="0">
+            <a:schemeClr val="accent1"/>
+          </a:effectRef>
+          <a:fontRef idx="minor">
+            <a:schemeClr val="lt1"/>
+          </a:fontRef>
+        </p:style>
+        <p:txBody>
+          <a:bodyPr rtlCol="0" anchor="ctr"/>
+          <a:lstStyle/>
+          <a:p>
+            <a:pPr algn="ctr"/>
+            <a:r>
+              <a:rPr kumimoji="1" lang="en-US" sz="1300" b="1" dirty="0" err="1">
+                <a:solidFill>
+                  <a:schemeClr val="bg1"/>
+                </a:solidFill>
+              </a:rPr>
+              <a:t>PaymentMethod</a:t>
+            </a:r>
+            <a:endParaRPr kumimoji="1" lang="en-US" sz="1300" b="1" dirty="0">
+              <a:solidFill>
+                <a:schemeClr val="bg1"/>
+              </a:solidFill>
+            </a:endParaRPr>
+          </a:p>
+        </p:txBody>
+      </p:sp>
+      <p:sp>
+        <p:nvSpPr>
+          <p:cNvPr id="20" name="TextBox 19">
+            <a:extLst>
+              <a:ext uri="{FF2B5EF4-FFF2-40B4-BE49-F238E27FC236}">
+                <a16:creationId xmlns:a16="http://schemas.microsoft.com/office/drawing/2014/main" id="{E23E0997-73DE-2A94-0B10-9CBF2E24AF50}"/>
+              </a:ext>
+            </a:extLst>
+          </p:cNvPr>
+          <p:cNvSpPr txBox="1"/>
+          <p:nvPr/>
+        </p:nvSpPr>
+        <p:spPr>
+          <a:xfrm>
+            <a:off x="334964" y="1066964"/>
+            <a:ext cx="1395939" cy="307777"/>
+          </a:xfrm>
+          <a:prstGeom prst="rect">
+            <a:avLst/>
+          </a:prstGeom>
+          <a:noFill/>
+        </p:spPr>
+        <p:txBody>
+          <a:bodyPr wrap="square" rtlCol="0">
+            <a:spAutoFit/>
+          </a:bodyPr>
+          <a:lstStyle/>
+          <a:p>
+            <a:r>
+              <a:rPr lang="en-JP" sz="1400" i="1" u="sng" dirty="0"/>
+              <a:t>Feature tree</a:t>
+            </a:r>
+            <a:endParaRPr kumimoji="1" lang="en-US" sz="1400" i="1" u="sng" dirty="0"/>
+          </a:p>
+        </p:txBody>
+      </p:sp>
+      <p:sp>
+        <p:nvSpPr>
+          <p:cNvPr id="6" name="正方形/長方形 34">
+            <a:extLst>
+              <a:ext uri="{FF2B5EF4-FFF2-40B4-BE49-F238E27FC236}">
+                <a16:creationId xmlns:a16="http://schemas.microsoft.com/office/drawing/2014/main" id="{FA92DC96-FB5D-0AB3-785D-EF49EF6C2FE9}"/>
+              </a:ext>
+            </a:extLst>
+          </p:cNvPr>
+          <p:cNvSpPr/>
+          <p:nvPr/>
+        </p:nvSpPr>
+        <p:spPr>
+          <a:xfrm>
+            <a:off x="4090125" y="2281728"/>
+            <a:ext cx="1500411" cy="393169"/>
+          </a:xfrm>
+          <a:prstGeom prst="rect">
+            <a:avLst/>
+          </a:prstGeom>
+          <a:solidFill>
+            <a:schemeClr val="accent6">
+              <a:lumMod val="50000"/>
+            </a:schemeClr>
+          </a:solidFill>
+          <a:ln>
+            <a:noFill/>
+          </a:ln>
+        </p:spPr>
+        <p:style>
+          <a:lnRef idx="2">
+            <a:schemeClr val="accent1">
+              <a:shade val="50000"/>
+            </a:schemeClr>
+          </a:lnRef>
+          <a:fillRef idx="1">
+            <a:schemeClr val="accent1"/>
+          </a:fillRef>
+          <a:effectRef idx="0">
+            <a:schemeClr val="accent1"/>
+          </a:effectRef>
+          <a:fontRef idx="minor">
+            <a:schemeClr val="lt1"/>
+          </a:fontRef>
+        </p:style>
+        <p:txBody>
+          <a:bodyPr rtlCol="0" anchor="ctr"/>
+          <a:lstStyle/>
+          <a:p>
+            <a:pPr algn="ctr"/>
+            <a:r>
+              <a:rPr kumimoji="1" lang="en-US" sz="1300" b="1" dirty="0" err="1">
+                <a:solidFill>
+                  <a:schemeClr val="bg1"/>
+                </a:solidFill>
+              </a:rPr>
+              <a:t>OPBarcode</a:t>
+            </a:r>
+            <a:endParaRPr kumimoji="1" lang="en-US" sz="1300" b="1" dirty="0">
+              <a:solidFill>
+                <a:schemeClr val="bg1"/>
+              </a:solidFill>
+            </a:endParaRPr>
+          </a:p>
+        </p:txBody>
+      </p:sp>
+      <p:sp>
+        <p:nvSpPr>
+          <p:cNvPr id="13" name="正方形/長方形 34">
+            <a:extLst>
+              <a:ext uri="{FF2B5EF4-FFF2-40B4-BE49-F238E27FC236}">
+                <a16:creationId xmlns:a16="http://schemas.microsoft.com/office/drawing/2014/main" id="{94F75C62-59A5-4492-24C2-7BEEF3B621C7}"/>
+              </a:ext>
+            </a:extLst>
+          </p:cNvPr>
+          <p:cNvSpPr/>
+          <p:nvPr/>
+        </p:nvSpPr>
+        <p:spPr>
+          <a:xfrm>
+            <a:off x="4090125" y="4519628"/>
+            <a:ext cx="1500411" cy="393169"/>
+          </a:xfrm>
+          <a:prstGeom prst="rect">
+            <a:avLst/>
+          </a:prstGeom>
+          <a:solidFill>
+            <a:schemeClr val="accent6">
+              <a:lumMod val="50000"/>
+            </a:schemeClr>
+          </a:solidFill>
+          <a:ln>
+            <a:noFill/>
+          </a:ln>
+        </p:spPr>
+        <p:style>
+          <a:lnRef idx="2">
+            <a:schemeClr val="accent1">
+              <a:shade val="50000"/>
+            </a:schemeClr>
+          </a:lnRef>
+          <a:fillRef idx="1">
+            <a:schemeClr val="accent1"/>
+          </a:fillRef>
+          <a:effectRef idx="0">
+            <a:schemeClr val="accent1"/>
+          </a:effectRef>
+          <a:fontRef idx="minor">
+            <a:schemeClr val="lt1"/>
+          </a:fontRef>
+        </p:style>
+        <p:txBody>
+          <a:bodyPr rtlCol="0" anchor="ctr"/>
+          <a:lstStyle/>
+          <a:p>
+            <a:pPr algn="ctr"/>
+            <a:r>
+              <a:rPr kumimoji="1" lang="en-US" sz="1300" b="1" dirty="0">
+                <a:solidFill>
+                  <a:schemeClr val="bg1"/>
+                </a:solidFill>
+              </a:rPr>
+              <a:t>Balance refresh</a:t>
+            </a:r>
+          </a:p>
+        </p:txBody>
+      </p:sp>
+      <p:sp>
+        <p:nvSpPr>
+          <p:cNvPr id="34" name="正方形/長方形 34">
+            <a:extLst>
+              <a:ext uri="{FF2B5EF4-FFF2-40B4-BE49-F238E27FC236}">
+                <a16:creationId xmlns:a16="http://schemas.microsoft.com/office/drawing/2014/main" id="{E0BE407D-C6A7-4815-9CC3-6F0B788C3739}"/>
+              </a:ext>
+            </a:extLst>
+          </p:cNvPr>
+          <p:cNvSpPr/>
+          <p:nvPr/>
+        </p:nvSpPr>
+        <p:spPr>
+          <a:xfrm>
+            <a:off x="1641530" y="5545230"/>
+            <a:ext cx="1826500" cy="477896"/>
+          </a:xfrm>
+          <a:prstGeom prst="rect">
+            <a:avLst/>
+          </a:prstGeom>
+          <a:solidFill>
+            <a:schemeClr val="accent6">
+              <a:lumMod val="50000"/>
+            </a:schemeClr>
+          </a:solidFill>
+          <a:ln>
+            <a:noFill/>
+          </a:ln>
+        </p:spPr>
+        <p:style>
+          <a:lnRef idx="2">
+            <a:schemeClr val="accent1">
+              <a:shade val="50000"/>
+            </a:schemeClr>
+          </a:lnRef>
+          <a:fillRef idx="1">
+            <a:schemeClr val="accent1"/>
+          </a:fillRef>
+          <a:effectRef idx="0">
+            <a:schemeClr val="accent1"/>
+          </a:effectRef>
+          <a:fontRef idx="minor">
+            <a:schemeClr val="lt1"/>
+          </a:fontRef>
+        </p:style>
+        <p:txBody>
+          <a:bodyPr rtlCol="0" anchor="ctr"/>
+          <a:lstStyle/>
+          <a:p>
+            <a:pPr algn="ctr"/>
+            <a:r>
+              <a:rPr kumimoji="1" lang="en-US" sz="1300" b="1" dirty="0">
+                <a:solidFill>
+                  <a:schemeClr val="bg1"/>
+                </a:solidFill>
+              </a:rPr>
+              <a:t>Hamburger Menu</a:t>
+            </a:r>
+          </a:p>
+        </p:txBody>
+      </p:sp>
+      <p:sp>
+        <p:nvSpPr>
+          <p:cNvPr id="35" name="正方形/長方形 34">
+            <a:extLst>
+              <a:ext uri="{FF2B5EF4-FFF2-40B4-BE49-F238E27FC236}">
+                <a16:creationId xmlns:a16="http://schemas.microsoft.com/office/drawing/2014/main" id="{AA1234C5-8FA7-7A24-AF14-50B7D9326A97}"/>
+              </a:ext>
+            </a:extLst>
+          </p:cNvPr>
+          <p:cNvSpPr/>
+          <p:nvPr/>
+        </p:nvSpPr>
+        <p:spPr>
+          <a:xfrm>
+            <a:off x="4090125" y="3429000"/>
+            <a:ext cx="1500411" cy="393169"/>
+          </a:xfrm>
+          <a:prstGeom prst="rect">
+            <a:avLst/>
+          </a:prstGeom>
+          <a:solidFill>
+            <a:schemeClr val="accent6">
+              <a:lumMod val="50000"/>
+            </a:schemeClr>
+          </a:solidFill>
+          <a:ln>
+            <a:noFill/>
+          </a:ln>
+        </p:spPr>
+        <p:style>
+          <a:lnRef idx="2">
+            <a:schemeClr val="accent1">
+              <a:shade val="50000"/>
+            </a:schemeClr>
+          </a:lnRef>
+          <a:fillRef idx="1">
+            <a:schemeClr val="accent1"/>
+          </a:fillRef>
+          <a:effectRef idx="0">
+            <a:schemeClr val="accent1"/>
+          </a:effectRef>
+          <a:fontRef idx="minor">
+            <a:schemeClr val="lt1"/>
+          </a:fontRef>
+        </p:style>
+        <p:txBody>
+          <a:bodyPr rtlCol="0" anchor="ctr"/>
+          <a:lstStyle/>
+          <a:p>
+            <a:pPr algn="ctr"/>
+            <a:r>
+              <a:rPr kumimoji="1" lang="en-US" sz="1300" b="1" dirty="0" err="1">
+                <a:solidFill>
+                  <a:schemeClr val="bg1"/>
+                </a:solidFill>
+              </a:rPr>
+              <a:t>Rcash</a:t>
+            </a:r>
+            <a:r>
+              <a:rPr kumimoji="1" lang="en-US" sz="1300" b="1" dirty="0">
+                <a:solidFill>
+                  <a:schemeClr val="bg1"/>
+                </a:solidFill>
+              </a:rPr>
+              <a:t> charge</a:t>
+            </a:r>
+          </a:p>
+        </p:txBody>
+      </p:sp>
+      <p:sp>
+        <p:nvSpPr>
+          <p:cNvPr id="36" name="正方形/長方形 34">
+            <a:extLst>
+              <a:ext uri="{FF2B5EF4-FFF2-40B4-BE49-F238E27FC236}">
+                <a16:creationId xmlns:a16="http://schemas.microsoft.com/office/drawing/2014/main" id="{F9E5739F-C739-8FF5-7602-7072E876025C}"/>
+              </a:ext>
+            </a:extLst>
+          </p:cNvPr>
+          <p:cNvSpPr/>
+          <p:nvPr/>
+        </p:nvSpPr>
+        <p:spPr>
+          <a:xfrm>
+            <a:off x="1641529" y="3744480"/>
+            <a:ext cx="1500411" cy="477896"/>
+          </a:xfrm>
+          <a:prstGeom prst="rect">
+            <a:avLst/>
+          </a:prstGeom>
+          <a:solidFill>
+            <a:schemeClr val="accent6">
+              <a:lumMod val="50000"/>
+            </a:schemeClr>
+          </a:solidFill>
+          <a:ln>
+            <a:noFill/>
+          </a:ln>
+        </p:spPr>
+        <p:style>
+          <a:lnRef idx="2">
+            <a:schemeClr val="accent1">
+              <a:shade val="50000"/>
+            </a:schemeClr>
+          </a:lnRef>
+          <a:fillRef idx="1">
+            <a:schemeClr val="accent1"/>
+          </a:fillRef>
+          <a:effectRef idx="0">
+            <a:schemeClr val="accent1"/>
+          </a:effectRef>
+          <a:fontRef idx="minor">
+            <a:schemeClr val="lt1"/>
+          </a:fontRef>
+        </p:style>
+        <p:txBody>
+          <a:bodyPr rtlCol="0" anchor="ctr"/>
+          <a:lstStyle/>
+          <a:p>
+            <a:pPr algn="ctr"/>
+            <a:r>
+              <a:rPr lang="en-US" sz="1300" b="1" dirty="0">
+                <a:solidFill>
+                  <a:schemeClr val="bg1"/>
+                </a:solidFill>
+              </a:rPr>
+              <a:t>Rakuten Cash</a:t>
+            </a:r>
+            <a:endParaRPr kumimoji="1" lang="en-US" sz="1300" b="1" dirty="0">
+              <a:solidFill>
+                <a:schemeClr val="bg1"/>
+              </a:solidFill>
+            </a:endParaRPr>
+          </a:p>
+        </p:txBody>
+      </p:sp>
+      <p:sp>
+        <p:nvSpPr>
+          <p:cNvPr id="37" name="正方形/長方形 34">
+            <a:extLst>
+              <a:ext uri="{FF2B5EF4-FFF2-40B4-BE49-F238E27FC236}">
+                <a16:creationId xmlns:a16="http://schemas.microsoft.com/office/drawing/2014/main" id="{7A622987-E48D-26D3-F7EC-ED6CC9EB809A}"/>
+              </a:ext>
+            </a:extLst>
+          </p:cNvPr>
+          <p:cNvSpPr/>
+          <p:nvPr/>
+        </p:nvSpPr>
+        <p:spPr>
+          <a:xfrm>
+            <a:off x="4090125" y="1311510"/>
+            <a:ext cx="1500411" cy="393169"/>
+          </a:xfrm>
+          <a:prstGeom prst="rect">
+            <a:avLst/>
+          </a:prstGeom>
+          <a:solidFill>
+            <a:schemeClr val="accent6">
+              <a:lumMod val="50000"/>
+            </a:schemeClr>
+          </a:solidFill>
+          <a:ln>
+            <a:noFill/>
+          </a:ln>
+        </p:spPr>
+        <p:style>
+          <a:lnRef idx="2">
+            <a:schemeClr val="accent1">
+              <a:shade val="50000"/>
+            </a:schemeClr>
+          </a:lnRef>
+          <a:fillRef idx="1">
+            <a:schemeClr val="accent1"/>
+          </a:fillRef>
+          <a:effectRef idx="0">
+            <a:schemeClr val="accent1"/>
+          </a:effectRef>
+          <a:fontRef idx="minor">
+            <a:schemeClr val="lt1"/>
+          </a:fontRef>
+        </p:style>
+        <p:txBody>
+          <a:bodyPr rtlCol="0" anchor="ctr"/>
+          <a:lstStyle/>
+          <a:p>
+            <a:pPr algn="ctr"/>
+            <a:r>
+              <a:rPr lang="en-US" sz="1300" b="1" dirty="0" err="1">
+                <a:solidFill>
+                  <a:schemeClr val="bg1"/>
+                </a:solidFill>
+              </a:rPr>
+              <a:t>Rpoint</a:t>
+            </a:r>
+            <a:r>
+              <a:rPr lang="en-US" sz="1300" b="1" dirty="0">
+                <a:solidFill>
+                  <a:schemeClr val="bg1"/>
+                </a:solidFill>
+              </a:rPr>
+              <a:t> Usage</a:t>
+            </a:r>
+            <a:endParaRPr kumimoji="1" lang="en-US" sz="1300" b="1" dirty="0">
+              <a:solidFill>
+                <a:schemeClr val="bg1"/>
+              </a:solidFill>
+            </a:endParaRPr>
+          </a:p>
+        </p:txBody>
+      </p:sp>
+      <p:sp>
+        <p:nvSpPr>
+          <p:cNvPr id="38" name="正方形/長方形 34">
+            <a:extLst>
+              <a:ext uri="{FF2B5EF4-FFF2-40B4-BE49-F238E27FC236}">
+                <a16:creationId xmlns:a16="http://schemas.microsoft.com/office/drawing/2014/main" id="{4296E3E7-D05D-116C-EFA6-A45EDD43A779}"/>
+              </a:ext>
+            </a:extLst>
+          </p:cNvPr>
+          <p:cNvSpPr/>
+          <p:nvPr/>
+        </p:nvSpPr>
+        <p:spPr>
+          <a:xfrm>
+            <a:off x="6538720" y="2917594"/>
+            <a:ext cx="1500411" cy="523220"/>
+          </a:xfrm>
+          <a:prstGeom prst="rect">
+            <a:avLst/>
+          </a:prstGeom>
+          <a:solidFill>
+            <a:schemeClr val="accent6">
+              <a:lumMod val="50000"/>
+            </a:schemeClr>
+          </a:solidFill>
+          <a:ln>
+            <a:noFill/>
+          </a:ln>
+        </p:spPr>
+        <p:style>
+          <a:lnRef idx="2">
+            <a:schemeClr val="accent1">
+              <a:shade val="50000"/>
+            </a:schemeClr>
+          </a:lnRef>
+          <a:fillRef idx="1">
+            <a:schemeClr val="accent1"/>
+          </a:fillRef>
+          <a:effectRef idx="0">
+            <a:schemeClr val="accent1"/>
+          </a:effectRef>
+          <a:fontRef idx="minor">
+            <a:schemeClr val="lt1"/>
+          </a:fontRef>
+        </p:style>
+        <p:txBody>
+          <a:bodyPr rtlCol="0" anchor="ctr"/>
+          <a:lstStyle/>
+          <a:p>
+            <a:pPr algn="ctr"/>
+            <a:r>
+              <a:rPr kumimoji="1" lang="en-US" sz="1300" b="1" dirty="0">
+                <a:solidFill>
+                  <a:schemeClr val="bg1"/>
+                </a:solidFill>
+              </a:rPr>
+              <a:t>Charge  Method </a:t>
+            </a:r>
+          </a:p>
+          <a:p>
+            <a:pPr algn="ctr"/>
+            <a:r>
+              <a:rPr lang="en-US" sz="1300" b="1" dirty="0">
+                <a:solidFill>
+                  <a:schemeClr val="bg1"/>
+                </a:solidFill>
+              </a:rPr>
+              <a:t>Selection</a:t>
+            </a:r>
+            <a:endParaRPr kumimoji="1" lang="en-US" sz="1300" b="1" dirty="0">
+              <a:solidFill>
+                <a:schemeClr val="bg1"/>
+              </a:solidFill>
+            </a:endParaRPr>
+          </a:p>
+        </p:txBody>
+      </p:sp>
+      <p:sp>
+        <p:nvSpPr>
+          <p:cNvPr id="39" name="正方形/長方形 34">
+            <a:extLst>
+              <a:ext uri="{FF2B5EF4-FFF2-40B4-BE49-F238E27FC236}">
+                <a16:creationId xmlns:a16="http://schemas.microsoft.com/office/drawing/2014/main" id="{7F17F87F-9212-F230-F7B5-3D36CD3B8612}"/>
+              </a:ext>
+            </a:extLst>
+          </p:cNvPr>
+          <p:cNvSpPr/>
+          <p:nvPr/>
+        </p:nvSpPr>
+        <p:spPr>
+          <a:xfrm>
+            <a:off x="6538719" y="3829210"/>
+            <a:ext cx="1500411" cy="393166"/>
+          </a:xfrm>
+          <a:prstGeom prst="rect">
+            <a:avLst/>
+          </a:prstGeom>
+          <a:solidFill>
+            <a:schemeClr val="accent6">
+              <a:lumMod val="50000"/>
+            </a:schemeClr>
+          </a:solidFill>
+          <a:ln>
+            <a:noFill/>
+          </a:ln>
+        </p:spPr>
+        <p:style>
+          <a:lnRef idx="2">
+            <a:schemeClr val="accent1">
+              <a:shade val="50000"/>
+            </a:schemeClr>
+          </a:lnRef>
+          <a:fillRef idx="1">
+            <a:schemeClr val="accent1"/>
+          </a:fillRef>
+          <a:effectRef idx="0">
+            <a:schemeClr val="accent1"/>
+          </a:effectRef>
+          <a:fontRef idx="minor">
+            <a:schemeClr val="lt1"/>
+          </a:fontRef>
+        </p:style>
+        <p:txBody>
+          <a:bodyPr rtlCol="0" anchor="ctr"/>
+          <a:lstStyle/>
+          <a:p>
+            <a:pPr algn="ctr"/>
+            <a:r>
+              <a:rPr kumimoji="1" lang="en-US" sz="1300" b="1" dirty="0">
+                <a:solidFill>
+                  <a:schemeClr val="bg1"/>
+                </a:solidFill>
+              </a:rPr>
+              <a:t>Charge  </a:t>
+            </a:r>
+            <a:r>
+              <a:rPr kumimoji="1" lang="en-US" sz="1300" b="1" dirty="0" err="1">
+                <a:solidFill>
+                  <a:schemeClr val="bg1"/>
+                </a:solidFill>
+              </a:rPr>
+              <a:t>Hostory</a:t>
+            </a:r>
+            <a:r>
+              <a:rPr kumimoji="1" lang="en-US" sz="1300" b="1" dirty="0">
+                <a:solidFill>
+                  <a:schemeClr val="bg1"/>
+                </a:solidFill>
+              </a:rPr>
+              <a:t> </a:t>
+            </a:r>
+          </a:p>
+        </p:txBody>
+      </p:sp>
+      <p:sp>
+        <p:nvSpPr>
+          <p:cNvPr id="40" name="正方形/長方形 34">
+            <a:extLst>
+              <a:ext uri="{FF2B5EF4-FFF2-40B4-BE49-F238E27FC236}">
+                <a16:creationId xmlns:a16="http://schemas.microsoft.com/office/drawing/2014/main" id="{1F9DC17D-888D-C7C7-98E8-94CB8BC2C6CF}"/>
+              </a:ext>
+            </a:extLst>
+          </p:cNvPr>
+          <p:cNvSpPr/>
+          <p:nvPr/>
+        </p:nvSpPr>
+        <p:spPr>
+          <a:xfrm>
+            <a:off x="4090125" y="5348646"/>
+            <a:ext cx="1500411" cy="393169"/>
+          </a:xfrm>
+          <a:prstGeom prst="rect">
+            <a:avLst/>
+          </a:prstGeom>
+          <a:solidFill>
+            <a:schemeClr val="accent6">
+              <a:lumMod val="50000"/>
+            </a:schemeClr>
+          </a:solidFill>
+          <a:ln>
+            <a:noFill/>
+          </a:ln>
+        </p:spPr>
+        <p:style>
+          <a:lnRef idx="2">
+            <a:schemeClr val="accent1">
+              <a:shade val="50000"/>
+            </a:schemeClr>
+          </a:lnRef>
+          <a:fillRef idx="1">
+            <a:schemeClr val="accent1"/>
+          </a:fillRef>
+          <a:effectRef idx="0">
+            <a:schemeClr val="accent1"/>
+          </a:effectRef>
+          <a:fontRef idx="minor">
+            <a:schemeClr val="lt1"/>
+          </a:fontRef>
+        </p:style>
+        <p:txBody>
+          <a:bodyPr rtlCol="0" anchor="ctr"/>
+          <a:lstStyle/>
+          <a:p>
+            <a:pPr algn="ctr"/>
+            <a:r>
+              <a:rPr kumimoji="1" lang="en-US" sz="1300" b="1" dirty="0">
+                <a:solidFill>
+                  <a:schemeClr val="bg1"/>
+                </a:solidFill>
+              </a:rPr>
+              <a:t>Setting</a:t>
+            </a:r>
+          </a:p>
+        </p:txBody>
+      </p:sp>
+      <p:sp>
+        <p:nvSpPr>
+          <p:cNvPr id="41" name="正方形/長方形 34">
+            <a:extLst>
+              <a:ext uri="{FF2B5EF4-FFF2-40B4-BE49-F238E27FC236}">
+                <a16:creationId xmlns:a16="http://schemas.microsoft.com/office/drawing/2014/main" id="{3C953E21-89B5-C844-1D15-C19DB2129A47}"/>
+              </a:ext>
+            </a:extLst>
+          </p:cNvPr>
+          <p:cNvSpPr/>
+          <p:nvPr/>
+        </p:nvSpPr>
+        <p:spPr>
+          <a:xfrm>
+            <a:off x="4090125" y="6010736"/>
+            <a:ext cx="1500411" cy="393167"/>
+          </a:xfrm>
+          <a:prstGeom prst="rect">
+            <a:avLst/>
+          </a:prstGeom>
+          <a:solidFill>
+            <a:schemeClr val="accent6">
+              <a:lumMod val="50000"/>
+            </a:schemeClr>
+          </a:solidFill>
+          <a:ln>
+            <a:noFill/>
+          </a:ln>
+        </p:spPr>
+        <p:style>
+          <a:lnRef idx="2">
+            <a:schemeClr val="accent1">
+              <a:shade val="50000"/>
+            </a:schemeClr>
+          </a:lnRef>
+          <a:fillRef idx="1">
+            <a:schemeClr val="accent1"/>
+          </a:fillRef>
+          <a:effectRef idx="0">
+            <a:schemeClr val="accent1"/>
+          </a:effectRef>
+          <a:fontRef idx="minor">
+            <a:schemeClr val="lt1"/>
+          </a:fontRef>
+        </p:style>
+        <p:txBody>
+          <a:bodyPr rtlCol="0" anchor="ctr"/>
+          <a:lstStyle/>
+          <a:p>
+            <a:pPr algn="ctr"/>
+            <a:r>
+              <a:rPr kumimoji="1" lang="en-US" sz="1300" b="1" dirty="0">
+                <a:solidFill>
+                  <a:schemeClr val="bg1"/>
+                </a:solidFill>
+              </a:rPr>
+              <a:t>Re login</a:t>
+            </a:r>
+          </a:p>
+        </p:txBody>
+      </p:sp>
+      <p:cxnSp>
+        <p:nvCxnSpPr>
+          <p:cNvPr id="45" name="Elbow Connector 44">
+            <a:extLst>
+              <a:ext uri="{FF2B5EF4-FFF2-40B4-BE49-F238E27FC236}">
+                <a16:creationId xmlns:a16="http://schemas.microsoft.com/office/drawing/2014/main" id="{CAD57B1D-92DA-E867-5351-478E5320596C}"/>
+              </a:ext>
+            </a:extLst>
+          </p:cNvPr>
+          <p:cNvCxnSpPr>
+            <a:cxnSpLocks/>
+            <a:stCxn id="36" idx="3"/>
+            <a:endCxn id="35" idx="1"/>
+          </p:cNvCxnSpPr>
+          <p:nvPr/>
+        </p:nvCxnSpPr>
+        <p:spPr>
+          <a:xfrm flipV="1">
+            <a:off x="3141940" y="3625585"/>
+            <a:ext cx="948185" cy="357843"/>
+          </a:xfrm>
+          <a:prstGeom prst="bentConnector3">
+            <a:avLst/>
+          </a:prstGeom>
+          <a:ln w="19050">
+            <a:tailEnd type="triangle"/>
+          </a:ln>
+        </p:spPr>
+        <p:style>
+          <a:lnRef idx="1">
+            <a:schemeClr val="dk1"/>
+          </a:lnRef>
+          <a:fillRef idx="0">
+            <a:schemeClr val="dk1"/>
+          </a:fillRef>
+          <a:effectRef idx="0">
+            <a:schemeClr val="dk1"/>
+          </a:effectRef>
+          <a:fontRef idx="minor">
+            <a:schemeClr val="tx1"/>
+          </a:fontRef>
+        </p:style>
+      </p:cxnSp>
+      <p:cxnSp>
+        <p:nvCxnSpPr>
+          <p:cNvPr id="46" name="Elbow Connector 45">
+            <a:extLst>
+              <a:ext uri="{FF2B5EF4-FFF2-40B4-BE49-F238E27FC236}">
+                <a16:creationId xmlns:a16="http://schemas.microsoft.com/office/drawing/2014/main" id="{45568D64-0AE6-DB24-8612-89BF8425311C}"/>
+              </a:ext>
+            </a:extLst>
+          </p:cNvPr>
+          <p:cNvCxnSpPr>
+            <a:cxnSpLocks/>
+            <a:stCxn id="3" idx="3"/>
+            <a:endCxn id="6" idx="1"/>
+          </p:cNvCxnSpPr>
+          <p:nvPr/>
+        </p:nvCxnSpPr>
+        <p:spPr>
+          <a:xfrm>
+            <a:off x="3141940" y="1998484"/>
+            <a:ext cx="948185" cy="479829"/>
+          </a:xfrm>
+          <a:prstGeom prst="bentConnector3">
+            <a:avLst/>
+          </a:prstGeom>
+          <a:ln w="19050">
+            <a:tailEnd type="triangle"/>
+          </a:ln>
+        </p:spPr>
+        <p:style>
+          <a:lnRef idx="1">
+            <a:schemeClr val="dk1"/>
+          </a:lnRef>
+          <a:fillRef idx="0">
+            <a:schemeClr val="dk1"/>
+          </a:fillRef>
+          <a:effectRef idx="0">
+            <a:schemeClr val="dk1"/>
+          </a:effectRef>
+          <a:fontRef idx="minor">
+            <a:schemeClr val="tx1"/>
+          </a:fontRef>
+        </p:style>
+      </p:cxnSp>
+      <p:cxnSp>
+        <p:nvCxnSpPr>
+          <p:cNvPr id="53" name="Elbow Connector 52">
+            <a:extLst>
+              <a:ext uri="{FF2B5EF4-FFF2-40B4-BE49-F238E27FC236}">
+                <a16:creationId xmlns:a16="http://schemas.microsoft.com/office/drawing/2014/main" id="{3677F2C6-BB29-6513-284D-528B1B6EF451}"/>
+              </a:ext>
+            </a:extLst>
+          </p:cNvPr>
+          <p:cNvCxnSpPr>
+            <a:cxnSpLocks/>
+            <a:stCxn id="35" idx="3"/>
+            <a:endCxn id="38" idx="1"/>
+          </p:cNvCxnSpPr>
+          <p:nvPr/>
+        </p:nvCxnSpPr>
+        <p:spPr>
+          <a:xfrm flipV="1">
+            <a:off x="5590536" y="3179204"/>
+            <a:ext cx="948184" cy="446381"/>
+          </a:xfrm>
+          <a:prstGeom prst="bentConnector3">
+            <a:avLst>
+              <a:gd name="adj1" fmla="val 50000"/>
+            </a:avLst>
+          </a:prstGeom>
+          <a:ln w="19050">
+            <a:tailEnd type="triangle"/>
+          </a:ln>
+        </p:spPr>
+        <p:style>
+          <a:lnRef idx="1">
+            <a:schemeClr val="dk1"/>
+          </a:lnRef>
+          <a:fillRef idx="0">
+            <a:schemeClr val="dk1"/>
+          </a:fillRef>
+          <a:effectRef idx="0">
+            <a:schemeClr val="dk1"/>
+          </a:effectRef>
+          <a:fontRef idx="minor">
+            <a:schemeClr val="tx1"/>
+          </a:fontRef>
+        </p:style>
+      </p:cxnSp>
+      <p:cxnSp>
+        <p:nvCxnSpPr>
+          <p:cNvPr id="56" name="Elbow Connector 55">
+            <a:extLst>
+              <a:ext uri="{FF2B5EF4-FFF2-40B4-BE49-F238E27FC236}">
+                <a16:creationId xmlns:a16="http://schemas.microsoft.com/office/drawing/2014/main" id="{F6E18B4B-DC0D-72CE-BE0C-63FFD7C445C9}"/>
+              </a:ext>
+            </a:extLst>
+          </p:cNvPr>
+          <p:cNvCxnSpPr>
+            <a:cxnSpLocks/>
+            <a:stCxn id="35" idx="3"/>
+            <a:endCxn id="39" idx="1"/>
+          </p:cNvCxnSpPr>
+          <p:nvPr/>
+        </p:nvCxnSpPr>
+        <p:spPr>
+          <a:xfrm>
+            <a:off x="5590536" y="3625585"/>
+            <a:ext cx="948183" cy="400208"/>
+          </a:xfrm>
+          <a:prstGeom prst="bentConnector3">
+            <a:avLst>
+              <a:gd name="adj1" fmla="val 50000"/>
+            </a:avLst>
+          </a:prstGeom>
+          <a:ln w="19050">
+            <a:tailEnd type="triangle"/>
+          </a:ln>
+        </p:spPr>
+        <p:style>
+          <a:lnRef idx="1">
+            <a:schemeClr val="dk1"/>
+          </a:lnRef>
+          <a:fillRef idx="0">
+            <a:schemeClr val="dk1"/>
+          </a:fillRef>
+          <a:effectRef idx="0">
+            <a:schemeClr val="dk1"/>
+          </a:effectRef>
+          <a:fontRef idx="minor">
+            <a:schemeClr val="tx1"/>
+          </a:fontRef>
+        </p:style>
+      </p:cxnSp>
+      <p:cxnSp>
+        <p:nvCxnSpPr>
+          <p:cNvPr id="59" name="Elbow Connector 58">
+            <a:extLst>
+              <a:ext uri="{FF2B5EF4-FFF2-40B4-BE49-F238E27FC236}">
+                <a16:creationId xmlns:a16="http://schemas.microsoft.com/office/drawing/2014/main" id="{4A3C6248-66B2-6AC5-D730-70DB8C2E3215}"/>
+              </a:ext>
+            </a:extLst>
+          </p:cNvPr>
+          <p:cNvCxnSpPr>
+            <a:cxnSpLocks/>
+            <a:stCxn id="3" idx="3"/>
+            <a:endCxn id="37" idx="1"/>
+          </p:cNvCxnSpPr>
+          <p:nvPr/>
+        </p:nvCxnSpPr>
+        <p:spPr>
+          <a:xfrm flipV="1">
+            <a:off x="3141940" y="1508095"/>
+            <a:ext cx="948185" cy="490389"/>
+          </a:xfrm>
+          <a:prstGeom prst="bentConnector3">
+            <a:avLst/>
+          </a:prstGeom>
+          <a:ln w="19050">
+            <a:tailEnd type="triangle"/>
+          </a:ln>
+        </p:spPr>
+        <p:style>
+          <a:lnRef idx="1">
+            <a:schemeClr val="dk1"/>
+          </a:lnRef>
+          <a:fillRef idx="0">
+            <a:schemeClr val="dk1"/>
+          </a:fillRef>
+          <a:effectRef idx="0">
+            <a:schemeClr val="dk1"/>
+          </a:effectRef>
+          <a:fontRef idx="minor">
+            <a:schemeClr val="tx1"/>
+          </a:fontRef>
+        </p:style>
+      </p:cxnSp>
+      <p:cxnSp>
+        <p:nvCxnSpPr>
+          <p:cNvPr id="62" name="Elbow Connector 61">
+            <a:extLst>
+              <a:ext uri="{FF2B5EF4-FFF2-40B4-BE49-F238E27FC236}">
+                <a16:creationId xmlns:a16="http://schemas.microsoft.com/office/drawing/2014/main" id="{F97057F3-BE76-3B89-5755-E5E3ECEF0A4E}"/>
+              </a:ext>
+            </a:extLst>
+          </p:cNvPr>
+          <p:cNvCxnSpPr>
+            <a:cxnSpLocks/>
+            <a:stCxn id="34" idx="3"/>
+            <a:endCxn id="13" idx="1"/>
+          </p:cNvCxnSpPr>
+          <p:nvPr/>
+        </p:nvCxnSpPr>
+        <p:spPr>
+          <a:xfrm flipV="1">
+            <a:off x="3468030" y="4716213"/>
+            <a:ext cx="622095" cy="1067965"/>
+          </a:xfrm>
+          <a:prstGeom prst="bentConnector3">
+            <a:avLst>
+              <a:gd name="adj1" fmla="val 50000"/>
+            </a:avLst>
+          </a:prstGeom>
+          <a:ln w="19050">
+            <a:tailEnd type="triangle"/>
+          </a:ln>
+        </p:spPr>
+        <p:style>
+          <a:lnRef idx="1">
+            <a:schemeClr val="dk1"/>
+          </a:lnRef>
+          <a:fillRef idx="0">
+            <a:schemeClr val="dk1"/>
+          </a:fillRef>
+          <a:effectRef idx="0">
+            <a:schemeClr val="dk1"/>
+          </a:effectRef>
+          <a:fontRef idx="minor">
+            <a:schemeClr val="tx1"/>
+          </a:fontRef>
+        </p:style>
+      </p:cxnSp>
+      <p:cxnSp>
+        <p:nvCxnSpPr>
+          <p:cNvPr id="65" name="Elbow Connector 64">
+            <a:extLst>
+              <a:ext uri="{FF2B5EF4-FFF2-40B4-BE49-F238E27FC236}">
+                <a16:creationId xmlns:a16="http://schemas.microsoft.com/office/drawing/2014/main" id="{E55423E4-E052-FC3C-62FD-3675F79084D5}"/>
+              </a:ext>
+            </a:extLst>
+          </p:cNvPr>
+          <p:cNvCxnSpPr>
+            <a:cxnSpLocks/>
+            <a:stCxn id="34" idx="3"/>
+            <a:endCxn id="40" idx="1"/>
+          </p:cNvCxnSpPr>
+          <p:nvPr/>
+        </p:nvCxnSpPr>
+        <p:spPr>
+          <a:xfrm flipV="1">
+            <a:off x="3468030" y="5545231"/>
+            <a:ext cx="622095" cy="238947"/>
+          </a:xfrm>
+          <a:prstGeom prst="bentConnector3">
+            <a:avLst>
+              <a:gd name="adj1" fmla="val 50000"/>
+            </a:avLst>
+          </a:prstGeom>
+          <a:ln w="19050">
+            <a:tailEnd type="triangle"/>
+          </a:ln>
+        </p:spPr>
+        <p:style>
+          <a:lnRef idx="1">
+            <a:schemeClr val="dk1"/>
+          </a:lnRef>
+          <a:fillRef idx="0">
+            <a:schemeClr val="dk1"/>
+          </a:fillRef>
+          <a:effectRef idx="0">
+            <a:schemeClr val="dk1"/>
+          </a:effectRef>
+          <a:fontRef idx="minor">
+            <a:schemeClr val="tx1"/>
+          </a:fontRef>
+        </p:style>
+      </p:cxnSp>
+      <p:cxnSp>
+        <p:nvCxnSpPr>
+          <p:cNvPr id="68" name="Elbow Connector 67">
+            <a:extLst>
+              <a:ext uri="{FF2B5EF4-FFF2-40B4-BE49-F238E27FC236}">
+                <a16:creationId xmlns:a16="http://schemas.microsoft.com/office/drawing/2014/main" id="{26BB818A-1869-5C68-DBE2-B40D7CD4337B}"/>
+              </a:ext>
+            </a:extLst>
+          </p:cNvPr>
+          <p:cNvCxnSpPr>
+            <a:cxnSpLocks/>
+            <a:stCxn id="34" idx="3"/>
+            <a:endCxn id="41" idx="1"/>
+          </p:cNvCxnSpPr>
+          <p:nvPr/>
+        </p:nvCxnSpPr>
+        <p:spPr>
+          <a:xfrm>
+            <a:off x="3468030" y="5784178"/>
+            <a:ext cx="622095" cy="423142"/>
+          </a:xfrm>
+          <a:prstGeom prst="bentConnector3">
+            <a:avLst>
+              <a:gd name="adj1" fmla="val 50000"/>
+            </a:avLst>
+          </a:prstGeom>
+          <a:ln w="19050">
+            <a:tailEnd type="triangle"/>
+          </a:ln>
+        </p:spPr>
+        <p:style>
+          <a:lnRef idx="1">
+            <a:schemeClr val="dk1"/>
+          </a:lnRef>
+          <a:fillRef idx="0">
+            <a:schemeClr val="dk1"/>
+          </a:fillRef>
+          <a:effectRef idx="0">
+            <a:schemeClr val="dk1"/>
+          </a:effectRef>
+          <a:fontRef idx="minor">
+            <a:schemeClr val="tx1"/>
+          </a:fontRef>
+        </p:style>
+      </p:cxnSp>
+      <p:sp>
+        <p:nvSpPr>
+          <p:cNvPr id="73" name="Rectangle 72">
+            <a:extLst>
+              <a:ext uri="{FF2B5EF4-FFF2-40B4-BE49-F238E27FC236}">
+                <a16:creationId xmlns:a16="http://schemas.microsoft.com/office/drawing/2014/main" id="{49480547-3F21-28B1-4F90-9CEF8CE52B25}"/>
+              </a:ext>
+            </a:extLst>
+          </p:cNvPr>
+          <p:cNvSpPr/>
+          <p:nvPr/>
+        </p:nvSpPr>
+        <p:spPr>
+          <a:xfrm>
+            <a:off x="1545923" y="1068967"/>
+            <a:ext cx="4330770" cy="1710027"/>
+          </a:xfrm>
+          <a:prstGeom prst="rect">
+            <a:avLst/>
+          </a:prstGeom>
+          <a:noFill/>
+          <a:ln w="19050">
+            <a:solidFill>
+              <a:srgbClr val="FF0000"/>
+            </a:solidFill>
+          </a:ln>
+        </p:spPr>
+        <p:style>
+          <a:lnRef idx="2">
+            <a:schemeClr val="accent1">
+              <a:shade val="50000"/>
+            </a:schemeClr>
+          </a:lnRef>
+          <a:fillRef idx="1">
+            <a:schemeClr val="accent1"/>
+          </a:fillRef>
+          <a:effectRef idx="0">
+            <a:schemeClr val="accent1"/>
+          </a:effectRef>
+          <a:fontRef idx="minor">
+            <a:schemeClr val="lt1"/>
+          </a:fontRef>
+        </p:style>
+        <p:txBody>
+          <a:bodyPr rtlCol="0" anchor="ctr"/>
+          <a:lstStyle/>
+          <a:p>
+            <a:pPr algn="ctr"/>
+            <a:endParaRPr kumimoji="1" lang="en-JP" dirty="0"/>
+          </a:p>
+        </p:txBody>
+      </p:sp>
+      <p:sp>
+        <p:nvSpPr>
+          <p:cNvPr id="74" name="Rectangle 73">
+            <a:extLst>
+              <a:ext uri="{FF2B5EF4-FFF2-40B4-BE49-F238E27FC236}">
+                <a16:creationId xmlns:a16="http://schemas.microsoft.com/office/drawing/2014/main" id="{F12A089C-5B39-DE58-954C-5B06D6C111EF}"/>
+              </a:ext>
+            </a:extLst>
+          </p:cNvPr>
+          <p:cNvSpPr/>
+          <p:nvPr/>
+        </p:nvSpPr>
+        <p:spPr>
+          <a:xfrm>
+            <a:off x="3930615" y="2896111"/>
+            <a:ext cx="4330770" cy="1551177"/>
+          </a:xfrm>
+          <a:prstGeom prst="rect">
+            <a:avLst/>
+          </a:prstGeom>
+          <a:noFill/>
+          <a:ln w="19050">
+            <a:solidFill>
+              <a:srgbClr val="FF0000"/>
+            </a:solidFill>
+          </a:ln>
+        </p:spPr>
+        <p:style>
+          <a:lnRef idx="2">
+            <a:schemeClr val="accent1">
+              <a:shade val="50000"/>
+            </a:schemeClr>
+          </a:lnRef>
+          <a:fillRef idx="1">
+            <a:schemeClr val="accent1"/>
+          </a:fillRef>
+          <a:effectRef idx="0">
+            <a:schemeClr val="accent1"/>
+          </a:effectRef>
+          <a:fontRef idx="minor">
+            <a:schemeClr val="lt1"/>
+          </a:fontRef>
+        </p:style>
+        <p:txBody>
+          <a:bodyPr rtlCol="0" anchor="ctr"/>
+          <a:lstStyle/>
+          <a:p>
+            <a:pPr algn="ctr"/>
+            <a:endParaRPr kumimoji="1" lang="en-JP" dirty="0"/>
+          </a:p>
+        </p:txBody>
+      </p:sp>
+    </p:spTree>
+    <p:extLst>
+      <p:ext uri="{BB962C8B-B14F-4D97-AF65-F5344CB8AC3E}">
+        <p14:creationId xmlns:p14="http://schemas.microsoft.com/office/powerpoint/2010/main" val="1524952884"/>
+      </p:ext>
+    </p:extLst>
+  </p:cSld>
+  <p:clrMapOvr>
+    <a:masterClrMapping/>
+  </p:clrMapOvr>
+</p:sld>
+</file>
+
+<file path=ppt/slides/slide7.xml><?xml version="1.0" encoding="utf-8"?>
+<p:sld xmlns:a="http://schemas.openxmlformats.org/drawingml/2006/main" xmlns:r="http://schemas.openxmlformats.org/officeDocument/2006/relationships" xmlns:p="http://schemas.openxmlformats.org/presentationml/2006/main">
+  <p:cSld>
+    <p:spTree>
+      <p:nvGrpSpPr>
+        <p:cNvPr id="1" name=""/>
+        <p:cNvGrpSpPr/>
+        <p:nvPr/>
+      </p:nvGrpSpPr>
+      <p:grpSpPr>
+        <a:xfrm>
+          <a:off x="0" y="0"/>
+          <a:ext cx="0" cy="0"/>
+          <a:chOff x="0" y="0"/>
+          <a:chExt cx="0" cy="0"/>
+        </a:xfrm>
+      </p:grpSpPr>
+      <p:sp>
+        <p:nvSpPr>
+          <p:cNvPr id="2" name="タイトル 1"/>
+          <p:cNvSpPr>
+            <a:spLocks noGrp="1"/>
+          </p:cNvSpPr>
+          <p:nvPr>
+            <p:ph type="title"/>
+          </p:nvPr>
+        </p:nvSpPr>
+        <p:spPr/>
+        <p:txBody>
+          <a:bodyPr>
+            <a:noAutofit/>
+          </a:bodyPr>
+          <a:lstStyle/>
+          <a:p>
+            <a:pPr algn="ctr"/>
+            <a:r>
+              <a:rPr lang="en-JP" altLang="ja-JP" sz="3600" b="1" kern="0" dirty="0"/>
               <a:t>How to seperate</a:t>
             </a:r>
             <a:endParaRPr lang="ja-JP" altLang="en-US" sz="3600" b="1" kern="0" dirty="0"/>
@@ -7445,7 +9463,7 @@
 </p:sld>
 </file>
 
-<file path=ppt/slides/slide6.xml><?xml version="1.0" encoding="utf-8"?>
+<file path=ppt/slides/slide8.xml><?xml version="1.0" encoding="utf-8"?>
 <p:sld xmlns:a="http://schemas.openxmlformats.org/drawingml/2006/main" xmlns:r="http://schemas.openxmlformats.org/officeDocument/2006/relationships" xmlns:p="http://schemas.openxmlformats.org/presentationml/2006/main">
   <p:cSld>
     <p:spTree>

--- a/MVVM-Clean-Migration/Guidence.pptx
+++ b/MVVM-Clean-Migration/Guidence.pptx
@@ -5,20 +5,29 @@
     <p:sldMasterId id="2147483648" r:id="rId1"/>
   </p:sldMasterIdLst>
   <p:notesMasterIdLst>
-    <p:notesMasterId r:id="rId10"/>
+    <p:notesMasterId r:id="rId19"/>
   </p:notesMasterIdLst>
   <p:handoutMasterIdLst>
-    <p:handoutMasterId r:id="rId11"/>
+    <p:handoutMasterId r:id="rId20"/>
   </p:handoutMasterIdLst>
   <p:sldIdLst>
     <p:sldId id="273" r:id="rId2"/>
     <p:sldId id="351" r:id="rId3"/>
-    <p:sldId id="349" r:id="rId4"/>
-    <p:sldId id="347" r:id="rId5"/>
-    <p:sldId id="348" r:id="rId6"/>
-    <p:sldId id="350" r:id="rId7"/>
-    <p:sldId id="343" r:id="rId8"/>
-    <p:sldId id="336" r:id="rId9"/>
+    <p:sldId id="354" r:id="rId4"/>
+    <p:sldId id="355" r:id="rId5"/>
+    <p:sldId id="350" r:id="rId6"/>
+    <p:sldId id="356" r:id="rId7"/>
+    <p:sldId id="357" r:id="rId8"/>
+    <p:sldId id="358" r:id="rId9"/>
+    <p:sldId id="359" r:id="rId10"/>
+    <p:sldId id="360" r:id="rId11"/>
+    <p:sldId id="349" r:id="rId12"/>
+    <p:sldId id="347" r:id="rId13"/>
+    <p:sldId id="348" r:id="rId14"/>
+    <p:sldId id="343" r:id="rId15"/>
+    <p:sldId id="352" r:id="rId16"/>
+    <p:sldId id="353" r:id="rId17"/>
+    <p:sldId id="336" r:id="rId18"/>
   </p:sldIdLst>
   <p:sldSz cx="12192000" cy="6858000"/>
   <p:notesSz cx="6797675" cy="9926638"/>
@@ -221,7 +230,7 @@
           <a:p>
             <a:fld id="{73F4CB37-F97B-4530-B4E6-0474AB733BE3}" type="datetimeFigureOut">
               <a:rPr kumimoji="1" lang="ja-JP" altLang="en-US" smtClean="0"/>
-              <a:t>2023/8/22</a:t>
+              <a:t>2023/9/20</a:t>
             </a:fld>
             <a:endParaRPr kumimoji="1" lang="ja-JP" altLang="en-US"/>
           </a:p>
@@ -386,7 +395,7 @@
           <a:p>
             <a:fld id="{3AE129ED-E021-412F-A6BB-F29022CB135E}" type="datetimeFigureOut">
               <a:rPr kumimoji="1" lang="ja-JP" altLang="en-US" smtClean="0"/>
-              <a:t>2023/8/22</a:t>
+              <a:t>2023/9/20</a:t>
             </a:fld>
             <a:endParaRPr kumimoji="1" lang="ja-JP" altLang="en-US"/>
           </a:p>
@@ -769,6 +778,510 @@
 </p:notes>
 </file>
 
+<file path=ppt/notesSlides/notesSlide10.xml><?xml version="1.0" encoding="utf-8"?>
+<p:notes xmlns:a="http://schemas.openxmlformats.org/drawingml/2006/main" xmlns:r="http://schemas.openxmlformats.org/officeDocument/2006/relationships" xmlns:p="http://schemas.openxmlformats.org/presentationml/2006/main">
+  <p:cSld>
+    <p:spTree>
+      <p:nvGrpSpPr>
+        <p:cNvPr id="1" name=""/>
+        <p:cNvGrpSpPr/>
+        <p:nvPr/>
+      </p:nvGrpSpPr>
+      <p:grpSpPr>
+        <a:xfrm>
+          <a:off x="0" y="0"/>
+          <a:ext cx="0" cy="0"/>
+          <a:chOff x="0" y="0"/>
+          <a:chExt cx="0" cy="0"/>
+        </a:xfrm>
+      </p:grpSpPr>
+      <p:sp>
+        <p:nvSpPr>
+          <p:cNvPr id="2" name="スライド イメージ プレースホルダー 1"/>
+          <p:cNvSpPr>
+            <a:spLocks noGrp="1" noRot="1" noChangeAspect="1"/>
+          </p:cNvSpPr>
+          <p:nvPr>
+            <p:ph type="sldImg"/>
+          </p:nvPr>
+        </p:nvSpPr>
+        <p:spPr/>
+      </p:sp>
+      <p:sp>
+        <p:nvSpPr>
+          <p:cNvPr id="3" name="ノート プレースホルダー 2"/>
+          <p:cNvSpPr>
+            <a:spLocks noGrp="1"/>
+          </p:cNvSpPr>
+          <p:nvPr>
+            <p:ph type="body" idx="1"/>
+          </p:nvPr>
+        </p:nvSpPr>
+        <p:spPr/>
+        <p:txBody>
+          <a:bodyPr/>
+          <a:lstStyle/>
+          <a:p>
+            <a:endParaRPr kumimoji="1" lang="ja-JP" altLang="en-US"/>
+          </a:p>
+        </p:txBody>
+      </p:sp>
+      <p:sp>
+        <p:nvSpPr>
+          <p:cNvPr id="4" name="スライド番号プレースホルダー 3"/>
+          <p:cNvSpPr>
+            <a:spLocks noGrp="1"/>
+          </p:cNvSpPr>
+          <p:nvPr>
+            <p:ph type="sldNum" sz="quarter" idx="10"/>
+          </p:nvPr>
+        </p:nvSpPr>
+        <p:spPr/>
+        <p:txBody>
+          <a:bodyPr/>
+          <a:lstStyle/>
+          <a:p>
+            <a:fld id="{FFC4CC46-C8F2-4731-96DE-09F553337401}" type="slidenum">
+              <a:rPr kumimoji="1" lang="ja-JP" altLang="en-US" smtClean="0"/>
+              <a:t>10</a:t>
+            </a:fld>
+            <a:endParaRPr kumimoji="1" lang="ja-JP" altLang="en-US"/>
+          </a:p>
+        </p:txBody>
+      </p:sp>
+    </p:spTree>
+    <p:extLst>
+      <p:ext uri="{BB962C8B-B14F-4D97-AF65-F5344CB8AC3E}">
+        <p14:creationId xmlns:p14="http://schemas.microsoft.com/office/powerpoint/2010/main" val="2744177198"/>
+      </p:ext>
+    </p:extLst>
+  </p:cSld>
+  <p:clrMapOvr>
+    <a:masterClrMapping/>
+  </p:clrMapOvr>
+</p:notes>
+</file>
+
+<file path=ppt/notesSlides/notesSlide11.xml><?xml version="1.0" encoding="utf-8"?>
+<p:notes xmlns:a="http://schemas.openxmlformats.org/drawingml/2006/main" xmlns:r="http://schemas.openxmlformats.org/officeDocument/2006/relationships" xmlns:p="http://schemas.openxmlformats.org/presentationml/2006/main">
+  <p:cSld>
+    <p:spTree>
+      <p:nvGrpSpPr>
+        <p:cNvPr id="1" name=""/>
+        <p:cNvGrpSpPr/>
+        <p:nvPr/>
+      </p:nvGrpSpPr>
+      <p:grpSpPr>
+        <a:xfrm>
+          <a:off x="0" y="0"/>
+          <a:ext cx="0" cy="0"/>
+          <a:chOff x="0" y="0"/>
+          <a:chExt cx="0" cy="0"/>
+        </a:xfrm>
+      </p:grpSpPr>
+      <p:sp>
+        <p:nvSpPr>
+          <p:cNvPr id="2" name="スライド イメージ プレースホルダー 1"/>
+          <p:cNvSpPr>
+            <a:spLocks noGrp="1" noRot="1" noChangeAspect="1"/>
+          </p:cNvSpPr>
+          <p:nvPr>
+            <p:ph type="sldImg"/>
+          </p:nvPr>
+        </p:nvSpPr>
+        <p:spPr/>
+      </p:sp>
+      <p:sp>
+        <p:nvSpPr>
+          <p:cNvPr id="3" name="ノート プレースホルダー 2"/>
+          <p:cNvSpPr>
+            <a:spLocks noGrp="1"/>
+          </p:cNvSpPr>
+          <p:nvPr>
+            <p:ph type="body" idx="1"/>
+          </p:nvPr>
+        </p:nvSpPr>
+        <p:spPr/>
+        <p:txBody>
+          <a:bodyPr/>
+          <a:lstStyle/>
+          <a:p>
+            <a:endParaRPr kumimoji="1" lang="ja-JP" altLang="en-US"/>
+          </a:p>
+        </p:txBody>
+      </p:sp>
+      <p:sp>
+        <p:nvSpPr>
+          <p:cNvPr id="4" name="スライド番号プレースホルダー 3"/>
+          <p:cNvSpPr>
+            <a:spLocks noGrp="1"/>
+          </p:cNvSpPr>
+          <p:nvPr>
+            <p:ph type="sldNum" sz="quarter" idx="10"/>
+          </p:nvPr>
+        </p:nvSpPr>
+        <p:spPr/>
+        <p:txBody>
+          <a:bodyPr/>
+          <a:lstStyle/>
+          <a:p>
+            <a:fld id="{FFC4CC46-C8F2-4731-96DE-09F553337401}" type="slidenum">
+              <a:rPr kumimoji="1" lang="ja-JP" altLang="en-US" smtClean="0"/>
+              <a:t>12</a:t>
+            </a:fld>
+            <a:endParaRPr kumimoji="1" lang="ja-JP" altLang="en-US"/>
+          </a:p>
+        </p:txBody>
+      </p:sp>
+    </p:spTree>
+    <p:extLst>
+      <p:ext uri="{BB962C8B-B14F-4D97-AF65-F5344CB8AC3E}">
+        <p14:creationId xmlns:p14="http://schemas.microsoft.com/office/powerpoint/2010/main" val="2867711796"/>
+      </p:ext>
+    </p:extLst>
+  </p:cSld>
+  <p:clrMapOvr>
+    <a:masterClrMapping/>
+  </p:clrMapOvr>
+</p:notes>
+</file>
+
+<file path=ppt/notesSlides/notesSlide12.xml><?xml version="1.0" encoding="utf-8"?>
+<p:notes xmlns:a="http://schemas.openxmlformats.org/drawingml/2006/main" xmlns:r="http://schemas.openxmlformats.org/officeDocument/2006/relationships" xmlns:p="http://schemas.openxmlformats.org/presentationml/2006/main">
+  <p:cSld>
+    <p:spTree>
+      <p:nvGrpSpPr>
+        <p:cNvPr id="1" name=""/>
+        <p:cNvGrpSpPr/>
+        <p:nvPr/>
+      </p:nvGrpSpPr>
+      <p:grpSpPr>
+        <a:xfrm>
+          <a:off x="0" y="0"/>
+          <a:ext cx="0" cy="0"/>
+          <a:chOff x="0" y="0"/>
+          <a:chExt cx="0" cy="0"/>
+        </a:xfrm>
+      </p:grpSpPr>
+      <p:sp>
+        <p:nvSpPr>
+          <p:cNvPr id="2" name="スライド イメージ プレースホルダー 1"/>
+          <p:cNvSpPr>
+            <a:spLocks noGrp="1" noRot="1" noChangeAspect="1"/>
+          </p:cNvSpPr>
+          <p:nvPr>
+            <p:ph type="sldImg"/>
+          </p:nvPr>
+        </p:nvSpPr>
+        <p:spPr/>
+      </p:sp>
+      <p:sp>
+        <p:nvSpPr>
+          <p:cNvPr id="3" name="ノート プレースホルダー 2"/>
+          <p:cNvSpPr>
+            <a:spLocks noGrp="1"/>
+          </p:cNvSpPr>
+          <p:nvPr>
+            <p:ph type="body" idx="1"/>
+          </p:nvPr>
+        </p:nvSpPr>
+        <p:spPr/>
+        <p:txBody>
+          <a:bodyPr/>
+          <a:lstStyle/>
+          <a:p>
+            <a:endParaRPr kumimoji="1" lang="ja-JP" altLang="en-US"/>
+          </a:p>
+        </p:txBody>
+      </p:sp>
+      <p:sp>
+        <p:nvSpPr>
+          <p:cNvPr id="4" name="スライド番号プレースホルダー 3"/>
+          <p:cNvSpPr>
+            <a:spLocks noGrp="1"/>
+          </p:cNvSpPr>
+          <p:nvPr>
+            <p:ph type="sldNum" sz="quarter" idx="10"/>
+          </p:nvPr>
+        </p:nvSpPr>
+        <p:spPr/>
+        <p:txBody>
+          <a:bodyPr/>
+          <a:lstStyle/>
+          <a:p>
+            <a:fld id="{FFC4CC46-C8F2-4731-96DE-09F553337401}" type="slidenum">
+              <a:rPr kumimoji="1" lang="ja-JP" altLang="en-US" smtClean="0"/>
+              <a:t>13</a:t>
+            </a:fld>
+            <a:endParaRPr kumimoji="1" lang="ja-JP" altLang="en-US"/>
+          </a:p>
+        </p:txBody>
+      </p:sp>
+    </p:spTree>
+    <p:extLst>
+      <p:ext uri="{BB962C8B-B14F-4D97-AF65-F5344CB8AC3E}">
+        <p14:creationId xmlns:p14="http://schemas.microsoft.com/office/powerpoint/2010/main" val="1840906456"/>
+      </p:ext>
+    </p:extLst>
+  </p:cSld>
+  <p:clrMapOvr>
+    <a:masterClrMapping/>
+  </p:clrMapOvr>
+</p:notes>
+</file>
+
+<file path=ppt/notesSlides/notesSlide13.xml><?xml version="1.0" encoding="utf-8"?>
+<p:notes xmlns:a="http://schemas.openxmlformats.org/drawingml/2006/main" xmlns:r="http://schemas.openxmlformats.org/officeDocument/2006/relationships" xmlns:p="http://schemas.openxmlformats.org/presentationml/2006/main">
+  <p:cSld>
+    <p:spTree>
+      <p:nvGrpSpPr>
+        <p:cNvPr id="1" name=""/>
+        <p:cNvGrpSpPr/>
+        <p:nvPr/>
+      </p:nvGrpSpPr>
+      <p:grpSpPr>
+        <a:xfrm>
+          <a:off x="0" y="0"/>
+          <a:ext cx="0" cy="0"/>
+          <a:chOff x="0" y="0"/>
+          <a:chExt cx="0" cy="0"/>
+        </a:xfrm>
+      </p:grpSpPr>
+      <p:sp>
+        <p:nvSpPr>
+          <p:cNvPr id="2" name="スライド イメージ プレースホルダー 1"/>
+          <p:cNvSpPr>
+            <a:spLocks noGrp="1" noRot="1" noChangeAspect="1"/>
+          </p:cNvSpPr>
+          <p:nvPr>
+            <p:ph type="sldImg"/>
+          </p:nvPr>
+        </p:nvSpPr>
+        <p:spPr/>
+      </p:sp>
+      <p:sp>
+        <p:nvSpPr>
+          <p:cNvPr id="3" name="ノート プレースホルダー 2"/>
+          <p:cNvSpPr>
+            <a:spLocks noGrp="1"/>
+          </p:cNvSpPr>
+          <p:nvPr>
+            <p:ph type="body" idx="1"/>
+          </p:nvPr>
+        </p:nvSpPr>
+        <p:spPr/>
+        <p:txBody>
+          <a:bodyPr/>
+          <a:lstStyle/>
+          <a:p>
+            <a:endParaRPr kumimoji="1" lang="ja-JP" altLang="en-US"/>
+          </a:p>
+        </p:txBody>
+      </p:sp>
+      <p:sp>
+        <p:nvSpPr>
+          <p:cNvPr id="4" name="スライド番号プレースホルダー 3"/>
+          <p:cNvSpPr>
+            <a:spLocks noGrp="1"/>
+          </p:cNvSpPr>
+          <p:nvPr>
+            <p:ph type="sldNum" sz="quarter" idx="10"/>
+          </p:nvPr>
+        </p:nvSpPr>
+        <p:spPr/>
+        <p:txBody>
+          <a:bodyPr/>
+          <a:lstStyle/>
+          <a:p>
+            <a:fld id="{FFC4CC46-C8F2-4731-96DE-09F553337401}" type="slidenum">
+              <a:rPr kumimoji="1" lang="ja-JP" altLang="en-US" smtClean="0"/>
+              <a:t>14</a:t>
+            </a:fld>
+            <a:endParaRPr kumimoji="1" lang="ja-JP" altLang="en-US"/>
+          </a:p>
+        </p:txBody>
+      </p:sp>
+    </p:spTree>
+    <p:extLst>
+      <p:ext uri="{BB962C8B-B14F-4D97-AF65-F5344CB8AC3E}">
+        <p14:creationId xmlns:p14="http://schemas.microsoft.com/office/powerpoint/2010/main" val="4029398183"/>
+      </p:ext>
+    </p:extLst>
+  </p:cSld>
+  <p:clrMapOvr>
+    <a:masterClrMapping/>
+  </p:clrMapOvr>
+</p:notes>
+</file>
+
+<file path=ppt/notesSlides/notesSlide14.xml><?xml version="1.0" encoding="utf-8"?>
+<p:notes xmlns:a="http://schemas.openxmlformats.org/drawingml/2006/main" xmlns:r="http://schemas.openxmlformats.org/officeDocument/2006/relationships" xmlns:p="http://schemas.openxmlformats.org/presentationml/2006/main">
+  <p:cSld>
+    <p:spTree>
+      <p:nvGrpSpPr>
+        <p:cNvPr id="1" name=""/>
+        <p:cNvGrpSpPr/>
+        <p:nvPr/>
+      </p:nvGrpSpPr>
+      <p:grpSpPr>
+        <a:xfrm>
+          <a:off x="0" y="0"/>
+          <a:ext cx="0" cy="0"/>
+          <a:chOff x="0" y="0"/>
+          <a:chExt cx="0" cy="0"/>
+        </a:xfrm>
+      </p:grpSpPr>
+      <p:sp>
+        <p:nvSpPr>
+          <p:cNvPr id="2" name="スライド イメージ プレースホルダー 1"/>
+          <p:cNvSpPr>
+            <a:spLocks noGrp="1" noRot="1" noChangeAspect="1"/>
+          </p:cNvSpPr>
+          <p:nvPr>
+            <p:ph type="sldImg"/>
+          </p:nvPr>
+        </p:nvSpPr>
+        <p:spPr/>
+      </p:sp>
+      <p:sp>
+        <p:nvSpPr>
+          <p:cNvPr id="3" name="ノート プレースホルダー 2"/>
+          <p:cNvSpPr>
+            <a:spLocks noGrp="1"/>
+          </p:cNvSpPr>
+          <p:nvPr>
+            <p:ph type="body" idx="1"/>
+          </p:nvPr>
+        </p:nvSpPr>
+        <p:spPr/>
+        <p:txBody>
+          <a:bodyPr/>
+          <a:lstStyle/>
+          <a:p>
+            <a:endParaRPr kumimoji="1" lang="ja-JP" altLang="en-US"/>
+          </a:p>
+        </p:txBody>
+      </p:sp>
+      <p:sp>
+        <p:nvSpPr>
+          <p:cNvPr id="4" name="スライド番号プレースホルダー 3"/>
+          <p:cNvSpPr>
+            <a:spLocks noGrp="1"/>
+          </p:cNvSpPr>
+          <p:nvPr>
+            <p:ph type="sldNum" sz="quarter" idx="10"/>
+          </p:nvPr>
+        </p:nvSpPr>
+        <p:spPr/>
+        <p:txBody>
+          <a:bodyPr/>
+          <a:lstStyle/>
+          <a:p>
+            <a:fld id="{FFC4CC46-C8F2-4731-96DE-09F553337401}" type="slidenum">
+              <a:rPr kumimoji="1" lang="ja-JP" altLang="en-US" smtClean="0"/>
+              <a:t>15</a:t>
+            </a:fld>
+            <a:endParaRPr kumimoji="1" lang="ja-JP" altLang="en-US"/>
+          </a:p>
+        </p:txBody>
+      </p:sp>
+    </p:spTree>
+    <p:extLst>
+      <p:ext uri="{BB962C8B-B14F-4D97-AF65-F5344CB8AC3E}">
+        <p14:creationId xmlns:p14="http://schemas.microsoft.com/office/powerpoint/2010/main" val="3421844691"/>
+      </p:ext>
+    </p:extLst>
+  </p:cSld>
+  <p:clrMapOvr>
+    <a:masterClrMapping/>
+  </p:clrMapOvr>
+</p:notes>
+</file>
+
+<file path=ppt/notesSlides/notesSlide15.xml><?xml version="1.0" encoding="utf-8"?>
+<p:notes xmlns:a="http://schemas.openxmlformats.org/drawingml/2006/main" xmlns:r="http://schemas.openxmlformats.org/officeDocument/2006/relationships" xmlns:p="http://schemas.openxmlformats.org/presentationml/2006/main">
+  <p:cSld>
+    <p:spTree>
+      <p:nvGrpSpPr>
+        <p:cNvPr id="1" name=""/>
+        <p:cNvGrpSpPr/>
+        <p:nvPr/>
+      </p:nvGrpSpPr>
+      <p:grpSpPr>
+        <a:xfrm>
+          <a:off x="0" y="0"/>
+          <a:ext cx="0" cy="0"/>
+          <a:chOff x="0" y="0"/>
+          <a:chExt cx="0" cy="0"/>
+        </a:xfrm>
+      </p:grpSpPr>
+      <p:sp>
+        <p:nvSpPr>
+          <p:cNvPr id="2" name="スライド イメージ プレースホルダー 1"/>
+          <p:cNvSpPr>
+            <a:spLocks noGrp="1" noRot="1" noChangeAspect="1"/>
+          </p:cNvSpPr>
+          <p:nvPr>
+            <p:ph type="sldImg"/>
+          </p:nvPr>
+        </p:nvSpPr>
+        <p:spPr/>
+      </p:sp>
+      <p:sp>
+        <p:nvSpPr>
+          <p:cNvPr id="3" name="ノート プレースホルダー 2"/>
+          <p:cNvSpPr>
+            <a:spLocks noGrp="1"/>
+          </p:cNvSpPr>
+          <p:nvPr>
+            <p:ph type="body" idx="1"/>
+          </p:nvPr>
+        </p:nvSpPr>
+        <p:spPr/>
+        <p:txBody>
+          <a:bodyPr/>
+          <a:lstStyle/>
+          <a:p>
+            <a:endParaRPr kumimoji="1" lang="ja-JP" altLang="en-US"/>
+          </a:p>
+        </p:txBody>
+      </p:sp>
+      <p:sp>
+        <p:nvSpPr>
+          <p:cNvPr id="4" name="スライド番号プレースホルダー 3"/>
+          <p:cNvSpPr>
+            <a:spLocks noGrp="1"/>
+          </p:cNvSpPr>
+          <p:nvPr>
+            <p:ph type="sldNum" sz="quarter" idx="10"/>
+          </p:nvPr>
+        </p:nvSpPr>
+        <p:spPr/>
+        <p:txBody>
+          <a:bodyPr/>
+          <a:lstStyle/>
+          <a:p>
+            <a:fld id="{FFC4CC46-C8F2-4731-96DE-09F553337401}" type="slidenum">
+              <a:rPr kumimoji="1" lang="ja-JP" altLang="en-US" smtClean="0"/>
+              <a:t>16</a:t>
+            </a:fld>
+            <a:endParaRPr kumimoji="1" lang="ja-JP" altLang="en-US"/>
+          </a:p>
+        </p:txBody>
+      </p:sp>
+    </p:spTree>
+    <p:extLst>
+      <p:ext uri="{BB962C8B-B14F-4D97-AF65-F5344CB8AC3E}">
+        <p14:creationId xmlns:p14="http://schemas.microsoft.com/office/powerpoint/2010/main" val="2753885383"/>
+      </p:ext>
+    </p:extLst>
+  </p:cSld>
+  <p:clrMapOvr>
+    <a:masterClrMapping/>
+  </p:clrMapOvr>
+</p:notes>
+</file>
+
 <file path=ppt/notesSlides/notesSlide2.xml><?xml version="1.0" encoding="utf-8"?>
 <p:notes xmlns:a="http://schemas.openxmlformats.org/drawingml/2006/main" xmlns:r="http://schemas.openxmlformats.org/officeDocument/2006/relationships" xmlns:p="http://schemas.openxmlformats.org/presentationml/2006/main">
   <p:cSld>
@@ -918,7 +1431,7 @@
           <a:p>
             <a:fld id="{FFC4CC46-C8F2-4731-96DE-09F553337401}" type="slidenum">
               <a:rPr kumimoji="1" lang="ja-JP" altLang="en-US" smtClean="0"/>
-              <a:t>4</a:t>
+              <a:t>3</a:t>
             </a:fld>
             <a:endParaRPr kumimoji="1" lang="ja-JP" altLang="en-US"/>
           </a:p>
@@ -927,7 +1440,7 @@
     </p:spTree>
     <p:extLst>
       <p:ext uri="{BB962C8B-B14F-4D97-AF65-F5344CB8AC3E}">
-        <p14:creationId xmlns:p14="http://schemas.microsoft.com/office/powerpoint/2010/main" val="2867711796"/>
+        <p14:creationId xmlns:p14="http://schemas.microsoft.com/office/powerpoint/2010/main" val="2687345739"/>
       </p:ext>
     </p:extLst>
   </p:cSld>
@@ -1002,7 +1515,7 @@
           <a:p>
             <a:fld id="{FFC4CC46-C8F2-4731-96DE-09F553337401}" type="slidenum">
               <a:rPr kumimoji="1" lang="ja-JP" altLang="en-US" smtClean="0"/>
-              <a:t>5</a:t>
+              <a:t>4</a:t>
             </a:fld>
             <a:endParaRPr kumimoji="1" lang="ja-JP" altLang="en-US"/>
           </a:p>
@@ -1011,7 +1524,7 @@
     </p:spTree>
     <p:extLst>
       <p:ext uri="{BB962C8B-B14F-4D97-AF65-F5344CB8AC3E}">
-        <p14:creationId xmlns:p14="http://schemas.microsoft.com/office/powerpoint/2010/main" val="1840906456"/>
+        <p14:creationId xmlns:p14="http://schemas.microsoft.com/office/powerpoint/2010/main" val="1340972914"/>
       </p:ext>
     </p:extLst>
   </p:cSld>
@@ -1086,7 +1599,7 @@
           <a:p>
             <a:fld id="{FFC4CC46-C8F2-4731-96DE-09F553337401}" type="slidenum">
               <a:rPr kumimoji="1" lang="ja-JP" altLang="en-US" smtClean="0"/>
-              <a:t>6</a:t>
+              <a:t>5</a:t>
             </a:fld>
             <a:endParaRPr kumimoji="1" lang="ja-JP" altLang="en-US"/>
           </a:p>
@@ -1170,6 +1683,90 @@
           <a:p>
             <a:fld id="{FFC4CC46-C8F2-4731-96DE-09F553337401}" type="slidenum">
               <a:rPr kumimoji="1" lang="ja-JP" altLang="en-US" smtClean="0"/>
+              <a:t>6</a:t>
+            </a:fld>
+            <a:endParaRPr kumimoji="1" lang="ja-JP" altLang="en-US"/>
+          </a:p>
+        </p:txBody>
+      </p:sp>
+    </p:spTree>
+    <p:extLst>
+      <p:ext uri="{BB962C8B-B14F-4D97-AF65-F5344CB8AC3E}">
+        <p14:creationId xmlns:p14="http://schemas.microsoft.com/office/powerpoint/2010/main" val="517791157"/>
+      </p:ext>
+    </p:extLst>
+  </p:cSld>
+  <p:clrMapOvr>
+    <a:masterClrMapping/>
+  </p:clrMapOvr>
+</p:notes>
+</file>
+
+<file path=ppt/notesSlides/notesSlide7.xml><?xml version="1.0" encoding="utf-8"?>
+<p:notes xmlns:a="http://schemas.openxmlformats.org/drawingml/2006/main" xmlns:r="http://schemas.openxmlformats.org/officeDocument/2006/relationships" xmlns:p="http://schemas.openxmlformats.org/presentationml/2006/main">
+  <p:cSld>
+    <p:spTree>
+      <p:nvGrpSpPr>
+        <p:cNvPr id="1" name=""/>
+        <p:cNvGrpSpPr/>
+        <p:nvPr/>
+      </p:nvGrpSpPr>
+      <p:grpSpPr>
+        <a:xfrm>
+          <a:off x="0" y="0"/>
+          <a:ext cx="0" cy="0"/>
+          <a:chOff x="0" y="0"/>
+          <a:chExt cx="0" cy="0"/>
+        </a:xfrm>
+      </p:grpSpPr>
+      <p:sp>
+        <p:nvSpPr>
+          <p:cNvPr id="2" name="スライド イメージ プレースホルダー 1"/>
+          <p:cNvSpPr>
+            <a:spLocks noGrp="1" noRot="1" noChangeAspect="1"/>
+          </p:cNvSpPr>
+          <p:nvPr>
+            <p:ph type="sldImg"/>
+          </p:nvPr>
+        </p:nvSpPr>
+        <p:spPr/>
+      </p:sp>
+      <p:sp>
+        <p:nvSpPr>
+          <p:cNvPr id="3" name="ノート プレースホルダー 2"/>
+          <p:cNvSpPr>
+            <a:spLocks noGrp="1"/>
+          </p:cNvSpPr>
+          <p:nvPr>
+            <p:ph type="body" idx="1"/>
+          </p:nvPr>
+        </p:nvSpPr>
+        <p:spPr/>
+        <p:txBody>
+          <a:bodyPr/>
+          <a:lstStyle/>
+          <a:p>
+            <a:endParaRPr kumimoji="1" lang="ja-JP" altLang="en-US"/>
+          </a:p>
+        </p:txBody>
+      </p:sp>
+      <p:sp>
+        <p:nvSpPr>
+          <p:cNvPr id="4" name="スライド番号プレースホルダー 3"/>
+          <p:cNvSpPr>
+            <a:spLocks noGrp="1"/>
+          </p:cNvSpPr>
+          <p:nvPr>
+            <p:ph type="sldNum" sz="quarter" idx="10"/>
+          </p:nvPr>
+        </p:nvSpPr>
+        <p:spPr/>
+        <p:txBody>
+          <a:bodyPr/>
+          <a:lstStyle/>
+          <a:p>
+            <a:fld id="{FFC4CC46-C8F2-4731-96DE-09F553337401}" type="slidenum">
+              <a:rPr kumimoji="1" lang="ja-JP" altLang="en-US" smtClean="0"/>
               <a:t>7</a:t>
             </a:fld>
             <a:endParaRPr kumimoji="1" lang="ja-JP" altLang="en-US"/>
@@ -1179,7 +1776,175 @@
     </p:spTree>
     <p:extLst>
       <p:ext uri="{BB962C8B-B14F-4D97-AF65-F5344CB8AC3E}">
-        <p14:creationId xmlns:p14="http://schemas.microsoft.com/office/powerpoint/2010/main" val="4029398183"/>
+        <p14:creationId xmlns:p14="http://schemas.microsoft.com/office/powerpoint/2010/main" val="3809218171"/>
+      </p:ext>
+    </p:extLst>
+  </p:cSld>
+  <p:clrMapOvr>
+    <a:masterClrMapping/>
+  </p:clrMapOvr>
+</p:notes>
+</file>
+
+<file path=ppt/notesSlides/notesSlide8.xml><?xml version="1.0" encoding="utf-8"?>
+<p:notes xmlns:a="http://schemas.openxmlformats.org/drawingml/2006/main" xmlns:r="http://schemas.openxmlformats.org/officeDocument/2006/relationships" xmlns:p="http://schemas.openxmlformats.org/presentationml/2006/main">
+  <p:cSld>
+    <p:spTree>
+      <p:nvGrpSpPr>
+        <p:cNvPr id="1" name=""/>
+        <p:cNvGrpSpPr/>
+        <p:nvPr/>
+      </p:nvGrpSpPr>
+      <p:grpSpPr>
+        <a:xfrm>
+          <a:off x="0" y="0"/>
+          <a:ext cx="0" cy="0"/>
+          <a:chOff x="0" y="0"/>
+          <a:chExt cx="0" cy="0"/>
+        </a:xfrm>
+      </p:grpSpPr>
+      <p:sp>
+        <p:nvSpPr>
+          <p:cNvPr id="2" name="スライド イメージ プレースホルダー 1"/>
+          <p:cNvSpPr>
+            <a:spLocks noGrp="1" noRot="1" noChangeAspect="1"/>
+          </p:cNvSpPr>
+          <p:nvPr>
+            <p:ph type="sldImg"/>
+          </p:nvPr>
+        </p:nvSpPr>
+        <p:spPr/>
+      </p:sp>
+      <p:sp>
+        <p:nvSpPr>
+          <p:cNvPr id="3" name="ノート プレースホルダー 2"/>
+          <p:cNvSpPr>
+            <a:spLocks noGrp="1"/>
+          </p:cNvSpPr>
+          <p:nvPr>
+            <p:ph type="body" idx="1"/>
+          </p:nvPr>
+        </p:nvSpPr>
+        <p:spPr/>
+        <p:txBody>
+          <a:bodyPr/>
+          <a:lstStyle/>
+          <a:p>
+            <a:endParaRPr kumimoji="1" lang="ja-JP" altLang="en-US"/>
+          </a:p>
+        </p:txBody>
+      </p:sp>
+      <p:sp>
+        <p:nvSpPr>
+          <p:cNvPr id="4" name="スライド番号プレースホルダー 3"/>
+          <p:cNvSpPr>
+            <a:spLocks noGrp="1"/>
+          </p:cNvSpPr>
+          <p:nvPr>
+            <p:ph type="sldNum" sz="quarter" idx="10"/>
+          </p:nvPr>
+        </p:nvSpPr>
+        <p:spPr/>
+        <p:txBody>
+          <a:bodyPr/>
+          <a:lstStyle/>
+          <a:p>
+            <a:fld id="{FFC4CC46-C8F2-4731-96DE-09F553337401}" type="slidenum">
+              <a:rPr kumimoji="1" lang="ja-JP" altLang="en-US" smtClean="0"/>
+              <a:t>8</a:t>
+            </a:fld>
+            <a:endParaRPr kumimoji="1" lang="ja-JP" altLang="en-US"/>
+          </a:p>
+        </p:txBody>
+      </p:sp>
+    </p:spTree>
+    <p:extLst>
+      <p:ext uri="{BB962C8B-B14F-4D97-AF65-F5344CB8AC3E}">
+        <p14:creationId xmlns:p14="http://schemas.microsoft.com/office/powerpoint/2010/main" val="2759684610"/>
+      </p:ext>
+    </p:extLst>
+  </p:cSld>
+  <p:clrMapOvr>
+    <a:masterClrMapping/>
+  </p:clrMapOvr>
+</p:notes>
+</file>
+
+<file path=ppt/notesSlides/notesSlide9.xml><?xml version="1.0" encoding="utf-8"?>
+<p:notes xmlns:a="http://schemas.openxmlformats.org/drawingml/2006/main" xmlns:r="http://schemas.openxmlformats.org/officeDocument/2006/relationships" xmlns:p="http://schemas.openxmlformats.org/presentationml/2006/main">
+  <p:cSld>
+    <p:spTree>
+      <p:nvGrpSpPr>
+        <p:cNvPr id="1" name=""/>
+        <p:cNvGrpSpPr/>
+        <p:nvPr/>
+      </p:nvGrpSpPr>
+      <p:grpSpPr>
+        <a:xfrm>
+          <a:off x="0" y="0"/>
+          <a:ext cx="0" cy="0"/>
+          <a:chOff x="0" y="0"/>
+          <a:chExt cx="0" cy="0"/>
+        </a:xfrm>
+      </p:grpSpPr>
+      <p:sp>
+        <p:nvSpPr>
+          <p:cNvPr id="2" name="スライド イメージ プレースホルダー 1"/>
+          <p:cNvSpPr>
+            <a:spLocks noGrp="1" noRot="1" noChangeAspect="1"/>
+          </p:cNvSpPr>
+          <p:nvPr>
+            <p:ph type="sldImg"/>
+          </p:nvPr>
+        </p:nvSpPr>
+        <p:spPr/>
+      </p:sp>
+      <p:sp>
+        <p:nvSpPr>
+          <p:cNvPr id="3" name="ノート プレースホルダー 2"/>
+          <p:cNvSpPr>
+            <a:spLocks noGrp="1"/>
+          </p:cNvSpPr>
+          <p:nvPr>
+            <p:ph type="body" idx="1"/>
+          </p:nvPr>
+        </p:nvSpPr>
+        <p:spPr/>
+        <p:txBody>
+          <a:bodyPr/>
+          <a:lstStyle/>
+          <a:p>
+            <a:endParaRPr kumimoji="1" lang="ja-JP" altLang="en-US"/>
+          </a:p>
+        </p:txBody>
+      </p:sp>
+      <p:sp>
+        <p:nvSpPr>
+          <p:cNvPr id="4" name="スライド番号プレースホルダー 3"/>
+          <p:cNvSpPr>
+            <a:spLocks noGrp="1"/>
+          </p:cNvSpPr>
+          <p:nvPr>
+            <p:ph type="sldNum" sz="quarter" idx="10"/>
+          </p:nvPr>
+        </p:nvSpPr>
+        <p:spPr/>
+        <p:txBody>
+          <a:bodyPr/>
+          <a:lstStyle/>
+          <a:p>
+            <a:fld id="{FFC4CC46-C8F2-4731-96DE-09F553337401}" type="slidenum">
+              <a:rPr kumimoji="1" lang="ja-JP" altLang="en-US" smtClean="0"/>
+              <a:t>9</a:t>
+            </a:fld>
+            <a:endParaRPr kumimoji="1" lang="ja-JP" altLang="en-US"/>
+          </a:p>
+        </p:txBody>
+      </p:sp>
+    </p:spTree>
+    <p:extLst>
+      <p:ext uri="{BB962C8B-B14F-4D97-AF65-F5344CB8AC3E}">
+        <p14:creationId xmlns:p14="http://schemas.microsoft.com/office/powerpoint/2010/main" val="450102784"/>
       </p:ext>
     </p:extLst>
   </p:cSld>
@@ -2806,7 +3571,7 @@
           </a:ln>
           <a:extLst>
             <a:ext uri="{C572A759-6A51-4108-AA02-DFA0A04FC94B}">
-              <ma14:wrappingTextBoxFlag xmlns="" xmlns:ma14="http://schemas.microsoft.com/office/mac/drawingml/2011/main" val="1"/>
+              <ma14:wrappingTextBoxFlag xmlns:ma14="http://schemas.microsoft.com/office/mac/drawingml/2011/main" xmlns="" val="1"/>
             </a:ext>
           </a:extLst>
         </p:spPr>
@@ -3813,7 +4578,7 @@
 </p:sld>
 </file>
 
-<file path=ppt/slides/slide2.xml><?xml version="1.0" encoding="utf-8"?>
+<file path=ppt/slides/slide10.xml><?xml version="1.0" encoding="utf-8"?>
 <p:sld xmlns:a="http://schemas.openxmlformats.org/drawingml/2006/main" xmlns:r="http://schemas.openxmlformats.org/officeDocument/2006/relationships" xmlns:p="http://schemas.openxmlformats.org/presentationml/2006/main">
   <p:cSld>
     <p:spTree>
@@ -3849,16 +4614,10 @@
           <a:p>
             <a:pPr algn="ctr"/>
             <a:r>
-              <a:rPr lang="en-US" altLang="ja-JP" sz="3600" b="1" kern="0" dirty="0">
-                <a:latin typeface="Rakuten Sans" panose="020B0503020203020204" pitchFamily="34" charset="0"/>
-                <a:cs typeface="Rakuten Sans" panose="020B0503020203020204" pitchFamily="34" charset="0"/>
-              </a:rPr>
-              <a:t>Copy template</a:t>
-            </a:r>
-            <a:endParaRPr lang="ja-JP" altLang="en-US" sz="3600" b="1" kern="0" dirty="0">
-              <a:latin typeface="Rakuten Sans" panose="020B0503020203020204" pitchFamily="34" charset="0"/>
-              <a:cs typeface="Rakuten Sans" panose="020B0503020203020204" pitchFamily="34" charset="0"/>
-            </a:endParaRPr>
+              <a:rPr lang="en-US" altLang="ja-JP" sz="3600" b="1" dirty="0"/>
+              <a:t>Build feature - 6 </a:t>
+            </a:r>
+            <a:endParaRPr lang="ja-JP" altLang="en-US" sz="3600" b="1" kern="0" dirty="0"/>
           </a:p>
         </p:txBody>
       </p:sp>
@@ -3901,72 +4660,12 @@
           </a:fontRef>
         </p:style>
       </p:cxnSp>
-      <p:pic>
-        <p:nvPicPr>
-          <p:cNvPr id="13" name="Picture 12">
+      <p:sp>
+        <p:nvSpPr>
+          <p:cNvPr id="3" name="TextBox 2">
             <a:extLst>
               <a:ext uri="{FF2B5EF4-FFF2-40B4-BE49-F238E27FC236}">
-                <a16:creationId xmlns:a16="http://schemas.microsoft.com/office/drawing/2014/main" id="{C49CF637-8380-02BA-A59C-8D8AAC563FF9}"/>
-              </a:ext>
-            </a:extLst>
-          </p:cNvPr>
-          <p:cNvPicPr>
-            <a:picLocks noChangeAspect="1"/>
-          </p:cNvPicPr>
-          <p:nvPr/>
-        </p:nvPicPr>
-        <p:blipFill>
-          <a:blip r:embed="rId3"/>
-          <a:stretch>
-            <a:fillRect/>
-          </a:stretch>
-        </p:blipFill>
-        <p:spPr>
-          <a:xfrm>
-            <a:off x="957421" y="1182496"/>
-            <a:ext cx="2503415" cy="2973600"/>
-          </a:xfrm>
-          <a:prstGeom prst="rect">
-            <a:avLst/>
-          </a:prstGeom>
-          <a:solidFill>
-            <a:srgbClr val="FFFFFF">
-              <a:shade val="85000"/>
-            </a:srgbClr>
-          </a:solidFill>
-          <a:ln w="88900" cap="sq">
-            <a:solidFill>
-              <a:srgbClr val="FFFFFF"/>
-            </a:solidFill>
-            <a:miter lim="800000"/>
-          </a:ln>
-          <a:effectLst>
-            <a:outerShdw blurRad="55000" dist="18000" dir="5400000" algn="tl" rotWithShape="0">
-              <a:srgbClr val="000000">
-                <a:alpha val="40000"/>
-              </a:srgbClr>
-            </a:outerShdw>
-          </a:effectLst>
-          <a:scene3d>
-            <a:camera prst="orthographicFront"/>
-            <a:lightRig rig="twoPt" dir="t">
-              <a:rot lat="0" lon="0" rev="7200000"/>
-            </a:lightRig>
-          </a:scene3d>
-          <a:sp3d>
-            <a:bevelT w="25400" h="19050"/>
-            <a:contourClr>
-              <a:srgbClr val="FFFFFF"/>
-            </a:contourClr>
-          </a:sp3d>
-        </p:spPr>
-      </p:pic>
-      <p:sp>
-        <p:nvSpPr>
-          <p:cNvPr id="14" name="TextBox 13">
-            <a:extLst>
-              <a:ext uri="{FF2B5EF4-FFF2-40B4-BE49-F238E27FC236}">
-                <a16:creationId xmlns:a16="http://schemas.microsoft.com/office/drawing/2014/main" id="{06A1CBA2-A659-BC40-8661-1B0194715EE3}"/>
+                <a16:creationId xmlns:a16="http://schemas.microsoft.com/office/drawing/2014/main" id="{BB9A9174-A47B-0443-60C0-0288F7074B06}"/>
               </a:ext>
             </a:extLst>
           </p:cNvPr>
@@ -3975,8 +4674,8 @@
         </p:nvSpPr>
         <p:spPr>
           <a:xfrm>
-            <a:off x="5034889" y="1182496"/>
-            <a:ext cx="5630978" cy="727122"/>
+            <a:off x="797440" y="1215772"/>
+            <a:ext cx="10047767" cy="3385799"/>
           </a:xfrm>
           <a:prstGeom prst="rect">
             <a:avLst/>
@@ -3989,223 +4688,171 @@
           </a:bodyPr>
           <a:lstStyle/>
           <a:p>
-            <a:pPr>
-              <a:lnSpc>
-                <a:spcPct val="150000"/>
-              </a:lnSpc>
+            <a:pPr marL="285750" indent="-285750">
+              <a:lnSpc>
+                <a:spcPct val="120000"/>
+              </a:lnSpc>
+              <a:buSzPct val="100000"/>
+              <a:buFont typeface="Arial" panose="020B0604020202020204" pitchFamily="34" charset="0"/>
+              <a:buChar char="•"/>
             </a:pPr>
             <a:r>
-              <a:rPr lang="en-US" sz="3000" b="1" i="0" u="none" strike="noStrike" dirty="0">
-                <a:solidFill>
-                  <a:srgbClr val="242424"/>
-                </a:solidFill>
+              <a:rPr lang="en-US" b="1" dirty="0">
                 <a:effectLst/>
-                <a:latin typeface="Rakuten Sans" panose="020B0503020203020204" pitchFamily="34" charset="0"/>
-                <a:cs typeface="Rakuten Sans" panose="020B0503020203020204" pitchFamily="34" charset="0"/>
               </a:rPr>
-              <a:t>~/Library/Developer/</a:t>
-            </a:r>
-            <a:r>
-              <a:rPr lang="en-US" sz="3000" b="1" i="0" u="none" strike="noStrike" dirty="0" err="1">
-                <a:solidFill>
-                  <a:srgbClr val="242424"/>
-                </a:solidFill>
-                <a:effectLst/>
-                <a:latin typeface="Rakuten Sans" panose="020B0503020203020204" pitchFamily="34" charset="0"/>
-                <a:cs typeface="Rakuten Sans" panose="020B0503020203020204" pitchFamily="34" charset="0"/>
-              </a:rPr>
-              <a:t>Xcode</a:t>
-            </a:r>
-            <a:r>
-              <a:rPr lang="en-US" sz="3000" b="1" i="0" u="none" strike="noStrike" dirty="0">
-                <a:solidFill>
-                  <a:srgbClr val="242424"/>
-                </a:solidFill>
-                <a:effectLst/>
-                <a:latin typeface="Rakuten Sans" panose="020B0503020203020204" pitchFamily="34" charset="0"/>
-                <a:cs typeface="Rakuten Sans" panose="020B0503020203020204" pitchFamily="34" charset="0"/>
-              </a:rPr>
-              <a:t>/</a:t>
-            </a:r>
-            <a:endParaRPr lang="en-US" sz="3000" b="1" dirty="0">
-              <a:solidFill>
-                <a:srgbClr val="FF0000"/>
-              </a:solidFill>
-              <a:effectLst/>
-              <a:latin typeface="Rakuten Sans" panose="020B0503020203020204" pitchFamily="34" charset="0"/>
-              <a:cs typeface="Rakuten Sans" panose="020B0503020203020204" pitchFamily="34" charset="0"/>
-            </a:endParaRPr>
-          </a:p>
-        </p:txBody>
-      </p:sp>
-      <p:cxnSp>
-        <p:nvCxnSpPr>
-          <p:cNvPr id="27" name="Straight Arrow Connector 26">
-            <a:extLst>
-              <a:ext uri="{FF2B5EF4-FFF2-40B4-BE49-F238E27FC236}">
-                <a16:creationId xmlns:a16="http://schemas.microsoft.com/office/drawing/2014/main" id="{F9E1A6BA-0667-7F2E-D900-C0F528E50F6C}"/>
-              </a:ext>
-            </a:extLst>
-          </p:cNvPr>
-          <p:cNvCxnSpPr>
-            <a:cxnSpLocks/>
-          </p:cNvCxnSpPr>
-          <p:nvPr/>
-        </p:nvCxnSpPr>
-        <p:spPr>
-          <a:xfrm>
-            <a:off x="4244865" y="1546057"/>
-            <a:ext cx="512713" cy="0"/>
-          </a:xfrm>
-          <a:prstGeom prst="straightConnector1">
-            <a:avLst/>
-          </a:prstGeom>
-          <a:ln w="66675">
-            <a:solidFill>
-              <a:schemeClr val="accent6">
-                <a:lumMod val="50000"/>
-              </a:schemeClr>
-            </a:solidFill>
-            <a:tailEnd type="triangle"/>
-          </a:ln>
-        </p:spPr>
-        <p:style>
-          <a:lnRef idx="1">
-            <a:schemeClr val="accent1"/>
-          </a:lnRef>
-          <a:fillRef idx="0">
-            <a:schemeClr val="accent1"/>
-          </a:fillRef>
-          <a:effectRef idx="0">
-            <a:schemeClr val="accent1"/>
-          </a:effectRef>
-          <a:fontRef idx="minor">
-            <a:schemeClr val="tx1"/>
-          </a:fontRef>
-        </p:style>
-      </p:cxnSp>
-      <p:pic>
-        <p:nvPicPr>
-          <p:cNvPr id="36" name="Picture 35" descr="A screenshot of a computer&#10;&#10;Description automatically generated">
-            <a:extLst>
-              <a:ext uri="{FF2B5EF4-FFF2-40B4-BE49-F238E27FC236}">
-                <a16:creationId xmlns:a16="http://schemas.microsoft.com/office/drawing/2014/main" id="{17493A67-0015-577D-4E17-5A2A125F2FEE}"/>
-              </a:ext>
-            </a:extLst>
-          </p:cNvPr>
-          <p:cNvPicPr>
-            <a:picLocks noChangeAspect="1"/>
-          </p:cNvPicPr>
-          <p:nvPr/>
-        </p:nvPicPr>
-        <p:blipFill>
-          <a:blip r:embed="rId4">
-            <a:extLst>
-              <a:ext uri="{28A0092B-C50C-407E-A947-70E740481C1C}">
-                <a14:useLocalDpi xmlns:a14="http://schemas.microsoft.com/office/drawing/2010/main" val="0"/>
-              </a:ext>
-            </a:extLst>
-          </a:blip>
-          <a:stretch>
-            <a:fillRect/>
-          </a:stretch>
-        </p:blipFill>
-        <p:spPr>
-          <a:xfrm>
-            <a:off x="4021597" y="2142041"/>
-            <a:ext cx="6949295" cy="4002279"/>
-          </a:xfrm>
-          <a:prstGeom prst="rect">
-            <a:avLst/>
-          </a:prstGeom>
-          <a:solidFill>
-            <a:srgbClr val="FFFFFF">
-              <a:shade val="85000"/>
-            </a:srgbClr>
-          </a:solidFill>
-          <a:ln w="88900" cap="sq">
-            <a:solidFill>
-              <a:srgbClr val="FFFFFF"/>
-            </a:solidFill>
-            <a:miter lim="800000"/>
-          </a:ln>
-          <a:effectLst>
-            <a:outerShdw blurRad="55000" dist="18000" dir="5400000" algn="tl" rotWithShape="0">
-              <a:srgbClr val="000000">
-                <a:alpha val="40000"/>
-              </a:srgbClr>
-            </a:outerShdw>
-          </a:effectLst>
-          <a:scene3d>
-            <a:camera prst="orthographicFront"/>
-            <a:lightRig rig="twoPt" dir="t">
-              <a:rot lat="0" lon="0" rev="7200000"/>
-            </a:lightRig>
-          </a:scene3d>
-          <a:sp3d>
-            <a:bevelT w="25400" h="19050"/>
-            <a:contourClr>
-              <a:srgbClr val="FFFFFF"/>
-            </a:contourClr>
-          </a:sp3d>
-        </p:spPr>
-      </p:pic>
-      <p:sp>
-        <p:nvSpPr>
-          <p:cNvPr id="37" name="Rectangle 36">
-            <a:extLst>
-              <a:ext uri="{FF2B5EF4-FFF2-40B4-BE49-F238E27FC236}">
-                <a16:creationId xmlns:a16="http://schemas.microsoft.com/office/drawing/2014/main" id="{D877651D-66F6-9AF1-5086-E5CB4D3F490F}"/>
-              </a:ext>
-            </a:extLst>
-          </p:cNvPr>
-          <p:cNvSpPr/>
-          <p:nvPr/>
-        </p:nvSpPr>
-        <p:spPr>
-          <a:xfrm>
-            <a:off x="4244865" y="4289007"/>
-            <a:ext cx="2256296" cy="1766105"/>
-          </a:xfrm>
-          <a:prstGeom prst="rect">
-            <a:avLst/>
-          </a:prstGeom>
-          <a:noFill/>
-          <a:ln w="19050">
-            <a:solidFill>
-              <a:srgbClr val="FF0000"/>
-            </a:solidFill>
-          </a:ln>
-        </p:spPr>
-        <p:style>
-          <a:lnRef idx="2">
-            <a:schemeClr val="accent1">
-              <a:shade val="50000"/>
-            </a:schemeClr>
-          </a:lnRef>
-          <a:fillRef idx="1">
-            <a:schemeClr val="accent1"/>
-          </a:fillRef>
-          <a:effectRef idx="0">
-            <a:schemeClr val="accent1"/>
-          </a:effectRef>
-          <a:fontRef idx="minor">
-            <a:schemeClr val="lt1"/>
-          </a:fontRef>
-        </p:style>
-        <p:txBody>
-          <a:bodyPr rtlCol="0" anchor="ctr"/>
-          <a:lstStyle/>
-          <a:p>
-            <a:pPr algn="ctr"/>
-            <a:endParaRPr kumimoji="1" lang="en-JP" dirty="0"/>
+              <a:t>Binding UIs</a:t>
+            </a:r>
+          </a:p>
+          <a:p>
+            <a:pPr marL="742950" lvl="1" indent="-285750">
+              <a:lnSpc>
+                <a:spcPct val="120000"/>
+              </a:lnSpc>
+              <a:buSzPct val="100000"/>
+              <a:buFont typeface="Arial" panose="020B0604020202020204" pitchFamily="34" charset="0"/>
+              <a:buChar char="•"/>
+            </a:pPr>
+            <a:r>
+              <a:rPr lang="en-US" dirty="0"/>
+              <a:t>Add Published to </a:t>
+            </a:r>
+            <a:r>
+              <a:rPr lang="en-US" dirty="0" err="1"/>
+              <a:t>ViewModel</a:t>
+            </a:r>
+            <a:r>
+              <a:rPr lang="en-US" dirty="0"/>
+              <a:t> properties</a:t>
+            </a:r>
+          </a:p>
+          <a:p>
+            <a:pPr marL="742950" lvl="1" indent="-285750">
+              <a:lnSpc>
+                <a:spcPct val="120000"/>
+              </a:lnSpc>
+              <a:buSzPct val="100000"/>
+              <a:buFont typeface="Arial" panose="020B0604020202020204" pitchFamily="34" charset="0"/>
+              <a:buChar char="•"/>
+            </a:pPr>
+            <a:r>
+              <a:rPr lang="en-US" dirty="0"/>
+              <a:t>Add $ in </a:t>
+            </a:r>
+            <a:r>
+              <a:rPr lang="en-US" dirty="0" err="1"/>
+              <a:t>ViewController</a:t>
+            </a:r>
+            <a:endParaRPr lang="en-US" dirty="0"/>
+          </a:p>
+          <a:p>
+            <a:pPr marL="742950" lvl="1" indent="-285750">
+              <a:lnSpc>
+                <a:spcPct val="120000"/>
+              </a:lnSpc>
+              <a:buSzPct val="100000"/>
+              <a:buFont typeface="Arial" panose="020B0604020202020204" pitchFamily="34" charset="0"/>
+              <a:buChar char="•"/>
+            </a:pPr>
+            <a:r>
+              <a:rPr lang="en-US" dirty="0"/>
+              <a:t>Add weak self &gt; retain cycle &gt; </a:t>
+            </a:r>
+            <a:r>
+              <a:rPr lang="en-US" dirty="0" err="1"/>
+              <a:t>unowend</a:t>
+            </a:r>
+            <a:endParaRPr lang="en-US" dirty="0"/>
+          </a:p>
+          <a:p>
+            <a:pPr marL="285750" indent="-285750">
+              <a:lnSpc>
+                <a:spcPct val="120000"/>
+              </a:lnSpc>
+              <a:buSzPct val="100000"/>
+              <a:buFont typeface="Arial" panose="020B0604020202020204" pitchFamily="34" charset="0"/>
+              <a:buChar char="•"/>
+            </a:pPr>
+            <a:r>
+              <a:rPr lang="en-US" b="1" dirty="0"/>
+              <a:t>Binding input and output</a:t>
+            </a:r>
+          </a:p>
+          <a:p>
+            <a:pPr marL="742950" lvl="1" indent="-285750">
+              <a:lnSpc>
+                <a:spcPct val="120000"/>
+              </a:lnSpc>
+              <a:buSzPct val="100000"/>
+              <a:buFont typeface="Arial" panose="020B0604020202020204" pitchFamily="34" charset="0"/>
+              <a:buChar char="•"/>
+            </a:pPr>
+            <a:r>
+              <a:rPr lang="en-US" dirty="0"/>
+              <a:t>Handle the default value , because @Published will perform default value when sink</a:t>
+            </a:r>
+          </a:p>
+          <a:p>
+            <a:pPr marL="742950" lvl="1" indent="-285750">
+              <a:lnSpc>
+                <a:spcPct val="120000"/>
+              </a:lnSpc>
+              <a:buSzPct val="100000"/>
+              <a:buFont typeface="Arial" panose="020B0604020202020204" pitchFamily="34" charset="0"/>
+              <a:buChar char="•"/>
+            </a:pPr>
+            <a:r>
+              <a:rPr lang="en-US" dirty="0"/>
+              <a:t>Drop first</a:t>
+            </a:r>
+          </a:p>
+          <a:p>
+            <a:pPr marL="742950" lvl="1" indent="-285750">
+              <a:lnSpc>
+                <a:spcPct val="120000"/>
+              </a:lnSpc>
+              <a:buSzPct val="100000"/>
+              <a:buFont typeface="Arial" panose="020B0604020202020204" pitchFamily="34" charset="0"/>
+              <a:buChar char="•"/>
+            </a:pPr>
+            <a:r>
+              <a:rPr lang="en-US" dirty="0"/>
+              <a:t>Be care of life cycle orders , UI Setup &gt; UI Biding &gt; start trigger</a:t>
+            </a:r>
+          </a:p>
+          <a:p>
+            <a:pPr marL="285750" indent="-285750">
+              <a:lnSpc>
+                <a:spcPct val="120000"/>
+              </a:lnSpc>
+              <a:buSzPct val="100000"/>
+              <a:buFont typeface="Arial" panose="020B0604020202020204" pitchFamily="34" charset="0"/>
+              <a:buChar char="•"/>
+            </a:pPr>
+            <a:r>
+              <a:rPr lang="en-US" b="1" dirty="0"/>
+              <a:t>Delete useless codes</a:t>
+            </a:r>
+          </a:p>
+          <a:p>
+            <a:pPr marL="285750" indent="-285750">
+              <a:lnSpc>
+                <a:spcPct val="120000"/>
+              </a:lnSpc>
+              <a:buSzPct val="100000"/>
+              <a:buFont typeface="Arial" panose="020B0604020202020204" pitchFamily="34" charset="0"/>
+              <a:buChar char="•"/>
+            </a:pPr>
+            <a:r>
+              <a:rPr lang="en-US" b="1" dirty="0"/>
+              <a:t>Test by Mock objects</a:t>
+            </a:r>
           </a:p>
         </p:txBody>
       </p:sp>
     </p:spTree>
     <p:extLst>
       <p:ext uri="{BB962C8B-B14F-4D97-AF65-F5344CB8AC3E}">
-        <p14:creationId xmlns:p14="http://schemas.microsoft.com/office/powerpoint/2010/main" val="915905604"/>
+        <p14:creationId xmlns:p14="http://schemas.microsoft.com/office/powerpoint/2010/main" val="3751027596"/>
       </p:ext>
     </p:extLst>
   </p:cSld>
@@ -4215,7 +4862,7 @@
 </p:sld>
 </file>
 
-<file path=ppt/slides/slide3.xml><?xml version="1.0" encoding="utf-8"?>
+<file path=ppt/slides/slide11.xml><?xml version="1.0" encoding="utf-8"?>
 <p:sld xmlns:a="http://schemas.openxmlformats.org/drawingml/2006/main" xmlns:r="http://schemas.openxmlformats.org/officeDocument/2006/relationships" xmlns:p="http://schemas.openxmlformats.org/presentationml/2006/main">
   <p:cSld>
     <p:spTree>
@@ -4314,7 +4961,7 @@
           </a:ln>
           <a:extLst>
             <a:ext uri="{C572A759-6A51-4108-AA02-DFA0A04FC94B}">
-              <ma14:wrappingTextBoxFlag xmlns="" xmlns:ma14="http://schemas.microsoft.com/office/mac/drawingml/2011/main" val="1"/>
+              <ma14:wrappingTextBoxFlag xmlns:ma14="http://schemas.microsoft.com/office/mac/drawingml/2011/main" xmlns="" val="1"/>
             </a:ext>
           </a:extLst>
         </p:spPr>
@@ -4669,7 +5316,7 @@
 </p:sld>
 </file>
 
-<file path=ppt/slides/slide4.xml><?xml version="1.0" encoding="utf-8"?>
+<file path=ppt/slides/slide12.xml><?xml version="1.0" encoding="utf-8"?>
 <p:sld xmlns:a="http://schemas.openxmlformats.org/drawingml/2006/main" xmlns:r="http://schemas.openxmlformats.org/officeDocument/2006/relationships" xmlns:p="http://schemas.openxmlformats.org/presentationml/2006/main">
   <p:cSld>
     <p:spTree>
@@ -5228,7 +5875,7 @@
 </p:sld>
 </file>
 
-<file path=ppt/slides/slide5.xml><?xml version="1.0" encoding="utf-8"?>
+<file path=ppt/slides/slide13.xml><?xml version="1.0" encoding="utf-8"?>
 <p:sld xmlns:a="http://schemas.openxmlformats.org/drawingml/2006/main" xmlns:r="http://schemas.openxmlformats.org/officeDocument/2006/relationships" xmlns:p="http://schemas.openxmlformats.org/presentationml/2006/main">
   <p:cSld>
     <p:spTree>
@@ -6586,7 +7233,3101 @@
 </p:sld>
 </file>
 
-<file path=ppt/slides/slide6.xml><?xml version="1.0" encoding="utf-8"?>
+<file path=ppt/slides/slide14.xml><?xml version="1.0" encoding="utf-8"?>
+<p:sld xmlns:a="http://schemas.openxmlformats.org/drawingml/2006/main" xmlns:r="http://schemas.openxmlformats.org/officeDocument/2006/relationships" xmlns:p="http://schemas.openxmlformats.org/presentationml/2006/main">
+  <p:cSld>
+    <p:spTree>
+      <p:nvGrpSpPr>
+        <p:cNvPr id="1" name=""/>
+        <p:cNvGrpSpPr/>
+        <p:nvPr/>
+      </p:nvGrpSpPr>
+      <p:grpSpPr>
+        <a:xfrm>
+          <a:off x="0" y="0"/>
+          <a:ext cx="0" cy="0"/>
+          <a:chOff x="0" y="0"/>
+          <a:chExt cx="0" cy="0"/>
+        </a:xfrm>
+      </p:grpSpPr>
+      <p:sp>
+        <p:nvSpPr>
+          <p:cNvPr id="2" name="タイトル 1"/>
+          <p:cNvSpPr>
+            <a:spLocks noGrp="1"/>
+          </p:cNvSpPr>
+          <p:nvPr>
+            <p:ph type="title"/>
+          </p:nvPr>
+        </p:nvSpPr>
+        <p:spPr/>
+        <p:txBody>
+          <a:bodyPr>
+            <a:noAutofit/>
+          </a:bodyPr>
+          <a:lstStyle/>
+          <a:p>
+            <a:pPr algn="ctr"/>
+            <a:r>
+              <a:rPr lang="en-JP" altLang="ja-JP" sz="3600" b="1" kern="0" dirty="0"/>
+              <a:t>How to seperate</a:t>
+            </a:r>
+            <a:endParaRPr lang="ja-JP" altLang="en-US" sz="3600" b="1" kern="0" dirty="0"/>
+          </a:p>
+        </p:txBody>
+      </p:sp>
+      <p:cxnSp>
+        <p:nvCxnSpPr>
+          <p:cNvPr id="8" name="Straight Connector 7">
+            <a:extLst>
+              <a:ext uri="{FF2B5EF4-FFF2-40B4-BE49-F238E27FC236}">
+                <a16:creationId xmlns:a16="http://schemas.microsoft.com/office/drawing/2014/main" id="{0F07A22E-5A49-9049-9297-0D650C8F1F64}"/>
+              </a:ext>
+            </a:extLst>
+          </p:cNvPr>
+          <p:cNvCxnSpPr>
+            <a:cxnSpLocks/>
+          </p:cNvCxnSpPr>
+          <p:nvPr/>
+        </p:nvCxnSpPr>
+        <p:spPr>
+          <a:xfrm>
+            <a:off x="797441" y="950071"/>
+            <a:ext cx="10047768" cy="0"/>
+          </a:xfrm>
+          <a:prstGeom prst="line">
+            <a:avLst/>
+          </a:prstGeom>
+          <a:ln/>
+        </p:spPr>
+        <p:style>
+          <a:lnRef idx="2">
+            <a:schemeClr val="dk1"/>
+          </a:lnRef>
+          <a:fillRef idx="0">
+            <a:schemeClr val="dk1"/>
+          </a:fillRef>
+          <a:effectRef idx="1">
+            <a:schemeClr val="dk1"/>
+          </a:effectRef>
+          <a:fontRef idx="minor">
+            <a:schemeClr val="tx1"/>
+          </a:fontRef>
+        </p:style>
+      </p:cxnSp>
+      <p:sp>
+        <p:nvSpPr>
+          <p:cNvPr id="4" name="TextBox 3">
+            <a:extLst>
+              <a:ext uri="{FF2B5EF4-FFF2-40B4-BE49-F238E27FC236}">
+                <a16:creationId xmlns:a16="http://schemas.microsoft.com/office/drawing/2014/main" id="{136F6640-49FE-CD63-3ADA-730D8C7C86AA}"/>
+              </a:ext>
+            </a:extLst>
+          </p:cNvPr>
+          <p:cNvSpPr txBox="1"/>
+          <p:nvPr/>
+        </p:nvSpPr>
+        <p:spPr>
+          <a:xfrm>
+            <a:off x="723870" y="1073851"/>
+            <a:ext cx="5655910" cy="5460149"/>
+          </a:xfrm>
+          <a:prstGeom prst="rect">
+            <a:avLst/>
+          </a:prstGeom>
+          <a:noFill/>
+        </p:spPr>
+        <p:txBody>
+          <a:bodyPr wrap="square" rtlCol="0">
+            <a:spAutoFit/>
+          </a:bodyPr>
+          <a:lstStyle/>
+          <a:p>
+            <a:pPr marL="285750" indent="-285750">
+              <a:lnSpc>
+                <a:spcPct val="120000"/>
+              </a:lnSpc>
+              <a:spcBef>
+                <a:spcPts val="700"/>
+              </a:spcBef>
+              <a:buSzPct val="100000"/>
+              <a:buFont typeface="Arial" panose="020B0604020202020204" pitchFamily="34" charset="0"/>
+              <a:buChar char="•"/>
+            </a:pPr>
+            <a:r>
+              <a:rPr lang="en-US" dirty="0">
+                <a:effectLst/>
+              </a:rPr>
+              <a:t>Refresh barcode by user </a:t>
+            </a:r>
+            <a:r>
+              <a:rPr lang="en-US" dirty="0" err="1">
+                <a:effectLst/>
+              </a:rPr>
+              <a:t>UseCase</a:t>
+            </a:r>
+            <a:endParaRPr lang="en-US" dirty="0">
+              <a:effectLst/>
+            </a:endParaRPr>
+          </a:p>
+          <a:p>
+            <a:pPr marL="742950" lvl="1" indent="-285750">
+              <a:lnSpc>
+                <a:spcPct val="120000"/>
+              </a:lnSpc>
+              <a:spcBef>
+                <a:spcPts val="700"/>
+              </a:spcBef>
+              <a:buSzPct val="100000"/>
+              <a:buFont typeface="Arial" panose="020B0604020202020204" pitchFamily="34" charset="0"/>
+              <a:buChar char="•"/>
+            </a:pPr>
+            <a:r>
+              <a:rPr lang="en-US" altLang="ja-JP" sz="1800" dirty="0"/>
+              <a:t>User click refresh button</a:t>
+            </a:r>
+          </a:p>
+          <a:p>
+            <a:pPr marL="1200150" lvl="2" indent="-285750">
+              <a:lnSpc>
+                <a:spcPct val="120000"/>
+              </a:lnSpc>
+              <a:spcBef>
+                <a:spcPts val="700"/>
+              </a:spcBef>
+              <a:buSzPct val="100000"/>
+              <a:buFont typeface="Arial" panose="020B0604020202020204" pitchFamily="34" charset="0"/>
+              <a:buChar char="•"/>
+            </a:pPr>
+            <a:r>
+              <a:rPr lang="en-US" altLang="ja-JP" dirty="0"/>
+              <a:t>Refresh button</a:t>
+            </a:r>
+            <a:r>
+              <a:rPr lang="ja-JP" altLang="en-US"/>
+              <a:t>、</a:t>
+            </a:r>
+            <a:r>
+              <a:rPr lang="en-US" altLang="ja-JP" dirty="0"/>
+              <a:t>Action</a:t>
+            </a:r>
+          </a:p>
+          <a:p>
+            <a:pPr marL="1200150" lvl="2" indent="-285750">
+              <a:lnSpc>
+                <a:spcPct val="120000"/>
+              </a:lnSpc>
+              <a:spcBef>
+                <a:spcPts val="700"/>
+              </a:spcBef>
+              <a:buSzPct val="100000"/>
+              <a:buFont typeface="Arial" panose="020B0604020202020204" pitchFamily="34" charset="0"/>
+              <a:buChar char="•"/>
+            </a:pPr>
+            <a:r>
+              <a:rPr lang="en-US" altLang="ja-JP" dirty="0"/>
+              <a:t>Refresh button Binding</a:t>
+            </a:r>
+          </a:p>
+          <a:p>
+            <a:pPr marL="742950" lvl="1" indent="-285750">
+              <a:lnSpc>
+                <a:spcPct val="120000"/>
+              </a:lnSpc>
+              <a:spcBef>
+                <a:spcPts val="700"/>
+              </a:spcBef>
+              <a:buSzPct val="100000"/>
+              <a:buFont typeface="Arial" panose="020B0604020202020204" pitchFamily="34" charset="0"/>
+              <a:buChar char="•"/>
+            </a:pPr>
+            <a:r>
+              <a:rPr lang="en-US" altLang="ja-JP" sz="1800" dirty="0"/>
+              <a:t>Check cache image is existing or not</a:t>
+            </a:r>
+            <a:endParaRPr lang="en-US" altLang="ja-JP" dirty="0"/>
+          </a:p>
+          <a:p>
+            <a:pPr marL="742950" lvl="1" indent="-285750">
+              <a:lnSpc>
+                <a:spcPct val="120000"/>
+              </a:lnSpc>
+              <a:spcBef>
+                <a:spcPts val="700"/>
+              </a:spcBef>
+              <a:buSzPct val="100000"/>
+              <a:buFont typeface="Arial" panose="020B0604020202020204" pitchFamily="34" charset="0"/>
+              <a:buChar char="•"/>
+            </a:pPr>
+            <a:r>
+              <a:rPr lang="en-US" altLang="ja-JP" sz="1800" dirty="0"/>
+              <a:t>Perform API to generate barcode</a:t>
+            </a:r>
+          </a:p>
+          <a:p>
+            <a:pPr marL="1200150" lvl="2" indent="-285750">
+              <a:lnSpc>
+                <a:spcPct val="120000"/>
+              </a:lnSpc>
+              <a:spcBef>
+                <a:spcPts val="700"/>
+              </a:spcBef>
+              <a:buSzPct val="100000"/>
+              <a:buFont typeface="Arial" panose="020B0604020202020204" pitchFamily="34" charset="0"/>
+              <a:buChar char="•"/>
+            </a:pPr>
+            <a:r>
+              <a:rPr lang="en-US" altLang="ja-JP" dirty="0"/>
+              <a:t>Parameters </a:t>
+            </a:r>
+            <a:r>
+              <a:rPr lang="en-US" altLang="ja-JP" dirty="0" err="1"/>
+              <a:t>EasyID</a:t>
+            </a:r>
+            <a:endParaRPr lang="en-US" altLang="ja-JP" dirty="0"/>
+          </a:p>
+          <a:p>
+            <a:pPr marL="742950" lvl="1" indent="-285750">
+              <a:lnSpc>
+                <a:spcPct val="120000"/>
+              </a:lnSpc>
+              <a:spcBef>
+                <a:spcPts val="700"/>
+              </a:spcBef>
+              <a:buSzPct val="100000"/>
+              <a:buFont typeface="Arial" panose="020B0604020202020204" pitchFamily="34" charset="0"/>
+              <a:buChar char="•"/>
+            </a:pPr>
+            <a:r>
+              <a:rPr lang="en-US" altLang="ja-JP" sz="1800" dirty="0"/>
+              <a:t>Retrieve new barcode from backend response</a:t>
+            </a:r>
+          </a:p>
+          <a:p>
+            <a:pPr marL="1200150" lvl="2" indent="-285750">
+              <a:lnSpc>
+                <a:spcPct val="120000"/>
+              </a:lnSpc>
+              <a:spcBef>
+                <a:spcPts val="700"/>
+              </a:spcBef>
+              <a:buSzPct val="100000"/>
+              <a:buFont typeface="Arial" panose="020B0604020202020204" pitchFamily="34" charset="0"/>
+              <a:buChar char="•"/>
+            </a:pPr>
+            <a:r>
+              <a:rPr lang="en-US" altLang="ja-JP" dirty="0"/>
+              <a:t>Convert response to entity</a:t>
+            </a:r>
+          </a:p>
+          <a:p>
+            <a:pPr marL="742950" lvl="1" indent="-285750">
+              <a:lnSpc>
+                <a:spcPct val="120000"/>
+              </a:lnSpc>
+              <a:spcBef>
+                <a:spcPts val="700"/>
+              </a:spcBef>
+              <a:buSzPct val="100000"/>
+              <a:buFont typeface="Arial" panose="020B0604020202020204" pitchFamily="34" charset="0"/>
+              <a:buChar char="•"/>
+            </a:pPr>
+            <a:r>
+              <a:rPr lang="en-US" altLang="ja-JP" dirty="0"/>
+              <a:t>Validate barcode format</a:t>
+            </a:r>
+          </a:p>
+          <a:p>
+            <a:pPr marL="742950" lvl="1" indent="-285750">
+              <a:lnSpc>
+                <a:spcPct val="120000"/>
+              </a:lnSpc>
+              <a:spcBef>
+                <a:spcPts val="700"/>
+              </a:spcBef>
+              <a:buSzPct val="100000"/>
+              <a:buFont typeface="Arial" panose="020B0604020202020204" pitchFamily="34" charset="0"/>
+              <a:buChar char="•"/>
+            </a:pPr>
+            <a:r>
+              <a:rPr lang="en-US" altLang="ja-JP" dirty="0"/>
+              <a:t>Refresh barcode on screen</a:t>
+            </a:r>
+          </a:p>
+          <a:p>
+            <a:pPr marL="1200150" lvl="2" indent="-285750">
+              <a:lnSpc>
+                <a:spcPct val="120000"/>
+              </a:lnSpc>
+              <a:spcBef>
+                <a:spcPts val="700"/>
+              </a:spcBef>
+              <a:buSzPct val="100000"/>
+              <a:buFont typeface="Arial" panose="020B0604020202020204" pitchFamily="34" charset="0"/>
+              <a:buChar char="•"/>
+            </a:pPr>
+            <a:r>
+              <a:rPr lang="en-US" altLang="ja-JP" dirty="0"/>
+              <a:t>Trigger data binding</a:t>
+            </a:r>
+          </a:p>
+          <a:p>
+            <a:pPr marL="1200150" lvl="2" indent="-285750">
+              <a:lnSpc>
+                <a:spcPct val="120000"/>
+              </a:lnSpc>
+              <a:spcBef>
+                <a:spcPts val="700"/>
+              </a:spcBef>
+              <a:buSzPct val="100000"/>
+              <a:buFont typeface="Arial" panose="020B0604020202020204" pitchFamily="34" charset="0"/>
+              <a:buChar char="•"/>
+            </a:pPr>
+            <a:r>
+              <a:rPr lang="en-US" altLang="ja-JP" dirty="0"/>
+              <a:t>Refresh barcode on screen</a:t>
+            </a:r>
+            <a:endParaRPr lang="en-US" b="0" dirty="0">
+              <a:effectLst/>
+            </a:endParaRPr>
+          </a:p>
+        </p:txBody>
+      </p:sp>
+      <p:cxnSp>
+        <p:nvCxnSpPr>
+          <p:cNvPr id="7" name="Straight Arrow Connector 6">
+            <a:extLst>
+              <a:ext uri="{FF2B5EF4-FFF2-40B4-BE49-F238E27FC236}">
+                <a16:creationId xmlns:a16="http://schemas.microsoft.com/office/drawing/2014/main" id="{708F2096-2A85-D663-B92A-4DD9A30A9C91}"/>
+              </a:ext>
+            </a:extLst>
+          </p:cNvPr>
+          <p:cNvCxnSpPr>
+            <a:cxnSpLocks/>
+          </p:cNvCxnSpPr>
+          <p:nvPr/>
+        </p:nvCxnSpPr>
+        <p:spPr>
+          <a:xfrm>
+            <a:off x="6574783" y="2525620"/>
+            <a:ext cx="430361" cy="0"/>
+          </a:xfrm>
+          <a:prstGeom prst="straightConnector1">
+            <a:avLst/>
+          </a:prstGeom>
+          <a:ln w="66675">
+            <a:solidFill>
+              <a:schemeClr val="accent6">
+                <a:lumMod val="50000"/>
+              </a:schemeClr>
+            </a:solidFill>
+            <a:tailEnd type="triangle"/>
+          </a:ln>
+        </p:spPr>
+        <p:style>
+          <a:lnRef idx="1">
+            <a:schemeClr val="accent1"/>
+          </a:lnRef>
+          <a:fillRef idx="0">
+            <a:schemeClr val="accent1"/>
+          </a:fillRef>
+          <a:effectRef idx="0">
+            <a:schemeClr val="accent1"/>
+          </a:effectRef>
+          <a:fontRef idx="minor">
+            <a:schemeClr val="tx1"/>
+          </a:fontRef>
+        </p:style>
+      </p:cxnSp>
+      <p:sp>
+        <p:nvSpPr>
+          <p:cNvPr id="10" name="正方形/長方形 34">
+            <a:extLst>
+              <a:ext uri="{FF2B5EF4-FFF2-40B4-BE49-F238E27FC236}">
+                <a16:creationId xmlns:a16="http://schemas.microsoft.com/office/drawing/2014/main" id="{F07A8788-7E76-43F9-FBD8-B61B57D37414}"/>
+              </a:ext>
+            </a:extLst>
+          </p:cNvPr>
+          <p:cNvSpPr/>
+          <p:nvPr/>
+        </p:nvSpPr>
+        <p:spPr>
+          <a:xfrm>
+            <a:off x="7514898" y="2000206"/>
+            <a:ext cx="1376477" cy="294084"/>
+          </a:xfrm>
+          <a:prstGeom prst="rect">
+            <a:avLst/>
+          </a:prstGeom>
+          <a:solidFill>
+            <a:schemeClr val="accent6">
+              <a:lumMod val="50000"/>
+            </a:schemeClr>
+          </a:solidFill>
+          <a:ln>
+            <a:noFill/>
+          </a:ln>
+        </p:spPr>
+        <p:style>
+          <a:lnRef idx="2">
+            <a:schemeClr val="accent1">
+              <a:shade val="50000"/>
+            </a:schemeClr>
+          </a:lnRef>
+          <a:fillRef idx="1">
+            <a:schemeClr val="accent1"/>
+          </a:fillRef>
+          <a:effectRef idx="0">
+            <a:schemeClr val="accent1"/>
+          </a:effectRef>
+          <a:fontRef idx="minor">
+            <a:schemeClr val="lt1"/>
+          </a:fontRef>
+        </p:style>
+        <p:txBody>
+          <a:bodyPr rtlCol="0" anchor="ctr"/>
+          <a:lstStyle/>
+          <a:p>
+            <a:pPr algn="ctr"/>
+            <a:r>
+              <a:rPr kumimoji="1" lang="en-US" sz="1200" b="1" dirty="0" err="1">
+                <a:solidFill>
+                  <a:schemeClr val="bg1"/>
+                </a:solidFill>
+              </a:rPr>
+              <a:t>ViewController</a:t>
+            </a:r>
+            <a:endParaRPr kumimoji="1" lang="en-US" sz="1200" b="1" dirty="0">
+              <a:solidFill>
+                <a:schemeClr val="bg1"/>
+              </a:solidFill>
+            </a:endParaRPr>
+          </a:p>
+        </p:txBody>
+      </p:sp>
+      <p:cxnSp>
+        <p:nvCxnSpPr>
+          <p:cNvPr id="11" name="Straight Arrow Connector 10">
+            <a:extLst>
+              <a:ext uri="{FF2B5EF4-FFF2-40B4-BE49-F238E27FC236}">
+                <a16:creationId xmlns:a16="http://schemas.microsoft.com/office/drawing/2014/main" id="{09E542EF-CA26-D461-9B87-2477850B3BA9}"/>
+              </a:ext>
+            </a:extLst>
+          </p:cNvPr>
+          <p:cNvCxnSpPr>
+            <a:cxnSpLocks/>
+          </p:cNvCxnSpPr>
+          <p:nvPr/>
+        </p:nvCxnSpPr>
+        <p:spPr>
+          <a:xfrm>
+            <a:off x="6574783" y="2147248"/>
+            <a:ext cx="430361" cy="0"/>
+          </a:xfrm>
+          <a:prstGeom prst="straightConnector1">
+            <a:avLst/>
+          </a:prstGeom>
+          <a:ln w="66675">
+            <a:solidFill>
+              <a:schemeClr val="accent6">
+                <a:lumMod val="50000"/>
+              </a:schemeClr>
+            </a:solidFill>
+            <a:tailEnd type="triangle"/>
+          </a:ln>
+        </p:spPr>
+        <p:style>
+          <a:lnRef idx="1">
+            <a:schemeClr val="accent1"/>
+          </a:lnRef>
+          <a:fillRef idx="0">
+            <a:schemeClr val="accent1"/>
+          </a:fillRef>
+          <a:effectRef idx="0">
+            <a:schemeClr val="accent1"/>
+          </a:effectRef>
+          <a:fontRef idx="minor">
+            <a:schemeClr val="tx1"/>
+          </a:fontRef>
+        </p:style>
+      </p:cxnSp>
+      <p:cxnSp>
+        <p:nvCxnSpPr>
+          <p:cNvPr id="13" name="Straight Arrow Connector 12">
+            <a:extLst>
+              <a:ext uri="{FF2B5EF4-FFF2-40B4-BE49-F238E27FC236}">
+                <a16:creationId xmlns:a16="http://schemas.microsoft.com/office/drawing/2014/main" id="{3238112E-FC39-EE71-6349-1B0CA9787026}"/>
+              </a:ext>
+            </a:extLst>
+          </p:cNvPr>
+          <p:cNvCxnSpPr>
+            <a:cxnSpLocks/>
+          </p:cNvCxnSpPr>
+          <p:nvPr/>
+        </p:nvCxnSpPr>
+        <p:spPr>
+          <a:xfrm>
+            <a:off x="6574783" y="2970741"/>
+            <a:ext cx="430361" cy="0"/>
+          </a:xfrm>
+          <a:prstGeom prst="straightConnector1">
+            <a:avLst/>
+          </a:prstGeom>
+          <a:ln w="66675">
+            <a:solidFill>
+              <a:schemeClr val="accent6">
+                <a:lumMod val="50000"/>
+              </a:schemeClr>
+            </a:solidFill>
+            <a:tailEnd type="triangle"/>
+          </a:ln>
+        </p:spPr>
+        <p:style>
+          <a:lnRef idx="1">
+            <a:schemeClr val="accent1"/>
+          </a:lnRef>
+          <a:fillRef idx="0">
+            <a:schemeClr val="accent1"/>
+          </a:fillRef>
+          <a:effectRef idx="0">
+            <a:schemeClr val="accent1"/>
+          </a:effectRef>
+          <a:fontRef idx="minor">
+            <a:schemeClr val="tx1"/>
+          </a:fontRef>
+        </p:style>
+      </p:cxnSp>
+      <p:sp>
+        <p:nvSpPr>
+          <p:cNvPr id="14" name="正方形/長方形 34">
+            <a:extLst>
+              <a:ext uri="{FF2B5EF4-FFF2-40B4-BE49-F238E27FC236}">
+                <a16:creationId xmlns:a16="http://schemas.microsoft.com/office/drawing/2014/main" id="{46B33C19-70F6-A2CA-642D-D77CF30DFC34}"/>
+              </a:ext>
+            </a:extLst>
+          </p:cNvPr>
+          <p:cNvSpPr/>
+          <p:nvPr/>
+        </p:nvSpPr>
+        <p:spPr>
+          <a:xfrm>
+            <a:off x="7514898" y="2378578"/>
+            <a:ext cx="1376477" cy="294084"/>
+          </a:xfrm>
+          <a:prstGeom prst="rect">
+            <a:avLst/>
+          </a:prstGeom>
+          <a:solidFill>
+            <a:schemeClr val="accent6">
+              <a:lumMod val="50000"/>
+            </a:schemeClr>
+          </a:solidFill>
+          <a:ln>
+            <a:noFill/>
+          </a:ln>
+        </p:spPr>
+        <p:style>
+          <a:lnRef idx="2">
+            <a:schemeClr val="accent1">
+              <a:shade val="50000"/>
+            </a:schemeClr>
+          </a:lnRef>
+          <a:fillRef idx="1">
+            <a:schemeClr val="accent1"/>
+          </a:fillRef>
+          <a:effectRef idx="0">
+            <a:schemeClr val="accent1"/>
+          </a:effectRef>
+          <a:fontRef idx="minor">
+            <a:schemeClr val="lt1"/>
+          </a:fontRef>
+        </p:style>
+        <p:txBody>
+          <a:bodyPr rtlCol="0" anchor="ctr"/>
+          <a:lstStyle/>
+          <a:p>
+            <a:pPr algn="ctr"/>
+            <a:r>
+              <a:rPr kumimoji="1" lang="en-US" sz="1200" b="1" dirty="0" err="1">
+                <a:solidFill>
+                  <a:schemeClr val="bg1"/>
+                </a:solidFill>
+              </a:rPr>
+              <a:t>ViewModel</a:t>
+            </a:r>
+            <a:endParaRPr kumimoji="1" lang="en-US" sz="1200" b="1" dirty="0">
+              <a:solidFill>
+                <a:schemeClr val="bg1"/>
+              </a:solidFill>
+            </a:endParaRPr>
+          </a:p>
+        </p:txBody>
+      </p:sp>
+      <p:sp>
+        <p:nvSpPr>
+          <p:cNvPr id="15" name="正方形/長方形 34">
+            <a:extLst>
+              <a:ext uri="{FF2B5EF4-FFF2-40B4-BE49-F238E27FC236}">
+                <a16:creationId xmlns:a16="http://schemas.microsoft.com/office/drawing/2014/main" id="{DFCDCFEF-1A23-0AA1-A1BC-57EBAB17002E}"/>
+              </a:ext>
+            </a:extLst>
+          </p:cNvPr>
+          <p:cNvSpPr/>
+          <p:nvPr/>
+        </p:nvSpPr>
+        <p:spPr>
+          <a:xfrm>
+            <a:off x="7514898" y="2756950"/>
+            <a:ext cx="1376477" cy="294084"/>
+          </a:xfrm>
+          <a:prstGeom prst="rect">
+            <a:avLst/>
+          </a:prstGeom>
+          <a:solidFill>
+            <a:schemeClr val="accent2">
+              <a:lumMod val="50000"/>
+            </a:schemeClr>
+          </a:solidFill>
+          <a:ln>
+            <a:noFill/>
+          </a:ln>
+        </p:spPr>
+        <p:style>
+          <a:lnRef idx="2">
+            <a:schemeClr val="accent1">
+              <a:shade val="50000"/>
+            </a:schemeClr>
+          </a:lnRef>
+          <a:fillRef idx="1">
+            <a:schemeClr val="accent1"/>
+          </a:fillRef>
+          <a:effectRef idx="0">
+            <a:schemeClr val="accent1"/>
+          </a:effectRef>
+          <a:fontRef idx="minor">
+            <a:schemeClr val="lt1"/>
+          </a:fontRef>
+        </p:style>
+        <p:txBody>
+          <a:bodyPr rtlCol="0" anchor="ctr"/>
+          <a:lstStyle/>
+          <a:p>
+            <a:pPr algn="ctr"/>
+            <a:r>
+              <a:rPr kumimoji="1" lang="en-US" sz="1200" b="1" dirty="0" err="1">
+                <a:solidFill>
+                  <a:schemeClr val="bg1"/>
+                </a:solidFill>
+              </a:rPr>
+              <a:t>UseCase</a:t>
+            </a:r>
+            <a:endParaRPr kumimoji="1" lang="en-US" sz="1200" b="1" dirty="0">
+              <a:solidFill>
+                <a:schemeClr val="bg1"/>
+              </a:solidFill>
+            </a:endParaRPr>
+          </a:p>
+        </p:txBody>
+      </p:sp>
+      <p:sp>
+        <p:nvSpPr>
+          <p:cNvPr id="16" name="正方形/長方形 34">
+            <a:extLst>
+              <a:ext uri="{FF2B5EF4-FFF2-40B4-BE49-F238E27FC236}">
+                <a16:creationId xmlns:a16="http://schemas.microsoft.com/office/drawing/2014/main" id="{63DA808B-8998-BB40-2281-28719BB6A458}"/>
+              </a:ext>
+            </a:extLst>
+          </p:cNvPr>
+          <p:cNvSpPr/>
+          <p:nvPr/>
+        </p:nvSpPr>
+        <p:spPr>
+          <a:xfrm>
+            <a:off x="7514896" y="3259442"/>
+            <a:ext cx="1376477" cy="294084"/>
+          </a:xfrm>
+          <a:prstGeom prst="rect">
+            <a:avLst/>
+          </a:prstGeom>
+          <a:solidFill>
+            <a:schemeClr val="accent2">
+              <a:lumMod val="50000"/>
+            </a:schemeClr>
+          </a:solidFill>
+          <a:ln>
+            <a:noFill/>
+          </a:ln>
+        </p:spPr>
+        <p:style>
+          <a:lnRef idx="2">
+            <a:schemeClr val="accent1">
+              <a:shade val="50000"/>
+            </a:schemeClr>
+          </a:lnRef>
+          <a:fillRef idx="1">
+            <a:schemeClr val="accent1"/>
+          </a:fillRef>
+          <a:effectRef idx="0">
+            <a:schemeClr val="accent1"/>
+          </a:effectRef>
+          <a:fontRef idx="minor">
+            <a:schemeClr val="lt1"/>
+          </a:fontRef>
+        </p:style>
+        <p:txBody>
+          <a:bodyPr rtlCol="0" anchor="ctr"/>
+          <a:lstStyle/>
+          <a:p>
+            <a:pPr algn="ctr"/>
+            <a:r>
+              <a:rPr kumimoji="1" lang="en-US" sz="1200" b="1" dirty="0" err="1">
+                <a:solidFill>
+                  <a:schemeClr val="bg1"/>
+                </a:solidFill>
+              </a:rPr>
+              <a:t>UseCase</a:t>
+            </a:r>
+            <a:endParaRPr kumimoji="1" lang="en-US" sz="1200" b="1" dirty="0">
+              <a:solidFill>
+                <a:schemeClr val="bg1"/>
+              </a:solidFill>
+            </a:endParaRPr>
+          </a:p>
+        </p:txBody>
+      </p:sp>
+      <p:sp>
+        <p:nvSpPr>
+          <p:cNvPr id="17" name="正方形/長方形 34">
+            <a:extLst>
+              <a:ext uri="{FF2B5EF4-FFF2-40B4-BE49-F238E27FC236}">
+                <a16:creationId xmlns:a16="http://schemas.microsoft.com/office/drawing/2014/main" id="{D536433F-CA93-4007-D880-3789715846E0}"/>
+              </a:ext>
+            </a:extLst>
+          </p:cNvPr>
+          <p:cNvSpPr/>
+          <p:nvPr/>
+        </p:nvSpPr>
+        <p:spPr>
+          <a:xfrm>
+            <a:off x="7514897" y="3637814"/>
+            <a:ext cx="1376477" cy="294084"/>
+          </a:xfrm>
+          <a:prstGeom prst="rect">
+            <a:avLst/>
+          </a:prstGeom>
+          <a:solidFill>
+            <a:schemeClr val="accent2">
+              <a:lumMod val="50000"/>
+            </a:schemeClr>
+          </a:solidFill>
+          <a:ln>
+            <a:noFill/>
+          </a:ln>
+        </p:spPr>
+        <p:style>
+          <a:lnRef idx="2">
+            <a:schemeClr val="accent1">
+              <a:shade val="50000"/>
+            </a:schemeClr>
+          </a:lnRef>
+          <a:fillRef idx="1">
+            <a:schemeClr val="accent1"/>
+          </a:fillRef>
+          <a:effectRef idx="0">
+            <a:schemeClr val="accent1"/>
+          </a:effectRef>
+          <a:fontRef idx="minor">
+            <a:schemeClr val="lt1"/>
+          </a:fontRef>
+        </p:style>
+        <p:txBody>
+          <a:bodyPr rtlCol="0" anchor="ctr"/>
+          <a:lstStyle/>
+          <a:p>
+            <a:pPr algn="ctr"/>
+            <a:r>
+              <a:rPr kumimoji="1" lang="en-US" sz="1200" b="1" dirty="0" err="1">
+                <a:solidFill>
+                  <a:schemeClr val="bg1"/>
+                </a:solidFill>
+              </a:rPr>
+              <a:t>UseCase</a:t>
+            </a:r>
+            <a:endParaRPr kumimoji="1" lang="en-US" sz="1200" b="1" dirty="0">
+              <a:solidFill>
+                <a:schemeClr val="bg1"/>
+              </a:solidFill>
+            </a:endParaRPr>
+          </a:p>
+        </p:txBody>
+      </p:sp>
+      <p:cxnSp>
+        <p:nvCxnSpPr>
+          <p:cNvPr id="18" name="Straight Arrow Connector 17">
+            <a:extLst>
+              <a:ext uri="{FF2B5EF4-FFF2-40B4-BE49-F238E27FC236}">
+                <a16:creationId xmlns:a16="http://schemas.microsoft.com/office/drawing/2014/main" id="{99DD17C6-318C-EBF8-5EFD-5800E0202554}"/>
+              </a:ext>
+            </a:extLst>
+          </p:cNvPr>
+          <p:cNvCxnSpPr>
+            <a:cxnSpLocks/>
+          </p:cNvCxnSpPr>
+          <p:nvPr/>
+        </p:nvCxnSpPr>
+        <p:spPr>
+          <a:xfrm>
+            <a:off x="6574782" y="3406484"/>
+            <a:ext cx="430361" cy="0"/>
+          </a:xfrm>
+          <a:prstGeom prst="straightConnector1">
+            <a:avLst/>
+          </a:prstGeom>
+          <a:ln w="66675">
+            <a:solidFill>
+              <a:schemeClr val="accent6">
+                <a:lumMod val="50000"/>
+              </a:schemeClr>
+            </a:solidFill>
+            <a:tailEnd type="triangle"/>
+          </a:ln>
+        </p:spPr>
+        <p:style>
+          <a:lnRef idx="1">
+            <a:schemeClr val="accent1"/>
+          </a:lnRef>
+          <a:fillRef idx="0">
+            <a:schemeClr val="accent1"/>
+          </a:fillRef>
+          <a:effectRef idx="0">
+            <a:schemeClr val="accent1"/>
+          </a:effectRef>
+          <a:fontRef idx="minor">
+            <a:schemeClr val="tx1"/>
+          </a:fontRef>
+        </p:style>
+      </p:cxnSp>
+      <p:cxnSp>
+        <p:nvCxnSpPr>
+          <p:cNvPr id="19" name="Straight Arrow Connector 18">
+            <a:extLst>
+              <a:ext uri="{FF2B5EF4-FFF2-40B4-BE49-F238E27FC236}">
+                <a16:creationId xmlns:a16="http://schemas.microsoft.com/office/drawing/2014/main" id="{C44EFEE7-B19B-C0F4-E810-AEBA694CE58A}"/>
+              </a:ext>
+            </a:extLst>
+          </p:cNvPr>
+          <p:cNvCxnSpPr>
+            <a:cxnSpLocks/>
+          </p:cNvCxnSpPr>
+          <p:nvPr/>
+        </p:nvCxnSpPr>
+        <p:spPr>
+          <a:xfrm>
+            <a:off x="6574782" y="3784856"/>
+            <a:ext cx="430361" cy="0"/>
+          </a:xfrm>
+          <a:prstGeom prst="straightConnector1">
+            <a:avLst/>
+          </a:prstGeom>
+          <a:ln w="66675">
+            <a:solidFill>
+              <a:schemeClr val="accent6">
+                <a:lumMod val="50000"/>
+              </a:schemeClr>
+            </a:solidFill>
+            <a:tailEnd type="triangle"/>
+          </a:ln>
+        </p:spPr>
+        <p:style>
+          <a:lnRef idx="1">
+            <a:schemeClr val="accent1"/>
+          </a:lnRef>
+          <a:fillRef idx="0">
+            <a:schemeClr val="accent1"/>
+          </a:fillRef>
+          <a:effectRef idx="0">
+            <a:schemeClr val="accent1"/>
+          </a:effectRef>
+          <a:fontRef idx="minor">
+            <a:schemeClr val="tx1"/>
+          </a:fontRef>
+        </p:style>
+      </p:cxnSp>
+      <p:sp>
+        <p:nvSpPr>
+          <p:cNvPr id="20" name="正方形/長方形 34">
+            <a:extLst>
+              <a:ext uri="{FF2B5EF4-FFF2-40B4-BE49-F238E27FC236}">
+                <a16:creationId xmlns:a16="http://schemas.microsoft.com/office/drawing/2014/main" id="{ED89A547-BC73-E53A-F59F-043AF66D1390}"/>
+              </a:ext>
+            </a:extLst>
+          </p:cNvPr>
+          <p:cNvSpPr/>
+          <p:nvPr/>
+        </p:nvSpPr>
+        <p:spPr>
+          <a:xfrm>
+            <a:off x="7514896" y="4099499"/>
+            <a:ext cx="1376477" cy="294084"/>
+          </a:xfrm>
+          <a:prstGeom prst="rect">
+            <a:avLst/>
+          </a:prstGeom>
+          <a:solidFill>
+            <a:schemeClr val="accent4">
+              <a:lumMod val="50000"/>
+            </a:schemeClr>
+          </a:solidFill>
+          <a:ln>
+            <a:noFill/>
+          </a:ln>
+        </p:spPr>
+        <p:style>
+          <a:lnRef idx="2">
+            <a:schemeClr val="accent1">
+              <a:shade val="50000"/>
+            </a:schemeClr>
+          </a:lnRef>
+          <a:fillRef idx="1">
+            <a:schemeClr val="accent1"/>
+          </a:fillRef>
+          <a:effectRef idx="0">
+            <a:schemeClr val="accent1"/>
+          </a:effectRef>
+          <a:fontRef idx="minor">
+            <a:schemeClr val="lt1"/>
+          </a:fontRef>
+        </p:style>
+        <p:txBody>
+          <a:bodyPr rtlCol="0" anchor="ctr"/>
+          <a:lstStyle/>
+          <a:p>
+            <a:pPr algn="ctr"/>
+            <a:r>
+              <a:rPr kumimoji="1" lang="en-US" sz="1200" b="1" dirty="0">
+                <a:solidFill>
+                  <a:schemeClr val="bg1"/>
+                </a:solidFill>
+              </a:rPr>
+              <a:t>Repository</a:t>
+            </a:r>
+          </a:p>
+        </p:txBody>
+      </p:sp>
+      <p:cxnSp>
+        <p:nvCxnSpPr>
+          <p:cNvPr id="21" name="Straight Arrow Connector 20">
+            <a:extLst>
+              <a:ext uri="{FF2B5EF4-FFF2-40B4-BE49-F238E27FC236}">
+                <a16:creationId xmlns:a16="http://schemas.microsoft.com/office/drawing/2014/main" id="{E0E9F620-46AA-0869-D6B5-AEFC146DB357}"/>
+              </a:ext>
+            </a:extLst>
+          </p:cNvPr>
+          <p:cNvCxnSpPr>
+            <a:cxnSpLocks/>
+          </p:cNvCxnSpPr>
+          <p:nvPr/>
+        </p:nvCxnSpPr>
+        <p:spPr>
+          <a:xfrm>
+            <a:off x="6574783" y="4252928"/>
+            <a:ext cx="430361" cy="0"/>
+          </a:xfrm>
+          <a:prstGeom prst="straightConnector1">
+            <a:avLst/>
+          </a:prstGeom>
+          <a:ln w="66675">
+            <a:solidFill>
+              <a:schemeClr val="accent6">
+                <a:lumMod val="50000"/>
+              </a:schemeClr>
+            </a:solidFill>
+            <a:tailEnd type="triangle"/>
+          </a:ln>
+        </p:spPr>
+        <p:style>
+          <a:lnRef idx="1">
+            <a:schemeClr val="accent1"/>
+          </a:lnRef>
+          <a:fillRef idx="0">
+            <a:schemeClr val="accent1"/>
+          </a:fillRef>
+          <a:effectRef idx="0">
+            <a:schemeClr val="accent1"/>
+          </a:effectRef>
+          <a:fontRef idx="minor">
+            <a:schemeClr val="tx1"/>
+          </a:fontRef>
+        </p:style>
+      </p:cxnSp>
+      <p:cxnSp>
+        <p:nvCxnSpPr>
+          <p:cNvPr id="22" name="Straight Arrow Connector 21">
+            <a:extLst>
+              <a:ext uri="{FF2B5EF4-FFF2-40B4-BE49-F238E27FC236}">
+                <a16:creationId xmlns:a16="http://schemas.microsoft.com/office/drawing/2014/main" id="{327B3BAE-9AB5-1FAE-9446-2F1AD6648A42}"/>
+              </a:ext>
+            </a:extLst>
+          </p:cNvPr>
+          <p:cNvCxnSpPr>
+            <a:cxnSpLocks/>
+          </p:cNvCxnSpPr>
+          <p:nvPr/>
+        </p:nvCxnSpPr>
+        <p:spPr>
+          <a:xfrm>
+            <a:off x="6569807" y="4678597"/>
+            <a:ext cx="430361" cy="0"/>
+          </a:xfrm>
+          <a:prstGeom prst="straightConnector1">
+            <a:avLst/>
+          </a:prstGeom>
+          <a:ln w="66675">
+            <a:solidFill>
+              <a:schemeClr val="accent6">
+                <a:lumMod val="50000"/>
+              </a:schemeClr>
+            </a:solidFill>
+            <a:tailEnd type="triangle"/>
+          </a:ln>
+        </p:spPr>
+        <p:style>
+          <a:lnRef idx="1">
+            <a:schemeClr val="accent1"/>
+          </a:lnRef>
+          <a:fillRef idx="0">
+            <a:schemeClr val="accent1"/>
+          </a:fillRef>
+          <a:effectRef idx="0">
+            <a:schemeClr val="accent1"/>
+          </a:effectRef>
+          <a:fontRef idx="minor">
+            <a:schemeClr val="tx1"/>
+          </a:fontRef>
+        </p:style>
+      </p:cxnSp>
+      <p:sp>
+        <p:nvSpPr>
+          <p:cNvPr id="23" name="正方形/長方形 34">
+            <a:extLst>
+              <a:ext uri="{FF2B5EF4-FFF2-40B4-BE49-F238E27FC236}">
+                <a16:creationId xmlns:a16="http://schemas.microsoft.com/office/drawing/2014/main" id="{5B5371A1-A486-C976-8AC1-3FA017E51991}"/>
+              </a:ext>
+            </a:extLst>
+          </p:cNvPr>
+          <p:cNvSpPr/>
+          <p:nvPr/>
+        </p:nvSpPr>
+        <p:spPr>
+          <a:xfrm>
+            <a:off x="7514895" y="4531555"/>
+            <a:ext cx="1376477" cy="294084"/>
+          </a:xfrm>
+          <a:prstGeom prst="rect">
+            <a:avLst/>
+          </a:prstGeom>
+          <a:solidFill>
+            <a:schemeClr val="accent4">
+              <a:lumMod val="50000"/>
+            </a:schemeClr>
+          </a:solidFill>
+          <a:ln>
+            <a:noFill/>
+          </a:ln>
+        </p:spPr>
+        <p:style>
+          <a:lnRef idx="2">
+            <a:schemeClr val="accent1">
+              <a:shade val="50000"/>
+            </a:schemeClr>
+          </a:lnRef>
+          <a:fillRef idx="1">
+            <a:schemeClr val="accent1"/>
+          </a:fillRef>
+          <a:effectRef idx="0">
+            <a:schemeClr val="accent1"/>
+          </a:effectRef>
+          <a:fontRef idx="minor">
+            <a:schemeClr val="lt1"/>
+          </a:fontRef>
+        </p:style>
+        <p:txBody>
+          <a:bodyPr rtlCol="0" anchor="ctr"/>
+          <a:lstStyle/>
+          <a:p>
+            <a:pPr algn="ctr"/>
+            <a:r>
+              <a:rPr kumimoji="1" lang="en-US" sz="1200" b="1" dirty="0">
+                <a:solidFill>
+                  <a:schemeClr val="bg1"/>
+                </a:solidFill>
+              </a:rPr>
+              <a:t>DTO</a:t>
+            </a:r>
+          </a:p>
+        </p:txBody>
+      </p:sp>
+      <p:cxnSp>
+        <p:nvCxnSpPr>
+          <p:cNvPr id="24" name="Straight Arrow Connector 23">
+            <a:extLst>
+              <a:ext uri="{FF2B5EF4-FFF2-40B4-BE49-F238E27FC236}">
+                <a16:creationId xmlns:a16="http://schemas.microsoft.com/office/drawing/2014/main" id="{3FAB66D5-AEA6-F01A-592F-7A504BCDF742}"/>
+              </a:ext>
+            </a:extLst>
+          </p:cNvPr>
+          <p:cNvCxnSpPr>
+            <a:cxnSpLocks/>
+          </p:cNvCxnSpPr>
+          <p:nvPr/>
+        </p:nvCxnSpPr>
+        <p:spPr>
+          <a:xfrm>
+            <a:off x="6580877" y="5041204"/>
+            <a:ext cx="430361" cy="0"/>
+          </a:xfrm>
+          <a:prstGeom prst="straightConnector1">
+            <a:avLst/>
+          </a:prstGeom>
+          <a:ln w="66675">
+            <a:solidFill>
+              <a:schemeClr val="accent6">
+                <a:lumMod val="50000"/>
+              </a:schemeClr>
+            </a:solidFill>
+            <a:tailEnd type="triangle"/>
+          </a:ln>
+        </p:spPr>
+        <p:style>
+          <a:lnRef idx="1">
+            <a:schemeClr val="accent1"/>
+          </a:lnRef>
+          <a:fillRef idx="0">
+            <a:schemeClr val="accent1"/>
+          </a:fillRef>
+          <a:effectRef idx="0">
+            <a:schemeClr val="accent1"/>
+          </a:effectRef>
+          <a:fontRef idx="minor">
+            <a:schemeClr val="tx1"/>
+          </a:fontRef>
+        </p:style>
+      </p:cxnSp>
+      <p:sp>
+        <p:nvSpPr>
+          <p:cNvPr id="25" name="正方形/長方形 34">
+            <a:extLst>
+              <a:ext uri="{FF2B5EF4-FFF2-40B4-BE49-F238E27FC236}">
+                <a16:creationId xmlns:a16="http://schemas.microsoft.com/office/drawing/2014/main" id="{59A349EE-E712-C554-FA15-ED1363C960B6}"/>
+              </a:ext>
+            </a:extLst>
+          </p:cNvPr>
+          <p:cNvSpPr/>
+          <p:nvPr/>
+        </p:nvSpPr>
+        <p:spPr>
+          <a:xfrm>
+            <a:off x="7514895" y="4908840"/>
+            <a:ext cx="1376477" cy="294084"/>
+          </a:xfrm>
+          <a:prstGeom prst="rect">
+            <a:avLst/>
+          </a:prstGeom>
+          <a:solidFill>
+            <a:schemeClr val="accent2">
+              <a:lumMod val="50000"/>
+            </a:schemeClr>
+          </a:solidFill>
+          <a:ln>
+            <a:noFill/>
+          </a:ln>
+        </p:spPr>
+        <p:style>
+          <a:lnRef idx="2">
+            <a:schemeClr val="accent1">
+              <a:shade val="50000"/>
+            </a:schemeClr>
+          </a:lnRef>
+          <a:fillRef idx="1">
+            <a:schemeClr val="accent1"/>
+          </a:fillRef>
+          <a:effectRef idx="0">
+            <a:schemeClr val="accent1"/>
+          </a:effectRef>
+          <a:fontRef idx="minor">
+            <a:schemeClr val="lt1"/>
+          </a:fontRef>
+        </p:style>
+        <p:txBody>
+          <a:bodyPr rtlCol="0" anchor="ctr"/>
+          <a:lstStyle/>
+          <a:p>
+            <a:pPr algn="ctr"/>
+            <a:r>
+              <a:rPr lang="en-US" sz="1200" b="1" dirty="0">
+                <a:solidFill>
+                  <a:schemeClr val="bg1"/>
+                </a:solidFill>
+              </a:rPr>
+              <a:t>Model</a:t>
+            </a:r>
+            <a:endParaRPr kumimoji="1" lang="en-US" sz="1200" b="1" dirty="0">
+              <a:solidFill>
+                <a:schemeClr val="bg1"/>
+              </a:solidFill>
+            </a:endParaRPr>
+          </a:p>
+        </p:txBody>
+      </p:sp>
+      <p:sp>
+        <p:nvSpPr>
+          <p:cNvPr id="26" name="正方形/長方形 34">
+            <a:extLst>
+              <a:ext uri="{FF2B5EF4-FFF2-40B4-BE49-F238E27FC236}">
+                <a16:creationId xmlns:a16="http://schemas.microsoft.com/office/drawing/2014/main" id="{069F2581-4357-F415-977A-D258FB479FA2}"/>
+              </a:ext>
+            </a:extLst>
+          </p:cNvPr>
+          <p:cNvSpPr/>
+          <p:nvPr/>
+        </p:nvSpPr>
+        <p:spPr>
+          <a:xfrm>
+            <a:off x="9107212" y="4531555"/>
+            <a:ext cx="1376477" cy="294084"/>
+          </a:xfrm>
+          <a:prstGeom prst="rect">
+            <a:avLst/>
+          </a:prstGeom>
+          <a:solidFill>
+            <a:schemeClr val="accent2">
+              <a:lumMod val="50000"/>
+            </a:schemeClr>
+          </a:solidFill>
+          <a:ln>
+            <a:noFill/>
+          </a:ln>
+        </p:spPr>
+        <p:style>
+          <a:lnRef idx="2">
+            <a:schemeClr val="accent1">
+              <a:shade val="50000"/>
+            </a:schemeClr>
+          </a:lnRef>
+          <a:fillRef idx="1">
+            <a:schemeClr val="accent1"/>
+          </a:fillRef>
+          <a:effectRef idx="0">
+            <a:schemeClr val="accent1"/>
+          </a:effectRef>
+          <a:fontRef idx="minor">
+            <a:schemeClr val="lt1"/>
+          </a:fontRef>
+        </p:style>
+        <p:txBody>
+          <a:bodyPr rtlCol="0" anchor="ctr"/>
+          <a:lstStyle/>
+          <a:p>
+            <a:pPr algn="ctr"/>
+            <a:r>
+              <a:rPr lang="en-US" sz="1200" b="1" dirty="0">
+                <a:solidFill>
+                  <a:schemeClr val="bg1"/>
+                </a:solidFill>
+              </a:rPr>
+              <a:t>Entity</a:t>
+            </a:r>
+            <a:endParaRPr kumimoji="1" lang="en-US" sz="1200" b="1" dirty="0">
+              <a:solidFill>
+                <a:schemeClr val="bg1"/>
+              </a:solidFill>
+            </a:endParaRPr>
+          </a:p>
+        </p:txBody>
+      </p:sp>
+      <p:sp>
+        <p:nvSpPr>
+          <p:cNvPr id="27" name="正方形/長方形 34">
+            <a:extLst>
+              <a:ext uri="{FF2B5EF4-FFF2-40B4-BE49-F238E27FC236}">
+                <a16:creationId xmlns:a16="http://schemas.microsoft.com/office/drawing/2014/main" id="{8AF7C647-C494-710B-2685-6F810FC98B92}"/>
+              </a:ext>
+            </a:extLst>
+          </p:cNvPr>
+          <p:cNvSpPr/>
+          <p:nvPr/>
+        </p:nvSpPr>
+        <p:spPr>
+          <a:xfrm>
+            <a:off x="7514894" y="5727062"/>
+            <a:ext cx="1376477" cy="294084"/>
+          </a:xfrm>
+          <a:prstGeom prst="rect">
+            <a:avLst/>
+          </a:prstGeom>
+          <a:solidFill>
+            <a:schemeClr val="accent6">
+              <a:lumMod val="50000"/>
+            </a:schemeClr>
+          </a:solidFill>
+          <a:ln>
+            <a:noFill/>
+          </a:ln>
+        </p:spPr>
+        <p:style>
+          <a:lnRef idx="2">
+            <a:schemeClr val="accent1">
+              <a:shade val="50000"/>
+            </a:schemeClr>
+          </a:lnRef>
+          <a:fillRef idx="1">
+            <a:schemeClr val="accent1"/>
+          </a:fillRef>
+          <a:effectRef idx="0">
+            <a:schemeClr val="accent1"/>
+          </a:effectRef>
+          <a:fontRef idx="minor">
+            <a:schemeClr val="lt1"/>
+          </a:fontRef>
+        </p:style>
+        <p:txBody>
+          <a:bodyPr rtlCol="0" anchor="ctr"/>
+          <a:lstStyle/>
+          <a:p>
+            <a:pPr algn="ctr"/>
+            <a:r>
+              <a:rPr kumimoji="1" lang="en-US" sz="1200" b="1" dirty="0" err="1">
+                <a:solidFill>
+                  <a:schemeClr val="bg1"/>
+                </a:solidFill>
+              </a:rPr>
+              <a:t>ViewModel</a:t>
+            </a:r>
+            <a:endParaRPr kumimoji="1" lang="en-US" sz="1200" b="1" dirty="0">
+              <a:solidFill>
+                <a:schemeClr val="bg1"/>
+              </a:solidFill>
+            </a:endParaRPr>
+          </a:p>
+        </p:txBody>
+      </p:sp>
+      <p:cxnSp>
+        <p:nvCxnSpPr>
+          <p:cNvPr id="28" name="Straight Arrow Connector 27">
+            <a:extLst>
+              <a:ext uri="{FF2B5EF4-FFF2-40B4-BE49-F238E27FC236}">
+                <a16:creationId xmlns:a16="http://schemas.microsoft.com/office/drawing/2014/main" id="{6C2D4059-8565-D46D-A160-D16676C3912A}"/>
+              </a:ext>
+            </a:extLst>
+          </p:cNvPr>
+          <p:cNvCxnSpPr>
+            <a:cxnSpLocks/>
+          </p:cNvCxnSpPr>
+          <p:nvPr/>
+        </p:nvCxnSpPr>
+        <p:spPr>
+          <a:xfrm>
+            <a:off x="6569806" y="5874104"/>
+            <a:ext cx="430361" cy="0"/>
+          </a:xfrm>
+          <a:prstGeom prst="straightConnector1">
+            <a:avLst/>
+          </a:prstGeom>
+          <a:ln w="66675">
+            <a:solidFill>
+              <a:schemeClr val="accent6">
+                <a:lumMod val="50000"/>
+              </a:schemeClr>
+            </a:solidFill>
+            <a:tailEnd type="triangle"/>
+          </a:ln>
+        </p:spPr>
+        <p:style>
+          <a:lnRef idx="1">
+            <a:schemeClr val="accent1"/>
+          </a:lnRef>
+          <a:fillRef idx="0">
+            <a:schemeClr val="accent1"/>
+          </a:fillRef>
+          <a:effectRef idx="0">
+            <a:schemeClr val="accent1"/>
+          </a:effectRef>
+          <a:fontRef idx="minor">
+            <a:schemeClr val="tx1"/>
+          </a:fontRef>
+        </p:style>
+      </p:cxnSp>
+      <p:cxnSp>
+        <p:nvCxnSpPr>
+          <p:cNvPr id="29" name="Straight Arrow Connector 28">
+            <a:extLst>
+              <a:ext uri="{FF2B5EF4-FFF2-40B4-BE49-F238E27FC236}">
+                <a16:creationId xmlns:a16="http://schemas.microsoft.com/office/drawing/2014/main" id="{7CA924FE-5A50-22F5-457D-B2FE452C240F}"/>
+              </a:ext>
+            </a:extLst>
+          </p:cNvPr>
+          <p:cNvCxnSpPr>
+            <a:cxnSpLocks/>
+          </p:cNvCxnSpPr>
+          <p:nvPr/>
+        </p:nvCxnSpPr>
+        <p:spPr>
+          <a:xfrm>
+            <a:off x="6580877" y="6299773"/>
+            <a:ext cx="430361" cy="0"/>
+          </a:xfrm>
+          <a:prstGeom prst="straightConnector1">
+            <a:avLst/>
+          </a:prstGeom>
+          <a:ln w="66675">
+            <a:solidFill>
+              <a:schemeClr val="accent6">
+                <a:lumMod val="50000"/>
+              </a:schemeClr>
+            </a:solidFill>
+            <a:tailEnd type="triangle"/>
+          </a:ln>
+        </p:spPr>
+        <p:style>
+          <a:lnRef idx="1">
+            <a:schemeClr val="accent1"/>
+          </a:lnRef>
+          <a:fillRef idx="0">
+            <a:schemeClr val="accent1"/>
+          </a:fillRef>
+          <a:effectRef idx="0">
+            <a:schemeClr val="accent1"/>
+          </a:effectRef>
+          <a:fontRef idx="minor">
+            <a:schemeClr val="tx1"/>
+          </a:fontRef>
+        </p:style>
+      </p:cxnSp>
+      <p:sp>
+        <p:nvSpPr>
+          <p:cNvPr id="30" name="正方形/長方形 34">
+            <a:extLst>
+              <a:ext uri="{FF2B5EF4-FFF2-40B4-BE49-F238E27FC236}">
+                <a16:creationId xmlns:a16="http://schemas.microsoft.com/office/drawing/2014/main" id="{A8E59DE6-3AB4-E891-8295-759D15D484DE}"/>
+              </a:ext>
+            </a:extLst>
+          </p:cNvPr>
+          <p:cNvSpPr/>
+          <p:nvPr/>
+        </p:nvSpPr>
+        <p:spPr>
+          <a:xfrm>
+            <a:off x="7514893" y="6171401"/>
+            <a:ext cx="1376477" cy="294084"/>
+          </a:xfrm>
+          <a:prstGeom prst="rect">
+            <a:avLst/>
+          </a:prstGeom>
+          <a:solidFill>
+            <a:schemeClr val="accent6">
+              <a:lumMod val="50000"/>
+            </a:schemeClr>
+          </a:solidFill>
+          <a:ln>
+            <a:noFill/>
+          </a:ln>
+        </p:spPr>
+        <p:style>
+          <a:lnRef idx="2">
+            <a:schemeClr val="accent1">
+              <a:shade val="50000"/>
+            </a:schemeClr>
+          </a:lnRef>
+          <a:fillRef idx="1">
+            <a:schemeClr val="accent1"/>
+          </a:fillRef>
+          <a:effectRef idx="0">
+            <a:schemeClr val="accent1"/>
+          </a:effectRef>
+          <a:fontRef idx="minor">
+            <a:schemeClr val="lt1"/>
+          </a:fontRef>
+        </p:style>
+        <p:txBody>
+          <a:bodyPr rtlCol="0" anchor="ctr"/>
+          <a:lstStyle/>
+          <a:p>
+            <a:pPr algn="ctr"/>
+            <a:r>
+              <a:rPr kumimoji="1" lang="en-US" sz="1200" b="1" dirty="0" err="1">
+                <a:solidFill>
+                  <a:schemeClr val="bg1"/>
+                </a:solidFill>
+              </a:rPr>
+              <a:t>ViewController</a:t>
+            </a:r>
+            <a:endParaRPr kumimoji="1" lang="en-US" sz="1200" b="1" dirty="0">
+              <a:solidFill>
+                <a:schemeClr val="bg1"/>
+              </a:solidFill>
+            </a:endParaRPr>
+          </a:p>
+        </p:txBody>
+      </p:sp>
+    </p:spTree>
+    <p:extLst>
+      <p:ext uri="{BB962C8B-B14F-4D97-AF65-F5344CB8AC3E}">
+        <p14:creationId xmlns:p14="http://schemas.microsoft.com/office/powerpoint/2010/main" val="2067146407"/>
+      </p:ext>
+    </p:extLst>
+  </p:cSld>
+  <p:clrMapOvr>
+    <a:masterClrMapping/>
+  </p:clrMapOvr>
+</p:sld>
+</file>
+
+<file path=ppt/slides/slide15.xml><?xml version="1.0" encoding="utf-8"?>
+<p:sld xmlns:a="http://schemas.openxmlformats.org/drawingml/2006/main" xmlns:r="http://schemas.openxmlformats.org/officeDocument/2006/relationships" xmlns:p="http://schemas.openxmlformats.org/presentationml/2006/main">
+  <p:cSld>
+    <p:spTree>
+      <p:nvGrpSpPr>
+        <p:cNvPr id="1" name=""/>
+        <p:cNvGrpSpPr/>
+        <p:nvPr/>
+      </p:nvGrpSpPr>
+      <p:grpSpPr>
+        <a:xfrm>
+          <a:off x="0" y="0"/>
+          <a:ext cx="0" cy="0"/>
+          <a:chOff x="0" y="0"/>
+          <a:chExt cx="0" cy="0"/>
+        </a:xfrm>
+      </p:grpSpPr>
+      <p:sp>
+        <p:nvSpPr>
+          <p:cNvPr id="2" name="タイトル 1"/>
+          <p:cNvSpPr>
+            <a:spLocks noGrp="1"/>
+          </p:cNvSpPr>
+          <p:nvPr>
+            <p:ph type="title"/>
+          </p:nvPr>
+        </p:nvSpPr>
+        <p:spPr/>
+        <p:txBody>
+          <a:bodyPr>
+            <a:noAutofit/>
+          </a:bodyPr>
+          <a:lstStyle/>
+          <a:p>
+            <a:pPr algn="ctr"/>
+            <a:r>
+              <a:rPr lang="en-US" altLang="ja-JP" sz="3600" b="1" dirty="0"/>
+              <a:t>Snapshot Test</a:t>
+            </a:r>
+            <a:endParaRPr lang="ja-JP" altLang="en-US" sz="3600" b="1" kern="0" dirty="0"/>
+          </a:p>
+        </p:txBody>
+      </p:sp>
+      <p:cxnSp>
+        <p:nvCxnSpPr>
+          <p:cNvPr id="8" name="Straight Connector 7">
+            <a:extLst>
+              <a:ext uri="{FF2B5EF4-FFF2-40B4-BE49-F238E27FC236}">
+                <a16:creationId xmlns:a16="http://schemas.microsoft.com/office/drawing/2014/main" id="{0F07A22E-5A49-9049-9297-0D650C8F1F64}"/>
+              </a:ext>
+            </a:extLst>
+          </p:cNvPr>
+          <p:cNvCxnSpPr>
+            <a:cxnSpLocks/>
+          </p:cNvCxnSpPr>
+          <p:nvPr/>
+        </p:nvCxnSpPr>
+        <p:spPr>
+          <a:xfrm>
+            <a:off x="797441" y="950071"/>
+            <a:ext cx="10047768" cy="0"/>
+          </a:xfrm>
+          <a:prstGeom prst="line">
+            <a:avLst/>
+          </a:prstGeom>
+          <a:ln/>
+        </p:spPr>
+        <p:style>
+          <a:lnRef idx="2">
+            <a:schemeClr val="dk1"/>
+          </a:lnRef>
+          <a:fillRef idx="0">
+            <a:schemeClr val="dk1"/>
+          </a:fillRef>
+          <a:effectRef idx="1">
+            <a:schemeClr val="dk1"/>
+          </a:effectRef>
+          <a:fontRef idx="minor">
+            <a:schemeClr val="tx1"/>
+          </a:fontRef>
+        </p:style>
+      </p:cxnSp>
+      <p:sp>
+        <p:nvSpPr>
+          <p:cNvPr id="4" name="TextBox 3">
+            <a:extLst>
+              <a:ext uri="{FF2B5EF4-FFF2-40B4-BE49-F238E27FC236}">
+                <a16:creationId xmlns:a16="http://schemas.microsoft.com/office/drawing/2014/main" id="{5BF49BC7-B467-E526-00EC-F67558CFF320}"/>
+              </a:ext>
+            </a:extLst>
+          </p:cNvPr>
+          <p:cNvSpPr txBox="1"/>
+          <p:nvPr/>
+        </p:nvSpPr>
+        <p:spPr>
+          <a:xfrm>
+            <a:off x="693047" y="1215262"/>
+            <a:ext cx="6920103" cy="394147"/>
+          </a:xfrm>
+          <a:prstGeom prst="rect">
+            <a:avLst/>
+          </a:prstGeom>
+          <a:noFill/>
+        </p:spPr>
+        <p:txBody>
+          <a:bodyPr wrap="square" rtlCol="0">
+            <a:spAutoFit/>
+          </a:bodyPr>
+          <a:lstStyle/>
+          <a:p>
+            <a:pPr>
+              <a:lnSpc>
+                <a:spcPct val="120000"/>
+              </a:lnSpc>
+              <a:spcBef>
+                <a:spcPts val="700"/>
+              </a:spcBef>
+              <a:buSzPct val="100000"/>
+            </a:pPr>
+            <a:r>
+              <a:rPr lang="en-US" dirty="0">
+                <a:effectLst/>
+              </a:rPr>
+              <a:t>https://</a:t>
+            </a:r>
+            <a:r>
+              <a:rPr lang="en-US" dirty="0" err="1">
+                <a:effectLst/>
+              </a:rPr>
+              <a:t>github.com</a:t>
+            </a:r>
+            <a:r>
+              <a:rPr lang="en-US" dirty="0">
+                <a:effectLst/>
+              </a:rPr>
+              <a:t>/</a:t>
+            </a:r>
+            <a:r>
+              <a:rPr lang="en-US" dirty="0" err="1">
+                <a:effectLst/>
+              </a:rPr>
+              <a:t>pointfreeco</a:t>
+            </a:r>
+            <a:r>
+              <a:rPr lang="en-US" dirty="0">
+                <a:effectLst/>
+              </a:rPr>
+              <a:t>/swift-snapshot-testing</a:t>
+            </a:r>
+            <a:endParaRPr lang="en-US" b="0" dirty="0">
+              <a:effectLst/>
+            </a:endParaRPr>
+          </a:p>
+        </p:txBody>
+      </p:sp>
+    </p:spTree>
+    <p:extLst>
+      <p:ext uri="{BB962C8B-B14F-4D97-AF65-F5344CB8AC3E}">
+        <p14:creationId xmlns:p14="http://schemas.microsoft.com/office/powerpoint/2010/main" val="3853538694"/>
+      </p:ext>
+    </p:extLst>
+  </p:cSld>
+  <p:clrMapOvr>
+    <a:masterClrMapping/>
+  </p:clrMapOvr>
+</p:sld>
+</file>
+
+<file path=ppt/slides/slide16.xml><?xml version="1.0" encoding="utf-8"?>
+<p:sld xmlns:a="http://schemas.openxmlformats.org/drawingml/2006/main" xmlns:r="http://schemas.openxmlformats.org/officeDocument/2006/relationships" xmlns:p="http://schemas.openxmlformats.org/presentationml/2006/main">
+  <p:cSld>
+    <p:spTree>
+      <p:nvGrpSpPr>
+        <p:cNvPr id="1" name=""/>
+        <p:cNvGrpSpPr/>
+        <p:nvPr/>
+      </p:nvGrpSpPr>
+      <p:grpSpPr>
+        <a:xfrm>
+          <a:off x="0" y="0"/>
+          <a:ext cx="0" cy="0"/>
+          <a:chOff x="0" y="0"/>
+          <a:chExt cx="0" cy="0"/>
+        </a:xfrm>
+      </p:grpSpPr>
+      <p:sp>
+        <p:nvSpPr>
+          <p:cNvPr id="2" name="タイトル 1"/>
+          <p:cNvSpPr>
+            <a:spLocks noGrp="1"/>
+          </p:cNvSpPr>
+          <p:nvPr>
+            <p:ph type="title"/>
+          </p:nvPr>
+        </p:nvSpPr>
+        <p:spPr/>
+        <p:txBody>
+          <a:bodyPr>
+            <a:noAutofit/>
+          </a:bodyPr>
+          <a:lstStyle/>
+          <a:p>
+            <a:pPr algn="ctr"/>
+            <a:r>
+              <a:rPr lang="en-US" altLang="ja-JP" sz="3600" b="1" dirty="0"/>
+              <a:t>Unit Tests</a:t>
+            </a:r>
+            <a:endParaRPr lang="ja-JP" altLang="en-US" sz="3600" b="1" kern="0" dirty="0"/>
+          </a:p>
+        </p:txBody>
+      </p:sp>
+      <p:cxnSp>
+        <p:nvCxnSpPr>
+          <p:cNvPr id="8" name="Straight Connector 7">
+            <a:extLst>
+              <a:ext uri="{FF2B5EF4-FFF2-40B4-BE49-F238E27FC236}">
+                <a16:creationId xmlns:a16="http://schemas.microsoft.com/office/drawing/2014/main" id="{0F07A22E-5A49-9049-9297-0D650C8F1F64}"/>
+              </a:ext>
+            </a:extLst>
+          </p:cNvPr>
+          <p:cNvCxnSpPr>
+            <a:cxnSpLocks/>
+          </p:cNvCxnSpPr>
+          <p:nvPr/>
+        </p:nvCxnSpPr>
+        <p:spPr>
+          <a:xfrm>
+            <a:off x="797441" y="950071"/>
+            <a:ext cx="10047768" cy="0"/>
+          </a:xfrm>
+          <a:prstGeom prst="line">
+            <a:avLst/>
+          </a:prstGeom>
+          <a:ln/>
+        </p:spPr>
+        <p:style>
+          <a:lnRef idx="2">
+            <a:schemeClr val="dk1"/>
+          </a:lnRef>
+          <a:fillRef idx="0">
+            <a:schemeClr val="dk1"/>
+          </a:fillRef>
+          <a:effectRef idx="1">
+            <a:schemeClr val="dk1"/>
+          </a:effectRef>
+          <a:fontRef idx="minor">
+            <a:schemeClr val="tx1"/>
+          </a:fontRef>
+        </p:style>
+      </p:cxnSp>
+      <p:sp>
+        <p:nvSpPr>
+          <p:cNvPr id="4" name="TextBox 3">
+            <a:extLst>
+              <a:ext uri="{FF2B5EF4-FFF2-40B4-BE49-F238E27FC236}">
+                <a16:creationId xmlns:a16="http://schemas.microsoft.com/office/drawing/2014/main" id="{5090E529-F0CD-BEFF-765A-A877EF705728}"/>
+              </a:ext>
+            </a:extLst>
+          </p:cNvPr>
+          <p:cNvSpPr txBox="1"/>
+          <p:nvPr/>
+        </p:nvSpPr>
+        <p:spPr>
+          <a:xfrm>
+            <a:off x="723870" y="1073851"/>
+            <a:ext cx="5655910" cy="394147"/>
+          </a:xfrm>
+          <a:prstGeom prst="rect">
+            <a:avLst/>
+          </a:prstGeom>
+          <a:noFill/>
+        </p:spPr>
+        <p:txBody>
+          <a:bodyPr wrap="square" rtlCol="0">
+            <a:spAutoFit/>
+          </a:bodyPr>
+          <a:lstStyle/>
+          <a:p>
+            <a:pPr marL="285750" indent="-285750">
+              <a:lnSpc>
+                <a:spcPct val="120000"/>
+              </a:lnSpc>
+              <a:spcBef>
+                <a:spcPts val="700"/>
+              </a:spcBef>
+              <a:buSzPct val="100000"/>
+              <a:buFont typeface="Arial" panose="020B0604020202020204" pitchFamily="34" charset="0"/>
+              <a:buChar char="•"/>
+            </a:pPr>
+            <a:r>
+              <a:rPr lang="en-US" dirty="0" err="1">
+                <a:effectLst/>
+              </a:rPr>
+              <a:t>Test_method_parameters_suceese</a:t>
+            </a:r>
+            <a:endParaRPr lang="en-US" b="0" dirty="0">
+              <a:effectLst/>
+            </a:endParaRPr>
+          </a:p>
+        </p:txBody>
+      </p:sp>
+      <p:sp>
+        <p:nvSpPr>
+          <p:cNvPr id="5" name="TextBox 4">
+            <a:extLst>
+              <a:ext uri="{FF2B5EF4-FFF2-40B4-BE49-F238E27FC236}">
+                <a16:creationId xmlns:a16="http://schemas.microsoft.com/office/drawing/2014/main" id="{9B19BFD3-8CC0-1BD6-3CA4-7A932FB7FE65}"/>
+              </a:ext>
+            </a:extLst>
+          </p:cNvPr>
+          <p:cNvSpPr txBox="1"/>
+          <p:nvPr/>
+        </p:nvSpPr>
+        <p:spPr>
+          <a:xfrm>
+            <a:off x="723870" y="1636502"/>
+            <a:ext cx="5655910" cy="394147"/>
+          </a:xfrm>
+          <a:prstGeom prst="rect">
+            <a:avLst/>
+          </a:prstGeom>
+          <a:noFill/>
+        </p:spPr>
+        <p:txBody>
+          <a:bodyPr wrap="square" rtlCol="0">
+            <a:spAutoFit/>
+          </a:bodyPr>
+          <a:lstStyle/>
+          <a:p>
+            <a:pPr marL="285750" indent="-285750">
+              <a:lnSpc>
+                <a:spcPct val="120000"/>
+              </a:lnSpc>
+              <a:spcBef>
+                <a:spcPts val="700"/>
+              </a:spcBef>
+              <a:buSzPct val="100000"/>
+              <a:buFont typeface="Arial" panose="020B0604020202020204" pitchFamily="34" charset="0"/>
+              <a:buChar char="•"/>
+            </a:pPr>
+            <a:r>
+              <a:rPr lang="en-US" dirty="0" err="1">
+                <a:effectLst/>
+              </a:rPr>
+              <a:t>ViewModel</a:t>
+            </a:r>
+            <a:r>
+              <a:rPr lang="en-US" dirty="0">
+                <a:effectLst/>
+              </a:rPr>
+              <a:t> for binding</a:t>
+            </a:r>
+            <a:endParaRPr lang="en-US" b="0" dirty="0">
+              <a:effectLst/>
+            </a:endParaRPr>
+          </a:p>
+        </p:txBody>
+      </p:sp>
+      <p:sp>
+        <p:nvSpPr>
+          <p:cNvPr id="7" name="TextBox 6">
+            <a:extLst>
+              <a:ext uri="{FF2B5EF4-FFF2-40B4-BE49-F238E27FC236}">
+                <a16:creationId xmlns:a16="http://schemas.microsoft.com/office/drawing/2014/main" id="{E8A815FB-A4C6-5A3F-0772-9F7602B51E7C}"/>
+              </a:ext>
+            </a:extLst>
+          </p:cNvPr>
+          <p:cNvSpPr txBox="1"/>
+          <p:nvPr/>
+        </p:nvSpPr>
+        <p:spPr>
+          <a:xfrm>
+            <a:off x="723870" y="2199153"/>
+            <a:ext cx="5655910" cy="394147"/>
+          </a:xfrm>
+          <a:prstGeom prst="rect">
+            <a:avLst/>
+          </a:prstGeom>
+          <a:noFill/>
+        </p:spPr>
+        <p:txBody>
+          <a:bodyPr wrap="square" rtlCol="0">
+            <a:spAutoFit/>
+          </a:bodyPr>
+          <a:lstStyle/>
+          <a:p>
+            <a:pPr marL="285750" indent="-285750">
+              <a:lnSpc>
+                <a:spcPct val="120000"/>
+              </a:lnSpc>
+              <a:spcBef>
+                <a:spcPts val="700"/>
+              </a:spcBef>
+              <a:buSzPct val="100000"/>
+              <a:buFont typeface="Arial" panose="020B0604020202020204" pitchFamily="34" charset="0"/>
+              <a:buChar char="•"/>
+            </a:pPr>
+            <a:r>
+              <a:rPr lang="en-US" dirty="0" err="1">
+                <a:effectLst/>
+              </a:rPr>
+              <a:t>UseCase</a:t>
+            </a:r>
+            <a:r>
+              <a:rPr lang="en-US" dirty="0">
+                <a:effectLst/>
+              </a:rPr>
+              <a:t> for business flow</a:t>
+            </a:r>
+            <a:endParaRPr lang="en-US" b="0" dirty="0">
+              <a:effectLst/>
+            </a:endParaRPr>
+          </a:p>
+        </p:txBody>
+      </p:sp>
+      <p:sp>
+        <p:nvSpPr>
+          <p:cNvPr id="9" name="TextBox 8">
+            <a:extLst>
+              <a:ext uri="{FF2B5EF4-FFF2-40B4-BE49-F238E27FC236}">
+                <a16:creationId xmlns:a16="http://schemas.microsoft.com/office/drawing/2014/main" id="{D5BE02F1-BBE2-CBCB-81D5-4CD02B121D9D}"/>
+              </a:ext>
+            </a:extLst>
+          </p:cNvPr>
+          <p:cNvSpPr txBox="1"/>
+          <p:nvPr/>
+        </p:nvSpPr>
+        <p:spPr>
+          <a:xfrm>
+            <a:off x="723870" y="2761804"/>
+            <a:ext cx="5655910" cy="394147"/>
+          </a:xfrm>
+          <a:prstGeom prst="rect">
+            <a:avLst/>
+          </a:prstGeom>
+          <a:noFill/>
+        </p:spPr>
+        <p:txBody>
+          <a:bodyPr wrap="square" rtlCol="0">
+            <a:spAutoFit/>
+          </a:bodyPr>
+          <a:lstStyle/>
+          <a:p>
+            <a:pPr marL="285750" indent="-285750">
+              <a:lnSpc>
+                <a:spcPct val="120000"/>
+              </a:lnSpc>
+              <a:spcBef>
+                <a:spcPts val="700"/>
+              </a:spcBef>
+              <a:buSzPct val="100000"/>
+              <a:buFont typeface="Arial" panose="020B0604020202020204" pitchFamily="34" charset="0"/>
+              <a:buChar char="•"/>
+            </a:pPr>
+            <a:r>
+              <a:rPr lang="en-US" dirty="0" err="1">
+                <a:effectLst/>
+              </a:rPr>
+              <a:t>ViewModel</a:t>
+            </a:r>
+            <a:r>
+              <a:rPr lang="en-US" dirty="0">
+                <a:effectLst/>
+              </a:rPr>
+              <a:t> + </a:t>
+            </a:r>
+            <a:r>
+              <a:rPr lang="en-US" dirty="0" err="1">
+                <a:effectLst/>
+              </a:rPr>
+              <a:t>UseCase</a:t>
+            </a:r>
+            <a:r>
+              <a:rPr lang="en-US" dirty="0">
+                <a:effectLst/>
+              </a:rPr>
+              <a:t> &gt; Mock Repository</a:t>
+            </a:r>
+            <a:endParaRPr lang="en-US" b="0" dirty="0">
+              <a:effectLst/>
+            </a:endParaRPr>
+          </a:p>
+        </p:txBody>
+      </p:sp>
+    </p:spTree>
+    <p:extLst>
+      <p:ext uri="{BB962C8B-B14F-4D97-AF65-F5344CB8AC3E}">
+        <p14:creationId xmlns:p14="http://schemas.microsoft.com/office/powerpoint/2010/main" val="890045942"/>
+      </p:ext>
+    </p:extLst>
+  </p:cSld>
+  <p:clrMapOvr>
+    <a:masterClrMapping/>
+  </p:clrMapOvr>
+</p:sld>
+</file>
+
+<file path=ppt/slides/slide17.xml><?xml version="1.0" encoding="utf-8"?>
+<p:sld xmlns:a="http://schemas.openxmlformats.org/drawingml/2006/main" xmlns:r="http://schemas.openxmlformats.org/officeDocument/2006/relationships" xmlns:p="http://schemas.openxmlformats.org/presentationml/2006/main">
+  <p:cSld>
+    <p:spTree>
+      <p:nvGrpSpPr>
+        <p:cNvPr id="1" name=""/>
+        <p:cNvGrpSpPr/>
+        <p:nvPr/>
+      </p:nvGrpSpPr>
+      <p:grpSpPr>
+        <a:xfrm>
+          <a:off x="0" y="0"/>
+          <a:ext cx="0" cy="0"/>
+          <a:chOff x="0" y="0"/>
+          <a:chExt cx="0" cy="0"/>
+        </a:xfrm>
+      </p:grpSpPr>
+    </p:spTree>
+    <p:extLst>
+      <p:ext uri="{BB962C8B-B14F-4D97-AF65-F5344CB8AC3E}">
+        <p14:creationId xmlns:p14="http://schemas.microsoft.com/office/powerpoint/2010/main" val="843944518"/>
+      </p:ext>
+    </p:extLst>
+  </p:cSld>
+  <p:clrMapOvr>
+    <a:masterClrMapping/>
+  </p:clrMapOvr>
+  <p:transition spd="med"/>
+</p:sld>
+</file>
+
+<file path=ppt/slides/slide2.xml><?xml version="1.0" encoding="utf-8"?>
+<p:sld xmlns:a="http://schemas.openxmlformats.org/drawingml/2006/main" xmlns:r="http://schemas.openxmlformats.org/officeDocument/2006/relationships" xmlns:p="http://schemas.openxmlformats.org/presentationml/2006/main">
+  <p:cSld>
+    <p:spTree>
+      <p:nvGrpSpPr>
+        <p:cNvPr id="1" name=""/>
+        <p:cNvGrpSpPr/>
+        <p:nvPr/>
+      </p:nvGrpSpPr>
+      <p:grpSpPr>
+        <a:xfrm>
+          <a:off x="0" y="0"/>
+          <a:ext cx="0" cy="0"/>
+          <a:chOff x="0" y="0"/>
+          <a:chExt cx="0" cy="0"/>
+        </a:xfrm>
+      </p:grpSpPr>
+      <p:sp>
+        <p:nvSpPr>
+          <p:cNvPr id="2" name="タイトル 1"/>
+          <p:cNvSpPr>
+            <a:spLocks noGrp="1"/>
+          </p:cNvSpPr>
+          <p:nvPr>
+            <p:ph type="title"/>
+          </p:nvPr>
+        </p:nvSpPr>
+        <p:spPr/>
+        <p:txBody>
+          <a:bodyPr>
+            <a:noAutofit/>
+          </a:bodyPr>
+          <a:lstStyle/>
+          <a:p>
+            <a:pPr algn="ctr"/>
+            <a:r>
+              <a:rPr lang="en-US" altLang="ja-JP" sz="3600" b="1" kern="0" dirty="0">
+                <a:latin typeface="Rakuten Sans" panose="020B0503020203020204" pitchFamily="34" charset="0"/>
+                <a:cs typeface="Rakuten Sans" panose="020B0503020203020204" pitchFamily="34" charset="0"/>
+              </a:rPr>
+              <a:t>Copy template</a:t>
+            </a:r>
+            <a:endParaRPr lang="ja-JP" altLang="en-US" sz="3600" b="1" kern="0" dirty="0">
+              <a:latin typeface="Rakuten Sans" panose="020B0503020203020204" pitchFamily="34" charset="0"/>
+              <a:cs typeface="Rakuten Sans" panose="020B0503020203020204" pitchFamily="34" charset="0"/>
+            </a:endParaRPr>
+          </a:p>
+        </p:txBody>
+      </p:sp>
+      <p:cxnSp>
+        <p:nvCxnSpPr>
+          <p:cNvPr id="8" name="Straight Connector 7">
+            <a:extLst>
+              <a:ext uri="{FF2B5EF4-FFF2-40B4-BE49-F238E27FC236}">
+                <a16:creationId xmlns:a16="http://schemas.microsoft.com/office/drawing/2014/main" id="{0F07A22E-5A49-9049-9297-0D650C8F1F64}"/>
+              </a:ext>
+            </a:extLst>
+          </p:cNvPr>
+          <p:cNvCxnSpPr>
+            <a:cxnSpLocks/>
+          </p:cNvCxnSpPr>
+          <p:nvPr/>
+        </p:nvCxnSpPr>
+        <p:spPr>
+          <a:xfrm>
+            <a:off x="797441" y="950071"/>
+            <a:ext cx="10047768" cy="0"/>
+          </a:xfrm>
+          <a:prstGeom prst="line">
+            <a:avLst/>
+          </a:prstGeom>
+          <a:ln/>
+        </p:spPr>
+        <p:style>
+          <a:lnRef idx="2">
+            <a:schemeClr val="dk1"/>
+          </a:lnRef>
+          <a:fillRef idx="0">
+            <a:schemeClr val="dk1"/>
+          </a:fillRef>
+          <a:effectRef idx="1">
+            <a:schemeClr val="dk1"/>
+          </a:effectRef>
+          <a:fontRef idx="minor">
+            <a:schemeClr val="tx1"/>
+          </a:fontRef>
+        </p:style>
+      </p:cxnSp>
+      <p:pic>
+        <p:nvPicPr>
+          <p:cNvPr id="13" name="Picture 12">
+            <a:extLst>
+              <a:ext uri="{FF2B5EF4-FFF2-40B4-BE49-F238E27FC236}">
+                <a16:creationId xmlns:a16="http://schemas.microsoft.com/office/drawing/2014/main" id="{C49CF637-8380-02BA-A59C-8D8AAC563FF9}"/>
+              </a:ext>
+            </a:extLst>
+          </p:cNvPr>
+          <p:cNvPicPr>
+            <a:picLocks noChangeAspect="1"/>
+          </p:cNvPicPr>
+          <p:nvPr/>
+        </p:nvPicPr>
+        <p:blipFill>
+          <a:blip r:embed="rId3"/>
+          <a:stretch>
+            <a:fillRect/>
+          </a:stretch>
+        </p:blipFill>
+        <p:spPr>
+          <a:xfrm>
+            <a:off x="957421" y="1182496"/>
+            <a:ext cx="2503415" cy="2973600"/>
+          </a:xfrm>
+          <a:prstGeom prst="rect">
+            <a:avLst/>
+          </a:prstGeom>
+          <a:solidFill>
+            <a:srgbClr val="FFFFFF">
+              <a:shade val="85000"/>
+            </a:srgbClr>
+          </a:solidFill>
+          <a:ln w="88900" cap="sq">
+            <a:solidFill>
+              <a:srgbClr val="FFFFFF"/>
+            </a:solidFill>
+            <a:miter lim="800000"/>
+          </a:ln>
+          <a:effectLst>
+            <a:outerShdw blurRad="55000" dist="18000" dir="5400000" algn="tl" rotWithShape="0">
+              <a:srgbClr val="000000">
+                <a:alpha val="40000"/>
+              </a:srgbClr>
+            </a:outerShdw>
+          </a:effectLst>
+          <a:scene3d>
+            <a:camera prst="orthographicFront"/>
+            <a:lightRig rig="twoPt" dir="t">
+              <a:rot lat="0" lon="0" rev="7200000"/>
+            </a:lightRig>
+          </a:scene3d>
+          <a:sp3d>
+            <a:bevelT w="25400" h="19050"/>
+            <a:contourClr>
+              <a:srgbClr val="FFFFFF"/>
+            </a:contourClr>
+          </a:sp3d>
+        </p:spPr>
+      </p:pic>
+      <p:sp>
+        <p:nvSpPr>
+          <p:cNvPr id="14" name="TextBox 13">
+            <a:extLst>
+              <a:ext uri="{FF2B5EF4-FFF2-40B4-BE49-F238E27FC236}">
+                <a16:creationId xmlns:a16="http://schemas.microsoft.com/office/drawing/2014/main" id="{06A1CBA2-A659-BC40-8661-1B0194715EE3}"/>
+              </a:ext>
+            </a:extLst>
+          </p:cNvPr>
+          <p:cNvSpPr txBox="1"/>
+          <p:nvPr/>
+        </p:nvSpPr>
+        <p:spPr>
+          <a:xfrm>
+            <a:off x="5034889" y="1182496"/>
+            <a:ext cx="5630978" cy="727122"/>
+          </a:xfrm>
+          <a:prstGeom prst="rect">
+            <a:avLst/>
+          </a:prstGeom>
+          <a:noFill/>
+        </p:spPr>
+        <p:txBody>
+          <a:bodyPr wrap="square" rtlCol="0">
+            <a:spAutoFit/>
+          </a:bodyPr>
+          <a:lstStyle/>
+          <a:p>
+            <a:pPr>
+              <a:lnSpc>
+                <a:spcPct val="150000"/>
+              </a:lnSpc>
+            </a:pPr>
+            <a:r>
+              <a:rPr lang="en-US" sz="3000" b="1" i="0" u="none" strike="noStrike" dirty="0">
+                <a:solidFill>
+                  <a:srgbClr val="242424"/>
+                </a:solidFill>
+                <a:effectLst/>
+                <a:latin typeface="Rakuten Sans" panose="020B0503020203020204" pitchFamily="34" charset="0"/>
+                <a:cs typeface="Rakuten Sans" panose="020B0503020203020204" pitchFamily="34" charset="0"/>
+              </a:rPr>
+              <a:t>~/Library/Developer/</a:t>
+            </a:r>
+            <a:r>
+              <a:rPr lang="en-US" sz="3000" b="1" i="0" u="none" strike="noStrike" dirty="0" err="1">
+                <a:solidFill>
+                  <a:srgbClr val="242424"/>
+                </a:solidFill>
+                <a:effectLst/>
+                <a:latin typeface="Rakuten Sans" panose="020B0503020203020204" pitchFamily="34" charset="0"/>
+                <a:cs typeface="Rakuten Sans" panose="020B0503020203020204" pitchFamily="34" charset="0"/>
+              </a:rPr>
+              <a:t>Xcode</a:t>
+            </a:r>
+            <a:r>
+              <a:rPr lang="en-US" sz="3000" b="1" i="0" u="none" strike="noStrike" dirty="0">
+                <a:solidFill>
+                  <a:srgbClr val="242424"/>
+                </a:solidFill>
+                <a:effectLst/>
+                <a:latin typeface="Rakuten Sans" panose="020B0503020203020204" pitchFamily="34" charset="0"/>
+                <a:cs typeface="Rakuten Sans" panose="020B0503020203020204" pitchFamily="34" charset="0"/>
+              </a:rPr>
+              <a:t>/</a:t>
+            </a:r>
+            <a:endParaRPr lang="en-US" sz="3000" b="1" dirty="0">
+              <a:solidFill>
+                <a:srgbClr val="FF0000"/>
+              </a:solidFill>
+              <a:effectLst/>
+              <a:latin typeface="Rakuten Sans" panose="020B0503020203020204" pitchFamily="34" charset="0"/>
+              <a:cs typeface="Rakuten Sans" panose="020B0503020203020204" pitchFamily="34" charset="0"/>
+            </a:endParaRPr>
+          </a:p>
+        </p:txBody>
+      </p:sp>
+      <p:cxnSp>
+        <p:nvCxnSpPr>
+          <p:cNvPr id="27" name="Straight Arrow Connector 26">
+            <a:extLst>
+              <a:ext uri="{FF2B5EF4-FFF2-40B4-BE49-F238E27FC236}">
+                <a16:creationId xmlns:a16="http://schemas.microsoft.com/office/drawing/2014/main" id="{F9E1A6BA-0667-7F2E-D900-C0F528E50F6C}"/>
+              </a:ext>
+            </a:extLst>
+          </p:cNvPr>
+          <p:cNvCxnSpPr>
+            <a:cxnSpLocks/>
+          </p:cNvCxnSpPr>
+          <p:nvPr/>
+        </p:nvCxnSpPr>
+        <p:spPr>
+          <a:xfrm>
+            <a:off x="4244865" y="1546057"/>
+            <a:ext cx="512713" cy="0"/>
+          </a:xfrm>
+          <a:prstGeom prst="straightConnector1">
+            <a:avLst/>
+          </a:prstGeom>
+          <a:ln w="66675">
+            <a:solidFill>
+              <a:schemeClr val="accent6">
+                <a:lumMod val="50000"/>
+              </a:schemeClr>
+            </a:solidFill>
+            <a:tailEnd type="triangle"/>
+          </a:ln>
+        </p:spPr>
+        <p:style>
+          <a:lnRef idx="1">
+            <a:schemeClr val="accent1"/>
+          </a:lnRef>
+          <a:fillRef idx="0">
+            <a:schemeClr val="accent1"/>
+          </a:fillRef>
+          <a:effectRef idx="0">
+            <a:schemeClr val="accent1"/>
+          </a:effectRef>
+          <a:fontRef idx="minor">
+            <a:schemeClr val="tx1"/>
+          </a:fontRef>
+        </p:style>
+      </p:cxnSp>
+      <p:pic>
+        <p:nvPicPr>
+          <p:cNvPr id="36" name="Picture 35" descr="A screenshot of a computer&#10;&#10;Description automatically generated">
+            <a:extLst>
+              <a:ext uri="{FF2B5EF4-FFF2-40B4-BE49-F238E27FC236}">
+                <a16:creationId xmlns:a16="http://schemas.microsoft.com/office/drawing/2014/main" id="{17493A67-0015-577D-4E17-5A2A125F2FEE}"/>
+              </a:ext>
+            </a:extLst>
+          </p:cNvPr>
+          <p:cNvPicPr>
+            <a:picLocks noChangeAspect="1"/>
+          </p:cNvPicPr>
+          <p:nvPr/>
+        </p:nvPicPr>
+        <p:blipFill>
+          <a:blip r:embed="rId4">
+            <a:extLst>
+              <a:ext uri="{28A0092B-C50C-407E-A947-70E740481C1C}">
+                <a14:useLocalDpi xmlns:a14="http://schemas.microsoft.com/office/drawing/2010/main" val="0"/>
+              </a:ext>
+            </a:extLst>
+          </a:blip>
+          <a:stretch>
+            <a:fillRect/>
+          </a:stretch>
+        </p:blipFill>
+        <p:spPr>
+          <a:xfrm>
+            <a:off x="4021597" y="2142041"/>
+            <a:ext cx="6949295" cy="4002279"/>
+          </a:xfrm>
+          <a:prstGeom prst="rect">
+            <a:avLst/>
+          </a:prstGeom>
+          <a:solidFill>
+            <a:srgbClr val="FFFFFF">
+              <a:shade val="85000"/>
+            </a:srgbClr>
+          </a:solidFill>
+          <a:ln w="88900" cap="sq">
+            <a:solidFill>
+              <a:srgbClr val="FFFFFF"/>
+            </a:solidFill>
+            <a:miter lim="800000"/>
+          </a:ln>
+          <a:effectLst>
+            <a:outerShdw blurRad="55000" dist="18000" dir="5400000" algn="tl" rotWithShape="0">
+              <a:srgbClr val="000000">
+                <a:alpha val="40000"/>
+              </a:srgbClr>
+            </a:outerShdw>
+          </a:effectLst>
+          <a:scene3d>
+            <a:camera prst="orthographicFront"/>
+            <a:lightRig rig="twoPt" dir="t">
+              <a:rot lat="0" lon="0" rev="7200000"/>
+            </a:lightRig>
+          </a:scene3d>
+          <a:sp3d>
+            <a:bevelT w="25400" h="19050"/>
+            <a:contourClr>
+              <a:srgbClr val="FFFFFF"/>
+            </a:contourClr>
+          </a:sp3d>
+        </p:spPr>
+      </p:pic>
+      <p:sp>
+        <p:nvSpPr>
+          <p:cNvPr id="37" name="Rectangle 36">
+            <a:extLst>
+              <a:ext uri="{FF2B5EF4-FFF2-40B4-BE49-F238E27FC236}">
+                <a16:creationId xmlns:a16="http://schemas.microsoft.com/office/drawing/2014/main" id="{D877651D-66F6-9AF1-5086-E5CB4D3F490F}"/>
+              </a:ext>
+            </a:extLst>
+          </p:cNvPr>
+          <p:cNvSpPr/>
+          <p:nvPr/>
+        </p:nvSpPr>
+        <p:spPr>
+          <a:xfrm>
+            <a:off x="4244865" y="4289007"/>
+            <a:ext cx="2256296" cy="1766105"/>
+          </a:xfrm>
+          <a:prstGeom prst="rect">
+            <a:avLst/>
+          </a:prstGeom>
+          <a:noFill/>
+          <a:ln w="19050">
+            <a:solidFill>
+              <a:srgbClr val="FF0000"/>
+            </a:solidFill>
+          </a:ln>
+        </p:spPr>
+        <p:style>
+          <a:lnRef idx="2">
+            <a:schemeClr val="accent1">
+              <a:shade val="50000"/>
+            </a:schemeClr>
+          </a:lnRef>
+          <a:fillRef idx="1">
+            <a:schemeClr val="accent1"/>
+          </a:fillRef>
+          <a:effectRef idx="0">
+            <a:schemeClr val="accent1"/>
+          </a:effectRef>
+          <a:fontRef idx="minor">
+            <a:schemeClr val="lt1"/>
+          </a:fontRef>
+        </p:style>
+        <p:txBody>
+          <a:bodyPr rtlCol="0" anchor="ctr"/>
+          <a:lstStyle/>
+          <a:p>
+            <a:pPr algn="ctr"/>
+            <a:endParaRPr kumimoji="1" lang="en-JP" dirty="0"/>
+          </a:p>
+        </p:txBody>
+      </p:sp>
+    </p:spTree>
+    <p:extLst>
+      <p:ext uri="{BB962C8B-B14F-4D97-AF65-F5344CB8AC3E}">
+        <p14:creationId xmlns:p14="http://schemas.microsoft.com/office/powerpoint/2010/main" val="915905604"/>
+      </p:ext>
+    </p:extLst>
+  </p:cSld>
+  <p:clrMapOvr>
+    <a:masterClrMapping/>
+  </p:clrMapOvr>
+</p:sld>
+</file>
+
+<file path=ppt/slides/slide3.xml><?xml version="1.0" encoding="utf-8"?>
+<p:sld xmlns:a="http://schemas.openxmlformats.org/drawingml/2006/main" xmlns:r="http://schemas.openxmlformats.org/officeDocument/2006/relationships" xmlns:p="http://schemas.openxmlformats.org/presentationml/2006/main">
+  <p:cSld>
+    <p:spTree>
+      <p:nvGrpSpPr>
+        <p:cNvPr id="1" name=""/>
+        <p:cNvGrpSpPr/>
+        <p:nvPr/>
+      </p:nvGrpSpPr>
+      <p:grpSpPr>
+        <a:xfrm>
+          <a:off x="0" y="0"/>
+          <a:ext cx="0" cy="0"/>
+          <a:chOff x="0" y="0"/>
+          <a:chExt cx="0" cy="0"/>
+        </a:xfrm>
+      </p:grpSpPr>
+      <p:sp>
+        <p:nvSpPr>
+          <p:cNvPr id="2" name="タイトル 1"/>
+          <p:cNvSpPr>
+            <a:spLocks noGrp="1"/>
+          </p:cNvSpPr>
+          <p:nvPr>
+            <p:ph type="title"/>
+          </p:nvPr>
+        </p:nvSpPr>
+        <p:spPr/>
+        <p:txBody>
+          <a:bodyPr>
+            <a:noAutofit/>
+          </a:bodyPr>
+          <a:lstStyle/>
+          <a:p>
+            <a:pPr algn="ctr"/>
+            <a:r>
+              <a:rPr lang="en-US" altLang="ja-JP" sz="3600" b="1" kern="0" dirty="0"/>
+              <a:t>Preparation</a:t>
+            </a:r>
+            <a:endParaRPr lang="ja-JP" altLang="en-US" sz="3600" b="1" kern="0" dirty="0"/>
+          </a:p>
+        </p:txBody>
+      </p:sp>
+      <p:cxnSp>
+        <p:nvCxnSpPr>
+          <p:cNvPr id="8" name="Straight Connector 7">
+            <a:extLst>
+              <a:ext uri="{FF2B5EF4-FFF2-40B4-BE49-F238E27FC236}">
+                <a16:creationId xmlns:a16="http://schemas.microsoft.com/office/drawing/2014/main" id="{0F07A22E-5A49-9049-9297-0D650C8F1F64}"/>
+              </a:ext>
+            </a:extLst>
+          </p:cNvPr>
+          <p:cNvCxnSpPr>
+            <a:cxnSpLocks/>
+          </p:cNvCxnSpPr>
+          <p:nvPr/>
+        </p:nvCxnSpPr>
+        <p:spPr>
+          <a:xfrm>
+            <a:off x="797441" y="950071"/>
+            <a:ext cx="10047768" cy="0"/>
+          </a:xfrm>
+          <a:prstGeom prst="line">
+            <a:avLst/>
+          </a:prstGeom>
+          <a:ln/>
+        </p:spPr>
+        <p:style>
+          <a:lnRef idx="2">
+            <a:schemeClr val="dk1"/>
+          </a:lnRef>
+          <a:fillRef idx="0">
+            <a:schemeClr val="dk1"/>
+          </a:fillRef>
+          <a:effectRef idx="1">
+            <a:schemeClr val="dk1"/>
+          </a:effectRef>
+          <a:fontRef idx="minor">
+            <a:schemeClr val="tx1"/>
+          </a:fontRef>
+        </p:style>
+      </p:cxnSp>
+      <p:sp>
+        <p:nvSpPr>
+          <p:cNvPr id="3" name="TextBox 2">
+            <a:extLst>
+              <a:ext uri="{FF2B5EF4-FFF2-40B4-BE49-F238E27FC236}">
+                <a16:creationId xmlns:a16="http://schemas.microsoft.com/office/drawing/2014/main" id="{BB9A9174-A47B-0443-60C0-0288F7074B06}"/>
+              </a:ext>
+            </a:extLst>
+          </p:cNvPr>
+          <p:cNvSpPr txBox="1"/>
+          <p:nvPr/>
+        </p:nvSpPr>
+        <p:spPr>
+          <a:xfrm>
+            <a:off x="797440" y="1215772"/>
+            <a:ext cx="10047767" cy="2720938"/>
+          </a:xfrm>
+          <a:prstGeom prst="rect">
+            <a:avLst/>
+          </a:prstGeom>
+          <a:noFill/>
+        </p:spPr>
+        <p:txBody>
+          <a:bodyPr wrap="square" rtlCol="0">
+            <a:spAutoFit/>
+          </a:bodyPr>
+          <a:lstStyle/>
+          <a:p>
+            <a:pPr marL="285750" indent="-285750">
+              <a:lnSpc>
+                <a:spcPct val="120000"/>
+              </a:lnSpc>
+              <a:buSzPct val="100000"/>
+              <a:buFont typeface="Arial" panose="020B0604020202020204" pitchFamily="34" charset="0"/>
+              <a:buChar char="•"/>
+            </a:pPr>
+            <a:r>
+              <a:rPr lang="en-US" b="1" dirty="0"/>
+              <a:t>Create Folders</a:t>
+            </a:r>
+            <a:endParaRPr lang="en-US" b="1" dirty="0">
+              <a:effectLst/>
+            </a:endParaRPr>
+          </a:p>
+          <a:p>
+            <a:pPr marL="742950" lvl="1" indent="-285750">
+              <a:lnSpc>
+                <a:spcPct val="120000"/>
+              </a:lnSpc>
+              <a:buSzPct val="100000"/>
+              <a:buFont typeface="Arial" panose="020B0604020202020204" pitchFamily="34" charset="0"/>
+              <a:buChar char="•"/>
+            </a:pPr>
+            <a:r>
+              <a:rPr lang="en-US" dirty="0" err="1"/>
+              <a:t>Domain、Presentation、Data、Infrastructure、Application</a:t>
+            </a:r>
+            <a:r>
+              <a:rPr lang="en-US" dirty="0"/>
+              <a:t>/Container、 Application/Container/</a:t>
+            </a:r>
+            <a:r>
+              <a:rPr lang="en-US" dirty="0" err="1"/>
+              <a:t>MockData</a:t>
+            </a:r>
+            <a:endParaRPr lang="en-US" dirty="0"/>
+          </a:p>
+          <a:p>
+            <a:pPr marL="285750" indent="-285750">
+              <a:lnSpc>
+                <a:spcPct val="120000"/>
+              </a:lnSpc>
+              <a:buSzPct val="100000"/>
+              <a:buFont typeface="Arial" panose="020B0604020202020204" pitchFamily="34" charset="0"/>
+              <a:buChar char="•"/>
+            </a:pPr>
+            <a:r>
+              <a:rPr lang="en-US" b="1" dirty="0"/>
+              <a:t>Copy Materials</a:t>
+            </a:r>
+            <a:r>
+              <a:rPr lang="en-US" b="1" dirty="0">
+                <a:effectLst/>
+              </a:rPr>
+              <a:t> </a:t>
+            </a:r>
+          </a:p>
+          <a:p>
+            <a:pPr marL="800100" lvl="1" indent="-342900">
+              <a:lnSpc>
+                <a:spcPct val="120000"/>
+              </a:lnSpc>
+              <a:buSzPct val="100000"/>
+              <a:buFont typeface="Arial" panose="020B0604020202020204" pitchFamily="34" charset="0"/>
+              <a:buChar char="•"/>
+            </a:pPr>
+            <a:r>
+              <a:rPr lang="en-US" dirty="0"/>
+              <a:t>Container</a:t>
+            </a:r>
+          </a:p>
+          <a:p>
+            <a:pPr marL="800100" lvl="1" indent="-342900">
+              <a:lnSpc>
+                <a:spcPct val="120000"/>
+              </a:lnSpc>
+              <a:buSzPct val="100000"/>
+              <a:buFont typeface="Arial" panose="020B0604020202020204" pitchFamily="34" charset="0"/>
+              <a:buChar char="•"/>
+            </a:pPr>
+            <a:r>
+              <a:rPr lang="en-US" dirty="0"/>
+              <a:t>Networks</a:t>
+            </a:r>
+          </a:p>
+          <a:p>
+            <a:pPr marL="800100" lvl="1" indent="-342900">
+              <a:lnSpc>
+                <a:spcPct val="120000"/>
+              </a:lnSpc>
+              <a:buSzPct val="100000"/>
+              <a:buFont typeface="Arial" panose="020B0604020202020204" pitchFamily="34" charset="0"/>
+              <a:buChar char="•"/>
+            </a:pPr>
+            <a:r>
+              <a:rPr lang="en-US" dirty="0"/>
+              <a:t>Image Assets</a:t>
+            </a:r>
+          </a:p>
+          <a:p>
+            <a:pPr marL="800100" lvl="1" indent="-342900">
+              <a:lnSpc>
+                <a:spcPct val="120000"/>
+              </a:lnSpc>
+              <a:buSzPct val="100000"/>
+              <a:buFont typeface="Arial" panose="020B0604020202020204" pitchFamily="34" charset="0"/>
+              <a:buChar char="•"/>
+            </a:pPr>
+            <a:endParaRPr lang="en-US" dirty="0"/>
+          </a:p>
+        </p:txBody>
+      </p:sp>
+    </p:spTree>
+    <p:extLst>
+      <p:ext uri="{BB962C8B-B14F-4D97-AF65-F5344CB8AC3E}">
+        <p14:creationId xmlns:p14="http://schemas.microsoft.com/office/powerpoint/2010/main" val="2150513868"/>
+      </p:ext>
+    </p:extLst>
+  </p:cSld>
+  <p:clrMapOvr>
+    <a:masterClrMapping/>
+  </p:clrMapOvr>
+</p:sld>
+</file>
+
+<file path=ppt/slides/slide4.xml><?xml version="1.0" encoding="utf-8"?>
+<p:sld xmlns:a="http://schemas.openxmlformats.org/drawingml/2006/main" xmlns:r="http://schemas.openxmlformats.org/officeDocument/2006/relationships" xmlns:p="http://schemas.openxmlformats.org/presentationml/2006/main">
+  <p:cSld>
+    <p:spTree>
+      <p:nvGrpSpPr>
+        <p:cNvPr id="1" name=""/>
+        <p:cNvGrpSpPr/>
+        <p:nvPr/>
+      </p:nvGrpSpPr>
+      <p:grpSpPr>
+        <a:xfrm>
+          <a:off x="0" y="0"/>
+          <a:ext cx="0" cy="0"/>
+          <a:chOff x="0" y="0"/>
+          <a:chExt cx="0" cy="0"/>
+        </a:xfrm>
+      </p:grpSpPr>
+      <p:sp>
+        <p:nvSpPr>
+          <p:cNvPr id="2" name="タイトル 1"/>
+          <p:cNvSpPr>
+            <a:spLocks noGrp="1"/>
+          </p:cNvSpPr>
+          <p:nvPr>
+            <p:ph type="title"/>
+          </p:nvPr>
+        </p:nvSpPr>
+        <p:spPr/>
+        <p:txBody>
+          <a:bodyPr>
+            <a:noAutofit/>
+          </a:bodyPr>
+          <a:lstStyle/>
+          <a:p>
+            <a:pPr algn="ctr"/>
+            <a:r>
+              <a:rPr lang="en-US" altLang="ja-JP" sz="3600" b="1" dirty="0"/>
+              <a:t>Build feature - 1</a:t>
+            </a:r>
+            <a:endParaRPr lang="ja-JP" altLang="en-US" sz="3600" b="1" kern="0" dirty="0"/>
+          </a:p>
+        </p:txBody>
+      </p:sp>
+      <p:cxnSp>
+        <p:nvCxnSpPr>
+          <p:cNvPr id="8" name="Straight Connector 7">
+            <a:extLst>
+              <a:ext uri="{FF2B5EF4-FFF2-40B4-BE49-F238E27FC236}">
+                <a16:creationId xmlns:a16="http://schemas.microsoft.com/office/drawing/2014/main" id="{0F07A22E-5A49-9049-9297-0D650C8F1F64}"/>
+              </a:ext>
+            </a:extLst>
+          </p:cNvPr>
+          <p:cNvCxnSpPr>
+            <a:cxnSpLocks/>
+          </p:cNvCxnSpPr>
+          <p:nvPr/>
+        </p:nvCxnSpPr>
+        <p:spPr>
+          <a:xfrm>
+            <a:off x="797441" y="950071"/>
+            <a:ext cx="10047768" cy="0"/>
+          </a:xfrm>
+          <a:prstGeom prst="line">
+            <a:avLst/>
+          </a:prstGeom>
+          <a:ln/>
+        </p:spPr>
+        <p:style>
+          <a:lnRef idx="2">
+            <a:schemeClr val="dk1"/>
+          </a:lnRef>
+          <a:fillRef idx="0">
+            <a:schemeClr val="dk1"/>
+          </a:fillRef>
+          <a:effectRef idx="1">
+            <a:schemeClr val="dk1"/>
+          </a:effectRef>
+          <a:fontRef idx="minor">
+            <a:schemeClr val="tx1"/>
+          </a:fontRef>
+        </p:style>
+      </p:cxnSp>
+      <p:sp>
+        <p:nvSpPr>
+          <p:cNvPr id="3" name="TextBox 2">
+            <a:extLst>
+              <a:ext uri="{FF2B5EF4-FFF2-40B4-BE49-F238E27FC236}">
+                <a16:creationId xmlns:a16="http://schemas.microsoft.com/office/drawing/2014/main" id="{BB9A9174-A47B-0443-60C0-0288F7074B06}"/>
+              </a:ext>
+            </a:extLst>
+          </p:cNvPr>
+          <p:cNvSpPr txBox="1"/>
+          <p:nvPr/>
+        </p:nvSpPr>
+        <p:spPr>
+          <a:xfrm>
+            <a:off x="797440" y="1215772"/>
+            <a:ext cx="10047767" cy="5047728"/>
+          </a:xfrm>
+          <a:prstGeom prst="rect">
+            <a:avLst/>
+          </a:prstGeom>
+          <a:noFill/>
+        </p:spPr>
+        <p:txBody>
+          <a:bodyPr wrap="square" rtlCol="0">
+            <a:spAutoFit/>
+          </a:bodyPr>
+          <a:lstStyle/>
+          <a:p>
+            <a:pPr marL="285750" indent="-285750">
+              <a:lnSpc>
+                <a:spcPct val="120000"/>
+              </a:lnSpc>
+              <a:buSzPct val="100000"/>
+              <a:buFont typeface="Arial" panose="020B0604020202020204" pitchFamily="34" charset="0"/>
+              <a:buChar char="•"/>
+            </a:pPr>
+            <a:r>
+              <a:rPr lang="en-US" b="1" dirty="0"/>
+              <a:t>Copy template</a:t>
+            </a:r>
+            <a:endParaRPr lang="en-US" b="1" dirty="0">
+              <a:effectLst/>
+            </a:endParaRPr>
+          </a:p>
+          <a:p>
+            <a:pPr marL="285750" indent="-285750">
+              <a:lnSpc>
+                <a:spcPct val="120000"/>
+              </a:lnSpc>
+              <a:buSzPct val="100000"/>
+              <a:buFont typeface="Arial" panose="020B0604020202020204" pitchFamily="34" charset="0"/>
+              <a:buChar char="•"/>
+            </a:pPr>
+            <a:r>
+              <a:rPr lang="en-US" b="1" dirty="0"/>
+              <a:t>Create Feature</a:t>
+            </a:r>
+          </a:p>
+          <a:p>
+            <a:pPr marL="742950" lvl="1" indent="-285750">
+              <a:lnSpc>
+                <a:spcPct val="120000"/>
+              </a:lnSpc>
+              <a:buSzPct val="100000"/>
+              <a:buFont typeface="Arial" panose="020B0604020202020204" pitchFamily="34" charset="0"/>
+              <a:buChar char="•"/>
+            </a:pPr>
+            <a:r>
+              <a:rPr lang="en-US" dirty="0"/>
+              <a:t>Create it in no matter what folder you want</a:t>
+            </a:r>
+          </a:p>
+          <a:p>
+            <a:pPr marL="742950" lvl="1" indent="-285750">
+              <a:lnSpc>
+                <a:spcPct val="120000"/>
+              </a:lnSpc>
+              <a:buSzPct val="100000"/>
+              <a:buFont typeface="Arial" panose="020B0604020202020204" pitchFamily="34" charset="0"/>
+              <a:buChar char="•"/>
+            </a:pPr>
+            <a:r>
+              <a:rPr lang="en-US" dirty="0"/>
+              <a:t>Create feature by template</a:t>
+            </a:r>
+          </a:p>
+          <a:p>
+            <a:pPr marL="742950" lvl="1" indent="-285750">
+              <a:lnSpc>
+                <a:spcPct val="120000"/>
+              </a:lnSpc>
+              <a:buSzPct val="100000"/>
+              <a:buFont typeface="Arial" panose="020B0604020202020204" pitchFamily="34" charset="0"/>
+              <a:buChar char="•"/>
+            </a:pPr>
+            <a:r>
+              <a:rPr lang="en-US" dirty="0"/>
+              <a:t>Input module name ( without </a:t>
+            </a:r>
+            <a:r>
+              <a:rPr lang="en-US" dirty="0" err="1"/>
+              <a:t>ViewController</a:t>
+            </a:r>
+            <a:r>
+              <a:rPr lang="en-US" dirty="0"/>
+              <a:t> or any suffix words)</a:t>
+            </a:r>
+          </a:p>
+          <a:p>
+            <a:pPr marL="742950" lvl="1" indent="-285750">
+              <a:lnSpc>
+                <a:spcPct val="120000"/>
+              </a:lnSpc>
+              <a:buSzPct val="100000"/>
+              <a:buFont typeface="Arial" panose="020B0604020202020204" pitchFamily="34" charset="0"/>
+              <a:buChar char="•"/>
+            </a:pPr>
+            <a:r>
+              <a:rPr lang="en-US" dirty="0"/>
+              <a:t>Build anytime -&gt; verify build status</a:t>
+            </a:r>
+          </a:p>
+          <a:p>
+            <a:pPr marL="742950" lvl="1" indent="-285750">
+              <a:lnSpc>
+                <a:spcPct val="120000"/>
+              </a:lnSpc>
+              <a:buSzPct val="100000"/>
+              <a:buFont typeface="Arial" panose="020B0604020202020204" pitchFamily="34" charset="0"/>
+              <a:buChar char="•"/>
+            </a:pPr>
+            <a:r>
+              <a:rPr lang="en-US" dirty="0"/>
+              <a:t>Browse objects</a:t>
+            </a:r>
+          </a:p>
+          <a:p>
+            <a:pPr marL="285750" indent="-285750">
+              <a:lnSpc>
+                <a:spcPct val="120000"/>
+              </a:lnSpc>
+              <a:buSzPct val="100000"/>
+              <a:buFont typeface="Arial" panose="020B0604020202020204" pitchFamily="34" charset="0"/>
+              <a:buChar char="•"/>
+            </a:pPr>
+            <a:r>
+              <a:rPr lang="en-US" b="1" dirty="0"/>
+              <a:t>Switch router path from </a:t>
+            </a:r>
+            <a:r>
+              <a:rPr lang="en-US" b="1" dirty="0" err="1"/>
+              <a:t>AppDelegate</a:t>
+            </a:r>
+            <a:r>
+              <a:rPr lang="en-US" b="1" dirty="0"/>
+              <a:t> to new class</a:t>
+            </a:r>
+          </a:p>
+          <a:p>
+            <a:pPr marL="742950" lvl="1" indent="-285750">
+              <a:lnSpc>
+                <a:spcPct val="120000"/>
+              </a:lnSpc>
+              <a:buSzPct val="100000"/>
+              <a:buFont typeface="Arial" panose="020B0604020202020204" pitchFamily="34" charset="0"/>
+              <a:buChar char="•"/>
+            </a:pPr>
+            <a:r>
+              <a:rPr lang="en-US" dirty="0"/>
+              <a:t>Create container</a:t>
+            </a:r>
+          </a:p>
+          <a:p>
+            <a:pPr marL="742950" lvl="1" indent="-285750">
+              <a:lnSpc>
+                <a:spcPct val="120000"/>
+              </a:lnSpc>
+              <a:buSzPct val="100000"/>
+              <a:buFont typeface="Arial" panose="020B0604020202020204" pitchFamily="34" charset="0"/>
+              <a:buChar char="•"/>
+            </a:pPr>
+            <a:r>
+              <a:rPr lang="en-US" dirty="0"/>
+              <a:t>Create one container for each flow </a:t>
+            </a:r>
+          </a:p>
+          <a:p>
+            <a:pPr marL="742950" lvl="1" indent="-285750">
+              <a:lnSpc>
+                <a:spcPct val="120000"/>
+              </a:lnSpc>
+              <a:buSzPct val="100000"/>
+              <a:buFont typeface="Arial" panose="020B0604020202020204" pitchFamily="34" charset="0"/>
+              <a:buChar char="•"/>
+            </a:pPr>
+            <a:r>
+              <a:rPr lang="en-US" dirty="0"/>
+              <a:t>Register method by </a:t>
+            </a:r>
+            <a:r>
+              <a:rPr lang="en-US" dirty="0" err="1"/>
+              <a:t>ViewModel</a:t>
+            </a:r>
+            <a:r>
+              <a:rPr lang="en-US" dirty="0"/>
+              <a:t> type</a:t>
+            </a:r>
+          </a:p>
+          <a:p>
+            <a:pPr marL="285750" indent="-285750">
+              <a:lnSpc>
+                <a:spcPct val="120000"/>
+              </a:lnSpc>
+              <a:buSzPct val="100000"/>
+              <a:buFont typeface="Arial" panose="020B0604020202020204" pitchFamily="34" charset="0"/>
+              <a:buChar char="•"/>
+            </a:pPr>
+            <a:r>
+              <a:rPr lang="en-US" b="1" dirty="0"/>
+              <a:t>Create necessary objects</a:t>
+            </a:r>
+          </a:p>
+          <a:p>
+            <a:pPr marL="742950" lvl="1" indent="-285750">
+              <a:lnSpc>
+                <a:spcPct val="120000"/>
+              </a:lnSpc>
+              <a:buSzPct val="100000"/>
+              <a:buFont typeface="Arial" panose="020B0604020202020204" pitchFamily="34" charset="0"/>
+              <a:buChar char="•"/>
+            </a:pPr>
+            <a:r>
+              <a:rPr lang="en-US" dirty="0" err="1"/>
+              <a:t>Repository、UseCase</a:t>
+            </a:r>
+            <a:r>
+              <a:rPr lang="en-US" dirty="0"/>
+              <a:t>、 </a:t>
+            </a:r>
+            <a:r>
+              <a:rPr lang="en-US" dirty="0" err="1"/>
+              <a:t>ViewModel</a:t>
+            </a:r>
+            <a:endParaRPr lang="en-US" dirty="0"/>
+          </a:p>
+          <a:p>
+            <a:pPr marL="742950" lvl="1" indent="-285750">
+              <a:lnSpc>
+                <a:spcPct val="120000"/>
+              </a:lnSpc>
+              <a:buSzPct val="100000"/>
+              <a:buFont typeface="Arial" panose="020B0604020202020204" pitchFamily="34" charset="0"/>
+              <a:buChar char="•"/>
+            </a:pPr>
+            <a:r>
+              <a:rPr lang="en-US" dirty="0"/>
+              <a:t>Loader in repository is interface to switch to different network module in the future</a:t>
+            </a:r>
+          </a:p>
+          <a:p>
+            <a:pPr marL="285750" indent="-285750">
+              <a:lnSpc>
+                <a:spcPct val="120000"/>
+              </a:lnSpc>
+              <a:buSzPct val="100000"/>
+              <a:buFont typeface="Arial" panose="020B0604020202020204" pitchFamily="34" charset="0"/>
+              <a:buChar char="•"/>
+            </a:pPr>
+            <a:r>
+              <a:rPr lang="en-US" b="1" dirty="0"/>
+              <a:t>Observe the mechanism in new </a:t>
+            </a:r>
+            <a:r>
+              <a:rPr lang="en-US" b="1" dirty="0" err="1"/>
+              <a:t>ViewController</a:t>
+            </a:r>
+            <a:r>
+              <a:rPr lang="en-US" b="1" dirty="0"/>
+              <a:t> &gt; how to fetch dependency in container</a:t>
+            </a:r>
+          </a:p>
+        </p:txBody>
+      </p:sp>
+    </p:spTree>
+    <p:extLst>
+      <p:ext uri="{BB962C8B-B14F-4D97-AF65-F5344CB8AC3E}">
+        <p14:creationId xmlns:p14="http://schemas.microsoft.com/office/powerpoint/2010/main" val="1649180222"/>
+      </p:ext>
+    </p:extLst>
+  </p:cSld>
+  <p:clrMapOvr>
+    <a:masterClrMapping/>
+  </p:clrMapOvr>
+</p:sld>
+</file>
+
+<file path=ppt/slides/slide5.xml><?xml version="1.0" encoding="utf-8"?>
 <p:sld xmlns:a="http://schemas.openxmlformats.org/drawingml/2006/main" xmlns:r="http://schemas.openxmlformats.org/officeDocument/2006/relationships" xmlns:p="http://schemas.openxmlformats.org/presentationml/2006/main">
   <p:cSld>
     <p:spTree>
@@ -7914,6 +11655,283 @@
 </p:sld>
 </file>
 
+<file path=ppt/slides/slide6.xml><?xml version="1.0" encoding="utf-8"?>
+<p:sld xmlns:a="http://schemas.openxmlformats.org/drawingml/2006/main" xmlns:r="http://schemas.openxmlformats.org/officeDocument/2006/relationships" xmlns:p="http://schemas.openxmlformats.org/presentationml/2006/main">
+  <p:cSld>
+    <p:spTree>
+      <p:nvGrpSpPr>
+        <p:cNvPr id="1" name=""/>
+        <p:cNvGrpSpPr/>
+        <p:nvPr/>
+      </p:nvGrpSpPr>
+      <p:grpSpPr>
+        <a:xfrm>
+          <a:off x="0" y="0"/>
+          <a:ext cx="0" cy="0"/>
+          <a:chOff x="0" y="0"/>
+          <a:chExt cx="0" cy="0"/>
+        </a:xfrm>
+      </p:grpSpPr>
+      <p:sp>
+        <p:nvSpPr>
+          <p:cNvPr id="2" name="タイトル 1"/>
+          <p:cNvSpPr>
+            <a:spLocks noGrp="1"/>
+          </p:cNvSpPr>
+          <p:nvPr>
+            <p:ph type="title"/>
+          </p:nvPr>
+        </p:nvSpPr>
+        <p:spPr/>
+        <p:txBody>
+          <a:bodyPr>
+            <a:noAutofit/>
+          </a:bodyPr>
+          <a:lstStyle/>
+          <a:p>
+            <a:pPr algn="ctr"/>
+            <a:r>
+              <a:rPr lang="en-US" altLang="ja-JP" sz="3600" b="1" dirty="0"/>
+              <a:t>Build feature - 2 </a:t>
+            </a:r>
+            <a:endParaRPr lang="ja-JP" altLang="en-US" sz="3600" b="1" kern="0" dirty="0"/>
+          </a:p>
+        </p:txBody>
+      </p:sp>
+      <p:cxnSp>
+        <p:nvCxnSpPr>
+          <p:cNvPr id="8" name="Straight Connector 7">
+            <a:extLst>
+              <a:ext uri="{FF2B5EF4-FFF2-40B4-BE49-F238E27FC236}">
+                <a16:creationId xmlns:a16="http://schemas.microsoft.com/office/drawing/2014/main" id="{0F07A22E-5A49-9049-9297-0D650C8F1F64}"/>
+              </a:ext>
+            </a:extLst>
+          </p:cNvPr>
+          <p:cNvCxnSpPr>
+            <a:cxnSpLocks/>
+          </p:cNvCxnSpPr>
+          <p:nvPr/>
+        </p:nvCxnSpPr>
+        <p:spPr>
+          <a:xfrm>
+            <a:off x="797441" y="950071"/>
+            <a:ext cx="10047768" cy="0"/>
+          </a:xfrm>
+          <a:prstGeom prst="line">
+            <a:avLst/>
+          </a:prstGeom>
+          <a:ln/>
+        </p:spPr>
+        <p:style>
+          <a:lnRef idx="2">
+            <a:schemeClr val="dk1"/>
+          </a:lnRef>
+          <a:fillRef idx="0">
+            <a:schemeClr val="dk1"/>
+          </a:fillRef>
+          <a:effectRef idx="1">
+            <a:schemeClr val="dk1"/>
+          </a:effectRef>
+          <a:fontRef idx="minor">
+            <a:schemeClr val="tx1"/>
+          </a:fontRef>
+        </p:style>
+      </p:cxnSp>
+      <p:sp>
+        <p:nvSpPr>
+          <p:cNvPr id="3" name="TextBox 2">
+            <a:extLst>
+              <a:ext uri="{FF2B5EF4-FFF2-40B4-BE49-F238E27FC236}">
+                <a16:creationId xmlns:a16="http://schemas.microsoft.com/office/drawing/2014/main" id="{BB9A9174-A47B-0443-60C0-0288F7074B06}"/>
+              </a:ext>
+            </a:extLst>
+          </p:cNvPr>
+          <p:cNvSpPr txBox="1"/>
+          <p:nvPr/>
+        </p:nvSpPr>
+        <p:spPr>
+          <a:xfrm>
+            <a:off x="797440" y="1215772"/>
+            <a:ext cx="10047767" cy="3053400"/>
+          </a:xfrm>
+          <a:prstGeom prst="rect">
+            <a:avLst/>
+          </a:prstGeom>
+          <a:noFill/>
+        </p:spPr>
+        <p:txBody>
+          <a:bodyPr wrap="square" rtlCol="0">
+            <a:spAutoFit/>
+          </a:bodyPr>
+          <a:lstStyle/>
+          <a:p>
+            <a:pPr marL="285750" indent="-285750">
+              <a:lnSpc>
+                <a:spcPct val="120000"/>
+              </a:lnSpc>
+              <a:buSzPct val="100000"/>
+              <a:buFont typeface="Arial" panose="020B0604020202020204" pitchFamily="34" charset="0"/>
+              <a:buChar char="•"/>
+            </a:pPr>
+            <a:r>
+              <a:rPr lang="en-US" b="1" dirty="0">
+                <a:effectLst/>
+              </a:rPr>
+              <a:t>Handle UI</a:t>
+            </a:r>
+          </a:p>
+          <a:p>
+            <a:pPr marL="742950" lvl="1" indent="-285750">
+              <a:lnSpc>
+                <a:spcPct val="120000"/>
+              </a:lnSpc>
+              <a:buSzPct val="100000"/>
+              <a:buFont typeface="Arial" panose="020B0604020202020204" pitchFamily="34" charset="0"/>
+              <a:buChar char="•"/>
+            </a:pPr>
+            <a:r>
+              <a:rPr lang="en-US" dirty="0"/>
+              <a:t>Copy properties from old class &gt; next new line after “</a:t>
+            </a:r>
+            <a:r>
+              <a:rPr lang="en-US" dirty="0" err="1"/>
+              <a:t>ViewModel</a:t>
+            </a:r>
+            <a:r>
+              <a:rPr lang="en-US" dirty="0"/>
+              <a:t>” please </a:t>
+            </a:r>
+            <a:endParaRPr lang="en-US" dirty="0">
+              <a:effectLst/>
+            </a:endParaRPr>
+          </a:p>
+          <a:p>
+            <a:pPr marL="742950" lvl="1" indent="-285750">
+              <a:lnSpc>
+                <a:spcPct val="120000"/>
+              </a:lnSpc>
+              <a:buSzPct val="100000"/>
+              <a:buFont typeface="Arial" panose="020B0604020202020204" pitchFamily="34" charset="0"/>
+              <a:buChar char="•"/>
+            </a:pPr>
+            <a:r>
+              <a:rPr lang="en-US" dirty="0"/>
+              <a:t>Copy UI from old class</a:t>
+            </a:r>
+          </a:p>
+          <a:p>
+            <a:pPr marL="742950" lvl="1" indent="-285750">
+              <a:lnSpc>
+                <a:spcPct val="120000"/>
+              </a:lnSpc>
+              <a:buSzPct val="100000"/>
+              <a:buFont typeface="Arial" panose="020B0604020202020204" pitchFamily="34" charset="0"/>
+              <a:buChar char="•"/>
+            </a:pPr>
+            <a:r>
+              <a:rPr lang="en-US" dirty="0">
+                <a:effectLst/>
+              </a:rPr>
+              <a:t>Copy other codes from old class</a:t>
+            </a:r>
+          </a:p>
+          <a:p>
+            <a:pPr marL="285750" indent="-285750">
+              <a:lnSpc>
+                <a:spcPct val="120000"/>
+              </a:lnSpc>
+              <a:buSzPct val="100000"/>
+              <a:buFont typeface="Arial" panose="020B0604020202020204" pitchFamily="34" charset="0"/>
+              <a:buChar char="•"/>
+            </a:pPr>
+            <a:r>
+              <a:rPr lang="en-US" b="1" dirty="0"/>
+              <a:t>Create Feature</a:t>
+            </a:r>
+          </a:p>
+          <a:p>
+            <a:pPr marL="742950" lvl="1" indent="-285750">
+              <a:lnSpc>
+                <a:spcPct val="120000"/>
+              </a:lnSpc>
+              <a:buSzPct val="100000"/>
+              <a:buFont typeface="Arial" panose="020B0604020202020204" pitchFamily="34" charset="0"/>
+              <a:buChar char="•"/>
+            </a:pPr>
+            <a:r>
+              <a:rPr lang="en-US" dirty="0"/>
+              <a:t>Create it in no matter what folder you want</a:t>
+            </a:r>
+          </a:p>
+          <a:p>
+            <a:pPr marL="742950" lvl="1" indent="-285750">
+              <a:lnSpc>
+                <a:spcPct val="120000"/>
+              </a:lnSpc>
+              <a:buSzPct val="100000"/>
+              <a:buFont typeface="Arial" panose="020B0604020202020204" pitchFamily="34" charset="0"/>
+              <a:buChar char="•"/>
+            </a:pPr>
+            <a:r>
+              <a:rPr lang="en-US" dirty="0"/>
+              <a:t>Create feature by template</a:t>
+            </a:r>
+          </a:p>
+          <a:p>
+            <a:pPr marL="742950" lvl="1" indent="-285750">
+              <a:lnSpc>
+                <a:spcPct val="120000"/>
+              </a:lnSpc>
+              <a:buSzPct val="100000"/>
+              <a:buFont typeface="Arial" panose="020B0604020202020204" pitchFamily="34" charset="0"/>
+              <a:buChar char="•"/>
+            </a:pPr>
+            <a:r>
+              <a:rPr lang="en-US" dirty="0"/>
+              <a:t>Don’t forgot to </a:t>
+            </a:r>
+            <a:r>
+              <a:rPr lang="en-US" dirty="0">
+                <a:solidFill>
+                  <a:srgbClr val="FF0000"/>
+                </a:solidFill>
+              </a:rPr>
+              <a:t>BUILD</a:t>
+            </a:r>
+            <a:r>
+              <a:rPr lang="en-US" dirty="0"/>
+              <a:t> again and again</a:t>
+            </a:r>
+          </a:p>
+          <a:p>
+            <a:pPr marL="285750" indent="-285750">
+              <a:lnSpc>
+                <a:spcPct val="120000"/>
+              </a:lnSpc>
+              <a:buSzPct val="100000"/>
+              <a:buFont typeface="Arial" panose="020B0604020202020204" pitchFamily="34" charset="0"/>
+              <a:buChar char="•"/>
+            </a:pPr>
+            <a:r>
+              <a:rPr lang="en-US" b="1" dirty="0"/>
+              <a:t>Start to organize life cycle</a:t>
+            </a:r>
+          </a:p>
+        </p:txBody>
+      </p:sp>
+    </p:spTree>
+    <p:extLst>
+      <p:ext uri="{BB962C8B-B14F-4D97-AF65-F5344CB8AC3E}">
+        <p14:creationId xmlns:p14="http://schemas.microsoft.com/office/powerpoint/2010/main" val="3223015097"/>
+      </p:ext>
+    </p:extLst>
+  </p:cSld>
+  <p:clrMapOvr>
+    <a:masterClrMapping/>
+  </p:clrMapOvr>
+</p:sld>
+</file>
+
 <file path=ppt/slides/slide7.xml><?xml version="1.0" encoding="utf-8"?>
 <p:sld xmlns:a="http://schemas.openxmlformats.org/drawingml/2006/main" xmlns:r="http://schemas.openxmlformats.org/officeDocument/2006/relationships" xmlns:p="http://schemas.openxmlformats.org/presentationml/2006/main">
   <p:cSld>
@@ -7950,8 +11968,8 @@
           <a:p>
             <a:pPr algn="ctr"/>
             <a:r>
-              <a:rPr lang="en-JP" altLang="ja-JP" sz="3600" b="1" kern="0" dirty="0"/>
-              <a:t>How to seperate</a:t>
+              <a:rPr lang="en-US" altLang="ja-JP" sz="3600" b="1" dirty="0"/>
+              <a:t>Build feature - 3 </a:t>
             </a:r>
             <a:endParaRPr lang="ja-JP" altLang="en-US" sz="3600" b="1" kern="0" dirty="0"/>
           </a:p>
@@ -7998,10 +12016,10 @@
       </p:cxnSp>
       <p:sp>
         <p:nvSpPr>
-          <p:cNvPr id="4" name="TextBox 3">
+          <p:cNvPr id="3" name="TextBox 2">
             <a:extLst>
               <a:ext uri="{FF2B5EF4-FFF2-40B4-BE49-F238E27FC236}">
-                <a16:creationId xmlns:a16="http://schemas.microsoft.com/office/drawing/2014/main" id="{136F6640-49FE-CD63-3ADA-730D8C7C86AA}"/>
+                <a16:creationId xmlns:a16="http://schemas.microsoft.com/office/drawing/2014/main" id="{BB9A9174-A47B-0443-60C0-0288F7074B06}"/>
               </a:ext>
             </a:extLst>
           </p:cNvPr>
@@ -8010,8 +12028,8 @@
         </p:nvSpPr>
         <p:spPr>
           <a:xfrm>
-            <a:off x="723870" y="1073851"/>
-            <a:ext cx="5655910" cy="5460149"/>
+            <a:off x="797440" y="1215772"/>
+            <a:ext cx="10047767" cy="3718197"/>
           </a:xfrm>
           <a:prstGeom prst="rect">
             <a:avLst/>
@@ -8028,26 +12046,23 @@
               <a:lnSpc>
                 <a:spcPct val="120000"/>
               </a:lnSpc>
-              <a:spcBef>
-                <a:spcPts val="700"/>
-              </a:spcBef>
               <a:buSzPct val="100000"/>
               <a:buFont typeface="Arial" panose="020B0604020202020204" pitchFamily="34" charset="0"/>
               <a:buChar char="•"/>
             </a:pPr>
             <a:r>
-              <a:rPr lang="en-US" dirty="0">
+              <a:rPr lang="en-US" b="1" dirty="0">
                 <a:effectLst/>
               </a:rPr>
-              <a:t>Refresh barcode by user </a:t>
-            </a:r>
-            <a:r>
-              <a:rPr lang="en-US" dirty="0" err="1">
+              <a:t>Refactor </a:t>
+            </a:r>
+            <a:r>
+              <a:rPr lang="en-US" b="1" dirty="0" err="1">
                 <a:effectLst/>
               </a:rPr>
               <a:t>UseCase</a:t>
             </a:r>
-            <a:endParaRPr lang="en-US" dirty="0">
+            <a:endParaRPr lang="en-US" b="1" dirty="0">
               <a:effectLst/>
             </a:endParaRPr>
           </a:p>
@@ -8056,58 +12071,49 @@
               <a:lnSpc>
                 <a:spcPct val="120000"/>
               </a:lnSpc>
-              <a:spcBef>
-                <a:spcPts val="700"/>
-              </a:spcBef>
               <a:buSzPct val="100000"/>
               <a:buFont typeface="Arial" panose="020B0604020202020204" pitchFamily="34" charset="0"/>
               <a:buChar char="•"/>
             </a:pPr>
             <a:r>
-              <a:rPr lang="en-US" altLang="ja-JP" sz="1800" dirty="0"/>
-              <a:t>User click refresh button</a:t>
-            </a:r>
-          </a:p>
-          <a:p>
-            <a:pPr marL="1200150" lvl="2" indent="-285750">
+              <a:rPr lang="en-US" dirty="0"/>
+              <a:t>Refactor </a:t>
+            </a:r>
+            <a:r>
+              <a:rPr lang="en-US" dirty="0" err="1"/>
+              <a:t>getUserInformation</a:t>
+            </a:r>
+            <a:r>
+              <a:rPr lang="en-US" dirty="0"/>
+              <a:t> &gt; new Method</a:t>
+            </a:r>
+          </a:p>
+          <a:p>
+            <a:pPr marL="742950" lvl="1" indent="-285750">
               <a:lnSpc>
                 <a:spcPct val="120000"/>
               </a:lnSpc>
-              <a:spcBef>
-                <a:spcPts val="700"/>
-              </a:spcBef>
               <a:buSzPct val="100000"/>
               <a:buFont typeface="Arial" panose="020B0604020202020204" pitchFamily="34" charset="0"/>
               <a:buChar char="•"/>
             </a:pPr>
             <a:r>
-              <a:rPr lang="en-US" altLang="ja-JP" dirty="0"/>
-              <a:t>Refresh button</a:t>
-            </a:r>
-            <a:r>
-              <a:rPr lang="ja-JP" altLang="en-US"/>
-              <a:t>、</a:t>
-            </a:r>
-            <a:r>
-              <a:rPr lang="en-US" altLang="ja-JP" dirty="0"/>
-              <a:t>Action</a:t>
-            </a:r>
-          </a:p>
-          <a:p>
-            <a:pPr marL="1200150" lvl="2" indent="-285750">
+              <a:rPr lang="en-US" dirty="0"/>
+              <a:t>Distinguish Business flow  and Data flow</a:t>
+            </a:r>
+          </a:p>
+          <a:p>
+            <a:pPr marL="742950" lvl="1" indent="-285750">
               <a:lnSpc>
                 <a:spcPct val="120000"/>
               </a:lnSpc>
-              <a:spcBef>
-                <a:spcPts val="700"/>
-              </a:spcBef>
               <a:buSzPct val="100000"/>
               <a:buFont typeface="Arial" panose="020B0604020202020204" pitchFamily="34" charset="0"/>
               <a:buChar char="•"/>
             </a:pPr>
             <a:r>
-              <a:rPr lang="en-US" altLang="ja-JP" dirty="0"/>
-              <a:t>Refresh button Binding</a:t>
+              <a:rPr lang="en-US" dirty="0"/>
+              <a:t>Copy logic from old method &gt; Past it and Refactor it</a:t>
             </a:r>
           </a:p>
           <a:p>
@@ -8115,90 +12121,72 @@
               <a:lnSpc>
                 <a:spcPct val="120000"/>
               </a:lnSpc>
-              <a:spcBef>
-                <a:spcPts val="700"/>
-              </a:spcBef>
               <a:buSzPct val="100000"/>
               <a:buFont typeface="Arial" panose="020B0604020202020204" pitchFamily="34" charset="0"/>
               <a:buChar char="•"/>
             </a:pPr>
             <a:r>
-              <a:rPr lang="en-US" altLang="ja-JP" sz="1800" dirty="0"/>
-              <a:t>Check cache image is existing or not</a:t>
-            </a:r>
-            <a:endParaRPr lang="en-US" altLang="ja-JP" dirty="0"/>
+              <a:rPr lang="en-US" dirty="0"/>
+              <a:t>Replace passing object , shopper &gt; entity</a:t>
+            </a:r>
           </a:p>
           <a:p>
             <a:pPr marL="742950" lvl="1" indent="-285750">
               <a:lnSpc>
                 <a:spcPct val="120000"/>
               </a:lnSpc>
-              <a:spcBef>
-                <a:spcPts val="700"/>
-              </a:spcBef>
               <a:buSzPct val="100000"/>
               <a:buFont typeface="Arial" panose="020B0604020202020204" pitchFamily="34" charset="0"/>
               <a:buChar char="•"/>
             </a:pPr>
             <a:r>
-              <a:rPr lang="en-US" altLang="ja-JP" sz="1800" dirty="0"/>
-              <a:t>Perform API to generate barcode</a:t>
-            </a:r>
-          </a:p>
-          <a:p>
-            <a:pPr marL="1200150" lvl="2" indent="-285750">
+              <a:rPr lang="en-US" dirty="0"/>
+              <a:t>Refactor initializer</a:t>
+            </a:r>
+            <a:endParaRPr lang="en-US" dirty="0">
+              <a:effectLst/>
+            </a:endParaRPr>
+          </a:p>
+          <a:p>
+            <a:pPr marL="285750" indent="-285750">
               <a:lnSpc>
                 <a:spcPct val="120000"/>
               </a:lnSpc>
-              <a:spcBef>
-                <a:spcPts val="700"/>
-              </a:spcBef>
               <a:buSzPct val="100000"/>
               <a:buFont typeface="Arial" panose="020B0604020202020204" pitchFamily="34" charset="0"/>
               <a:buChar char="•"/>
             </a:pPr>
             <a:r>
-              <a:rPr lang="en-US" altLang="ja-JP" dirty="0"/>
-              <a:t>Parameters </a:t>
-            </a:r>
-            <a:r>
-              <a:rPr lang="en-US" altLang="ja-JP" dirty="0" err="1"/>
-              <a:t>EasyID</a:t>
-            </a:r>
-            <a:endParaRPr lang="en-US" altLang="ja-JP" dirty="0"/>
+              <a:rPr lang="en-US" b="1" dirty="0"/>
+              <a:t>Create Feature</a:t>
+            </a:r>
           </a:p>
           <a:p>
             <a:pPr marL="742950" lvl="1" indent="-285750">
               <a:lnSpc>
                 <a:spcPct val="120000"/>
               </a:lnSpc>
-              <a:spcBef>
-                <a:spcPts val="700"/>
-              </a:spcBef>
               <a:buSzPct val="100000"/>
               <a:buFont typeface="Arial" panose="020B0604020202020204" pitchFamily="34" charset="0"/>
               <a:buChar char="•"/>
             </a:pPr>
             <a:r>
-              <a:rPr lang="en-US" altLang="ja-JP" sz="1800" dirty="0"/>
-              <a:t>Retrieve new barcode from backend response</a:t>
-            </a:r>
-          </a:p>
-          <a:p>
-            <a:pPr marL="1200150" lvl="2" indent="-285750">
+              <a:rPr lang="en-US" dirty="0"/>
+              <a:t>Create it in no matter what folder you want</a:t>
+            </a:r>
+          </a:p>
+          <a:p>
+            <a:pPr marL="742950" lvl="1" indent="-285750">
               <a:lnSpc>
                 <a:spcPct val="120000"/>
               </a:lnSpc>
-              <a:spcBef>
-                <a:spcPts val="700"/>
-              </a:spcBef>
               <a:buSzPct val="100000"/>
               <a:buFont typeface="Arial" panose="020B0604020202020204" pitchFamily="34" charset="0"/>
               <a:buChar char="•"/>
             </a:pPr>
             <a:r>
-              <a:rPr lang="en-US" altLang="ja-JP" dirty="0"/>
-              <a:t>Convert response to entity</a:t>
+              <a:rPr lang="en-US" dirty="0"/>
+              <a:t>Create feature by template</a:t>
             </a:r>
           </a:p>
           <a:p>
@@ -8206,1254 +12194,47 @@
               <a:lnSpc>
                 <a:spcPct val="120000"/>
               </a:lnSpc>
-              <a:spcBef>
-                <a:spcPts val="700"/>
-              </a:spcBef>
               <a:buSzPct val="100000"/>
               <a:buFont typeface="Arial" panose="020B0604020202020204" pitchFamily="34" charset="0"/>
               <a:buChar char="•"/>
             </a:pPr>
             <a:r>
-              <a:rPr lang="en-US" altLang="ja-JP" dirty="0"/>
-              <a:t>Validate barcode format</a:t>
-            </a:r>
-          </a:p>
-          <a:p>
-            <a:pPr marL="742950" lvl="1" indent="-285750">
+              <a:rPr lang="en-US" dirty="0"/>
+              <a:t>Don’t forgot to </a:t>
+            </a:r>
+            <a:r>
+              <a:rPr lang="en-US" dirty="0">
+                <a:solidFill>
+                  <a:srgbClr val="FF0000"/>
+                </a:solidFill>
+              </a:rPr>
+              <a:t>BUILD</a:t>
+            </a:r>
+            <a:r>
+              <a:rPr lang="en-US" dirty="0"/>
+              <a:t> again and again</a:t>
+            </a:r>
+          </a:p>
+          <a:p>
+            <a:pPr marL="285750" indent="-285750">
               <a:lnSpc>
                 <a:spcPct val="120000"/>
               </a:lnSpc>
-              <a:spcBef>
-                <a:spcPts val="700"/>
-              </a:spcBef>
               <a:buSzPct val="100000"/>
               <a:buFont typeface="Arial" panose="020B0604020202020204" pitchFamily="34" charset="0"/>
               <a:buChar char="•"/>
             </a:pPr>
             <a:r>
-              <a:rPr lang="en-US" altLang="ja-JP" dirty="0"/>
-              <a:t>Refresh barcode on screen</a:t>
-            </a:r>
-          </a:p>
-          <a:p>
-            <a:pPr marL="1200150" lvl="2" indent="-285750">
-              <a:lnSpc>
-                <a:spcPct val="120000"/>
-              </a:lnSpc>
-              <a:spcBef>
-                <a:spcPts val="700"/>
-              </a:spcBef>
-              <a:buSzPct val="100000"/>
-              <a:buFont typeface="Arial" panose="020B0604020202020204" pitchFamily="34" charset="0"/>
-              <a:buChar char="•"/>
-            </a:pPr>
-            <a:r>
-              <a:rPr lang="en-US" altLang="ja-JP" dirty="0"/>
-              <a:t>Trigger data binding</a:t>
-            </a:r>
-          </a:p>
-          <a:p>
-            <a:pPr marL="1200150" lvl="2" indent="-285750">
-              <a:lnSpc>
-                <a:spcPct val="120000"/>
-              </a:lnSpc>
-              <a:spcBef>
-                <a:spcPts val="700"/>
-              </a:spcBef>
-              <a:buSzPct val="100000"/>
-              <a:buFont typeface="Arial" panose="020B0604020202020204" pitchFamily="34" charset="0"/>
-              <a:buChar char="•"/>
-            </a:pPr>
-            <a:r>
-              <a:rPr lang="en-US" altLang="ja-JP" dirty="0"/>
-              <a:t>Refresh barcode on screen</a:t>
-            </a:r>
-            <a:endParaRPr lang="en-US" b="0" dirty="0">
-              <a:effectLst/>
-            </a:endParaRPr>
-          </a:p>
-        </p:txBody>
-      </p:sp>
-      <p:cxnSp>
-        <p:nvCxnSpPr>
-          <p:cNvPr id="7" name="Straight Arrow Connector 6">
-            <a:extLst>
-              <a:ext uri="{FF2B5EF4-FFF2-40B4-BE49-F238E27FC236}">
-                <a16:creationId xmlns:a16="http://schemas.microsoft.com/office/drawing/2014/main" id="{708F2096-2A85-D663-B92A-4DD9A30A9C91}"/>
-              </a:ext>
-            </a:extLst>
-          </p:cNvPr>
-          <p:cNvCxnSpPr>
-            <a:cxnSpLocks/>
-          </p:cNvCxnSpPr>
-          <p:nvPr/>
-        </p:nvCxnSpPr>
-        <p:spPr>
-          <a:xfrm>
-            <a:off x="6574783" y="2525620"/>
-            <a:ext cx="430361" cy="0"/>
-          </a:xfrm>
-          <a:prstGeom prst="straightConnector1">
-            <a:avLst/>
-          </a:prstGeom>
-          <a:ln w="66675">
-            <a:solidFill>
-              <a:schemeClr val="accent6">
-                <a:lumMod val="50000"/>
-              </a:schemeClr>
-            </a:solidFill>
-            <a:tailEnd type="triangle"/>
-          </a:ln>
-        </p:spPr>
-        <p:style>
-          <a:lnRef idx="1">
-            <a:schemeClr val="accent1"/>
-          </a:lnRef>
-          <a:fillRef idx="0">
-            <a:schemeClr val="accent1"/>
-          </a:fillRef>
-          <a:effectRef idx="0">
-            <a:schemeClr val="accent1"/>
-          </a:effectRef>
-          <a:fontRef idx="minor">
-            <a:schemeClr val="tx1"/>
-          </a:fontRef>
-        </p:style>
-      </p:cxnSp>
-      <p:sp>
-        <p:nvSpPr>
-          <p:cNvPr id="10" name="正方形/長方形 34">
-            <a:extLst>
-              <a:ext uri="{FF2B5EF4-FFF2-40B4-BE49-F238E27FC236}">
-                <a16:creationId xmlns:a16="http://schemas.microsoft.com/office/drawing/2014/main" id="{F07A8788-7E76-43F9-FBD8-B61B57D37414}"/>
-              </a:ext>
-            </a:extLst>
-          </p:cNvPr>
-          <p:cNvSpPr/>
-          <p:nvPr/>
-        </p:nvSpPr>
-        <p:spPr>
-          <a:xfrm>
-            <a:off x="7514898" y="2000206"/>
-            <a:ext cx="1376477" cy="294084"/>
-          </a:xfrm>
-          <a:prstGeom prst="rect">
-            <a:avLst/>
-          </a:prstGeom>
-          <a:solidFill>
-            <a:schemeClr val="accent6">
-              <a:lumMod val="50000"/>
-            </a:schemeClr>
-          </a:solidFill>
-          <a:ln>
-            <a:noFill/>
-          </a:ln>
-        </p:spPr>
-        <p:style>
-          <a:lnRef idx="2">
-            <a:schemeClr val="accent1">
-              <a:shade val="50000"/>
-            </a:schemeClr>
-          </a:lnRef>
-          <a:fillRef idx="1">
-            <a:schemeClr val="accent1"/>
-          </a:fillRef>
-          <a:effectRef idx="0">
-            <a:schemeClr val="accent1"/>
-          </a:effectRef>
-          <a:fontRef idx="minor">
-            <a:schemeClr val="lt1"/>
-          </a:fontRef>
-        </p:style>
-        <p:txBody>
-          <a:bodyPr rtlCol="0" anchor="ctr"/>
-          <a:lstStyle/>
-          <a:p>
-            <a:pPr algn="ctr"/>
-            <a:r>
-              <a:rPr kumimoji="1" lang="en-US" sz="1200" b="1" dirty="0" err="1">
-                <a:solidFill>
-                  <a:schemeClr val="bg1"/>
-                </a:solidFill>
-              </a:rPr>
-              <a:t>ViewController</a:t>
-            </a:r>
-            <a:endParaRPr kumimoji="1" lang="en-US" sz="1200" b="1" dirty="0">
-              <a:solidFill>
-                <a:schemeClr val="bg1"/>
-              </a:solidFill>
-            </a:endParaRPr>
-          </a:p>
-        </p:txBody>
-      </p:sp>
-      <p:cxnSp>
-        <p:nvCxnSpPr>
-          <p:cNvPr id="11" name="Straight Arrow Connector 10">
-            <a:extLst>
-              <a:ext uri="{FF2B5EF4-FFF2-40B4-BE49-F238E27FC236}">
-                <a16:creationId xmlns:a16="http://schemas.microsoft.com/office/drawing/2014/main" id="{09E542EF-CA26-D461-9B87-2477850B3BA9}"/>
-              </a:ext>
-            </a:extLst>
-          </p:cNvPr>
-          <p:cNvCxnSpPr>
-            <a:cxnSpLocks/>
-          </p:cNvCxnSpPr>
-          <p:nvPr/>
-        </p:nvCxnSpPr>
-        <p:spPr>
-          <a:xfrm>
-            <a:off x="6574783" y="2147248"/>
-            <a:ext cx="430361" cy="0"/>
-          </a:xfrm>
-          <a:prstGeom prst="straightConnector1">
-            <a:avLst/>
-          </a:prstGeom>
-          <a:ln w="66675">
-            <a:solidFill>
-              <a:schemeClr val="accent6">
-                <a:lumMod val="50000"/>
-              </a:schemeClr>
-            </a:solidFill>
-            <a:tailEnd type="triangle"/>
-          </a:ln>
-        </p:spPr>
-        <p:style>
-          <a:lnRef idx="1">
-            <a:schemeClr val="accent1"/>
-          </a:lnRef>
-          <a:fillRef idx="0">
-            <a:schemeClr val="accent1"/>
-          </a:fillRef>
-          <a:effectRef idx="0">
-            <a:schemeClr val="accent1"/>
-          </a:effectRef>
-          <a:fontRef idx="minor">
-            <a:schemeClr val="tx1"/>
-          </a:fontRef>
-        </p:style>
-      </p:cxnSp>
-      <p:cxnSp>
-        <p:nvCxnSpPr>
-          <p:cNvPr id="13" name="Straight Arrow Connector 12">
-            <a:extLst>
-              <a:ext uri="{FF2B5EF4-FFF2-40B4-BE49-F238E27FC236}">
-                <a16:creationId xmlns:a16="http://schemas.microsoft.com/office/drawing/2014/main" id="{3238112E-FC39-EE71-6349-1B0CA9787026}"/>
-              </a:ext>
-            </a:extLst>
-          </p:cNvPr>
-          <p:cNvCxnSpPr>
-            <a:cxnSpLocks/>
-          </p:cNvCxnSpPr>
-          <p:nvPr/>
-        </p:nvCxnSpPr>
-        <p:spPr>
-          <a:xfrm>
-            <a:off x="6574783" y="2970741"/>
-            <a:ext cx="430361" cy="0"/>
-          </a:xfrm>
-          <a:prstGeom prst="straightConnector1">
-            <a:avLst/>
-          </a:prstGeom>
-          <a:ln w="66675">
-            <a:solidFill>
-              <a:schemeClr val="accent6">
-                <a:lumMod val="50000"/>
-              </a:schemeClr>
-            </a:solidFill>
-            <a:tailEnd type="triangle"/>
-          </a:ln>
-        </p:spPr>
-        <p:style>
-          <a:lnRef idx="1">
-            <a:schemeClr val="accent1"/>
-          </a:lnRef>
-          <a:fillRef idx="0">
-            <a:schemeClr val="accent1"/>
-          </a:fillRef>
-          <a:effectRef idx="0">
-            <a:schemeClr val="accent1"/>
-          </a:effectRef>
-          <a:fontRef idx="minor">
-            <a:schemeClr val="tx1"/>
-          </a:fontRef>
-        </p:style>
-      </p:cxnSp>
-      <p:sp>
-        <p:nvSpPr>
-          <p:cNvPr id="14" name="正方形/長方形 34">
-            <a:extLst>
-              <a:ext uri="{FF2B5EF4-FFF2-40B4-BE49-F238E27FC236}">
-                <a16:creationId xmlns:a16="http://schemas.microsoft.com/office/drawing/2014/main" id="{46B33C19-70F6-A2CA-642D-D77CF30DFC34}"/>
-              </a:ext>
-            </a:extLst>
-          </p:cNvPr>
-          <p:cNvSpPr/>
-          <p:nvPr/>
-        </p:nvSpPr>
-        <p:spPr>
-          <a:xfrm>
-            <a:off x="7514898" y="2378578"/>
-            <a:ext cx="1376477" cy="294084"/>
-          </a:xfrm>
-          <a:prstGeom prst="rect">
-            <a:avLst/>
-          </a:prstGeom>
-          <a:solidFill>
-            <a:schemeClr val="accent6">
-              <a:lumMod val="50000"/>
-            </a:schemeClr>
-          </a:solidFill>
-          <a:ln>
-            <a:noFill/>
-          </a:ln>
-        </p:spPr>
-        <p:style>
-          <a:lnRef idx="2">
-            <a:schemeClr val="accent1">
-              <a:shade val="50000"/>
-            </a:schemeClr>
-          </a:lnRef>
-          <a:fillRef idx="1">
-            <a:schemeClr val="accent1"/>
-          </a:fillRef>
-          <a:effectRef idx="0">
-            <a:schemeClr val="accent1"/>
-          </a:effectRef>
-          <a:fontRef idx="minor">
-            <a:schemeClr val="lt1"/>
-          </a:fontRef>
-        </p:style>
-        <p:txBody>
-          <a:bodyPr rtlCol="0" anchor="ctr"/>
-          <a:lstStyle/>
-          <a:p>
-            <a:pPr algn="ctr"/>
-            <a:r>
-              <a:rPr kumimoji="1" lang="en-US" sz="1200" b="1" dirty="0" err="1">
-                <a:solidFill>
-                  <a:schemeClr val="bg1"/>
-                </a:solidFill>
-              </a:rPr>
-              <a:t>ViewModel</a:t>
-            </a:r>
-            <a:endParaRPr kumimoji="1" lang="en-US" sz="1200" b="1" dirty="0">
-              <a:solidFill>
-                <a:schemeClr val="bg1"/>
-              </a:solidFill>
-            </a:endParaRPr>
-          </a:p>
-        </p:txBody>
-      </p:sp>
-      <p:sp>
-        <p:nvSpPr>
-          <p:cNvPr id="15" name="正方形/長方形 34">
-            <a:extLst>
-              <a:ext uri="{FF2B5EF4-FFF2-40B4-BE49-F238E27FC236}">
-                <a16:creationId xmlns:a16="http://schemas.microsoft.com/office/drawing/2014/main" id="{DFCDCFEF-1A23-0AA1-A1BC-57EBAB17002E}"/>
-              </a:ext>
-            </a:extLst>
-          </p:cNvPr>
-          <p:cNvSpPr/>
-          <p:nvPr/>
-        </p:nvSpPr>
-        <p:spPr>
-          <a:xfrm>
-            <a:off x="7514898" y="2756950"/>
-            <a:ext cx="1376477" cy="294084"/>
-          </a:xfrm>
-          <a:prstGeom prst="rect">
-            <a:avLst/>
-          </a:prstGeom>
-          <a:solidFill>
-            <a:schemeClr val="accent2">
-              <a:lumMod val="50000"/>
-            </a:schemeClr>
-          </a:solidFill>
-          <a:ln>
-            <a:noFill/>
-          </a:ln>
-        </p:spPr>
-        <p:style>
-          <a:lnRef idx="2">
-            <a:schemeClr val="accent1">
-              <a:shade val="50000"/>
-            </a:schemeClr>
-          </a:lnRef>
-          <a:fillRef idx="1">
-            <a:schemeClr val="accent1"/>
-          </a:fillRef>
-          <a:effectRef idx="0">
-            <a:schemeClr val="accent1"/>
-          </a:effectRef>
-          <a:fontRef idx="minor">
-            <a:schemeClr val="lt1"/>
-          </a:fontRef>
-        </p:style>
-        <p:txBody>
-          <a:bodyPr rtlCol="0" anchor="ctr"/>
-          <a:lstStyle/>
-          <a:p>
-            <a:pPr algn="ctr"/>
-            <a:r>
-              <a:rPr kumimoji="1" lang="en-US" sz="1200" b="1" dirty="0" err="1">
-                <a:solidFill>
-                  <a:schemeClr val="bg1"/>
-                </a:solidFill>
-              </a:rPr>
-              <a:t>UseCase</a:t>
-            </a:r>
-            <a:endParaRPr kumimoji="1" lang="en-US" sz="1200" b="1" dirty="0">
-              <a:solidFill>
-                <a:schemeClr val="bg1"/>
-              </a:solidFill>
-            </a:endParaRPr>
-          </a:p>
-        </p:txBody>
-      </p:sp>
-      <p:sp>
-        <p:nvSpPr>
-          <p:cNvPr id="16" name="正方形/長方形 34">
-            <a:extLst>
-              <a:ext uri="{FF2B5EF4-FFF2-40B4-BE49-F238E27FC236}">
-                <a16:creationId xmlns:a16="http://schemas.microsoft.com/office/drawing/2014/main" id="{63DA808B-8998-BB40-2281-28719BB6A458}"/>
-              </a:ext>
-            </a:extLst>
-          </p:cNvPr>
-          <p:cNvSpPr/>
-          <p:nvPr/>
-        </p:nvSpPr>
-        <p:spPr>
-          <a:xfrm>
-            <a:off x="7514896" y="3259442"/>
-            <a:ext cx="1376477" cy="294084"/>
-          </a:xfrm>
-          <a:prstGeom prst="rect">
-            <a:avLst/>
-          </a:prstGeom>
-          <a:solidFill>
-            <a:schemeClr val="accent2">
-              <a:lumMod val="50000"/>
-            </a:schemeClr>
-          </a:solidFill>
-          <a:ln>
-            <a:noFill/>
-          </a:ln>
-        </p:spPr>
-        <p:style>
-          <a:lnRef idx="2">
-            <a:schemeClr val="accent1">
-              <a:shade val="50000"/>
-            </a:schemeClr>
-          </a:lnRef>
-          <a:fillRef idx="1">
-            <a:schemeClr val="accent1"/>
-          </a:fillRef>
-          <a:effectRef idx="0">
-            <a:schemeClr val="accent1"/>
-          </a:effectRef>
-          <a:fontRef idx="minor">
-            <a:schemeClr val="lt1"/>
-          </a:fontRef>
-        </p:style>
-        <p:txBody>
-          <a:bodyPr rtlCol="0" anchor="ctr"/>
-          <a:lstStyle/>
-          <a:p>
-            <a:pPr algn="ctr"/>
-            <a:r>
-              <a:rPr kumimoji="1" lang="en-US" sz="1200" b="1" dirty="0" err="1">
-                <a:solidFill>
-                  <a:schemeClr val="bg1"/>
-                </a:solidFill>
-              </a:rPr>
-              <a:t>UseCase</a:t>
-            </a:r>
-            <a:endParaRPr kumimoji="1" lang="en-US" sz="1200" b="1" dirty="0">
-              <a:solidFill>
-                <a:schemeClr val="bg1"/>
-              </a:solidFill>
-            </a:endParaRPr>
-          </a:p>
-        </p:txBody>
-      </p:sp>
-      <p:sp>
-        <p:nvSpPr>
-          <p:cNvPr id="17" name="正方形/長方形 34">
-            <a:extLst>
-              <a:ext uri="{FF2B5EF4-FFF2-40B4-BE49-F238E27FC236}">
-                <a16:creationId xmlns:a16="http://schemas.microsoft.com/office/drawing/2014/main" id="{D536433F-CA93-4007-D880-3789715846E0}"/>
-              </a:ext>
-            </a:extLst>
-          </p:cNvPr>
-          <p:cNvSpPr/>
-          <p:nvPr/>
-        </p:nvSpPr>
-        <p:spPr>
-          <a:xfrm>
-            <a:off x="7514897" y="3637814"/>
-            <a:ext cx="1376477" cy="294084"/>
-          </a:xfrm>
-          <a:prstGeom prst="rect">
-            <a:avLst/>
-          </a:prstGeom>
-          <a:solidFill>
-            <a:schemeClr val="accent2">
-              <a:lumMod val="50000"/>
-            </a:schemeClr>
-          </a:solidFill>
-          <a:ln>
-            <a:noFill/>
-          </a:ln>
-        </p:spPr>
-        <p:style>
-          <a:lnRef idx="2">
-            <a:schemeClr val="accent1">
-              <a:shade val="50000"/>
-            </a:schemeClr>
-          </a:lnRef>
-          <a:fillRef idx="1">
-            <a:schemeClr val="accent1"/>
-          </a:fillRef>
-          <a:effectRef idx="0">
-            <a:schemeClr val="accent1"/>
-          </a:effectRef>
-          <a:fontRef idx="minor">
-            <a:schemeClr val="lt1"/>
-          </a:fontRef>
-        </p:style>
-        <p:txBody>
-          <a:bodyPr rtlCol="0" anchor="ctr"/>
-          <a:lstStyle/>
-          <a:p>
-            <a:pPr algn="ctr"/>
-            <a:r>
-              <a:rPr kumimoji="1" lang="en-US" sz="1200" b="1" dirty="0" err="1">
-                <a:solidFill>
-                  <a:schemeClr val="bg1"/>
-                </a:solidFill>
-              </a:rPr>
-              <a:t>UseCase</a:t>
-            </a:r>
-            <a:endParaRPr kumimoji="1" lang="en-US" sz="1200" b="1" dirty="0">
-              <a:solidFill>
-                <a:schemeClr val="bg1"/>
-              </a:solidFill>
-            </a:endParaRPr>
-          </a:p>
-        </p:txBody>
-      </p:sp>
-      <p:cxnSp>
-        <p:nvCxnSpPr>
-          <p:cNvPr id="18" name="Straight Arrow Connector 17">
-            <a:extLst>
-              <a:ext uri="{FF2B5EF4-FFF2-40B4-BE49-F238E27FC236}">
-                <a16:creationId xmlns:a16="http://schemas.microsoft.com/office/drawing/2014/main" id="{99DD17C6-318C-EBF8-5EFD-5800E0202554}"/>
-              </a:ext>
-            </a:extLst>
-          </p:cNvPr>
-          <p:cNvCxnSpPr>
-            <a:cxnSpLocks/>
-          </p:cNvCxnSpPr>
-          <p:nvPr/>
-        </p:nvCxnSpPr>
-        <p:spPr>
-          <a:xfrm>
-            <a:off x="6574782" y="3406484"/>
-            <a:ext cx="430361" cy="0"/>
-          </a:xfrm>
-          <a:prstGeom prst="straightConnector1">
-            <a:avLst/>
-          </a:prstGeom>
-          <a:ln w="66675">
-            <a:solidFill>
-              <a:schemeClr val="accent6">
-                <a:lumMod val="50000"/>
-              </a:schemeClr>
-            </a:solidFill>
-            <a:tailEnd type="triangle"/>
-          </a:ln>
-        </p:spPr>
-        <p:style>
-          <a:lnRef idx="1">
-            <a:schemeClr val="accent1"/>
-          </a:lnRef>
-          <a:fillRef idx="0">
-            <a:schemeClr val="accent1"/>
-          </a:fillRef>
-          <a:effectRef idx="0">
-            <a:schemeClr val="accent1"/>
-          </a:effectRef>
-          <a:fontRef idx="minor">
-            <a:schemeClr val="tx1"/>
-          </a:fontRef>
-        </p:style>
-      </p:cxnSp>
-      <p:cxnSp>
-        <p:nvCxnSpPr>
-          <p:cNvPr id="19" name="Straight Arrow Connector 18">
-            <a:extLst>
-              <a:ext uri="{FF2B5EF4-FFF2-40B4-BE49-F238E27FC236}">
-                <a16:creationId xmlns:a16="http://schemas.microsoft.com/office/drawing/2014/main" id="{C44EFEE7-B19B-C0F4-E810-AEBA694CE58A}"/>
-              </a:ext>
-            </a:extLst>
-          </p:cNvPr>
-          <p:cNvCxnSpPr>
-            <a:cxnSpLocks/>
-          </p:cNvCxnSpPr>
-          <p:nvPr/>
-        </p:nvCxnSpPr>
-        <p:spPr>
-          <a:xfrm>
-            <a:off x="6574782" y="3784856"/>
-            <a:ext cx="430361" cy="0"/>
-          </a:xfrm>
-          <a:prstGeom prst="straightConnector1">
-            <a:avLst/>
-          </a:prstGeom>
-          <a:ln w="66675">
-            <a:solidFill>
-              <a:schemeClr val="accent6">
-                <a:lumMod val="50000"/>
-              </a:schemeClr>
-            </a:solidFill>
-            <a:tailEnd type="triangle"/>
-          </a:ln>
-        </p:spPr>
-        <p:style>
-          <a:lnRef idx="1">
-            <a:schemeClr val="accent1"/>
-          </a:lnRef>
-          <a:fillRef idx="0">
-            <a:schemeClr val="accent1"/>
-          </a:fillRef>
-          <a:effectRef idx="0">
-            <a:schemeClr val="accent1"/>
-          </a:effectRef>
-          <a:fontRef idx="minor">
-            <a:schemeClr val="tx1"/>
-          </a:fontRef>
-        </p:style>
-      </p:cxnSp>
-      <p:sp>
-        <p:nvSpPr>
-          <p:cNvPr id="20" name="正方形/長方形 34">
-            <a:extLst>
-              <a:ext uri="{FF2B5EF4-FFF2-40B4-BE49-F238E27FC236}">
-                <a16:creationId xmlns:a16="http://schemas.microsoft.com/office/drawing/2014/main" id="{ED89A547-BC73-E53A-F59F-043AF66D1390}"/>
-              </a:ext>
-            </a:extLst>
-          </p:cNvPr>
-          <p:cNvSpPr/>
-          <p:nvPr/>
-        </p:nvSpPr>
-        <p:spPr>
-          <a:xfrm>
-            <a:off x="7514896" y="4099499"/>
-            <a:ext cx="1376477" cy="294084"/>
-          </a:xfrm>
-          <a:prstGeom prst="rect">
-            <a:avLst/>
-          </a:prstGeom>
-          <a:solidFill>
-            <a:schemeClr val="accent4">
-              <a:lumMod val="50000"/>
-            </a:schemeClr>
-          </a:solidFill>
-          <a:ln>
-            <a:noFill/>
-          </a:ln>
-        </p:spPr>
-        <p:style>
-          <a:lnRef idx="2">
-            <a:schemeClr val="accent1">
-              <a:shade val="50000"/>
-            </a:schemeClr>
-          </a:lnRef>
-          <a:fillRef idx="1">
-            <a:schemeClr val="accent1"/>
-          </a:fillRef>
-          <a:effectRef idx="0">
-            <a:schemeClr val="accent1"/>
-          </a:effectRef>
-          <a:fontRef idx="minor">
-            <a:schemeClr val="lt1"/>
-          </a:fontRef>
-        </p:style>
-        <p:txBody>
-          <a:bodyPr rtlCol="0" anchor="ctr"/>
-          <a:lstStyle/>
-          <a:p>
-            <a:pPr algn="ctr"/>
-            <a:r>
-              <a:rPr kumimoji="1" lang="en-US" sz="1200" b="1" dirty="0">
-                <a:solidFill>
-                  <a:schemeClr val="bg1"/>
-                </a:solidFill>
-              </a:rPr>
-              <a:t>Repository</a:t>
-            </a:r>
-          </a:p>
-        </p:txBody>
-      </p:sp>
-      <p:cxnSp>
-        <p:nvCxnSpPr>
-          <p:cNvPr id="21" name="Straight Arrow Connector 20">
-            <a:extLst>
-              <a:ext uri="{FF2B5EF4-FFF2-40B4-BE49-F238E27FC236}">
-                <a16:creationId xmlns:a16="http://schemas.microsoft.com/office/drawing/2014/main" id="{E0E9F620-46AA-0869-D6B5-AEFC146DB357}"/>
-              </a:ext>
-            </a:extLst>
-          </p:cNvPr>
-          <p:cNvCxnSpPr>
-            <a:cxnSpLocks/>
-          </p:cNvCxnSpPr>
-          <p:nvPr/>
-        </p:nvCxnSpPr>
-        <p:spPr>
-          <a:xfrm>
-            <a:off x="6574783" y="4252928"/>
-            <a:ext cx="430361" cy="0"/>
-          </a:xfrm>
-          <a:prstGeom prst="straightConnector1">
-            <a:avLst/>
-          </a:prstGeom>
-          <a:ln w="66675">
-            <a:solidFill>
-              <a:schemeClr val="accent6">
-                <a:lumMod val="50000"/>
-              </a:schemeClr>
-            </a:solidFill>
-            <a:tailEnd type="triangle"/>
-          </a:ln>
-        </p:spPr>
-        <p:style>
-          <a:lnRef idx="1">
-            <a:schemeClr val="accent1"/>
-          </a:lnRef>
-          <a:fillRef idx="0">
-            <a:schemeClr val="accent1"/>
-          </a:fillRef>
-          <a:effectRef idx="0">
-            <a:schemeClr val="accent1"/>
-          </a:effectRef>
-          <a:fontRef idx="minor">
-            <a:schemeClr val="tx1"/>
-          </a:fontRef>
-        </p:style>
-      </p:cxnSp>
-      <p:cxnSp>
-        <p:nvCxnSpPr>
-          <p:cNvPr id="22" name="Straight Arrow Connector 21">
-            <a:extLst>
-              <a:ext uri="{FF2B5EF4-FFF2-40B4-BE49-F238E27FC236}">
-                <a16:creationId xmlns:a16="http://schemas.microsoft.com/office/drawing/2014/main" id="{327B3BAE-9AB5-1FAE-9446-2F1AD6648A42}"/>
-              </a:ext>
-            </a:extLst>
-          </p:cNvPr>
-          <p:cNvCxnSpPr>
-            <a:cxnSpLocks/>
-          </p:cNvCxnSpPr>
-          <p:nvPr/>
-        </p:nvCxnSpPr>
-        <p:spPr>
-          <a:xfrm>
-            <a:off x="6569807" y="4678597"/>
-            <a:ext cx="430361" cy="0"/>
-          </a:xfrm>
-          <a:prstGeom prst="straightConnector1">
-            <a:avLst/>
-          </a:prstGeom>
-          <a:ln w="66675">
-            <a:solidFill>
-              <a:schemeClr val="accent6">
-                <a:lumMod val="50000"/>
-              </a:schemeClr>
-            </a:solidFill>
-            <a:tailEnd type="triangle"/>
-          </a:ln>
-        </p:spPr>
-        <p:style>
-          <a:lnRef idx="1">
-            <a:schemeClr val="accent1"/>
-          </a:lnRef>
-          <a:fillRef idx="0">
-            <a:schemeClr val="accent1"/>
-          </a:fillRef>
-          <a:effectRef idx="0">
-            <a:schemeClr val="accent1"/>
-          </a:effectRef>
-          <a:fontRef idx="minor">
-            <a:schemeClr val="tx1"/>
-          </a:fontRef>
-        </p:style>
-      </p:cxnSp>
-      <p:sp>
-        <p:nvSpPr>
-          <p:cNvPr id="23" name="正方形/長方形 34">
-            <a:extLst>
-              <a:ext uri="{FF2B5EF4-FFF2-40B4-BE49-F238E27FC236}">
-                <a16:creationId xmlns:a16="http://schemas.microsoft.com/office/drawing/2014/main" id="{5B5371A1-A486-C976-8AC1-3FA017E51991}"/>
-              </a:ext>
-            </a:extLst>
-          </p:cNvPr>
-          <p:cNvSpPr/>
-          <p:nvPr/>
-        </p:nvSpPr>
-        <p:spPr>
-          <a:xfrm>
-            <a:off x="7514895" y="4531555"/>
-            <a:ext cx="1376477" cy="294084"/>
-          </a:xfrm>
-          <a:prstGeom prst="rect">
-            <a:avLst/>
-          </a:prstGeom>
-          <a:solidFill>
-            <a:schemeClr val="accent4">
-              <a:lumMod val="50000"/>
-            </a:schemeClr>
-          </a:solidFill>
-          <a:ln>
-            <a:noFill/>
-          </a:ln>
-        </p:spPr>
-        <p:style>
-          <a:lnRef idx="2">
-            <a:schemeClr val="accent1">
-              <a:shade val="50000"/>
-            </a:schemeClr>
-          </a:lnRef>
-          <a:fillRef idx="1">
-            <a:schemeClr val="accent1"/>
-          </a:fillRef>
-          <a:effectRef idx="0">
-            <a:schemeClr val="accent1"/>
-          </a:effectRef>
-          <a:fontRef idx="minor">
-            <a:schemeClr val="lt1"/>
-          </a:fontRef>
-        </p:style>
-        <p:txBody>
-          <a:bodyPr rtlCol="0" anchor="ctr"/>
-          <a:lstStyle/>
-          <a:p>
-            <a:pPr algn="ctr"/>
-            <a:r>
-              <a:rPr kumimoji="1" lang="en-US" sz="1200" b="1" dirty="0">
-                <a:solidFill>
-                  <a:schemeClr val="bg1"/>
-                </a:solidFill>
-              </a:rPr>
-              <a:t>DTO</a:t>
-            </a:r>
-          </a:p>
-        </p:txBody>
-      </p:sp>
-      <p:cxnSp>
-        <p:nvCxnSpPr>
-          <p:cNvPr id="24" name="Straight Arrow Connector 23">
-            <a:extLst>
-              <a:ext uri="{FF2B5EF4-FFF2-40B4-BE49-F238E27FC236}">
-                <a16:creationId xmlns:a16="http://schemas.microsoft.com/office/drawing/2014/main" id="{3FAB66D5-AEA6-F01A-592F-7A504BCDF742}"/>
-              </a:ext>
-            </a:extLst>
-          </p:cNvPr>
-          <p:cNvCxnSpPr>
-            <a:cxnSpLocks/>
-          </p:cNvCxnSpPr>
-          <p:nvPr/>
-        </p:nvCxnSpPr>
-        <p:spPr>
-          <a:xfrm>
-            <a:off x="6580877" y="5041204"/>
-            <a:ext cx="430361" cy="0"/>
-          </a:xfrm>
-          <a:prstGeom prst="straightConnector1">
-            <a:avLst/>
-          </a:prstGeom>
-          <a:ln w="66675">
-            <a:solidFill>
-              <a:schemeClr val="accent6">
-                <a:lumMod val="50000"/>
-              </a:schemeClr>
-            </a:solidFill>
-            <a:tailEnd type="triangle"/>
-          </a:ln>
-        </p:spPr>
-        <p:style>
-          <a:lnRef idx="1">
-            <a:schemeClr val="accent1"/>
-          </a:lnRef>
-          <a:fillRef idx="0">
-            <a:schemeClr val="accent1"/>
-          </a:fillRef>
-          <a:effectRef idx="0">
-            <a:schemeClr val="accent1"/>
-          </a:effectRef>
-          <a:fontRef idx="minor">
-            <a:schemeClr val="tx1"/>
-          </a:fontRef>
-        </p:style>
-      </p:cxnSp>
-      <p:sp>
-        <p:nvSpPr>
-          <p:cNvPr id="25" name="正方形/長方形 34">
-            <a:extLst>
-              <a:ext uri="{FF2B5EF4-FFF2-40B4-BE49-F238E27FC236}">
-                <a16:creationId xmlns:a16="http://schemas.microsoft.com/office/drawing/2014/main" id="{59A349EE-E712-C554-FA15-ED1363C960B6}"/>
-              </a:ext>
-            </a:extLst>
-          </p:cNvPr>
-          <p:cNvSpPr/>
-          <p:nvPr/>
-        </p:nvSpPr>
-        <p:spPr>
-          <a:xfrm>
-            <a:off x="7514895" y="4908840"/>
-            <a:ext cx="1376477" cy="294084"/>
-          </a:xfrm>
-          <a:prstGeom prst="rect">
-            <a:avLst/>
-          </a:prstGeom>
-          <a:solidFill>
-            <a:schemeClr val="accent2">
-              <a:lumMod val="50000"/>
-            </a:schemeClr>
-          </a:solidFill>
-          <a:ln>
-            <a:noFill/>
-          </a:ln>
-        </p:spPr>
-        <p:style>
-          <a:lnRef idx="2">
-            <a:schemeClr val="accent1">
-              <a:shade val="50000"/>
-            </a:schemeClr>
-          </a:lnRef>
-          <a:fillRef idx="1">
-            <a:schemeClr val="accent1"/>
-          </a:fillRef>
-          <a:effectRef idx="0">
-            <a:schemeClr val="accent1"/>
-          </a:effectRef>
-          <a:fontRef idx="minor">
-            <a:schemeClr val="lt1"/>
-          </a:fontRef>
-        </p:style>
-        <p:txBody>
-          <a:bodyPr rtlCol="0" anchor="ctr"/>
-          <a:lstStyle/>
-          <a:p>
-            <a:pPr algn="ctr"/>
-            <a:r>
-              <a:rPr lang="en-US" sz="1200" b="1" dirty="0">
-                <a:solidFill>
-                  <a:schemeClr val="bg1"/>
-                </a:solidFill>
-              </a:rPr>
-              <a:t>Model</a:t>
-            </a:r>
-            <a:endParaRPr kumimoji="1" lang="en-US" sz="1200" b="1" dirty="0">
-              <a:solidFill>
-                <a:schemeClr val="bg1"/>
-              </a:solidFill>
-            </a:endParaRPr>
-          </a:p>
-        </p:txBody>
-      </p:sp>
-      <p:sp>
-        <p:nvSpPr>
-          <p:cNvPr id="26" name="正方形/長方形 34">
-            <a:extLst>
-              <a:ext uri="{FF2B5EF4-FFF2-40B4-BE49-F238E27FC236}">
-                <a16:creationId xmlns:a16="http://schemas.microsoft.com/office/drawing/2014/main" id="{069F2581-4357-F415-977A-D258FB479FA2}"/>
-              </a:ext>
-            </a:extLst>
-          </p:cNvPr>
-          <p:cNvSpPr/>
-          <p:nvPr/>
-        </p:nvSpPr>
-        <p:spPr>
-          <a:xfrm>
-            <a:off x="9107212" y="4531555"/>
-            <a:ext cx="1376477" cy="294084"/>
-          </a:xfrm>
-          <a:prstGeom prst="rect">
-            <a:avLst/>
-          </a:prstGeom>
-          <a:solidFill>
-            <a:schemeClr val="accent2">
-              <a:lumMod val="50000"/>
-            </a:schemeClr>
-          </a:solidFill>
-          <a:ln>
-            <a:noFill/>
-          </a:ln>
-        </p:spPr>
-        <p:style>
-          <a:lnRef idx="2">
-            <a:schemeClr val="accent1">
-              <a:shade val="50000"/>
-            </a:schemeClr>
-          </a:lnRef>
-          <a:fillRef idx="1">
-            <a:schemeClr val="accent1"/>
-          </a:fillRef>
-          <a:effectRef idx="0">
-            <a:schemeClr val="accent1"/>
-          </a:effectRef>
-          <a:fontRef idx="minor">
-            <a:schemeClr val="lt1"/>
-          </a:fontRef>
-        </p:style>
-        <p:txBody>
-          <a:bodyPr rtlCol="0" anchor="ctr"/>
-          <a:lstStyle/>
-          <a:p>
-            <a:pPr algn="ctr"/>
-            <a:r>
-              <a:rPr lang="en-US" sz="1200" b="1" dirty="0">
-                <a:solidFill>
-                  <a:schemeClr val="bg1"/>
-                </a:solidFill>
-              </a:rPr>
-              <a:t>Entity</a:t>
-            </a:r>
-            <a:endParaRPr kumimoji="1" lang="en-US" sz="1200" b="1" dirty="0">
-              <a:solidFill>
-                <a:schemeClr val="bg1"/>
-              </a:solidFill>
-            </a:endParaRPr>
-          </a:p>
-        </p:txBody>
-      </p:sp>
-      <p:sp>
-        <p:nvSpPr>
-          <p:cNvPr id="27" name="正方形/長方形 34">
-            <a:extLst>
-              <a:ext uri="{FF2B5EF4-FFF2-40B4-BE49-F238E27FC236}">
-                <a16:creationId xmlns:a16="http://schemas.microsoft.com/office/drawing/2014/main" id="{8AF7C647-C494-710B-2685-6F810FC98B92}"/>
-              </a:ext>
-            </a:extLst>
-          </p:cNvPr>
-          <p:cNvSpPr/>
-          <p:nvPr/>
-        </p:nvSpPr>
-        <p:spPr>
-          <a:xfrm>
-            <a:off x="7514894" y="5727062"/>
-            <a:ext cx="1376477" cy="294084"/>
-          </a:xfrm>
-          <a:prstGeom prst="rect">
-            <a:avLst/>
-          </a:prstGeom>
-          <a:solidFill>
-            <a:schemeClr val="accent6">
-              <a:lumMod val="50000"/>
-            </a:schemeClr>
-          </a:solidFill>
-          <a:ln>
-            <a:noFill/>
-          </a:ln>
-        </p:spPr>
-        <p:style>
-          <a:lnRef idx="2">
-            <a:schemeClr val="accent1">
-              <a:shade val="50000"/>
-            </a:schemeClr>
-          </a:lnRef>
-          <a:fillRef idx="1">
-            <a:schemeClr val="accent1"/>
-          </a:fillRef>
-          <a:effectRef idx="0">
-            <a:schemeClr val="accent1"/>
-          </a:effectRef>
-          <a:fontRef idx="minor">
-            <a:schemeClr val="lt1"/>
-          </a:fontRef>
-        </p:style>
-        <p:txBody>
-          <a:bodyPr rtlCol="0" anchor="ctr"/>
-          <a:lstStyle/>
-          <a:p>
-            <a:pPr algn="ctr"/>
-            <a:r>
-              <a:rPr kumimoji="1" lang="en-US" sz="1200" b="1" dirty="0" err="1">
-                <a:solidFill>
-                  <a:schemeClr val="bg1"/>
-                </a:solidFill>
-              </a:rPr>
-              <a:t>ViewModel</a:t>
-            </a:r>
-            <a:endParaRPr kumimoji="1" lang="en-US" sz="1200" b="1" dirty="0">
-              <a:solidFill>
-                <a:schemeClr val="bg1"/>
-              </a:solidFill>
-            </a:endParaRPr>
-          </a:p>
-        </p:txBody>
-      </p:sp>
-      <p:cxnSp>
-        <p:nvCxnSpPr>
-          <p:cNvPr id="28" name="Straight Arrow Connector 27">
-            <a:extLst>
-              <a:ext uri="{FF2B5EF4-FFF2-40B4-BE49-F238E27FC236}">
-                <a16:creationId xmlns:a16="http://schemas.microsoft.com/office/drawing/2014/main" id="{6C2D4059-8565-D46D-A160-D16676C3912A}"/>
-              </a:ext>
-            </a:extLst>
-          </p:cNvPr>
-          <p:cNvCxnSpPr>
-            <a:cxnSpLocks/>
-          </p:cNvCxnSpPr>
-          <p:nvPr/>
-        </p:nvCxnSpPr>
-        <p:spPr>
-          <a:xfrm>
-            <a:off x="6569806" y="5874104"/>
-            <a:ext cx="430361" cy="0"/>
-          </a:xfrm>
-          <a:prstGeom prst="straightConnector1">
-            <a:avLst/>
-          </a:prstGeom>
-          <a:ln w="66675">
-            <a:solidFill>
-              <a:schemeClr val="accent6">
-                <a:lumMod val="50000"/>
-              </a:schemeClr>
-            </a:solidFill>
-            <a:tailEnd type="triangle"/>
-          </a:ln>
-        </p:spPr>
-        <p:style>
-          <a:lnRef idx="1">
-            <a:schemeClr val="accent1"/>
-          </a:lnRef>
-          <a:fillRef idx="0">
-            <a:schemeClr val="accent1"/>
-          </a:fillRef>
-          <a:effectRef idx="0">
-            <a:schemeClr val="accent1"/>
-          </a:effectRef>
-          <a:fontRef idx="minor">
-            <a:schemeClr val="tx1"/>
-          </a:fontRef>
-        </p:style>
-      </p:cxnSp>
-      <p:cxnSp>
-        <p:nvCxnSpPr>
-          <p:cNvPr id="29" name="Straight Arrow Connector 28">
-            <a:extLst>
-              <a:ext uri="{FF2B5EF4-FFF2-40B4-BE49-F238E27FC236}">
-                <a16:creationId xmlns:a16="http://schemas.microsoft.com/office/drawing/2014/main" id="{7CA924FE-5A50-22F5-457D-B2FE452C240F}"/>
-              </a:ext>
-            </a:extLst>
-          </p:cNvPr>
-          <p:cNvCxnSpPr>
-            <a:cxnSpLocks/>
-          </p:cNvCxnSpPr>
-          <p:nvPr/>
-        </p:nvCxnSpPr>
-        <p:spPr>
-          <a:xfrm>
-            <a:off x="6580877" y="6299773"/>
-            <a:ext cx="430361" cy="0"/>
-          </a:xfrm>
-          <a:prstGeom prst="straightConnector1">
-            <a:avLst/>
-          </a:prstGeom>
-          <a:ln w="66675">
-            <a:solidFill>
-              <a:schemeClr val="accent6">
-                <a:lumMod val="50000"/>
-              </a:schemeClr>
-            </a:solidFill>
-            <a:tailEnd type="triangle"/>
-          </a:ln>
-        </p:spPr>
-        <p:style>
-          <a:lnRef idx="1">
-            <a:schemeClr val="accent1"/>
-          </a:lnRef>
-          <a:fillRef idx="0">
-            <a:schemeClr val="accent1"/>
-          </a:fillRef>
-          <a:effectRef idx="0">
-            <a:schemeClr val="accent1"/>
-          </a:effectRef>
-          <a:fontRef idx="minor">
-            <a:schemeClr val="tx1"/>
-          </a:fontRef>
-        </p:style>
-      </p:cxnSp>
-      <p:sp>
-        <p:nvSpPr>
-          <p:cNvPr id="30" name="正方形/長方形 34">
-            <a:extLst>
-              <a:ext uri="{FF2B5EF4-FFF2-40B4-BE49-F238E27FC236}">
-                <a16:creationId xmlns:a16="http://schemas.microsoft.com/office/drawing/2014/main" id="{A8E59DE6-3AB4-E891-8295-759D15D484DE}"/>
-              </a:ext>
-            </a:extLst>
-          </p:cNvPr>
-          <p:cNvSpPr/>
-          <p:nvPr/>
-        </p:nvSpPr>
-        <p:spPr>
-          <a:xfrm>
-            <a:off x="7514893" y="6171401"/>
-            <a:ext cx="1376477" cy="294084"/>
-          </a:xfrm>
-          <a:prstGeom prst="rect">
-            <a:avLst/>
-          </a:prstGeom>
-          <a:solidFill>
-            <a:schemeClr val="accent6">
-              <a:lumMod val="50000"/>
-            </a:schemeClr>
-          </a:solidFill>
-          <a:ln>
-            <a:noFill/>
-          </a:ln>
-        </p:spPr>
-        <p:style>
-          <a:lnRef idx="2">
-            <a:schemeClr val="accent1">
-              <a:shade val="50000"/>
-            </a:schemeClr>
-          </a:lnRef>
-          <a:fillRef idx="1">
-            <a:schemeClr val="accent1"/>
-          </a:fillRef>
-          <a:effectRef idx="0">
-            <a:schemeClr val="accent1"/>
-          </a:effectRef>
-          <a:fontRef idx="minor">
-            <a:schemeClr val="lt1"/>
-          </a:fontRef>
-        </p:style>
-        <p:txBody>
-          <a:bodyPr rtlCol="0" anchor="ctr"/>
-          <a:lstStyle/>
-          <a:p>
-            <a:pPr algn="ctr"/>
-            <a:r>
-              <a:rPr kumimoji="1" lang="en-US" sz="1200" b="1" dirty="0" err="1">
-                <a:solidFill>
-                  <a:schemeClr val="bg1"/>
-                </a:solidFill>
-              </a:rPr>
-              <a:t>ViewController</a:t>
-            </a:r>
-            <a:endParaRPr kumimoji="1" lang="en-US" sz="1200" b="1" dirty="0">
-              <a:solidFill>
-                <a:schemeClr val="bg1"/>
-              </a:solidFill>
-            </a:endParaRPr>
+              <a:rPr lang="en-US" b="1" dirty="0"/>
+              <a:t>Start to organize life cycle</a:t>
+            </a:r>
           </a:p>
         </p:txBody>
       </p:sp>
     </p:spTree>
     <p:extLst>
       <p:ext uri="{BB962C8B-B14F-4D97-AF65-F5344CB8AC3E}">
-        <p14:creationId xmlns:p14="http://schemas.microsoft.com/office/powerpoint/2010/main" val="2067146407"/>
+        <p14:creationId xmlns:p14="http://schemas.microsoft.com/office/powerpoint/2010/main" val="3024959510"/>
       </p:ext>
     </p:extLst>
   </p:cSld>
@@ -9480,17 +12261,737 @@
           <a:chExt cx="0" cy="0"/>
         </a:xfrm>
       </p:grpSpPr>
+      <p:sp>
+        <p:nvSpPr>
+          <p:cNvPr id="2" name="タイトル 1"/>
+          <p:cNvSpPr>
+            <a:spLocks noGrp="1"/>
+          </p:cNvSpPr>
+          <p:nvPr>
+            <p:ph type="title"/>
+          </p:nvPr>
+        </p:nvSpPr>
+        <p:spPr/>
+        <p:txBody>
+          <a:bodyPr>
+            <a:noAutofit/>
+          </a:bodyPr>
+          <a:lstStyle/>
+          <a:p>
+            <a:pPr algn="ctr"/>
+            <a:r>
+              <a:rPr lang="en-US" altLang="ja-JP" sz="3600" b="1" dirty="0"/>
+              <a:t>Build feature - 4 </a:t>
+            </a:r>
+            <a:endParaRPr lang="ja-JP" altLang="en-US" sz="3600" b="1" kern="0" dirty="0"/>
+          </a:p>
+        </p:txBody>
+      </p:sp>
+      <p:cxnSp>
+        <p:nvCxnSpPr>
+          <p:cNvPr id="8" name="Straight Connector 7">
+            <a:extLst>
+              <a:ext uri="{FF2B5EF4-FFF2-40B4-BE49-F238E27FC236}">
+                <a16:creationId xmlns:a16="http://schemas.microsoft.com/office/drawing/2014/main" id="{0F07A22E-5A49-9049-9297-0D650C8F1F64}"/>
+              </a:ext>
+            </a:extLst>
+          </p:cNvPr>
+          <p:cNvCxnSpPr>
+            <a:cxnSpLocks/>
+          </p:cNvCxnSpPr>
+          <p:nvPr/>
+        </p:nvCxnSpPr>
+        <p:spPr>
+          <a:xfrm>
+            <a:off x="797441" y="950071"/>
+            <a:ext cx="10047768" cy="0"/>
+          </a:xfrm>
+          <a:prstGeom prst="line">
+            <a:avLst/>
+          </a:prstGeom>
+          <a:ln/>
+        </p:spPr>
+        <p:style>
+          <a:lnRef idx="2">
+            <a:schemeClr val="dk1"/>
+          </a:lnRef>
+          <a:fillRef idx="0">
+            <a:schemeClr val="dk1"/>
+          </a:fillRef>
+          <a:effectRef idx="1">
+            <a:schemeClr val="dk1"/>
+          </a:effectRef>
+          <a:fontRef idx="minor">
+            <a:schemeClr val="tx1"/>
+          </a:fontRef>
+        </p:style>
+      </p:cxnSp>
+      <p:sp>
+        <p:nvSpPr>
+          <p:cNvPr id="3" name="TextBox 2">
+            <a:extLst>
+              <a:ext uri="{FF2B5EF4-FFF2-40B4-BE49-F238E27FC236}">
+                <a16:creationId xmlns:a16="http://schemas.microsoft.com/office/drawing/2014/main" id="{BB9A9174-A47B-0443-60C0-0288F7074B06}"/>
+              </a:ext>
+            </a:extLst>
+          </p:cNvPr>
+          <p:cNvSpPr txBox="1"/>
+          <p:nvPr/>
+        </p:nvSpPr>
+        <p:spPr>
+          <a:xfrm>
+            <a:off x="797440" y="1215772"/>
+            <a:ext cx="10047767" cy="4715393"/>
+          </a:xfrm>
+          <a:prstGeom prst="rect">
+            <a:avLst/>
+          </a:prstGeom>
+          <a:noFill/>
+        </p:spPr>
+        <p:txBody>
+          <a:bodyPr wrap="square" rtlCol="0">
+            <a:spAutoFit/>
+          </a:bodyPr>
+          <a:lstStyle/>
+          <a:p>
+            <a:pPr marL="285750" indent="-285750">
+              <a:lnSpc>
+                <a:spcPct val="120000"/>
+              </a:lnSpc>
+              <a:buSzPct val="100000"/>
+              <a:buFont typeface="Arial" panose="020B0604020202020204" pitchFamily="34" charset="0"/>
+              <a:buChar char="•"/>
+            </a:pPr>
+            <a:r>
+              <a:rPr lang="en-US" b="1" dirty="0">
+                <a:effectLst/>
+              </a:rPr>
+              <a:t>Refactor Repository</a:t>
+            </a:r>
+          </a:p>
+          <a:p>
+            <a:pPr marL="742950" lvl="1" indent="-285750">
+              <a:lnSpc>
+                <a:spcPct val="120000"/>
+              </a:lnSpc>
+              <a:buSzPct val="100000"/>
+              <a:buFont typeface="Arial" panose="020B0604020202020204" pitchFamily="34" charset="0"/>
+              <a:buChar char="•"/>
+            </a:pPr>
+            <a:r>
+              <a:rPr lang="en-US" dirty="0"/>
+              <a:t>Create a new method</a:t>
+            </a:r>
+          </a:p>
+          <a:p>
+            <a:pPr marL="742950" lvl="1" indent="-285750">
+              <a:lnSpc>
+                <a:spcPct val="120000"/>
+              </a:lnSpc>
+              <a:buSzPct val="100000"/>
+              <a:buFont typeface="Arial" panose="020B0604020202020204" pitchFamily="34" charset="0"/>
+              <a:buChar char="•"/>
+            </a:pPr>
+            <a:r>
+              <a:rPr lang="en-US" dirty="0"/>
+              <a:t>Don’t forgot to write the method in "Protocol"</a:t>
+            </a:r>
+          </a:p>
+          <a:p>
+            <a:pPr marL="742950" lvl="1" indent="-285750">
+              <a:lnSpc>
+                <a:spcPct val="120000"/>
+              </a:lnSpc>
+              <a:buSzPct val="100000"/>
+              <a:buFont typeface="Arial" panose="020B0604020202020204" pitchFamily="34" charset="0"/>
+              <a:buChar char="•"/>
+            </a:pPr>
+            <a:r>
+              <a:rPr lang="en-US" dirty="0"/>
+              <a:t>Copy perform API logic into repository</a:t>
+            </a:r>
+          </a:p>
+          <a:p>
+            <a:pPr marL="742950" lvl="1" indent="-285750">
+              <a:lnSpc>
+                <a:spcPct val="120000"/>
+              </a:lnSpc>
+              <a:buSzPct val="100000"/>
+              <a:buFont typeface="Arial" panose="020B0604020202020204" pitchFamily="34" charset="0"/>
+              <a:buChar char="•"/>
+            </a:pPr>
+            <a:r>
+              <a:rPr lang="en-US" dirty="0"/>
+              <a:t>Network request is the same , so we just move logic from </a:t>
+            </a:r>
+            <a:r>
+              <a:rPr lang="en-US" dirty="0" err="1"/>
+              <a:t>RakutenWalletApiManager</a:t>
+            </a:r>
+            <a:r>
+              <a:rPr lang="en-US" dirty="0"/>
+              <a:t> and API Manager to Repository</a:t>
+            </a:r>
+          </a:p>
+          <a:p>
+            <a:pPr marL="285750" indent="-285750">
+              <a:lnSpc>
+                <a:spcPct val="120000"/>
+              </a:lnSpc>
+              <a:buSzPct val="100000"/>
+              <a:buFont typeface="Arial" panose="020B0604020202020204" pitchFamily="34" charset="0"/>
+              <a:buChar char="•"/>
+            </a:pPr>
+            <a:r>
+              <a:rPr lang="en-US" b="1" dirty="0"/>
+              <a:t>Create new </a:t>
+            </a:r>
+            <a:r>
+              <a:rPr lang="en-US" b="1" dirty="0" err="1"/>
+              <a:t>EndPoint</a:t>
+            </a:r>
+            <a:endParaRPr lang="en-US" b="1" dirty="0"/>
+          </a:p>
+          <a:p>
+            <a:pPr marL="742950" lvl="1" indent="-285750">
+              <a:lnSpc>
+                <a:spcPct val="120000"/>
+              </a:lnSpc>
+              <a:buSzPct val="100000"/>
+              <a:buFont typeface="Arial" panose="020B0604020202020204" pitchFamily="34" charset="0"/>
+              <a:buChar char="•"/>
+            </a:pPr>
+            <a:r>
+              <a:rPr lang="en-US" dirty="0"/>
+              <a:t>Refactor from the first line before invoke “Network request”</a:t>
+            </a:r>
+          </a:p>
+          <a:p>
+            <a:pPr marL="742950" lvl="1" indent="-285750">
+              <a:lnSpc>
+                <a:spcPct val="120000"/>
+              </a:lnSpc>
+              <a:buSzPct val="100000"/>
+              <a:buFont typeface="Arial" panose="020B0604020202020204" pitchFamily="34" charset="0"/>
+              <a:buChar char="•"/>
+            </a:pPr>
+            <a:r>
+              <a:rPr lang="en-US" dirty="0"/>
+              <a:t>Copy </a:t>
+            </a:r>
+            <a:r>
+              <a:rPr lang="en-US" dirty="0" err="1"/>
+              <a:t>parameters、API</a:t>
+            </a:r>
+            <a:r>
+              <a:rPr lang="en-US" dirty="0"/>
+              <a:t> </a:t>
+            </a:r>
+            <a:r>
+              <a:rPr lang="en-US" dirty="0" err="1"/>
+              <a:t>path、method</a:t>
+            </a:r>
+            <a:endParaRPr lang="en-US" dirty="0"/>
+          </a:p>
+          <a:p>
+            <a:pPr marL="742950" lvl="1" indent="-285750">
+              <a:lnSpc>
+                <a:spcPct val="120000"/>
+              </a:lnSpc>
+              <a:buSzPct val="100000"/>
+              <a:buFont typeface="Arial" panose="020B0604020202020204" pitchFamily="34" charset="0"/>
+              <a:buChar char="•"/>
+            </a:pPr>
+            <a:r>
+              <a:rPr lang="en-US" dirty="0"/>
+              <a:t>Make a new </a:t>
+            </a:r>
+            <a:r>
+              <a:rPr lang="en-US" dirty="0" err="1"/>
+              <a:t>EndPoint</a:t>
+            </a:r>
+            <a:endParaRPr lang="en-US" dirty="0"/>
+          </a:p>
+          <a:p>
+            <a:pPr marL="742950" lvl="1" indent="-285750">
+              <a:lnSpc>
+                <a:spcPct val="120000"/>
+              </a:lnSpc>
+              <a:buSzPct val="100000"/>
+              <a:buFont typeface="Arial" panose="020B0604020202020204" pitchFamily="34" charset="0"/>
+              <a:buChar char="•"/>
+            </a:pPr>
+            <a:r>
+              <a:rPr lang="en-US" dirty="0" err="1"/>
+              <a:t>NetworkEndpoint</a:t>
+            </a:r>
+            <a:r>
+              <a:rPr lang="en-US" dirty="0"/>
+              <a:t>&lt;Generic(your response object)&gt;</a:t>
+            </a:r>
+          </a:p>
+          <a:p>
+            <a:pPr marL="742950" lvl="1" indent="-285750">
+              <a:lnSpc>
+                <a:spcPct val="120000"/>
+              </a:lnSpc>
+              <a:buSzPct val="100000"/>
+              <a:buFont typeface="Arial" panose="020B0604020202020204" pitchFamily="34" charset="0"/>
+              <a:buChar char="•"/>
+            </a:pPr>
+            <a:r>
+              <a:rPr lang="en-US" dirty="0"/>
+              <a:t>Refactor DTO (Data transfer object) &gt; Data to Entity</a:t>
+            </a:r>
+          </a:p>
+          <a:p>
+            <a:pPr marL="742950" lvl="1" indent="-285750">
+              <a:lnSpc>
+                <a:spcPct val="120000"/>
+              </a:lnSpc>
+              <a:buSzPct val="100000"/>
+              <a:buFont typeface="Arial" panose="020B0604020202020204" pitchFamily="34" charset="0"/>
+              <a:buChar char="•"/>
+            </a:pPr>
+            <a:r>
+              <a:rPr lang="en-US" dirty="0"/>
+              <a:t>Copy all properties to DTO &gt; refactor </a:t>
+            </a:r>
+            <a:r>
+              <a:rPr lang="en-US" dirty="0" err="1"/>
+              <a:t>toDomain</a:t>
+            </a:r>
+            <a:r>
+              <a:rPr lang="en-US" dirty="0"/>
+              <a:t> method </a:t>
+            </a:r>
+          </a:p>
+          <a:p>
+            <a:pPr marL="285750" indent="-285750">
+              <a:lnSpc>
+                <a:spcPct val="120000"/>
+              </a:lnSpc>
+              <a:buSzPct val="100000"/>
+              <a:buFont typeface="Arial" panose="020B0604020202020204" pitchFamily="34" charset="0"/>
+              <a:buChar char="•"/>
+            </a:pPr>
+            <a:r>
+              <a:rPr lang="en-US" b="1" dirty="0"/>
+              <a:t>Perform API call with Endpoint object by </a:t>
+            </a:r>
+            <a:r>
+              <a:rPr lang="en-US" b="1" dirty="0" err="1"/>
+              <a:t>RemoteDataLoader</a:t>
+            </a:r>
+            <a:endParaRPr lang="en-US" b="1" dirty="0"/>
+          </a:p>
+        </p:txBody>
+      </p:sp>
     </p:spTree>
     <p:extLst>
       <p:ext uri="{BB962C8B-B14F-4D97-AF65-F5344CB8AC3E}">
-        <p14:creationId xmlns:p14="http://schemas.microsoft.com/office/powerpoint/2010/main" val="843944518"/>
+        <p14:creationId xmlns:p14="http://schemas.microsoft.com/office/powerpoint/2010/main" val="3915449693"/>
       </p:ext>
     </p:extLst>
   </p:cSld>
   <p:clrMapOvr>
     <a:masterClrMapping/>
   </p:clrMapOvr>
-  <p:transition spd="med"/>
+</p:sld>
+</file>
+
+<file path=ppt/slides/slide9.xml><?xml version="1.0" encoding="utf-8"?>
+<p:sld xmlns:a="http://schemas.openxmlformats.org/drawingml/2006/main" xmlns:r="http://schemas.openxmlformats.org/officeDocument/2006/relationships" xmlns:p="http://schemas.openxmlformats.org/presentationml/2006/main">
+  <p:cSld>
+    <p:spTree>
+      <p:nvGrpSpPr>
+        <p:cNvPr id="1" name=""/>
+        <p:cNvGrpSpPr/>
+        <p:nvPr/>
+      </p:nvGrpSpPr>
+      <p:grpSpPr>
+        <a:xfrm>
+          <a:off x="0" y="0"/>
+          <a:ext cx="0" cy="0"/>
+          <a:chOff x="0" y="0"/>
+          <a:chExt cx="0" cy="0"/>
+        </a:xfrm>
+      </p:grpSpPr>
+      <p:sp>
+        <p:nvSpPr>
+          <p:cNvPr id="2" name="タイトル 1"/>
+          <p:cNvSpPr>
+            <a:spLocks noGrp="1"/>
+          </p:cNvSpPr>
+          <p:nvPr>
+            <p:ph type="title"/>
+          </p:nvPr>
+        </p:nvSpPr>
+        <p:spPr/>
+        <p:txBody>
+          <a:bodyPr>
+            <a:noAutofit/>
+          </a:bodyPr>
+          <a:lstStyle/>
+          <a:p>
+            <a:pPr algn="ctr"/>
+            <a:r>
+              <a:rPr lang="en-US" altLang="ja-JP" sz="3600" b="1" dirty="0"/>
+              <a:t>Build feature - 5 </a:t>
+            </a:r>
+            <a:endParaRPr lang="ja-JP" altLang="en-US" sz="3600" b="1" kern="0" dirty="0"/>
+          </a:p>
+        </p:txBody>
+      </p:sp>
+      <p:cxnSp>
+        <p:nvCxnSpPr>
+          <p:cNvPr id="8" name="Straight Connector 7">
+            <a:extLst>
+              <a:ext uri="{FF2B5EF4-FFF2-40B4-BE49-F238E27FC236}">
+                <a16:creationId xmlns:a16="http://schemas.microsoft.com/office/drawing/2014/main" id="{0F07A22E-5A49-9049-9297-0D650C8F1F64}"/>
+              </a:ext>
+            </a:extLst>
+          </p:cNvPr>
+          <p:cNvCxnSpPr>
+            <a:cxnSpLocks/>
+          </p:cNvCxnSpPr>
+          <p:nvPr/>
+        </p:nvCxnSpPr>
+        <p:spPr>
+          <a:xfrm>
+            <a:off x="797441" y="950071"/>
+            <a:ext cx="10047768" cy="0"/>
+          </a:xfrm>
+          <a:prstGeom prst="line">
+            <a:avLst/>
+          </a:prstGeom>
+          <a:ln/>
+        </p:spPr>
+        <p:style>
+          <a:lnRef idx="2">
+            <a:schemeClr val="dk1"/>
+          </a:lnRef>
+          <a:fillRef idx="0">
+            <a:schemeClr val="dk1"/>
+          </a:fillRef>
+          <a:effectRef idx="1">
+            <a:schemeClr val="dk1"/>
+          </a:effectRef>
+          <a:fontRef idx="minor">
+            <a:schemeClr val="tx1"/>
+          </a:fontRef>
+        </p:style>
+      </p:cxnSp>
+      <p:sp>
+        <p:nvSpPr>
+          <p:cNvPr id="3" name="TextBox 2">
+            <a:extLst>
+              <a:ext uri="{FF2B5EF4-FFF2-40B4-BE49-F238E27FC236}">
+                <a16:creationId xmlns:a16="http://schemas.microsoft.com/office/drawing/2014/main" id="{BB9A9174-A47B-0443-60C0-0288F7074B06}"/>
+              </a:ext>
+            </a:extLst>
+          </p:cNvPr>
+          <p:cNvSpPr txBox="1"/>
+          <p:nvPr/>
+        </p:nvSpPr>
+        <p:spPr>
+          <a:xfrm>
+            <a:off x="797440" y="1215772"/>
+            <a:ext cx="10047767" cy="5380191"/>
+          </a:xfrm>
+          <a:prstGeom prst="rect">
+            <a:avLst/>
+          </a:prstGeom>
+          <a:noFill/>
+        </p:spPr>
+        <p:txBody>
+          <a:bodyPr wrap="square" rtlCol="0">
+            <a:spAutoFit/>
+          </a:bodyPr>
+          <a:lstStyle/>
+          <a:p>
+            <a:pPr marL="285750" indent="-285750">
+              <a:lnSpc>
+                <a:spcPct val="120000"/>
+              </a:lnSpc>
+              <a:buSzPct val="100000"/>
+              <a:buFont typeface="Arial" panose="020B0604020202020204" pitchFamily="34" charset="0"/>
+              <a:buChar char="•"/>
+            </a:pPr>
+            <a:r>
+              <a:rPr lang="en-US" b="1" dirty="0">
+                <a:effectLst/>
+              </a:rPr>
+              <a:t>Refactor all the method to Combine objects (</a:t>
+            </a:r>
+            <a:r>
+              <a:rPr lang="en-US" b="1" dirty="0" err="1">
+                <a:effectLst/>
+              </a:rPr>
+              <a:t>AnyPublisher</a:t>
+            </a:r>
+            <a:r>
+              <a:rPr lang="en-US" b="1" dirty="0"/>
+              <a:t>&lt;</a:t>
+            </a:r>
+            <a:r>
+              <a:rPr lang="en-US" b="1" dirty="0" err="1"/>
+              <a:t>Success,Error</a:t>
+            </a:r>
+            <a:r>
+              <a:rPr lang="en-US" b="1" dirty="0"/>
+              <a:t>&gt;)</a:t>
+            </a:r>
+            <a:endParaRPr lang="en-US" b="1" dirty="0">
+              <a:effectLst/>
+            </a:endParaRPr>
+          </a:p>
+          <a:p>
+            <a:pPr marL="742950" lvl="1" indent="-285750">
+              <a:lnSpc>
+                <a:spcPct val="120000"/>
+              </a:lnSpc>
+              <a:buSzPct val="100000"/>
+              <a:buFont typeface="Arial" panose="020B0604020202020204" pitchFamily="34" charset="0"/>
+              <a:buChar char="•"/>
+            </a:pPr>
+            <a:r>
+              <a:rPr lang="en-US" b="1" dirty="0"/>
+              <a:t>Repository </a:t>
+            </a:r>
+          </a:p>
+          <a:p>
+            <a:pPr marL="1200150" lvl="2" indent="-285750">
+              <a:lnSpc>
+                <a:spcPct val="120000"/>
+              </a:lnSpc>
+              <a:buSzPct val="100000"/>
+              <a:buFont typeface="Arial" panose="020B0604020202020204" pitchFamily="34" charset="0"/>
+              <a:buChar char="•"/>
+            </a:pPr>
+            <a:r>
+              <a:rPr lang="en-US" dirty="0"/>
+              <a:t>Success &gt; Entity</a:t>
+            </a:r>
+          </a:p>
+          <a:p>
+            <a:pPr marL="1200150" lvl="2" indent="-285750">
+              <a:lnSpc>
+                <a:spcPct val="120000"/>
+              </a:lnSpc>
+              <a:buSzPct val="100000"/>
+              <a:buFont typeface="Arial" panose="020B0604020202020204" pitchFamily="34" charset="0"/>
+              <a:buChar char="•"/>
+            </a:pPr>
+            <a:r>
+              <a:rPr lang="en-US" dirty="0">
+                <a:effectLst/>
+              </a:rPr>
+              <a:t>Error &gt; API Error</a:t>
+            </a:r>
+            <a:endParaRPr lang="en-US" dirty="0"/>
+          </a:p>
+          <a:p>
+            <a:pPr marL="1200150" lvl="2" indent="-285750">
+              <a:lnSpc>
+                <a:spcPct val="120000"/>
+              </a:lnSpc>
+              <a:buSzPct val="100000"/>
+              <a:buFont typeface="Arial" panose="020B0604020202020204" pitchFamily="34" charset="0"/>
+              <a:buChar char="•"/>
+            </a:pPr>
+            <a:r>
+              <a:rPr lang="en-US" dirty="0"/>
+              <a:t>Wrap DTO publisher to Entity</a:t>
+            </a:r>
+          </a:p>
+          <a:p>
+            <a:pPr marL="742950" lvl="1" indent="-285750">
+              <a:lnSpc>
+                <a:spcPct val="120000"/>
+              </a:lnSpc>
+              <a:buSzPct val="100000"/>
+              <a:buFont typeface="Arial" panose="020B0604020202020204" pitchFamily="34" charset="0"/>
+              <a:buChar char="•"/>
+            </a:pPr>
+            <a:r>
+              <a:rPr lang="en-US" b="1" dirty="0" err="1"/>
+              <a:t>UseCase</a:t>
+            </a:r>
+            <a:endParaRPr lang="en-US" b="1" dirty="0"/>
+          </a:p>
+          <a:p>
+            <a:pPr marL="1200150" lvl="2" indent="-285750">
+              <a:lnSpc>
+                <a:spcPct val="120000"/>
+              </a:lnSpc>
+              <a:buSzPct val="100000"/>
+              <a:buFont typeface="Arial" panose="020B0604020202020204" pitchFamily="34" charset="0"/>
+              <a:buChar char="•"/>
+            </a:pPr>
+            <a:r>
+              <a:rPr lang="en-US" dirty="0"/>
+              <a:t>Success &gt; Entity</a:t>
+            </a:r>
+          </a:p>
+          <a:p>
+            <a:pPr marL="1200150" lvl="2" indent="-285750">
+              <a:lnSpc>
+                <a:spcPct val="120000"/>
+              </a:lnSpc>
+              <a:buSzPct val="100000"/>
+              <a:buFont typeface="Arial" panose="020B0604020202020204" pitchFamily="34" charset="0"/>
+              <a:buChar char="•"/>
+            </a:pPr>
+            <a:r>
+              <a:rPr lang="en-US" dirty="0">
+                <a:effectLst/>
+              </a:rPr>
+              <a:t>Error &gt; API Error</a:t>
+            </a:r>
+            <a:endParaRPr lang="en-US" dirty="0"/>
+          </a:p>
+          <a:p>
+            <a:pPr marL="742950" lvl="1" indent="-285750">
+              <a:lnSpc>
+                <a:spcPct val="120000"/>
+              </a:lnSpc>
+              <a:buSzPct val="100000"/>
+              <a:buFont typeface="Arial" panose="020B0604020202020204" pitchFamily="34" charset="0"/>
+              <a:buChar char="•"/>
+            </a:pPr>
+            <a:r>
+              <a:rPr lang="en-US" b="1" dirty="0" err="1"/>
+              <a:t>ViewModel</a:t>
+            </a:r>
+            <a:endParaRPr lang="en-US" b="1" dirty="0"/>
+          </a:p>
+          <a:p>
+            <a:pPr marL="1200150" lvl="2" indent="-285750">
+              <a:lnSpc>
+                <a:spcPct val="120000"/>
+              </a:lnSpc>
+              <a:buSzPct val="100000"/>
+              <a:buFont typeface="Arial" panose="020B0604020202020204" pitchFamily="34" charset="0"/>
+              <a:buChar char="•"/>
+            </a:pPr>
+            <a:r>
+              <a:rPr lang="en-US" dirty="0"/>
+              <a:t>Refactor data handler and data flow in </a:t>
+            </a:r>
+            <a:r>
+              <a:rPr lang="en-US" dirty="0" err="1"/>
+              <a:t>initialActions</a:t>
+            </a:r>
+            <a:endParaRPr lang="en-US" dirty="0"/>
+          </a:p>
+          <a:p>
+            <a:pPr marL="1200150" lvl="2" indent="-285750">
+              <a:lnSpc>
+                <a:spcPct val="120000"/>
+              </a:lnSpc>
+              <a:buSzPct val="100000"/>
+              <a:buFont typeface="Arial" panose="020B0604020202020204" pitchFamily="34" charset="0"/>
+              <a:buChar char="•"/>
+            </a:pPr>
+            <a:r>
+              <a:rPr lang="en-US" dirty="0"/>
+              <a:t>Move properties into </a:t>
+            </a:r>
+            <a:r>
+              <a:rPr lang="en-US" dirty="0" err="1"/>
+              <a:t>viewmodel</a:t>
+            </a:r>
+            <a:endParaRPr lang="en-US" dirty="0"/>
+          </a:p>
+          <a:p>
+            <a:pPr marL="1200150" lvl="2" indent="-285750">
+              <a:lnSpc>
+                <a:spcPct val="120000"/>
+              </a:lnSpc>
+              <a:buSzPct val="100000"/>
+              <a:buFont typeface="Arial" panose="020B0604020202020204" pitchFamily="34" charset="0"/>
+              <a:buChar char="•"/>
+            </a:pPr>
+            <a:r>
+              <a:rPr lang="en-US" dirty="0"/>
+              <a:t>Add UI binding depend on </a:t>
+            </a:r>
+            <a:r>
+              <a:rPr lang="en-US" dirty="0" err="1"/>
+              <a:t>dataFlow</a:t>
+            </a:r>
+            <a:endParaRPr lang="en-US" dirty="0"/>
+          </a:p>
+          <a:p>
+            <a:pPr marL="1657350" lvl="3" indent="-285750">
+              <a:lnSpc>
+                <a:spcPct val="120000"/>
+              </a:lnSpc>
+              <a:buSzPct val="100000"/>
+              <a:buFont typeface="Arial" panose="020B0604020202020204" pitchFamily="34" charset="0"/>
+              <a:buChar char="•"/>
+            </a:pPr>
+            <a:r>
+              <a:rPr lang="en-US" dirty="0"/>
+              <a:t>Input &gt; replace input trigger</a:t>
+            </a:r>
+          </a:p>
+          <a:p>
+            <a:pPr marL="1657350" lvl="3" indent="-285750">
+              <a:lnSpc>
+                <a:spcPct val="120000"/>
+              </a:lnSpc>
+              <a:buSzPct val="100000"/>
+              <a:buFont typeface="Arial" panose="020B0604020202020204" pitchFamily="34" charset="0"/>
+              <a:buChar char="•"/>
+            </a:pPr>
+            <a:r>
+              <a:rPr lang="en-US" dirty="0"/>
+              <a:t>Output &gt; change UI status</a:t>
+            </a:r>
+          </a:p>
+          <a:p>
+            <a:pPr marL="2114550" lvl="4" indent="-285750">
+              <a:lnSpc>
+                <a:spcPct val="120000"/>
+              </a:lnSpc>
+              <a:buSzPct val="100000"/>
+              <a:buFont typeface="Arial" panose="020B0604020202020204" pitchFamily="34" charset="0"/>
+              <a:buChar char="•"/>
+            </a:pPr>
+            <a:r>
+              <a:rPr lang="en-US" dirty="0"/>
+              <a:t>Loading activities</a:t>
+            </a:r>
+          </a:p>
+          <a:p>
+            <a:pPr marL="2114550" lvl="4" indent="-285750">
+              <a:lnSpc>
+                <a:spcPct val="120000"/>
+              </a:lnSpc>
+              <a:buSzPct val="100000"/>
+              <a:buFont typeface="Arial" panose="020B0604020202020204" pitchFamily="34" charset="0"/>
+              <a:buChar char="•"/>
+            </a:pPr>
+            <a:r>
+              <a:rPr lang="en-US" dirty="0" err="1"/>
+              <a:t>UIPresent</a:t>
+            </a:r>
+            <a:endParaRPr lang="en-US" dirty="0"/>
+          </a:p>
+        </p:txBody>
+      </p:sp>
+    </p:spTree>
+    <p:extLst>
+      <p:ext uri="{BB962C8B-B14F-4D97-AF65-F5344CB8AC3E}">
+        <p14:creationId xmlns:p14="http://schemas.microsoft.com/office/powerpoint/2010/main" val="1745901562"/>
+      </p:ext>
+    </p:extLst>
+  </p:cSld>
+  <p:clrMapOvr>
+    <a:masterClrMapping/>
+  </p:clrMapOvr>
 </p:sld>
 </file>
 

--- a/MVVM-Clean-Migration/Guidence.pptx
+++ b/MVVM-Clean-Migration/Guidence.pptx
@@ -5,29 +5,30 @@
     <p:sldMasterId id="2147483648" r:id="rId1"/>
   </p:sldMasterIdLst>
   <p:notesMasterIdLst>
-    <p:notesMasterId r:id="rId19"/>
+    <p:notesMasterId r:id="rId20"/>
   </p:notesMasterIdLst>
   <p:handoutMasterIdLst>
-    <p:handoutMasterId r:id="rId20"/>
+    <p:handoutMasterId r:id="rId21"/>
   </p:handoutMasterIdLst>
   <p:sldIdLst>
     <p:sldId id="273" r:id="rId2"/>
-    <p:sldId id="351" r:id="rId3"/>
-    <p:sldId id="354" r:id="rId4"/>
-    <p:sldId id="355" r:id="rId5"/>
-    <p:sldId id="350" r:id="rId6"/>
-    <p:sldId id="356" r:id="rId7"/>
-    <p:sldId id="357" r:id="rId8"/>
-    <p:sldId id="358" r:id="rId9"/>
-    <p:sldId id="359" r:id="rId10"/>
-    <p:sldId id="360" r:id="rId11"/>
-    <p:sldId id="349" r:id="rId12"/>
-    <p:sldId id="347" r:id="rId13"/>
-    <p:sldId id="348" r:id="rId14"/>
-    <p:sldId id="343" r:id="rId15"/>
-    <p:sldId id="352" r:id="rId16"/>
-    <p:sldId id="353" r:id="rId17"/>
-    <p:sldId id="336" r:id="rId18"/>
+    <p:sldId id="361" r:id="rId3"/>
+    <p:sldId id="351" r:id="rId4"/>
+    <p:sldId id="354" r:id="rId5"/>
+    <p:sldId id="355" r:id="rId6"/>
+    <p:sldId id="350" r:id="rId7"/>
+    <p:sldId id="356" r:id="rId8"/>
+    <p:sldId id="357" r:id="rId9"/>
+    <p:sldId id="358" r:id="rId10"/>
+    <p:sldId id="359" r:id="rId11"/>
+    <p:sldId id="360" r:id="rId12"/>
+    <p:sldId id="349" r:id="rId13"/>
+    <p:sldId id="347" r:id="rId14"/>
+    <p:sldId id="348" r:id="rId15"/>
+    <p:sldId id="343" r:id="rId16"/>
+    <p:sldId id="352" r:id="rId17"/>
+    <p:sldId id="353" r:id="rId18"/>
+    <p:sldId id="336" r:id="rId19"/>
   </p:sldIdLst>
   <p:sldSz cx="12192000" cy="6858000"/>
   <p:notesSz cx="6797675" cy="9926638"/>
@@ -852,7 +853,7 @@
     </p:spTree>
     <p:extLst>
       <p:ext uri="{BB962C8B-B14F-4D97-AF65-F5344CB8AC3E}">
-        <p14:creationId xmlns:p14="http://schemas.microsoft.com/office/powerpoint/2010/main" val="2744177198"/>
+        <p14:creationId xmlns:p14="http://schemas.microsoft.com/office/powerpoint/2010/main" val="450102784"/>
       </p:ext>
     </p:extLst>
   </p:cSld>
@@ -927,7 +928,7 @@
           <a:p>
             <a:fld id="{FFC4CC46-C8F2-4731-96DE-09F553337401}" type="slidenum">
               <a:rPr kumimoji="1" lang="ja-JP" altLang="en-US" smtClean="0"/>
-              <a:t>12</a:t>
+              <a:t>11</a:t>
             </a:fld>
             <a:endParaRPr kumimoji="1" lang="ja-JP" altLang="en-US"/>
           </a:p>
@@ -936,7 +937,7 @@
     </p:spTree>
     <p:extLst>
       <p:ext uri="{BB962C8B-B14F-4D97-AF65-F5344CB8AC3E}">
-        <p14:creationId xmlns:p14="http://schemas.microsoft.com/office/powerpoint/2010/main" val="2867711796"/>
+        <p14:creationId xmlns:p14="http://schemas.microsoft.com/office/powerpoint/2010/main" val="2744177198"/>
       </p:ext>
     </p:extLst>
   </p:cSld>
@@ -1020,7 +1021,7 @@
     </p:spTree>
     <p:extLst>
       <p:ext uri="{BB962C8B-B14F-4D97-AF65-F5344CB8AC3E}">
-        <p14:creationId xmlns:p14="http://schemas.microsoft.com/office/powerpoint/2010/main" val="1840906456"/>
+        <p14:creationId xmlns:p14="http://schemas.microsoft.com/office/powerpoint/2010/main" val="2867711796"/>
       </p:ext>
     </p:extLst>
   </p:cSld>
@@ -1104,7 +1105,7 @@
     </p:spTree>
     <p:extLst>
       <p:ext uri="{BB962C8B-B14F-4D97-AF65-F5344CB8AC3E}">
-        <p14:creationId xmlns:p14="http://schemas.microsoft.com/office/powerpoint/2010/main" val="4029398183"/>
+        <p14:creationId xmlns:p14="http://schemas.microsoft.com/office/powerpoint/2010/main" val="1840906456"/>
       </p:ext>
     </p:extLst>
   </p:cSld>
@@ -1188,7 +1189,7 @@
     </p:spTree>
     <p:extLst>
       <p:ext uri="{BB962C8B-B14F-4D97-AF65-F5344CB8AC3E}">
-        <p14:creationId xmlns:p14="http://schemas.microsoft.com/office/powerpoint/2010/main" val="3421844691"/>
+        <p14:creationId xmlns:p14="http://schemas.microsoft.com/office/powerpoint/2010/main" val="4029398183"/>
       </p:ext>
     </p:extLst>
   </p:cSld>
@@ -1264,6 +1265,90 @@
             <a:fld id="{FFC4CC46-C8F2-4731-96DE-09F553337401}" type="slidenum">
               <a:rPr kumimoji="1" lang="ja-JP" altLang="en-US" smtClean="0"/>
               <a:t>16</a:t>
+            </a:fld>
+            <a:endParaRPr kumimoji="1" lang="ja-JP" altLang="en-US"/>
+          </a:p>
+        </p:txBody>
+      </p:sp>
+    </p:spTree>
+    <p:extLst>
+      <p:ext uri="{BB962C8B-B14F-4D97-AF65-F5344CB8AC3E}">
+        <p14:creationId xmlns:p14="http://schemas.microsoft.com/office/powerpoint/2010/main" val="3421844691"/>
+      </p:ext>
+    </p:extLst>
+  </p:cSld>
+  <p:clrMapOvr>
+    <a:masterClrMapping/>
+  </p:clrMapOvr>
+</p:notes>
+</file>
+
+<file path=ppt/notesSlides/notesSlide16.xml><?xml version="1.0" encoding="utf-8"?>
+<p:notes xmlns:a="http://schemas.openxmlformats.org/drawingml/2006/main" xmlns:r="http://schemas.openxmlformats.org/officeDocument/2006/relationships" xmlns:p="http://schemas.openxmlformats.org/presentationml/2006/main">
+  <p:cSld>
+    <p:spTree>
+      <p:nvGrpSpPr>
+        <p:cNvPr id="1" name=""/>
+        <p:cNvGrpSpPr/>
+        <p:nvPr/>
+      </p:nvGrpSpPr>
+      <p:grpSpPr>
+        <a:xfrm>
+          <a:off x="0" y="0"/>
+          <a:ext cx="0" cy="0"/>
+          <a:chOff x="0" y="0"/>
+          <a:chExt cx="0" cy="0"/>
+        </a:xfrm>
+      </p:grpSpPr>
+      <p:sp>
+        <p:nvSpPr>
+          <p:cNvPr id="2" name="スライド イメージ プレースホルダー 1"/>
+          <p:cNvSpPr>
+            <a:spLocks noGrp="1" noRot="1" noChangeAspect="1"/>
+          </p:cNvSpPr>
+          <p:nvPr>
+            <p:ph type="sldImg"/>
+          </p:nvPr>
+        </p:nvSpPr>
+        <p:spPr/>
+      </p:sp>
+      <p:sp>
+        <p:nvSpPr>
+          <p:cNvPr id="3" name="ノート プレースホルダー 2"/>
+          <p:cNvSpPr>
+            <a:spLocks noGrp="1"/>
+          </p:cNvSpPr>
+          <p:nvPr>
+            <p:ph type="body" idx="1"/>
+          </p:nvPr>
+        </p:nvSpPr>
+        <p:spPr/>
+        <p:txBody>
+          <a:bodyPr/>
+          <a:lstStyle/>
+          <a:p>
+            <a:endParaRPr kumimoji="1" lang="ja-JP" altLang="en-US"/>
+          </a:p>
+        </p:txBody>
+      </p:sp>
+      <p:sp>
+        <p:nvSpPr>
+          <p:cNvPr id="4" name="スライド番号プレースホルダー 3"/>
+          <p:cNvSpPr>
+            <a:spLocks noGrp="1"/>
+          </p:cNvSpPr>
+          <p:nvPr>
+            <p:ph type="sldNum" sz="quarter" idx="10"/>
+          </p:nvPr>
+        </p:nvSpPr>
+        <p:spPr/>
+        <p:txBody>
+          <a:bodyPr/>
+          <a:lstStyle/>
+          <a:p>
+            <a:fld id="{FFC4CC46-C8F2-4731-96DE-09F553337401}" type="slidenum">
+              <a:rPr kumimoji="1" lang="ja-JP" altLang="en-US" smtClean="0"/>
+              <a:t>17</a:t>
             </a:fld>
             <a:endParaRPr kumimoji="1" lang="ja-JP" altLang="en-US"/>
           </a:p>
@@ -1356,7 +1441,7 @@
     </p:spTree>
     <p:extLst>
       <p:ext uri="{BB962C8B-B14F-4D97-AF65-F5344CB8AC3E}">
-        <p14:creationId xmlns:p14="http://schemas.microsoft.com/office/powerpoint/2010/main" val="3400883877"/>
+        <p14:creationId xmlns:p14="http://schemas.microsoft.com/office/powerpoint/2010/main" val="4198171815"/>
       </p:ext>
     </p:extLst>
   </p:cSld>
@@ -1440,7 +1525,7 @@
     </p:spTree>
     <p:extLst>
       <p:ext uri="{BB962C8B-B14F-4D97-AF65-F5344CB8AC3E}">
-        <p14:creationId xmlns:p14="http://schemas.microsoft.com/office/powerpoint/2010/main" val="2687345739"/>
+        <p14:creationId xmlns:p14="http://schemas.microsoft.com/office/powerpoint/2010/main" val="3400883877"/>
       </p:ext>
     </p:extLst>
   </p:cSld>
@@ -1524,7 +1609,7 @@
     </p:spTree>
     <p:extLst>
       <p:ext uri="{BB962C8B-B14F-4D97-AF65-F5344CB8AC3E}">
-        <p14:creationId xmlns:p14="http://schemas.microsoft.com/office/powerpoint/2010/main" val="1340972914"/>
+        <p14:creationId xmlns:p14="http://schemas.microsoft.com/office/powerpoint/2010/main" val="2687345739"/>
       </p:ext>
     </p:extLst>
   </p:cSld>
@@ -1608,7 +1693,7 @@
     </p:spTree>
     <p:extLst>
       <p:ext uri="{BB962C8B-B14F-4D97-AF65-F5344CB8AC3E}">
-        <p14:creationId xmlns:p14="http://schemas.microsoft.com/office/powerpoint/2010/main" val="2384119414"/>
+        <p14:creationId xmlns:p14="http://schemas.microsoft.com/office/powerpoint/2010/main" val="1340972914"/>
       </p:ext>
     </p:extLst>
   </p:cSld>
@@ -1692,7 +1777,7 @@
     </p:spTree>
     <p:extLst>
       <p:ext uri="{BB962C8B-B14F-4D97-AF65-F5344CB8AC3E}">
-        <p14:creationId xmlns:p14="http://schemas.microsoft.com/office/powerpoint/2010/main" val="517791157"/>
+        <p14:creationId xmlns:p14="http://schemas.microsoft.com/office/powerpoint/2010/main" val="2384119414"/>
       </p:ext>
     </p:extLst>
   </p:cSld>
@@ -1776,7 +1861,7 @@
     </p:spTree>
     <p:extLst>
       <p:ext uri="{BB962C8B-B14F-4D97-AF65-F5344CB8AC3E}">
-        <p14:creationId xmlns:p14="http://schemas.microsoft.com/office/powerpoint/2010/main" val="3809218171"/>
+        <p14:creationId xmlns:p14="http://schemas.microsoft.com/office/powerpoint/2010/main" val="517791157"/>
       </p:ext>
     </p:extLst>
   </p:cSld>
@@ -1860,7 +1945,7 @@
     </p:spTree>
     <p:extLst>
       <p:ext uri="{BB962C8B-B14F-4D97-AF65-F5344CB8AC3E}">
-        <p14:creationId xmlns:p14="http://schemas.microsoft.com/office/powerpoint/2010/main" val="2759684610"/>
+        <p14:creationId xmlns:p14="http://schemas.microsoft.com/office/powerpoint/2010/main" val="3809218171"/>
       </p:ext>
     </p:extLst>
   </p:cSld>
@@ -1944,7 +2029,7 @@
     </p:spTree>
     <p:extLst>
       <p:ext uri="{BB962C8B-B14F-4D97-AF65-F5344CB8AC3E}">
-        <p14:creationId xmlns:p14="http://schemas.microsoft.com/office/powerpoint/2010/main" val="450102784"/>
+        <p14:creationId xmlns:p14="http://schemas.microsoft.com/office/powerpoint/2010/main" val="2759684610"/>
       </p:ext>
     </p:extLst>
   </p:cSld>
@@ -4615,7 +4700,7 @@
             <a:pPr algn="ctr"/>
             <a:r>
               <a:rPr lang="en-US" altLang="ja-JP" sz="3600" b="1" dirty="0"/>
-              <a:t>Build feature - 6 </a:t>
+              <a:t>Build feature - 5 </a:t>
             </a:r>
             <a:endParaRPr lang="ja-JP" altLang="en-US" sz="3600" b="1" kern="0" dirty="0"/>
           </a:p>
@@ -4675,7 +4760,7 @@
         <p:spPr>
           <a:xfrm>
             <a:off x="797440" y="1215772"/>
-            <a:ext cx="10047767" cy="3385799"/>
+            <a:ext cx="10047767" cy="5380191"/>
           </a:xfrm>
           <a:prstGeom prst="rect">
             <a:avLst/>
@@ -4700,8 +4785,29 @@
               <a:rPr lang="en-US" b="1" dirty="0">
                 <a:effectLst/>
               </a:rPr>
-              <a:t>Binding UIs</a:t>
-            </a:r>
+              <a:t>Refactor all the method to Combine objects (</a:t>
+            </a:r>
+            <a:r>
+              <a:rPr lang="en-US" b="1" dirty="0" err="1">
+                <a:effectLst/>
+              </a:rPr>
+              <a:t>AnyPublisher</a:t>
+            </a:r>
+            <a:r>
+              <a:rPr lang="en-US" b="1" dirty="0"/>
+              <a:t>&lt;</a:t>
+            </a:r>
+            <a:r>
+              <a:rPr lang="en-US" b="1" dirty="0" err="1"/>
+              <a:t>Success,Error</a:t>
+            </a:r>
+            <a:r>
+              <a:rPr lang="en-US" b="1" dirty="0"/>
+              <a:t>&gt;)</a:t>
+            </a:r>
+            <a:endParaRPr lang="en-US" b="1" dirty="0">
+              <a:effectLst/>
+            </a:endParaRPr>
           </a:p>
           <a:p>
             <a:pPr marL="742950" lvl="1" indent="-285750">
@@ -4713,20 +4819,12 @@
               <a:buChar char="•"/>
             </a:pPr>
             <a:r>
-              <a:rPr lang="en-US" dirty="0"/>
-              <a:t>Add Published to </a:t>
-            </a:r>
-            <a:r>
-              <a:rPr lang="en-US" dirty="0" err="1"/>
-              <a:t>ViewModel</a:t>
-            </a:r>
-            <a:r>
-              <a:rPr lang="en-US" dirty="0"/>
-              <a:t> properties</a:t>
-            </a:r>
-          </a:p>
-          <a:p>
-            <a:pPr marL="742950" lvl="1" indent="-285750">
+              <a:rPr lang="en-US" b="1" dirty="0"/>
+              <a:t>Repository </a:t>
+            </a:r>
+          </a:p>
+          <a:p>
+            <a:pPr marL="1200150" lvl="2" indent="-285750">
               <a:lnSpc>
                 <a:spcPct val="120000"/>
               </a:lnSpc>
@@ -4736,16 +4834,11 @@
             </a:pPr>
             <a:r>
               <a:rPr lang="en-US" dirty="0"/>
-              <a:t>Add $ in </a:t>
-            </a:r>
-            <a:r>
-              <a:rPr lang="en-US" dirty="0" err="1"/>
-              <a:t>ViewController</a:t>
-            </a:r>
-            <a:endParaRPr lang="en-US" dirty="0"/>
-          </a:p>
-          <a:p>
-            <a:pPr marL="742950" lvl="1" indent="-285750">
+              <a:t>Success &gt; Entity</a:t>
+            </a:r>
+          </a:p>
+          <a:p>
+            <a:pPr marL="1200150" lvl="2" indent="-285750">
               <a:lnSpc>
                 <a:spcPct val="120000"/>
               </a:lnSpc>
@@ -4754,17 +4847,15 @@
               <a:buChar char="•"/>
             </a:pPr>
             <a:r>
-              <a:rPr lang="en-US" dirty="0"/>
-              <a:t>Add weak self &gt; retain cycle &gt; </a:t>
-            </a:r>
-            <a:r>
-              <a:rPr lang="en-US" dirty="0" err="1"/>
-              <a:t>unowend</a:t>
+              <a:rPr lang="en-US" dirty="0">
+                <a:effectLst/>
+              </a:rPr>
+              <a:t>Error &gt; API Error</a:t>
             </a:r>
             <a:endParaRPr lang="en-US" dirty="0"/>
           </a:p>
           <a:p>
-            <a:pPr marL="285750" indent="-285750">
+            <a:pPr marL="1200150" lvl="2" indent="-285750">
               <a:lnSpc>
                 <a:spcPct val="120000"/>
               </a:lnSpc>
@@ -4773,8 +4864,8 @@
               <a:buChar char="•"/>
             </a:pPr>
             <a:r>
-              <a:rPr lang="en-US" b="1" dirty="0"/>
-              <a:t>Binding input and output</a:t>
+              <a:rPr lang="en-US" dirty="0"/>
+              <a:t>Wrap DTO publisher to Entity</a:t>
             </a:r>
           </a:p>
           <a:p>
@@ -4787,12 +4878,13 @@
               <a:buChar char="•"/>
             </a:pPr>
             <a:r>
-              <a:rPr lang="en-US" dirty="0"/>
-              <a:t>Handle the default value , because @Published will perform default value when sink</a:t>
-            </a:r>
-          </a:p>
-          <a:p>
-            <a:pPr marL="742950" lvl="1" indent="-285750">
+              <a:rPr lang="en-US" b="1" dirty="0" err="1"/>
+              <a:t>UseCase</a:t>
+            </a:r>
+            <a:endParaRPr lang="en-US" b="1" dirty="0"/>
+          </a:p>
+          <a:p>
+            <a:pPr marL="1200150" lvl="2" indent="-285750">
               <a:lnSpc>
                 <a:spcPct val="120000"/>
               </a:lnSpc>
@@ -4802,11 +4894,11 @@
             </a:pPr>
             <a:r>
               <a:rPr lang="en-US" dirty="0"/>
-              <a:t>Drop first</a:t>
-            </a:r>
-          </a:p>
-          <a:p>
-            <a:pPr marL="742950" lvl="1" indent="-285750">
+              <a:t>Success &gt; Entity</a:t>
+            </a:r>
+          </a:p>
+          <a:p>
+            <a:pPr marL="1200150" lvl="2" indent="-285750">
               <a:lnSpc>
                 <a:spcPct val="120000"/>
               </a:lnSpc>
@@ -4815,12 +4907,15 @@
               <a:buChar char="•"/>
             </a:pPr>
             <a:r>
-              <a:rPr lang="en-US" dirty="0"/>
-              <a:t>Be care of life cycle orders , UI Setup &gt; UI Biding &gt; start trigger</a:t>
-            </a:r>
-          </a:p>
-          <a:p>
-            <a:pPr marL="285750" indent="-285750">
+              <a:rPr lang="en-US" dirty="0">
+                <a:effectLst/>
+              </a:rPr>
+              <a:t>Error &gt; API Error</a:t>
+            </a:r>
+            <a:endParaRPr lang="en-US" dirty="0"/>
+          </a:p>
+          <a:p>
+            <a:pPr marL="742950" lvl="1" indent="-285750">
               <a:lnSpc>
                 <a:spcPct val="120000"/>
               </a:lnSpc>
@@ -4829,12 +4924,13 @@
               <a:buChar char="•"/>
             </a:pPr>
             <a:r>
-              <a:rPr lang="en-US" b="1" dirty="0"/>
-              <a:t>Delete useless codes</a:t>
-            </a:r>
-          </a:p>
-          <a:p>
-            <a:pPr marL="285750" indent="-285750">
+              <a:rPr lang="en-US" b="1" dirty="0" err="1"/>
+              <a:t>ViewModel</a:t>
+            </a:r>
+            <a:endParaRPr lang="en-US" b="1" dirty="0"/>
+          </a:p>
+          <a:p>
+            <a:pPr marL="1200150" lvl="2" indent="-285750">
               <a:lnSpc>
                 <a:spcPct val="120000"/>
               </a:lnSpc>
@@ -4843,16 +4939,116 @@
               <a:buChar char="•"/>
             </a:pPr>
             <a:r>
-              <a:rPr lang="en-US" b="1" dirty="0"/>
-              <a:t>Test by Mock objects</a:t>
-            </a:r>
+              <a:rPr lang="en-US" dirty="0"/>
+              <a:t>Refactor data handler and data flow in </a:t>
+            </a:r>
+            <a:r>
+              <a:rPr lang="en-US" dirty="0" err="1"/>
+              <a:t>initialActions</a:t>
+            </a:r>
+            <a:endParaRPr lang="en-US" dirty="0"/>
+          </a:p>
+          <a:p>
+            <a:pPr marL="1200150" lvl="2" indent="-285750">
+              <a:lnSpc>
+                <a:spcPct val="120000"/>
+              </a:lnSpc>
+              <a:buSzPct val="100000"/>
+              <a:buFont typeface="Arial" panose="020B0604020202020204" pitchFamily="34" charset="0"/>
+              <a:buChar char="•"/>
+            </a:pPr>
+            <a:r>
+              <a:rPr lang="en-US" dirty="0"/>
+              <a:t>Move properties into </a:t>
+            </a:r>
+            <a:r>
+              <a:rPr lang="en-US" dirty="0" err="1"/>
+              <a:t>viewmodel</a:t>
+            </a:r>
+            <a:endParaRPr lang="en-US" dirty="0"/>
+          </a:p>
+          <a:p>
+            <a:pPr marL="1200150" lvl="2" indent="-285750">
+              <a:lnSpc>
+                <a:spcPct val="120000"/>
+              </a:lnSpc>
+              <a:buSzPct val="100000"/>
+              <a:buFont typeface="Arial" panose="020B0604020202020204" pitchFamily="34" charset="0"/>
+              <a:buChar char="•"/>
+            </a:pPr>
+            <a:r>
+              <a:rPr lang="en-US" dirty="0"/>
+              <a:t>Add UI binding depend on </a:t>
+            </a:r>
+            <a:r>
+              <a:rPr lang="en-US" dirty="0" err="1"/>
+              <a:t>dataFlow</a:t>
+            </a:r>
+            <a:endParaRPr lang="en-US" dirty="0"/>
+          </a:p>
+          <a:p>
+            <a:pPr marL="1657350" lvl="3" indent="-285750">
+              <a:lnSpc>
+                <a:spcPct val="120000"/>
+              </a:lnSpc>
+              <a:buSzPct val="100000"/>
+              <a:buFont typeface="Arial" panose="020B0604020202020204" pitchFamily="34" charset="0"/>
+              <a:buChar char="•"/>
+            </a:pPr>
+            <a:r>
+              <a:rPr lang="en-US" dirty="0"/>
+              <a:t>Input &gt; replace input trigger</a:t>
+            </a:r>
+          </a:p>
+          <a:p>
+            <a:pPr marL="1657350" lvl="3" indent="-285750">
+              <a:lnSpc>
+                <a:spcPct val="120000"/>
+              </a:lnSpc>
+              <a:buSzPct val="100000"/>
+              <a:buFont typeface="Arial" panose="020B0604020202020204" pitchFamily="34" charset="0"/>
+              <a:buChar char="•"/>
+            </a:pPr>
+            <a:r>
+              <a:rPr lang="en-US" dirty="0"/>
+              <a:t>Output &gt; change UI status</a:t>
+            </a:r>
+          </a:p>
+          <a:p>
+            <a:pPr marL="2114550" lvl="4" indent="-285750">
+              <a:lnSpc>
+                <a:spcPct val="120000"/>
+              </a:lnSpc>
+              <a:buSzPct val="100000"/>
+              <a:buFont typeface="Arial" panose="020B0604020202020204" pitchFamily="34" charset="0"/>
+              <a:buChar char="•"/>
+            </a:pPr>
+            <a:r>
+              <a:rPr lang="en-US" dirty="0"/>
+              <a:t>Loading activities</a:t>
+            </a:r>
+          </a:p>
+          <a:p>
+            <a:pPr marL="2114550" lvl="4" indent="-285750">
+              <a:lnSpc>
+                <a:spcPct val="120000"/>
+              </a:lnSpc>
+              <a:buSzPct val="100000"/>
+              <a:buFont typeface="Arial" panose="020B0604020202020204" pitchFamily="34" charset="0"/>
+              <a:buChar char="•"/>
+            </a:pPr>
+            <a:r>
+              <a:rPr lang="en-US" dirty="0" err="1"/>
+              <a:t>UIPresent</a:t>
+            </a:r>
+            <a:endParaRPr lang="en-US" dirty="0"/>
           </a:p>
         </p:txBody>
       </p:sp>
     </p:spTree>
     <p:extLst>
       <p:ext uri="{BB962C8B-B14F-4D97-AF65-F5344CB8AC3E}">
-        <p14:creationId xmlns:p14="http://schemas.microsoft.com/office/powerpoint/2010/main" val="3751027596"/>
+        <p14:creationId xmlns:p14="http://schemas.microsoft.com/office/powerpoint/2010/main" val="1745901562"/>
       </p:ext>
     </p:extLst>
   </p:cSld>
@@ -4889,6 +5085,290 @@
             <p:ph type="title"/>
           </p:nvPr>
         </p:nvSpPr>
+        <p:spPr/>
+        <p:txBody>
+          <a:bodyPr>
+            <a:noAutofit/>
+          </a:bodyPr>
+          <a:lstStyle/>
+          <a:p>
+            <a:pPr algn="ctr"/>
+            <a:r>
+              <a:rPr lang="en-US" altLang="ja-JP" sz="3600" b="1" dirty="0"/>
+              <a:t>Build feature - 6 </a:t>
+            </a:r>
+            <a:endParaRPr lang="ja-JP" altLang="en-US" sz="3600" b="1" kern="0" dirty="0"/>
+          </a:p>
+        </p:txBody>
+      </p:sp>
+      <p:cxnSp>
+        <p:nvCxnSpPr>
+          <p:cNvPr id="8" name="Straight Connector 7">
+            <a:extLst>
+              <a:ext uri="{FF2B5EF4-FFF2-40B4-BE49-F238E27FC236}">
+                <a16:creationId xmlns:a16="http://schemas.microsoft.com/office/drawing/2014/main" id="{0F07A22E-5A49-9049-9297-0D650C8F1F64}"/>
+              </a:ext>
+            </a:extLst>
+          </p:cNvPr>
+          <p:cNvCxnSpPr>
+            <a:cxnSpLocks/>
+          </p:cNvCxnSpPr>
+          <p:nvPr/>
+        </p:nvCxnSpPr>
+        <p:spPr>
+          <a:xfrm>
+            <a:off x="797441" y="950071"/>
+            <a:ext cx="10047768" cy="0"/>
+          </a:xfrm>
+          <a:prstGeom prst="line">
+            <a:avLst/>
+          </a:prstGeom>
+          <a:ln/>
+        </p:spPr>
+        <p:style>
+          <a:lnRef idx="2">
+            <a:schemeClr val="dk1"/>
+          </a:lnRef>
+          <a:fillRef idx="0">
+            <a:schemeClr val="dk1"/>
+          </a:fillRef>
+          <a:effectRef idx="1">
+            <a:schemeClr val="dk1"/>
+          </a:effectRef>
+          <a:fontRef idx="minor">
+            <a:schemeClr val="tx1"/>
+          </a:fontRef>
+        </p:style>
+      </p:cxnSp>
+      <p:sp>
+        <p:nvSpPr>
+          <p:cNvPr id="3" name="TextBox 2">
+            <a:extLst>
+              <a:ext uri="{FF2B5EF4-FFF2-40B4-BE49-F238E27FC236}">
+                <a16:creationId xmlns:a16="http://schemas.microsoft.com/office/drawing/2014/main" id="{BB9A9174-A47B-0443-60C0-0288F7074B06}"/>
+              </a:ext>
+            </a:extLst>
+          </p:cNvPr>
+          <p:cNvSpPr txBox="1"/>
+          <p:nvPr/>
+        </p:nvSpPr>
+        <p:spPr>
+          <a:xfrm>
+            <a:off x="797440" y="1215772"/>
+            <a:ext cx="10047767" cy="3385799"/>
+          </a:xfrm>
+          <a:prstGeom prst="rect">
+            <a:avLst/>
+          </a:prstGeom>
+          <a:noFill/>
+        </p:spPr>
+        <p:txBody>
+          <a:bodyPr wrap="square" rtlCol="0">
+            <a:spAutoFit/>
+          </a:bodyPr>
+          <a:lstStyle/>
+          <a:p>
+            <a:pPr marL="285750" indent="-285750">
+              <a:lnSpc>
+                <a:spcPct val="120000"/>
+              </a:lnSpc>
+              <a:buSzPct val="100000"/>
+              <a:buFont typeface="Arial" panose="020B0604020202020204" pitchFamily="34" charset="0"/>
+              <a:buChar char="•"/>
+            </a:pPr>
+            <a:r>
+              <a:rPr lang="en-US" b="1" dirty="0">
+                <a:effectLst/>
+              </a:rPr>
+              <a:t>Binding UIs</a:t>
+            </a:r>
+          </a:p>
+          <a:p>
+            <a:pPr marL="742950" lvl="1" indent="-285750">
+              <a:lnSpc>
+                <a:spcPct val="120000"/>
+              </a:lnSpc>
+              <a:buSzPct val="100000"/>
+              <a:buFont typeface="Arial" panose="020B0604020202020204" pitchFamily="34" charset="0"/>
+              <a:buChar char="•"/>
+            </a:pPr>
+            <a:r>
+              <a:rPr lang="en-US" dirty="0"/>
+              <a:t>Add Published to </a:t>
+            </a:r>
+            <a:r>
+              <a:rPr lang="en-US" dirty="0" err="1"/>
+              <a:t>ViewModel</a:t>
+            </a:r>
+            <a:r>
+              <a:rPr lang="en-US" dirty="0"/>
+              <a:t> properties</a:t>
+            </a:r>
+          </a:p>
+          <a:p>
+            <a:pPr marL="742950" lvl="1" indent="-285750">
+              <a:lnSpc>
+                <a:spcPct val="120000"/>
+              </a:lnSpc>
+              <a:buSzPct val="100000"/>
+              <a:buFont typeface="Arial" panose="020B0604020202020204" pitchFamily="34" charset="0"/>
+              <a:buChar char="•"/>
+            </a:pPr>
+            <a:r>
+              <a:rPr lang="en-US" dirty="0"/>
+              <a:t>Add $ in </a:t>
+            </a:r>
+            <a:r>
+              <a:rPr lang="en-US" dirty="0" err="1"/>
+              <a:t>ViewController</a:t>
+            </a:r>
+            <a:endParaRPr lang="en-US" dirty="0"/>
+          </a:p>
+          <a:p>
+            <a:pPr marL="742950" lvl="1" indent="-285750">
+              <a:lnSpc>
+                <a:spcPct val="120000"/>
+              </a:lnSpc>
+              <a:buSzPct val="100000"/>
+              <a:buFont typeface="Arial" panose="020B0604020202020204" pitchFamily="34" charset="0"/>
+              <a:buChar char="•"/>
+            </a:pPr>
+            <a:r>
+              <a:rPr lang="en-US" dirty="0"/>
+              <a:t>Add weak self &gt; retain cycle &gt; </a:t>
+            </a:r>
+            <a:r>
+              <a:rPr lang="en-US" dirty="0" err="1"/>
+              <a:t>unowend</a:t>
+            </a:r>
+            <a:endParaRPr lang="en-US" dirty="0"/>
+          </a:p>
+          <a:p>
+            <a:pPr marL="285750" indent="-285750">
+              <a:lnSpc>
+                <a:spcPct val="120000"/>
+              </a:lnSpc>
+              <a:buSzPct val="100000"/>
+              <a:buFont typeface="Arial" panose="020B0604020202020204" pitchFamily="34" charset="0"/>
+              <a:buChar char="•"/>
+            </a:pPr>
+            <a:r>
+              <a:rPr lang="en-US" b="1" dirty="0"/>
+              <a:t>Binding input and output</a:t>
+            </a:r>
+          </a:p>
+          <a:p>
+            <a:pPr marL="742950" lvl="1" indent="-285750">
+              <a:lnSpc>
+                <a:spcPct val="120000"/>
+              </a:lnSpc>
+              <a:buSzPct val="100000"/>
+              <a:buFont typeface="Arial" panose="020B0604020202020204" pitchFamily="34" charset="0"/>
+              <a:buChar char="•"/>
+            </a:pPr>
+            <a:r>
+              <a:rPr lang="en-US" dirty="0"/>
+              <a:t>Handle the default value , because @Published will perform default value when sink</a:t>
+            </a:r>
+          </a:p>
+          <a:p>
+            <a:pPr marL="742950" lvl="1" indent="-285750">
+              <a:lnSpc>
+                <a:spcPct val="120000"/>
+              </a:lnSpc>
+              <a:buSzPct val="100000"/>
+              <a:buFont typeface="Arial" panose="020B0604020202020204" pitchFamily="34" charset="0"/>
+              <a:buChar char="•"/>
+            </a:pPr>
+            <a:r>
+              <a:rPr lang="en-US" dirty="0"/>
+              <a:t>Drop first</a:t>
+            </a:r>
+          </a:p>
+          <a:p>
+            <a:pPr marL="742950" lvl="1" indent="-285750">
+              <a:lnSpc>
+                <a:spcPct val="120000"/>
+              </a:lnSpc>
+              <a:buSzPct val="100000"/>
+              <a:buFont typeface="Arial" panose="020B0604020202020204" pitchFamily="34" charset="0"/>
+              <a:buChar char="•"/>
+            </a:pPr>
+            <a:r>
+              <a:rPr lang="en-US" dirty="0"/>
+              <a:t>Be care of life cycle orders , UI Setup &gt; UI Biding &gt; start trigger</a:t>
+            </a:r>
+          </a:p>
+          <a:p>
+            <a:pPr marL="285750" indent="-285750">
+              <a:lnSpc>
+                <a:spcPct val="120000"/>
+              </a:lnSpc>
+              <a:buSzPct val="100000"/>
+              <a:buFont typeface="Arial" panose="020B0604020202020204" pitchFamily="34" charset="0"/>
+              <a:buChar char="•"/>
+            </a:pPr>
+            <a:r>
+              <a:rPr lang="en-US" b="1" dirty="0"/>
+              <a:t>Delete useless codes</a:t>
+            </a:r>
+          </a:p>
+          <a:p>
+            <a:pPr marL="285750" indent="-285750">
+              <a:lnSpc>
+                <a:spcPct val="120000"/>
+              </a:lnSpc>
+              <a:buSzPct val="100000"/>
+              <a:buFont typeface="Arial" panose="020B0604020202020204" pitchFamily="34" charset="0"/>
+              <a:buChar char="•"/>
+            </a:pPr>
+            <a:r>
+              <a:rPr lang="en-US" b="1" dirty="0"/>
+              <a:t>Test by Mock objects</a:t>
+            </a:r>
+          </a:p>
+        </p:txBody>
+      </p:sp>
+    </p:spTree>
+    <p:extLst>
+      <p:ext uri="{BB962C8B-B14F-4D97-AF65-F5344CB8AC3E}">
+        <p14:creationId xmlns:p14="http://schemas.microsoft.com/office/powerpoint/2010/main" val="3751027596"/>
+      </p:ext>
+    </p:extLst>
+  </p:cSld>
+  <p:clrMapOvr>
+    <a:masterClrMapping/>
+  </p:clrMapOvr>
+</p:sld>
+</file>
+
+<file path=ppt/slides/slide12.xml><?xml version="1.0" encoding="utf-8"?>
+<p:sld xmlns:a="http://schemas.openxmlformats.org/drawingml/2006/main" xmlns:r="http://schemas.openxmlformats.org/officeDocument/2006/relationships" xmlns:p="http://schemas.openxmlformats.org/presentationml/2006/main">
+  <p:cSld>
+    <p:spTree>
+      <p:nvGrpSpPr>
+        <p:cNvPr id="1" name=""/>
+        <p:cNvGrpSpPr/>
+        <p:nvPr/>
+      </p:nvGrpSpPr>
+      <p:grpSpPr>
+        <a:xfrm>
+          <a:off x="0" y="0"/>
+          <a:ext cx="0" cy="0"/>
+          <a:chOff x="0" y="0"/>
+          <a:chExt cx="0" cy="0"/>
+        </a:xfrm>
+      </p:grpSpPr>
+      <p:sp>
+        <p:nvSpPr>
+          <p:cNvPr id="2" name="タイトル 1"/>
+          <p:cNvSpPr>
+            <a:spLocks noGrp="1"/>
+          </p:cNvSpPr>
+          <p:nvPr>
+            <p:ph type="title"/>
+          </p:nvPr>
+        </p:nvSpPr>
         <p:spPr>
           <a:xfrm>
             <a:off x="240370" y="4109545"/>
@@ -5316,7 +5796,7 @@
 </p:sld>
 </file>
 
-<file path=ppt/slides/slide12.xml><?xml version="1.0" encoding="utf-8"?>
+<file path=ppt/slides/slide13.xml><?xml version="1.0" encoding="utf-8"?>
 <p:sld xmlns:a="http://schemas.openxmlformats.org/drawingml/2006/main" xmlns:r="http://schemas.openxmlformats.org/officeDocument/2006/relationships" xmlns:p="http://schemas.openxmlformats.org/presentationml/2006/main">
   <p:cSld>
     <p:spTree>
@@ -5875,7 +6355,7 @@
 </p:sld>
 </file>
 
-<file path=ppt/slides/slide13.xml><?xml version="1.0" encoding="utf-8"?>
+<file path=ppt/slides/slide14.xml><?xml version="1.0" encoding="utf-8"?>
 <p:sld xmlns:a="http://schemas.openxmlformats.org/drawingml/2006/main" xmlns:r="http://schemas.openxmlformats.org/officeDocument/2006/relationships" xmlns:p="http://schemas.openxmlformats.org/presentationml/2006/main">
   <p:cSld>
     <p:spTree>
@@ -7233,7 +7713,7 @@
 </p:sld>
 </file>
 
-<file path=ppt/slides/slide14.xml><?xml version="1.0" encoding="utf-8"?>
+<file path=ppt/slides/slide15.xml><?xml version="1.0" encoding="utf-8"?>
 <p:sld xmlns:a="http://schemas.openxmlformats.org/drawingml/2006/main" xmlns:r="http://schemas.openxmlformats.org/officeDocument/2006/relationships" xmlns:p="http://schemas.openxmlformats.org/presentationml/2006/main">
   <p:cSld>
     <p:spTree>
@@ -8782,174 +9262,6 @@
 </p:sld>
 </file>
 
-<file path=ppt/slides/slide15.xml><?xml version="1.0" encoding="utf-8"?>
-<p:sld xmlns:a="http://schemas.openxmlformats.org/drawingml/2006/main" xmlns:r="http://schemas.openxmlformats.org/officeDocument/2006/relationships" xmlns:p="http://schemas.openxmlformats.org/presentationml/2006/main">
-  <p:cSld>
-    <p:spTree>
-      <p:nvGrpSpPr>
-        <p:cNvPr id="1" name=""/>
-        <p:cNvGrpSpPr/>
-        <p:nvPr/>
-      </p:nvGrpSpPr>
-      <p:grpSpPr>
-        <a:xfrm>
-          <a:off x="0" y="0"/>
-          <a:ext cx="0" cy="0"/>
-          <a:chOff x="0" y="0"/>
-          <a:chExt cx="0" cy="0"/>
-        </a:xfrm>
-      </p:grpSpPr>
-      <p:sp>
-        <p:nvSpPr>
-          <p:cNvPr id="2" name="タイトル 1"/>
-          <p:cNvSpPr>
-            <a:spLocks noGrp="1"/>
-          </p:cNvSpPr>
-          <p:nvPr>
-            <p:ph type="title"/>
-          </p:nvPr>
-        </p:nvSpPr>
-        <p:spPr/>
-        <p:txBody>
-          <a:bodyPr>
-            <a:noAutofit/>
-          </a:bodyPr>
-          <a:lstStyle/>
-          <a:p>
-            <a:pPr algn="ctr"/>
-            <a:r>
-              <a:rPr lang="en-US" altLang="ja-JP" sz="3600" b="1" dirty="0"/>
-              <a:t>Snapshot Test</a:t>
-            </a:r>
-            <a:endParaRPr lang="ja-JP" altLang="en-US" sz="3600" b="1" kern="0" dirty="0"/>
-          </a:p>
-        </p:txBody>
-      </p:sp>
-      <p:cxnSp>
-        <p:nvCxnSpPr>
-          <p:cNvPr id="8" name="Straight Connector 7">
-            <a:extLst>
-              <a:ext uri="{FF2B5EF4-FFF2-40B4-BE49-F238E27FC236}">
-                <a16:creationId xmlns:a16="http://schemas.microsoft.com/office/drawing/2014/main" id="{0F07A22E-5A49-9049-9297-0D650C8F1F64}"/>
-              </a:ext>
-            </a:extLst>
-          </p:cNvPr>
-          <p:cNvCxnSpPr>
-            <a:cxnSpLocks/>
-          </p:cNvCxnSpPr>
-          <p:nvPr/>
-        </p:nvCxnSpPr>
-        <p:spPr>
-          <a:xfrm>
-            <a:off x="797441" y="950071"/>
-            <a:ext cx="10047768" cy="0"/>
-          </a:xfrm>
-          <a:prstGeom prst="line">
-            <a:avLst/>
-          </a:prstGeom>
-          <a:ln/>
-        </p:spPr>
-        <p:style>
-          <a:lnRef idx="2">
-            <a:schemeClr val="dk1"/>
-          </a:lnRef>
-          <a:fillRef idx="0">
-            <a:schemeClr val="dk1"/>
-          </a:fillRef>
-          <a:effectRef idx="1">
-            <a:schemeClr val="dk1"/>
-          </a:effectRef>
-          <a:fontRef idx="minor">
-            <a:schemeClr val="tx1"/>
-          </a:fontRef>
-        </p:style>
-      </p:cxnSp>
-      <p:sp>
-        <p:nvSpPr>
-          <p:cNvPr id="4" name="TextBox 3">
-            <a:extLst>
-              <a:ext uri="{FF2B5EF4-FFF2-40B4-BE49-F238E27FC236}">
-                <a16:creationId xmlns:a16="http://schemas.microsoft.com/office/drawing/2014/main" id="{5BF49BC7-B467-E526-00EC-F67558CFF320}"/>
-              </a:ext>
-            </a:extLst>
-          </p:cNvPr>
-          <p:cNvSpPr txBox="1"/>
-          <p:nvPr/>
-        </p:nvSpPr>
-        <p:spPr>
-          <a:xfrm>
-            <a:off x="693047" y="1215262"/>
-            <a:ext cx="6920103" cy="394147"/>
-          </a:xfrm>
-          <a:prstGeom prst="rect">
-            <a:avLst/>
-          </a:prstGeom>
-          <a:noFill/>
-        </p:spPr>
-        <p:txBody>
-          <a:bodyPr wrap="square" rtlCol="0">
-            <a:spAutoFit/>
-          </a:bodyPr>
-          <a:lstStyle/>
-          <a:p>
-            <a:pPr>
-              <a:lnSpc>
-                <a:spcPct val="120000"/>
-              </a:lnSpc>
-              <a:spcBef>
-                <a:spcPts val="700"/>
-              </a:spcBef>
-              <a:buSzPct val="100000"/>
-            </a:pPr>
-            <a:r>
-              <a:rPr lang="en-US" dirty="0">
-                <a:effectLst/>
-              </a:rPr>
-              <a:t>https://</a:t>
-            </a:r>
-            <a:r>
-              <a:rPr lang="en-US" dirty="0" err="1">
-                <a:effectLst/>
-              </a:rPr>
-              <a:t>github.com</a:t>
-            </a:r>
-            <a:r>
-              <a:rPr lang="en-US" dirty="0">
-                <a:effectLst/>
-              </a:rPr>
-              <a:t>/</a:t>
-            </a:r>
-            <a:r>
-              <a:rPr lang="en-US" dirty="0" err="1">
-                <a:effectLst/>
-              </a:rPr>
-              <a:t>pointfreeco</a:t>
-            </a:r>
-            <a:r>
-              <a:rPr lang="en-US" dirty="0">
-                <a:effectLst/>
-              </a:rPr>
-              <a:t>/swift-snapshot-testing</a:t>
-            </a:r>
-            <a:endParaRPr lang="en-US" b="0" dirty="0">
-              <a:effectLst/>
-            </a:endParaRPr>
-          </a:p>
-        </p:txBody>
-      </p:sp>
-    </p:spTree>
-    <p:extLst>
-      <p:ext uri="{BB962C8B-B14F-4D97-AF65-F5344CB8AC3E}">
-        <p14:creationId xmlns:p14="http://schemas.microsoft.com/office/powerpoint/2010/main" val="3853538694"/>
-      </p:ext>
-    </p:extLst>
-  </p:cSld>
-  <p:clrMapOvr>
-    <a:masterClrMapping/>
-  </p:clrMapOvr>
-</p:sld>
-</file>
-
 <file path=ppt/slides/slide16.xml><?xml version="1.0" encoding="utf-8"?>
 <p:sld xmlns:a="http://schemas.openxmlformats.org/drawingml/2006/main" xmlns:r="http://schemas.openxmlformats.org/officeDocument/2006/relationships" xmlns:p="http://schemas.openxmlformats.org/presentationml/2006/main">
   <p:cSld>
@@ -8987,7 +9299,7 @@
             <a:pPr algn="ctr"/>
             <a:r>
               <a:rPr lang="en-US" altLang="ja-JP" sz="3600" b="1" dirty="0"/>
-              <a:t>Unit Tests</a:t>
+              <a:t>Snapshot Test</a:t>
             </a:r>
             <a:endParaRPr lang="ja-JP" altLang="en-US" sz="3600" b="1" kern="0" dirty="0"/>
           </a:p>
@@ -9037,6 +9349,174 @@
           <p:cNvPr id="4" name="TextBox 3">
             <a:extLst>
               <a:ext uri="{FF2B5EF4-FFF2-40B4-BE49-F238E27FC236}">
+                <a16:creationId xmlns:a16="http://schemas.microsoft.com/office/drawing/2014/main" id="{5BF49BC7-B467-E526-00EC-F67558CFF320}"/>
+              </a:ext>
+            </a:extLst>
+          </p:cNvPr>
+          <p:cNvSpPr txBox="1"/>
+          <p:nvPr/>
+        </p:nvSpPr>
+        <p:spPr>
+          <a:xfrm>
+            <a:off x="693047" y="1215262"/>
+            <a:ext cx="6920103" cy="394147"/>
+          </a:xfrm>
+          <a:prstGeom prst="rect">
+            <a:avLst/>
+          </a:prstGeom>
+          <a:noFill/>
+        </p:spPr>
+        <p:txBody>
+          <a:bodyPr wrap="square" rtlCol="0">
+            <a:spAutoFit/>
+          </a:bodyPr>
+          <a:lstStyle/>
+          <a:p>
+            <a:pPr>
+              <a:lnSpc>
+                <a:spcPct val="120000"/>
+              </a:lnSpc>
+              <a:spcBef>
+                <a:spcPts val="700"/>
+              </a:spcBef>
+              <a:buSzPct val="100000"/>
+            </a:pPr>
+            <a:r>
+              <a:rPr lang="en-US" dirty="0">
+                <a:effectLst/>
+              </a:rPr>
+              <a:t>https://</a:t>
+            </a:r>
+            <a:r>
+              <a:rPr lang="en-US" dirty="0" err="1">
+                <a:effectLst/>
+              </a:rPr>
+              <a:t>github.com</a:t>
+            </a:r>
+            <a:r>
+              <a:rPr lang="en-US" dirty="0">
+                <a:effectLst/>
+              </a:rPr>
+              <a:t>/</a:t>
+            </a:r>
+            <a:r>
+              <a:rPr lang="en-US" dirty="0" err="1">
+                <a:effectLst/>
+              </a:rPr>
+              <a:t>pointfreeco</a:t>
+            </a:r>
+            <a:r>
+              <a:rPr lang="en-US" dirty="0">
+                <a:effectLst/>
+              </a:rPr>
+              <a:t>/swift-snapshot-testing</a:t>
+            </a:r>
+            <a:endParaRPr lang="en-US" b="0" dirty="0">
+              <a:effectLst/>
+            </a:endParaRPr>
+          </a:p>
+        </p:txBody>
+      </p:sp>
+    </p:spTree>
+    <p:extLst>
+      <p:ext uri="{BB962C8B-B14F-4D97-AF65-F5344CB8AC3E}">
+        <p14:creationId xmlns:p14="http://schemas.microsoft.com/office/powerpoint/2010/main" val="3853538694"/>
+      </p:ext>
+    </p:extLst>
+  </p:cSld>
+  <p:clrMapOvr>
+    <a:masterClrMapping/>
+  </p:clrMapOvr>
+</p:sld>
+</file>
+
+<file path=ppt/slides/slide17.xml><?xml version="1.0" encoding="utf-8"?>
+<p:sld xmlns:a="http://schemas.openxmlformats.org/drawingml/2006/main" xmlns:r="http://schemas.openxmlformats.org/officeDocument/2006/relationships" xmlns:p="http://schemas.openxmlformats.org/presentationml/2006/main">
+  <p:cSld>
+    <p:spTree>
+      <p:nvGrpSpPr>
+        <p:cNvPr id="1" name=""/>
+        <p:cNvGrpSpPr/>
+        <p:nvPr/>
+      </p:nvGrpSpPr>
+      <p:grpSpPr>
+        <a:xfrm>
+          <a:off x="0" y="0"/>
+          <a:ext cx="0" cy="0"/>
+          <a:chOff x="0" y="0"/>
+          <a:chExt cx="0" cy="0"/>
+        </a:xfrm>
+      </p:grpSpPr>
+      <p:sp>
+        <p:nvSpPr>
+          <p:cNvPr id="2" name="タイトル 1"/>
+          <p:cNvSpPr>
+            <a:spLocks noGrp="1"/>
+          </p:cNvSpPr>
+          <p:nvPr>
+            <p:ph type="title"/>
+          </p:nvPr>
+        </p:nvSpPr>
+        <p:spPr/>
+        <p:txBody>
+          <a:bodyPr>
+            <a:noAutofit/>
+          </a:bodyPr>
+          <a:lstStyle/>
+          <a:p>
+            <a:pPr algn="ctr"/>
+            <a:r>
+              <a:rPr lang="en-US" altLang="ja-JP" sz="3600" b="1" dirty="0"/>
+              <a:t>Unit Tests</a:t>
+            </a:r>
+            <a:endParaRPr lang="ja-JP" altLang="en-US" sz="3600" b="1" kern="0" dirty="0"/>
+          </a:p>
+        </p:txBody>
+      </p:sp>
+      <p:cxnSp>
+        <p:nvCxnSpPr>
+          <p:cNvPr id="8" name="Straight Connector 7">
+            <a:extLst>
+              <a:ext uri="{FF2B5EF4-FFF2-40B4-BE49-F238E27FC236}">
+                <a16:creationId xmlns:a16="http://schemas.microsoft.com/office/drawing/2014/main" id="{0F07A22E-5A49-9049-9297-0D650C8F1F64}"/>
+              </a:ext>
+            </a:extLst>
+          </p:cNvPr>
+          <p:cNvCxnSpPr>
+            <a:cxnSpLocks/>
+          </p:cNvCxnSpPr>
+          <p:nvPr/>
+        </p:nvCxnSpPr>
+        <p:spPr>
+          <a:xfrm>
+            <a:off x="797441" y="950071"/>
+            <a:ext cx="10047768" cy="0"/>
+          </a:xfrm>
+          <a:prstGeom prst="line">
+            <a:avLst/>
+          </a:prstGeom>
+          <a:ln/>
+        </p:spPr>
+        <p:style>
+          <a:lnRef idx="2">
+            <a:schemeClr val="dk1"/>
+          </a:lnRef>
+          <a:fillRef idx="0">
+            <a:schemeClr val="dk1"/>
+          </a:fillRef>
+          <a:effectRef idx="1">
+            <a:schemeClr val="dk1"/>
+          </a:effectRef>
+          <a:fontRef idx="minor">
+            <a:schemeClr val="tx1"/>
+          </a:fontRef>
+        </p:style>
+      </p:cxnSp>
+      <p:sp>
+        <p:nvSpPr>
+          <p:cNvPr id="4" name="TextBox 3">
+            <a:extLst>
+              <a:ext uri="{FF2B5EF4-FFF2-40B4-BE49-F238E27FC236}">
                 <a16:creationId xmlns:a16="http://schemas.microsoft.com/office/drawing/2014/main" id="{5090E529-F0CD-BEFF-765A-A877EF705728}"/>
               </a:ext>
             </a:extLst>
@@ -9279,7 +9759,7 @@
 </p:sld>
 </file>
 
-<file path=ppt/slides/slide17.xml><?xml version="1.0" encoding="utf-8"?>
+<file path=ppt/slides/slide18.xml><?xml version="1.0" encoding="utf-8"?>
 <p:sld xmlns:a="http://schemas.openxmlformats.org/drawingml/2006/main" xmlns:r="http://schemas.openxmlformats.org/officeDocument/2006/relationships" xmlns:p="http://schemas.openxmlformats.org/presentationml/2006/main">
   <p:cSld>
     <p:spTree>
@@ -9346,6 +9826,448 @@
           <a:p>
             <a:pPr algn="ctr"/>
             <a:r>
+              <a:rPr lang="en-US" altLang="ja-JP" sz="3600" b="1" dirty="0">
+                <a:latin typeface="Rakuten Sans" panose="020B0503020203020204" pitchFamily="34" charset="0"/>
+                <a:cs typeface="Rakuten Sans" panose="020B0503020203020204" pitchFamily="34" charset="0"/>
+              </a:rPr>
+              <a:t>Practice resource</a:t>
+            </a:r>
+            <a:endParaRPr lang="ja-JP" altLang="en-US" sz="3600" b="1" kern="0" dirty="0">
+              <a:latin typeface="Rakuten Sans" panose="020B0503020203020204" pitchFamily="34" charset="0"/>
+              <a:cs typeface="Rakuten Sans" panose="020B0503020203020204" pitchFamily="34" charset="0"/>
+            </a:endParaRPr>
+          </a:p>
+        </p:txBody>
+      </p:sp>
+      <p:cxnSp>
+        <p:nvCxnSpPr>
+          <p:cNvPr id="8" name="Straight Connector 7">
+            <a:extLst>
+              <a:ext uri="{FF2B5EF4-FFF2-40B4-BE49-F238E27FC236}">
+                <a16:creationId xmlns:a16="http://schemas.microsoft.com/office/drawing/2014/main" id="{0F07A22E-5A49-9049-9297-0D650C8F1F64}"/>
+              </a:ext>
+            </a:extLst>
+          </p:cNvPr>
+          <p:cNvCxnSpPr>
+            <a:cxnSpLocks/>
+          </p:cNvCxnSpPr>
+          <p:nvPr/>
+        </p:nvCxnSpPr>
+        <p:spPr>
+          <a:xfrm>
+            <a:off x="797441" y="950071"/>
+            <a:ext cx="10047768" cy="0"/>
+          </a:xfrm>
+          <a:prstGeom prst="line">
+            <a:avLst/>
+          </a:prstGeom>
+          <a:ln/>
+        </p:spPr>
+        <p:style>
+          <a:lnRef idx="2">
+            <a:schemeClr val="dk1"/>
+          </a:lnRef>
+          <a:fillRef idx="0">
+            <a:schemeClr val="dk1"/>
+          </a:fillRef>
+          <a:effectRef idx="1">
+            <a:schemeClr val="dk1"/>
+          </a:effectRef>
+          <a:fontRef idx="minor">
+            <a:schemeClr val="tx1"/>
+          </a:fontRef>
+        </p:style>
+      </p:cxnSp>
+      <p:sp>
+        <p:nvSpPr>
+          <p:cNvPr id="14" name="TextBox 13">
+            <a:extLst>
+              <a:ext uri="{FF2B5EF4-FFF2-40B4-BE49-F238E27FC236}">
+                <a16:creationId xmlns:a16="http://schemas.microsoft.com/office/drawing/2014/main" id="{06A1CBA2-A659-BC40-8661-1B0194715EE3}"/>
+              </a:ext>
+            </a:extLst>
+          </p:cNvPr>
+          <p:cNvSpPr txBox="1"/>
+          <p:nvPr/>
+        </p:nvSpPr>
+        <p:spPr>
+          <a:xfrm>
+            <a:off x="334964" y="2275480"/>
+            <a:ext cx="11241993" cy="515526"/>
+          </a:xfrm>
+          <a:prstGeom prst="rect">
+            <a:avLst/>
+          </a:prstGeom>
+          <a:noFill/>
+        </p:spPr>
+        <p:txBody>
+          <a:bodyPr wrap="square" rtlCol="0">
+            <a:spAutoFit/>
+          </a:bodyPr>
+          <a:lstStyle/>
+          <a:p>
+            <a:pPr>
+              <a:lnSpc>
+                <a:spcPct val="150000"/>
+              </a:lnSpc>
+            </a:pPr>
+            <a:r>
+              <a:rPr lang="en-US" sz="2000" b="1" i="0" u="none" strike="noStrike" dirty="0">
+                <a:solidFill>
+                  <a:srgbClr val="242424"/>
+                </a:solidFill>
+                <a:effectLst/>
+                <a:latin typeface="Rakuten Sans" panose="020B0503020203020204" pitchFamily="34" charset="0"/>
+                <a:cs typeface="Rakuten Sans" panose="020B0503020203020204" pitchFamily="34" charset="0"/>
+              </a:rPr>
+              <a:t>https://</a:t>
+            </a:r>
+            <a:r>
+              <a:rPr lang="en-US" sz="2000" b="1" i="0" u="none" strike="noStrike" dirty="0" err="1">
+                <a:solidFill>
+                  <a:srgbClr val="242424"/>
+                </a:solidFill>
+                <a:effectLst/>
+                <a:latin typeface="Rakuten Sans" panose="020B0503020203020204" pitchFamily="34" charset="0"/>
+                <a:cs typeface="Rakuten Sans" panose="020B0503020203020204" pitchFamily="34" charset="0"/>
+              </a:rPr>
+              <a:t>gitpub.rakuten-it.com</a:t>
+            </a:r>
+            <a:r>
+              <a:rPr lang="en-US" sz="2000" b="1" i="0" u="none" strike="noStrike" dirty="0">
+                <a:solidFill>
+                  <a:srgbClr val="242424"/>
+                </a:solidFill>
+                <a:effectLst/>
+                <a:latin typeface="Rakuten Sans" panose="020B0503020203020204" pitchFamily="34" charset="0"/>
+                <a:cs typeface="Rakuten Sans" panose="020B0503020203020204" pitchFamily="34" charset="0"/>
+              </a:rPr>
+              <a:t>/</a:t>
+            </a:r>
+            <a:r>
+              <a:rPr lang="en-US" sz="2000" b="1" i="0" u="none" strike="noStrike" dirty="0" err="1">
+                <a:solidFill>
+                  <a:srgbClr val="242424"/>
+                </a:solidFill>
+                <a:effectLst/>
+                <a:latin typeface="Rakuten Sans" panose="020B0503020203020204" pitchFamily="34" charset="0"/>
+                <a:cs typeface="Rakuten Sans" panose="020B0503020203020204" pitchFamily="34" charset="0"/>
+              </a:rPr>
+              <a:t>scm</a:t>
+            </a:r>
+            <a:r>
+              <a:rPr lang="en-US" sz="2000" b="1" i="0" u="none" strike="noStrike" dirty="0">
+                <a:solidFill>
+                  <a:srgbClr val="242424"/>
+                </a:solidFill>
+                <a:effectLst/>
+                <a:latin typeface="Rakuten Sans" panose="020B0503020203020204" pitchFamily="34" charset="0"/>
+                <a:cs typeface="Rakuten Sans" panose="020B0503020203020204" pitchFamily="34" charset="0"/>
+              </a:rPr>
+              <a:t>/</a:t>
+            </a:r>
+            <a:r>
+              <a:rPr lang="en-US" sz="2000" b="1" i="0" u="none" strike="noStrike" dirty="0" err="1">
+                <a:solidFill>
+                  <a:srgbClr val="242424"/>
+                </a:solidFill>
+                <a:effectLst/>
+                <a:latin typeface="Rakuten Sans" panose="020B0503020203020204" pitchFamily="34" charset="0"/>
+                <a:cs typeface="Rakuten Sans" panose="020B0503020203020204" pitchFamily="34" charset="0"/>
+              </a:rPr>
+              <a:t>smartpayemv</a:t>
+            </a:r>
+            <a:r>
+              <a:rPr lang="en-US" sz="2000" b="1" i="0" u="none" strike="noStrike" dirty="0">
+                <a:solidFill>
+                  <a:srgbClr val="242424"/>
+                </a:solidFill>
+                <a:effectLst/>
+                <a:latin typeface="Rakuten Sans" panose="020B0503020203020204" pitchFamily="34" charset="0"/>
+                <a:cs typeface="Rakuten Sans" panose="020B0503020203020204" pitchFamily="34" charset="0"/>
+              </a:rPr>
+              <a:t>/01-ios-mvvmclean-sample.git</a:t>
+            </a:r>
+            <a:endParaRPr lang="en-US" sz="2000" b="1" dirty="0">
+              <a:solidFill>
+                <a:srgbClr val="FF0000"/>
+              </a:solidFill>
+              <a:effectLst/>
+              <a:latin typeface="Rakuten Sans" panose="020B0503020203020204" pitchFamily="34" charset="0"/>
+              <a:cs typeface="Rakuten Sans" panose="020B0503020203020204" pitchFamily="34" charset="0"/>
+            </a:endParaRPr>
+          </a:p>
+        </p:txBody>
+      </p:sp>
+      <p:sp>
+        <p:nvSpPr>
+          <p:cNvPr id="3" name="TextBox 2">
+            <a:extLst>
+              <a:ext uri="{FF2B5EF4-FFF2-40B4-BE49-F238E27FC236}">
+                <a16:creationId xmlns:a16="http://schemas.microsoft.com/office/drawing/2014/main" id="{4D050E61-E60C-4FFB-958B-23FFA92214C4}"/>
+              </a:ext>
+            </a:extLst>
+          </p:cNvPr>
+          <p:cNvSpPr txBox="1"/>
+          <p:nvPr/>
+        </p:nvSpPr>
+        <p:spPr>
+          <a:xfrm>
+            <a:off x="334964" y="4372229"/>
+            <a:ext cx="11857036" cy="515526"/>
+          </a:xfrm>
+          <a:prstGeom prst="rect">
+            <a:avLst/>
+          </a:prstGeom>
+          <a:noFill/>
+        </p:spPr>
+        <p:txBody>
+          <a:bodyPr wrap="square" rtlCol="0">
+            <a:spAutoFit/>
+          </a:bodyPr>
+          <a:lstStyle/>
+          <a:p>
+            <a:pPr>
+              <a:lnSpc>
+                <a:spcPct val="150000"/>
+              </a:lnSpc>
+            </a:pPr>
+            <a:r>
+              <a:rPr lang="en-US" sz="2000" b="1" i="0" u="none" strike="noStrike" dirty="0">
+                <a:solidFill>
+                  <a:srgbClr val="242424"/>
+                </a:solidFill>
+                <a:effectLst/>
+                <a:latin typeface="Rakuten Sans" panose="020B0503020203020204" pitchFamily="34" charset="0"/>
+                <a:cs typeface="Rakuten Sans" panose="020B0503020203020204" pitchFamily="34" charset="0"/>
+              </a:rPr>
+              <a:t>https://</a:t>
+            </a:r>
+            <a:r>
+              <a:rPr lang="en-US" sz="2000" b="1" i="0" u="none" strike="noStrike" dirty="0" err="1">
+                <a:solidFill>
+                  <a:srgbClr val="242424"/>
+                </a:solidFill>
+                <a:effectLst/>
+                <a:latin typeface="Rakuten Sans" panose="020B0503020203020204" pitchFamily="34" charset="0"/>
+                <a:cs typeface="Rakuten Sans" panose="020B0503020203020204" pitchFamily="34" charset="0"/>
+              </a:rPr>
+              <a:t>gitlab-payment.intra.rakuten-it.com</a:t>
+            </a:r>
+            <a:r>
+              <a:rPr lang="en-US" sz="2000" b="1" i="0" u="none" strike="noStrike" dirty="0">
+                <a:solidFill>
+                  <a:srgbClr val="242424"/>
+                </a:solidFill>
+                <a:effectLst/>
+                <a:latin typeface="Rakuten Sans" panose="020B0503020203020204" pitchFamily="34" charset="0"/>
+                <a:cs typeface="Rakuten Sans" panose="020B0503020203020204" pitchFamily="34" charset="0"/>
+              </a:rPr>
+              <a:t>/</a:t>
+            </a:r>
+            <a:r>
+              <a:rPr lang="en-US" sz="2000" b="1" i="0" u="none" strike="noStrike" dirty="0" err="1">
+                <a:solidFill>
+                  <a:srgbClr val="242424"/>
+                </a:solidFill>
+                <a:effectLst/>
+                <a:latin typeface="Rakuten Sans" panose="020B0503020203020204" pitchFamily="34" charset="0"/>
+                <a:cs typeface="Rakuten Sans" panose="020B0503020203020204" pitchFamily="34" charset="0"/>
+              </a:rPr>
+              <a:t>rpay-ios</a:t>
+            </a:r>
+            <a:r>
+              <a:rPr lang="en-US" sz="2000" b="1" i="0" u="none" strike="noStrike" dirty="0">
+                <a:solidFill>
+                  <a:srgbClr val="242424"/>
+                </a:solidFill>
+                <a:effectLst/>
+                <a:latin typeface="Rakuten Sans" panose="020B0503020203020204" pitchFamily="34" charset="0"/>
+                <a:cs typeface="Rakuten Sans" panose="020B0503020203020204" pitchFamily="34" charset="0"/>
+              </a:rPr>
+              <a:t>/shopper/01-ios-mvvmclean-sample</a:t>
+            </a:r>
+            <a:endParaRPr lang="en-US" sz="2000" b="1" dirty="0">
+              <a:solidFill>
+                <a:srgbClr val="FF0000"/>
+              </a:solidFill>
+              <a:effectLst/>
+              <a:latin typeface="Rakuten Sans" panose="020B0503020203020204" pitchFamily="34" charset="0"/>
+              <a:cs typeface="Rakuten Sans" panose="020B0503020203020204" pitchFamily="34" charset="0"/>
+            </a:endParaRPr>
+          </a:p>
+        </p:txBody>
+      </p:sp>
+      <p:sp>
+        <p:nvSpPr>
+          <p:cNvPr id="4" name="TextBox 3">
+            <a:extLst>
+              <a:ext uri="{FF2B5EF4-FFF2-40B4-BE49-F238E27FC236}">
+                <a16:creationId xmlns:a16="http://schemas.microsoft.com/office/drawing/2014/main" id="{981E39C6-9E4B-A6EE-8036-3639267BCD9F}"/>
+              </a:ext>
+            </a:extLst>
+          </p:cNvPr>
+          <p:cNvSpPr txBox="1"/>
+          <p:nvPr/>
+        </p:nvSpPr>
+        <p:spPr>
+          <a:xfrm>
+            <a:off x="334964" y="1856101"/>
+            <a:ext cx="1352724" cy="515526"/>
+          </a:xfrm>
+          <a:prstGeom prst="rect">
+            <a:avLst/>
+          </a:prstGeom>
+          <a:noFill/>
+        </p:spPr>
+        <p:txBody>
+          <a:bodyPr wrap="square" rtlCol="0">
+            <a:spAutoFit/>
+          </a:bodyPr>
+          <a:lstStyle/>
+          <a:p>
+            <a:pPr>
+              <a:lnSpc>
+                <a:spcPct val="150000"/>
+              </a:lnSpc>
+            </a:pPr>
+            <a:r>
+              <a:rPr lang="en-US" sz="2000" b="1" i="0" u="sng" strike="noStrike" dirty="0" err="1">
+                <a:solidFill>
+                  <a:srgbClr val="FF0000"/>
+                </a:solidFill>
+                <a:effectLst/>
+                <a:latin typeface="Rakuten Sans" panose="020B0503020203020204" pitchFamily="34" charset="0"/>
+                <a:cs typeface="Rakuten Sans" panose="020B0503020203020204" pitchFamily="34" charset="0"/>
+              </a:rPr>
+              <a:t>Gitpub</a:t>
+            </a:r>
+            <a:r>
+              <a:rPr lang="en-US" sz="2000" b="1" i="0" u="sng" strike="noStrike" dirty="0">
+                <a:solidFill>
+                  <a:srgbClr val="FF0000"/>
+                </a:solidFill>
+                <a:effectLst/>
+                <a:latin typeface="Rakuten Sans" panose="020B0503020203020204" pitchFamily="34" charset="0"/>
+                <a:cs typeface="Rakuten Sans" panose="020B0503020203020204" pitchFamily="34" charset="0"/>
+              </a:rPr>
+              <a:t> : </a:t>
+            </a:r>
+            <a:endParaRPr lang="en-US" sz="2000" b="1" u="sng" dirty="0">
+              <a:solidFill>
+                <a:srgbClr val="FF0000"/>
+              </a:solidFill>
+              <a:effectLst/>
+              <a:latin typeface="Rakuten Sans" panose="020B0503020203020204" pitchFamily="34" charset="0"/>
+              <a:cs typeface="Rakuten Sans" panose="020B0503020203020204" pitchFamily="34" charset="0"/>
+            </a:endParaRPr>
+          </a:p>
+        </p:txBody>
+      </p:sp>
+      <p:sp>
+        <p:nvSpPr>
+          <p:cNvPr id="5" name="TextBox 4">
+            <a:extLst>
+              <a:ext uri="{FF2B5EF4-FFF2-40B4-BE49-F238E27FC236}">
+                <a16:creationId xmlns:a16="http://schemas.microsoft.com/office/drawing/2014/main" id="{528EEB2F-D4D1-B771-1087-6091E2A5FD01}"/>
+              </a:ext>
+            </a:extLst>
+          </p:cNvPr>
+          <p:cNvSpPr txBox="1"/>
+          <p:nvPr/>
+        </p:nvSpPr>
+        <p:spPr>
+          <a:xfrm>
+            <a:off x="334964" y="3952850"/>
+            <a:ext cx="1352724" cy="515526"/>
+          </a:xfrm>
+          <a:prstGeom prst="rect">
+            <a:avLst/>
+          </a:prstGeom>
+          <a:noFill/>
+        </p:spPr>
+        <p:txBody>
+          <a:bodyPr wrap="square" rtlCol="0">
+            <a:spAutoFit/>
+          </a:bodyPr>
+          <a:lstStyle/>
+          <a:p>
+            <a:pPr>
+              <a:lnSpc>
+                <a:spcPct val="150000"/>
+              </a:lnSpc>
+            </a:pPr>
+            <a:r>
+              <a:rPr lang="en-US" sz="2000" b="1" i="0" u="sng" strike="noStrike" dirty="0">
+                <a:solidFill>
+                  <a:srgbClr val="FF0000"/>
+                </a:solidFill>
+                <a:effectLst/>
+                <a:latin typeface="Rakuten Sans" panose="020B0503020203020204" pitchFamily="34" charset="0"/>
+                <a:cs typeface="Rakuten Sans" panose="020B0503020203020204" pitchFamily="34" charset="0"/>
+              </a:rPr>
+              <a:t>Gitlab : </a:t>
+            </a:r>
+            <a:endParaRPr lang="en-US" sz="2000" b="1" u="sng" dirty="0">
+              <a:solidFill>
+                <a:srgbClr val="FF0000"/>
+              </a:solidFill>
+              <a:effectLst/>
+              <a:latin typeface="Rakuten Sans" panose="020B0503020203020204" pitchFamily="34" charset="0"/>
+              <a:cs typeface="Rakuten Sans" panose="020B0503020203020204" pitchFamily="34" charset="0"/>
+            </a:endParaRPr>
+          </a:p>
+        </p:txBody>
+      </p:sp>
+    </p:spTree>
+    <p:extLst>
+      <p:ext uri="{BB962C8B-B14F-4D97-AF65-F5344CB8AC3E}">
+        <p14:creationId xmlns:p14="http://schemas.microsoft.com/office/powerpoint/2010/main" val="688680688"/>
+      </p:ext>
+    </p:extLst>
+  </p:cSld>
+  <p:clrMapOvr>
+    <a:masterClrMapping/>
+  </p:clrMapOvr>
+</p:sld>
+</file>
+
+<file path=ppt/slides/slide3.xml><?xml version="1.0" encoding="utf-8"?>
+<p:sld xmlns:a="http://schemas.openxmlformats.org/drawingml/2006/main" xmlns:r="http://schemas.openxmlformats.org/officeDocument/2006/relationships" xmlns:p="http://schemas.openxmlformats.org/presentationml/2006/main">
+  <p:cSld>
+    <p:spTree>
+      <p:nvGrpSpPr>
+        <p:cNvPr id="1" name=""/>
+        <p:cNvGrpSpPr/>
+        <p:nvPr/>
+      </p:nvGrpSpPr>
+      <p:grpSpPr>
+        <a:xfrm>
+          <a:off x="0" y="0"/>
+          <a:ext cx="0" cy="0"/>
+          <a:chOff x="0" y="0"/>
+          <a:chExt cx="0" cy="0"/>
+        </a:xfrm>
+      </p:grpSpPr>
+      <p:sp>
+        <p:nvSpPr>
+          <p:cNvPr id="2" name="タイトル 1"/>
+          <p:cNvSpPr>
+            <a:spLocks noGrp="1"/>
+          </p:cNvSpPr>
+          <p:nvPr>
+            <p:ph type="title"/>
+          </p:nvPr>
+        </p:nvSpPr>
+        <p:spPr/>
+        <p:txBody>
+          <a:bodyPr>
+            <a:noAutofit/>
+          </a:bodyPr>
+          <a:lstStyle/>
+          <a:p>
+            <a:pPr algn="ctr"/>
+            <a:r>
               <a:rPr lang="en-US" altLang="ja-JP" sz="3600" b="1" kern="0" dirty="0">
                 <a:latin typeface="Rakuten Sans" panose="020B0503020203020204" pitchFamily="34" charset="0"/>
                 <a:cs typeface="Rakuten Sans" panose="020B0503020203020204" pitchFamily="34" charset="0"/>
@@ -9712,243 +10634,6 @@
 </p:sld>
 </file>
 
-<file path=ppt/slides/slide3.xml><?xml version="1.0" encoding="utf-8"?>
-<p:sld xmlns:a="http://schemas.openxmlformats.org/drawingml/2006/main" xmlns:r="http://schemas.openxmlformats.org/officeDocument/2006/relationships" xmlns:p="http://schemas.openxmlformats.org/presentationml/2006/main">
-  <p:cSld>
-    <p:spTree>
-      <p:nvGrpSpPr>
-        <p:cNvPr id="1" name=""/>
-        <p:cNvGrpSpPr/>
-        <p:nvPr/>
-      </p:nvGrpSpPr>
-      <p:grpSpPr>
-        <a:xfrm>
-          <a:off x="0" y="0"/>
-          <a:ext cx="0" cy="0"/>
-          <a:chOff x="0" y="0"/>
-          <a:chExt cx="0" cy="0"/>
-        </a:xfrm>
-      </p:grpSpPr>
-      <p:sp>
-        <p:nvSpPr>
-          <p:cNvPr id="2" name="タイトル 1"/>
-          <p:cNvSpPr>
-            <a:spLocks noGrp="1"/>
-          </p:cNvSpPr>
-          <p:nvPr>
-            <p:ph type="title"/>
-          </p:nvPr>
-        </p:nvSpPr>
-        <p:spPr/>
-        <p:txBody>
-          <a:bodyPr>
-            <a:noAutofit/>
-          </a:bodyPr>
-          <a:lstStyle/>
-          <a:p>
-            <a:pPr algn="ctr"/>
-            <a:r>
-              <a:rPr lang="en-US" altLang="ja-JP" sz="3600" b="1" kern="0" dirty="0"/>
-              <a:t>Preparation</a:t>
-            </a:r>
-            <a:endParaRPr lang="ja-JP" altLang="en-US" sz="3600" b="1" kern="0" dirty="0"/>
-          </a:p>
-        </p:txBody>
-      </p:sp>
-      <p:cxnSp>
-        <p:nvCxnSpPr>
-          <p:cNvPr id="8" name="Straight Connector 7">
-            <a:extLst>
-              <a:ext uri="{FF2B5EF4-FFF2-40B4-BE49-F238E27FC236}">
-                <a16:creationId xmlns:a16="http://schemas.microsoft.com/office/drawing/2014/main" id="{0F07A22E-5A49-9049-9297-0D650C8F1F64}"/>
-              </a:ext>
-            </a:extLst>
-          </p:cNvPr>
-          <p:cNvCxnSpPr>
-            <a:cxnSpLocks/>
-          </p:cNvCxnSpPr>
-          <p:nvPr/>
-        </p:nvCxnSpPr>
-        <p:spPr>
-          <a:xfrm>
-            <a:off x="797441" y="950071"/>
-            <a:ext cx="10047768" cy="0"/>
-          </a:xfrm>
-          <a:prstGeom prst="line">
-            <a:avLst/>
-          </a:prstGeom>
-          <a:ln/>
-        </p:spPr>
-        <p:style>
-          <a:lnRef idx="2">
-            <a:schemeClr val="dk1"/>
-          </a:lnRef>
-          <a:fillRef idx="0">
-            <a:schemeClr val="dk1"/>
-          </a:fillRef>
-          <a:effectRef idx="1">
-            <a:schemeClr val="dk1"/>
-          </a:effectRef>
-          <a:fontRef idx="minor">
-            <a:schemeClr val="tx1"/>
-          </a:fontRef>
-        </p:style>
-      </p:cxnSp>
-      <p:sp>
-        <p:nvSpPr>
-          <p:cNvPr id="3" name="TextBox 2">
-            <a:extLst>
-              <a:ext uri="{FF2B5EF4-FFF2-40B4-BE49-F238E27FC236}">
-                <a16:creationId xmlns:a16="http://schemas.microsoft.com/office/drawing/2014/main" id="{BB9A9174-A47B-0443-60C0-0288F7074B06}"/>
-              </a:ext>
-            </a:extLst>
-          </p:cNvPr>
-          <p:cNvSpPr txBox="1"/>
-          <p:nvPr/>
-        </p:nvSpPr>
-        <p:spPr>
-          <a:xfrm>
-            <a:off x="797440" y="1215772"/>
-            <a:ext cx="10047767" cy="2720938"/>
-          </a:xfrm>
-          <a:prstGeom prst="rect">
-            <a:avLst/>
-          </a:prstGeom>
-          <a:noFill/>
-        </p:spPr>
-        <p:txBody>
-          <a:bodyPr wrap="square" rtlCol="0">
-            <a:spAutoFit/>
-          </a:bodyPr>
-          <a:lstStyle/>
-          <a:p>
-            <a:pPr marL="285750" indent="-285750">
-              <a:lnSpc>
-                <a:spcPct val="120000"/>
-              </a:lnSpc>
-              <a:buSzPct val="100000"/>
-              <a:buFont typeface="Arial" panose="020B0604020202020204" pitchFamily="34" charset="0"/>
-              <a:buChar char="•"/>
-            </a:pPr>
-            <a:r>
-              <a:rPr lang="en-US" b="1" dirty="0"/>
-              <a:t>Create Folders</a:t>
-            </a:r>
-            <a:endParaRPr lang="en-US" b="1" dirty="0">
-              <a:effectLst/>
-            </a:endParaRPr>
-          </a:p>
-          <a:p>
-            <a:pPr marL="742950" lvl="1" indent="-285750">
-              <a:lnSpc>
-                <a:spcPct val="120000"/>
-              </a:lnSpc>
-              <a:buSzPct val="100000"/>
-              <a:buFont typeface="Arial" panose="020B0604020202020204" pitchFamily="34" charset="0"/>
-              <a:buChar char="•"/>
-            </a:pPr>
-            <a:r>
-              <a:rPr lang="en-US" dirty="0" err="1"/>
-              <a:t>Domain、Presentation、Data、Infrastructure、Application</a:t>
-            </a:r>
-            <a:r>
-              <a:rPr lang="en-US" dirty="0"/>
-              <a:t>/Container、 Application/Container/</a:t>
-            </a:r>
-            <a:r>
-              <a:rPr lang="en-US" dirty="0" err="1"/>
-              <a:t>MockData</a:t>
-            </a:r>
-            <a:endParaRPr lang="en-US" dirty="0"/>
-          </a:p>
-          <a:p>
-            <a:pPr marL="285750" indent="-285750">
-              <a:lnSpc>
-                <a:spcPct val="120000"/>
-              </a:lnSpc>
-              <a:buSzPct val="100000"/>
-              <a:buFont typeface="Arial" panose="020B0604020202020204" pitchFamily="34" charset="0"/>
-              <a:buChar char="•"/>
-            </a:pPr>
-            <a:r>
-              <a:rPr lang="en-US" b="1" dirty="0"/>
-              <a:t>Copy Materials</a:t>
-            </a:r>
-            <a:r>
-              <a:rPr lang="en-US" b="1" dirty="0">
-                <a:effectLst/>
-              </a:rPr>
-              <a:t> </a:t>
-            </a:r>
-          </a:p>
-          <a:p>
-            <a:pPr marL="800100" lvl="1" indent="-342900">
-              <a:lnSpc>
-                <a:spcPct val="120000"/>
-              </a:lnSpc>
-              <a:buSzPct val="100000"/>
-              <a:buFont typeface="Arial" panose="020B0604020202020204" pitchFamily="34" charset="0"/>
-              <a:buChar char="•"/>
-            </a:pPr>
-            <a:r>
-              <a:rPr lang="en-US" dirty="0"/>
-              <a:t>Container</a:t>
-            </a:r>
-          </a:p>
-          <a:p>
-            <a:pPr marL="800100" lvl="1" indent="-342900">
-              <a:lnSpc>
-                <a:spcPct val="120000"/>
-              </a:lnSpc>
-              <a:buSzPct val="100000"/>
-              <a:buFont typeface="Arial" panose="020B0604020202020204" pitchFamily="34" charset="0"/>
-              <a:buChar char="•"/>
-            </a:pPr>
-            <a:r>
-              <a:rPr lang="en-US" dirty="0"/>
-              <a:t>Networks</a:t>
-            </a:r>
-          </a:p>
-          <a:p>
-            <a:pPr marL="800100" lvl="1" indent="-342900">
-              <a:lnSpc>
-                <a:spcPct val="120000"/>
-              </a:lnSpc>
-              <a:buSzPct val="100000"/>
-              <a:buFont typeface="Arial" panose="020B0604020202020204" pitchFamily="34" charset="0"/>
-              <a:buChar char="•"/>
-            </a:pPr>
-            <a:r>
-              <a:rPr lang="en-US" dirty="0"/>
-              <a:t>Image Assets</a:t>
-            </a:r>
-          </a:p>
-          <a:p>
-            <a:pPr marL="800100" lvl="1" indent="-342900">
-              <a:lnSpc>
-                <a:spcPct val="120000"/>
-              </a:lnSpc>
-              <a:buSzPct val="100000"/>
-              <a:buFont typeface="Arial" panose="020B0604020202020204" pitchFamily="34" charset="0"/>
-              <a:buChar char="•"/>
-            </a:pPr>
-            <a:endParaRPr lang="en-US" dirty="0"/>
-          </a:p>
-        </p:txBody>
-      </p:sp>
-    </p:spTree>
-    <p:extLst>
-      <p:ext uri="{BB962C8B-B14F-4D97-AF65-F5344CB8AC3E}">
-        <p14:creationId xmlns:p14="http://schemas.microsoft.com/office/powerpoint/2010/main" val="2150513868"/>
-      </p:ext>
-    </p:extLst>
-  </p:cSld>
-  <p:clrMapOvr>
-    <a:masterClrMapping/>
-  </p:clrMapOvr>
-</p:sld>
-</file>
-
 <file path=ppt/slides/slide4.xml><?xml version="1.0" encoding="utf-8"?>
 <p:sld xmlns:a="http://schemas.openxmlformats.org/drawingml/2006/main" xmlns:r="http://schemas.openxmlformats.org/officeDocument/2006/relationships" xmlns:p="http://schemas.openxmlformats.org/presentationml/2006/main">
   <p:cSld>
@@ -9985,8 +10670,8 @@
           <a:p>
             <a:pPr algn="ctr"/>
             <a:r>
-              <a:rPr lang="en-US" altLang="ja-JP" sz="3600" b="1" dirty="0"/>
-              <a:t>Build feature - 1</a:t>
+              <a:rPr lang="en-US" altLang="ja-JP" sz="3600" b="1" kern="0" dirty="0"/>
+              <a:t>Preparation</a:t>
             </a:r>
             <a:endParaRPr lang="ja-JP" altLang="en-US" sz="3600" b="1" kern="0" dirty="0"/>
           </a:p>
@@ -10046,6 +10731,243 @@
         <p:spPr>
           <a:xfrm>
             <a:off x="797440" y="1215772"/>
+            <a:ext cx="10047767" cy="2720938"/>
+          </a:xfrm>
+          <a:prstGeom prst="rect">
+            <a:avLst/>
+          </a:prstGeom>
+          <a:noFill/>
+        </p:spPr>
+        <p:txBody>
+          <a:bodyPr wrap="square" rtlCol="0">
+            <a:spAutoFit/>
+          </a:bodyPr>
+          <a:lstStyle/>
+          <a:p>
+            <a:pPr marL="285750" indent="-285750">
+              <a:lnSpc>
+                <a:spcPct val="120000"/>
+              </a:lnSpc>
+              <a:buSzPct val="100000"/>
+              <a:buFont typeface="Arial" panose="020B0604020202020204" pitchFamily="34" charset="0"/>
+              <a:buChar char="•"/>
+            </a:pPr>
+            <a:r>
+              <a:rPr lang="en-US" b="1" dirty="0"/>
+              <a:t>Create Folders</a:t>
+            </a:r>
+            <a:endParaRPr lang="en-US" b="1" dirty="0">
+              <a:effectLst/>
+            </a:endParaRPr>
+          </a:p>
+          <a:p>
+            <a:pPr marL="742950" lvl="1" indent="-285750">
+              <a:lnSpc>
+                <a:spcPct val="120000"/>
+              </a:lnSpc>
+              <a:buSzPct val="100000"/>
+              <a:buFont typeface="Arial" panose="020B0604020202020204" pitchFamily="34" charset="0"/>
+              <a:buChar char="•"/>
+            </a:pPr>
+            <a:r>
+              <a:rPr lang="en-US" dirty="0" err="1"/>
+              <a:t>Domain、Presentation、Data、Infrastructure、Application</a:t>
+            </a:r>
+            <a:r>
+              <a:rPr lang="en-US" dirty="0"/>
+              <a:t>/Container、 Application/Container/</a:t>
+            </a:r>
+            <a:r>
+              <a:rPr lang="en-US" dirty="0" err="1"/>
+              <a:t>MockData</a:t>
+            </a:r>
+            <a:endParaRPr lang="en-US" dirty="0"/>
+          </a:p>
+          <a:p>
+            <a:pPr marL="285750" indent="-285750">
+              <a:lnSpc>
+                <a:spcPct val="120000"/>
+              </a:lnSpc>
+              <a:buSzPct val="100000"/>
+              <a:buFont typeface="Arial" panose="020B0604020202020204" pitchFamily="34" charset="0"/>
+              <a:buChar char="•"/>
+            </a:pPr>
+            <a:r>
+              <a:rPr lang="en-US" b="1" dirty="0"/>
+              <a:t>Copy Materials</a:t>
+            </a:r>
+            <a:r>
+              <a:rPr lang="en-US" b="1" dirty="0">
+                <a:effectLst/>
+              </a:rPr>
+              <a:t> </a:t>
+            </a:r>
+          </a:p>
+          <a:p>
+            <a:pPr marL="800100" lvl="1" indent="-342900">
+              <a:lnSpc>
+                <a:spcPct val="120000"/>
+              </a:lnSpc>
+              <a:buSzPct val="100000"/>
+              <a:buFont typeface="Arial" panose="020B0604020202020204" pitchFamily="34" charset="0"/>
+              <a:buChar char="•"/>
+            </a:pPr>
+            <a:r>
+              <a:rPr lang="en-US" dirty="0"/>
+              <a:t>Container</a:t>
+            </a:r>
+          </a:p>
+          <a:p>
+            <a:pPr marL="800100" lvl="1" indent="-342900">
+              <a:lnSpc>
+                <a:spcPct val="120000"/>
+              </a:lnSpc>
+              <a:buSzPct val="100000"/>
+              <a:buFont typeface="Arial" panose="020B0604020202020204" pitchFamily="34" charset="0"/>
+              <a:buChar char="•"/>
+            </a:pPr>
+            <a:r>
+              <a:rPr lang="en-US" dirty="0"/>
+              <a:t>Networks</a:t>
+            </a:r>
+          </a:p>
+          <a:p>
+            <a:pPr marL="800100" lvl="1" indent="-342900">
+              <a:lnSpc>
+                <a:spcPct val="120000"/>
+              </a:lnSpc>
+              <a:buSzPct val="100000"/>
+              <a:buFont typeface="Arial" panose="020B0604020202020204" pitchFamily="34" charset="0"/>
+              <a:buChar char="•"/>
+            </a:pPr>
+            <a:r>
+              <a:rPr lang="en-US" dirty="0"/>
+              <a:t>Image Assets</a:t>
+            </a:r>
+          </a:p>
+          <a:p>
+            <a:pPr marL="800100" lvl="1" indent="-342900">
+              <a:lnSpc>
+                <a:spcPct val="120000"/>
+              </a:lnSpc>
+              <a:buSzPct val="100000"/>
+              <a:buFont typeface="Arial" panose="020B0604020202020204" pitchFamily="34" charset="0"/>
+              <a:buChar char="•"/>
+            </a:pPr>
+            <a:endParaRPr lang="en-US" dirty="0"/>
+          </a:p>
+        </p:txBody>
+      </p:sp>
+    </p:spTree>
+    <p:extLst>
+      <p:ext uri="{BB962C8B-B14F-4D97-AF65-F5344CB8AC3E}">
+        <p14:creationId xmlns:p14="http://schemas.microsoft.com/office/powerpoint/2010/main" val="2150513868"/>
+      </p:ext>
+    </p:extLst>
+  </p:cSld>
+  <p:clrMapOvr>
+    <a:masterClrMapping/>
+  </p:clrMapOvr>
+</p:sld>
+</file>
+
+<file path=ppt/slides/slide5.xml><?xml version="1.0" encoding="utf-8"?>
+<p:sld xmlns:a="http://schemas.openxmlformats.org/drawingml/2006/main" xmlns:r="http://schemas.openxmlformats.org/officeDocument/2006/relationships" xmlns:p="http://schemas.openxmlformats.org/presentationml/2006/main">
+  <p:cSld>
+    <p:spTree>
+      <p:nvGrpSpPr>
+        <p:cNvPr id="1" name=""/>
+        <p:cNvGrpSpPr/>
+        <p:nvPr/>
+      </p:nvGrpSpPr>
+      <p:grpSpPr>
+        <a:xfrm>
+          <a:off x="0" y="0"/>
+          <a:ext cx="0" cy="0"/>
+          <a:chOff x="0" y="0"/>
+          <a:chExt cx="0" cy="0"/>
+        </a:xfrm>
+      </p:grpSpPr>
+      <p:sp>
+        <p:nvSpPr>
+          <p:cNvPr id="2" name="タイトル 1"/>
+          <p:cNvSpPr>
+            <a:spLocks noGrp="1"/>
+          </p:cNvSpPr>
+          <p:nvPr>
+            <p:ph type="title"/>
+          </p:nvPr>
+        </p:nvSpPr>
+        <p:spPr/>
+        <p:txBody>
+          <a:bodyPr>
+            <a:noAutofit/>
+          </a:bodyPr>
+          <a:lstStyle/>
+          <a:p>
+            <a:pPr algn="ctr"/>
+            <a:r>
+              <a:rPr lang="en-US" altLang="ja-JP" sz="3600" b="1" dirty="0"/>
+              <a:t>Build feature - 1</a:t>
+            </a:r>
+            <a:endParaRPr lang="ja-JP" altLang="en-US" sz="3600" b="1" kern="0" dirty="0"/>
+          </a:p>
+        </p:txBody>
+      </p:sp>
+      <p:cxnSp>
+        <p:nvCxnSpPr>
+          <p:cNvPr id="8" name="Straight Connector 7">
+            <a:extLst>
+              <a:ext uri="{FF2B5EF4-FFF2-40B4-BE49-F238E27FC236}">
+                <a16:creationId xmlns:a16="http://schemas.microsoft.com/office/drawing/2014/main" id="{0F07A22E-5A49-9049-9297-0D650C8F1F64}"/>
+              </a:ext>
+            </a:extLst>
+          </p:cNvPr>
+          <p:cNvCxnSpPr>
+            <a:cxnSpLocks/>
+          </p:cNvCxnSpPr>
+          <p:nvPr/>
+        </p:nvCxnSpPr>
+        <p:spPr>
+          <a:xfrm>
+            <a:off x="797441" y="950071"/>
+            <a:ext cx="10047768" cy="0"/>
+          </a:xfrm>
+          <a:prstGeom prst="line">
+            <a:avLst/>
+          </a:prstGeom>
+          <a:ln/>
+        </p:spPr>
+        <p:style>
+          <a:lnRef idx="2">
+            <a:schemeClr val="dk1"/>
+          </a:lnRef>
+          <a:fillRef idx="0">
+            <a:schemeClr val="dk1"/>
+          </a:fillRef>
+          <a:effectRef idx="1">
+            <a:schemeClr val="dk1"/>
+          </a:effectRef>
+          <a:fontRef idx="minor">
+            <a:schemeClr val="tx1"/>
+          </a:fontRef>
+        </p:style>
+      </p:cxnSp>
+      <p:sp>
+        <p:nvSpPr>
+          <p:cNvPr id="3" name="TextBox 2">
+            <a:extLst>
+              <a:ext uri="{FF2B5EF4-FFF2-40B4-BE49-F238E27FC236}">
+                <a16:creationId xmlns:a16="http://schemas.microsoft.com/office/drawing/2014/main" id="{BB9A9174-A47B-0443-60C0-0288F7074B06}"/>
+              </a:ext>
+            </a:extLst>
+          </p:cNvPr>
+          <p:cNvSpPr txBox="1"/>
+          <p:nvPr/>
+        </p:nvSpPr>
+        <p:spPr>
+          <a:xfrm>
+            <a:off x="797440" y="1215772"/>
             <a:ext cx="10047767" cy="5047728"/>
           </a:xfrm>
           <a:prstGeom prst="rect">
@@ -10327,7 +11249,7 @@
 </p:sld>
 </file>
 
-<file path=ppt/slides/slide5.xml><?xml version="1.0" encoding="utf-8"?>
+<file path=ppt/slides/slide6.xml><?xml version="1.0" encoding="utf-8"?>
 <p:sld xmlns:a="http://schemas.openxmlformats.org/drawingml/2006/main" xmlns:r="http://schemas.openxmlformats.org/officeDocument/2006/relationships" xmlns:p="http://schemas.openxmlformats.org/presentationml/2006/main">
   <p:cSld>
     <p:spTree>
@@ -11655,283 +12577,6 @@
 </p:sld>
 </file>
 
-<file path=ppt/slides/slide6.xml><?xml version="1.0" encoding="utf-8"?>
-<p:sld xmlns:a="http://schemas.openxmlformats.org/drawingml/2006/main" xmlns:r="http://schemas.openxmlformats.org/officeDocument/2006/relationships" xmlns:p="http://schemas.openxmlformats.org/presentationml/2006/main">
-  <p:cSld>
-    <p:spTree>
-      <p:nvGrpSpPr>
-        <p:cNvPr id="1" name=""/>
-        <p:cNvGrpSpPr/>
-        <p:nvPr/>
-      </p:nvGrpSpPr>
-      <p:grpSpPr>
-        <a:xfrm>
-          <a:off x="0" y="0"/>
-          <a:ext cx="0" cy="0"/>
-          <a:chOff x="0" y="0"/>
-          <a:chExt cx="0" cy="0"/>
-        </a:xfrm>
-      </p:grpSpPr>
-      <p:sp>
-        <p:nvSpPr>
-          <p:cNvPr id="2" name="タイトル 1"/>
-          <p:cNvSpPr>
-            <a:spLocks noGrp="1"/>
-          </p:cNvSpPr>
-          <p:nvPr>
-            <p:ph type="title"/>
-          </p:nvPr>
-        </p:nvSpPr>
-        <p:spPr/>
-        <p:txBody>
-          <a:bodyPr>
-            <a:noAutofit/>
-          </a:bodyPr>
-          <a:lstStyle/>
-          <a:p>
-            <a:pPr algn="ctr"/>
-            <a:r>
-              <a:rPr lang="en-US" altLang="ja-JP" sz="3600" b="1" dirty="0"/>
-              <a:t>Build feature - 2 </a:t>
-            </a:r>
-            <a:endParaRPr lang="ja-JP" altLang="en-US" sz="3600" b="1" kern="0" dirty="0"/>
-          </a:p>
-        </p:txBody>
-      </p:sp>
-      <p:cxnSp>
-        <p:nvCxnSpPr>
-          <p:cNvPr id="8" name="Straight Connector 7">
-            <a:extLst>
-              <a:ext uri="{FF2B5EF4-FFF2-40B4-BE49-F238E27FC236}">
-                <a16:creationId xmlns:a16="http://schemas.microsoft.com/office/drawing/2014/main" id="{0F07A22E-5A49-9049-9297-0D650C8F1F64}"/>
-              </a:ext>
-            </a:extLst>
-          </p:cNvPr>
-          <p:cNvCxnSpPr>
-            <a:cxnSpLocks/>
-          </p:cNvCxnSpPr>
-          <p:nvPr/>
-        </p:nvCxnSpPr>
-        <p:spPr>
-          <a:xfrm>
-            <a:off x="797441" y="950071"/>
-            <a:ext cx="10047768" cy="0"/>
-          </a:xfrm>
-          <a:prstGeom prst="line">
-            <a:avLst/>
-          </a:prstGeom>
-          <a:ln/>
-        </p:spPr>
-        <p:style>
-          <a:lnRef idx="2">
-            <a:schemeClr val="dk1"/>
-          </a:lnRef>
-          <a:fillRef idx="0">
-            <a:schemeClr val="dk1"/>
-          </a:fillRef>
-          <a:effectRef idx="1">
-            <a:schemeClr val="dk1"/>
-          </a:effectRef>
-          <a:fontRef idx="minor">
-            <a:schemeClr val="tx1"/>
-          </a:fontRef>
-        </p:style>
-      </p:cxnSp>
-      <p:sp>
-        <p:nvSpPr>
-          <p:cNvPr id="3" name="TextBox 2">
-            <a:extLst>
-              <a:ext uri="{FF2B5EF4-FFF2-40B4-BE49-F238E27FC236}">
-                <a16:creationId xmlns:a16="http://schemas.microsoft.com/office/drawing/2014/main" id="{BB9A9174-A47B-0443-60C0-0288F7074B06}"/>
-              </a:ext>
-            </a:extLst>
-          </p:cNvPr>
-          <p:cNvSpPr txBox="1"/>
-          <p:nvPr/>
-        </p:nvSpPr>
-        <p:spPr>
-          <a:xfrm>
-            <a:off x="797440" y="1215772"/>
-            <a:ext cx="10047767" cy="3053400"/>
-          </a:xfrm>
-          <a:prstGeom prst="rect">
-            <a:avLst/>
-          </a:prstGeom>
-          <a:noFill/>
-        </p:spPr>
-        <p:txBody>
-          <a:bodyPr wrap="square" rtlCol="0">
-            <a:spAutoFit/>
-          </a:bodyPr>
-          <a:lstStyle/>
-          <a:p>
-            <a:pPr marL="285750" indent="-285750">
-              <a:lnSpc>
-                <a:spcPct val="120000"/>
-              </a:lnSpc>
-              <a:buSzPct val="100000"/>
-              <a:buFont typeface="Arial" panose="020B0604020202020204" pitchFamily="34" charset="0"/>
-              <a:buChar char="•"/>
-            </a:pPr>
-            <a:r>
-              <a:rPr lang="en-US" b="1" dirty="0">
-                <a:effectLst/>
-              </a:rPr>
-              <a:t>Handle UI</a:t>
-            </a:r>
-          </a:p>
-          <a:p>
-            <a:pPr marL="742950" lvl="1" indent="-285750">
-              <a:lnSpc>
-                <a:spcPct val="120000"/>
-              </a:lnSpc>
-              <a:buSzPct val="100000"/>
-              <a:buFont typeface="Arial" panose="020B0604020202020204" pitchFamily="34" charset="0"/>
-              <a:buChar char="•"/>
-            </a:pPr>
-            <a:r>
-              <a:rPr lang="en-US" dirty="0"/>
-              <a:t>Copy properties from old class &gt; next new line after “</a:t>
-            </a:r>
-            <a:r>
-              <a:rPr lang="en-US" dirty="0" err="1"/>
-              <a:t>ViewModel</a:t>
-            </a:r>
-            <a:r>
-              <a:rPr lang="en-US" dirty="0"/>
-              <a:t>” please </a:t>
-            </a:r>
-            <a:endParaRPr lang="en-US" dirty="0">
-              <a:effectLst/>
-            </a:endParaRPr>
-          </a:p>
-          <a:p>
-            <a:pPr marL="742950" lvl="1" indent="-285750">
-              <a:lnSpc>
-                <a:spcPct val="120000"/>
-              </a:lnSpc>
-              <a:buSzPct val="100000"/>
-              <a:buFont typeface="Arial" panose="020B0604020202020204" pitchFamily="34" charset="0"/>
-              <a:buChar char="•"/>
-            </a:pPr>
-            <a:r>
-              <a:rPr lang="en-US" dirty="0"/>
-              <a:t>Copy UI from old class</a:t>
-            </a:r>
-          </a:p>
-          <a:p>
-            <a:pPr marL="742950" lvl="1" indent="-285750">
-              <a:lnSpc>
-                <a:spcPct val="120000"/>
-              </a:lnSpc>
-              <a:buSzPct val="100000"/>
-              <a:buFont typeface="Arial" panose="020B0604020202020204" pitchFamily="34" charset="0"/>
-              <a:buChar char="•"/>
-            </a:pPr>
-            <a:r>
-              <a:rPr lang="en-US" dirty="0">
-                <a:effectLst/>
-              </a:rPr>
-              <a:t>Copy other codes from old class</a:t>
-            </a:r>
-          </a:p>
-          <a:p>
-            <a:pPr marL="285750" indent="-285750">
-              <a:lnSpc>
-                <a:spcPct val="120000"/>
-              </a:lnSpc>
-              <a:buSzPct val="100000"/>
-              <a:buFont typeface="Arial" panose="020B0604020202020204" pitchFamily="34" charset="0"/>
-              <a:buChar char="•"/>
-            </a:pPr>
-            <a:r>
-              <a:rPr lang="en-US" b="1" dirty="0"/>
-              <a:t>Create Feature</a:t>
-            </a:r>
-          </a:p>
-          <a:p>
-            <a:pPr marL="742950" lvl="1" indent="-285750">
-              <a:lnSpc>
-                <a:spcPct val="120000"/>
-              </a:lnSpc>
-              <a:buSzPct val="100000"/>
-              <a:buFont typeface="Arial" panose="020B0604020202020204" pitchFamily="34" charset="0"/>
-              <a:buChar char="•"/>
-            </a:pPr>
-            <a:r>
-              <a:rPr lang="en-US" dirty="0"/>
-              <a:t>Create it in no matter what folder you want</a:t>
-            </a:r>
-          </a:p>
-          <a:p>
-            <a:pPr marL="742950" lvl="1" indent="-285750">
-              <a:lnSpc>
-                <a:spcPct val="120000"/>
-              </a:lnSpc>
-              <a:buSzPct val="100000"/>
-              <a:buFont typeface="Arial" panose="020B0604020202020204" pitchFamily="34" charset="0"/>
-              <a:buChar char="•"/>
-            </a:pPr>
-            <a:r>
-              <a:rPr lang="en-US" dirty="0"/>
-              <a:t>Create feature by template</a:t>
-            </a:r>
-          </a:p>
-          <a:p>
-            <a:pPr marL="742950" lvl="1" indent="-285750">
-              <a:lnSpc>
-                <a:spcPct val="120000"/>
-              </a:lnSpc>
-              <a:buSzPct val="100000"/>
-              <a:buFont typeface="Arial" panose="020B0604020202020204" pitchFamily="34" charset="0"/>
-              <a:buChar char="•"/>
-            </a:pPr>
-            <a:r>
-              <a:rPr lang="en-US" dirty="0"/>
-              <a:t>Don’t forgot to </a:t>
-            </a:r>
-            <a:r>
-              <a:rPr lang="en-US" dirty="0">
-                <a:solidFill>
-                  <a:srgbClr val="FF0000"/>
-                </a:solidFill>
-              </a:rPr>
-              <a:t>BUILD</a:t>
-            </a:r>
-            <a:r>
-              <a:rPr lang="en-US" dirty="0"/>
-              <a:t> again and again</a:t>
-            </a:r>
-          </a:p>
-          <a:p>
-            <a:pPr marL="285750" indent="-285750">
-              <a:lnSpc>
-                <a:spcPct val="120000"/>
-              </a:lnSpc>
-              <a:buSzPct val="100000"/>
-              <a:buFont typeface="Arial" panose="020B0604020202020204" pitchFamily="34" charset="0"/>
-              <a:buChar char="•"/>
-            </a:pPr>
-            <a:r>
-              <a:rPr lang="en-US" b="1" dirty="0"/>
-              <a:t>Start to organize life cycle</a:t>
-            </a:r>
-          </a:p>
-        </p:txBody>
-      </p:sp>
-    </p:spTree>
-    <p:extLst>
-      <p:ext uri="{BB962C8B-B14F-4D97-AF65-F5344CB8AC3E}">
-        <p14:creationId xmlns:p14="http://schemas.microsoft.com/office/powerpoint/2010/main" val="3223015097"/>
-      </p:ext>
-    </p:extLst>
-  </p:cSld>
-  <p:clrMapOvr>
-    <a:masterClrMapping/>
-  </p:clrMapOvr>
-</p:sld>
-</file>
-
 <file path=ppt/slides/slide7.xml><?xml version="1.0" encoding="utf-8"?>
 <p:sld xmlns:a="http://schemas.openxmlformats.org/drawingml/2006/main" xmlns:r="http://schemas.openxmlformats.org/officeDocument/2006/relationships" xmlns:p="http://schemas.openxmlformats.org/presentationml/2006/main">
   <p:cSld>
@@ -11969,7 +12614,7 @@
             <a:pPr algn="ctr"/>
             <a:r>
               <a:rPr lang="en-US" altLang="ja-JP" sz="3600" b="1" dirty="0"/>
-              <a:t>Build feature - 3 </a:t>
+              <a:t>Build feature - 2 </a:t>
             </a:r>
             <a:endParaRPr lang="ja-JP" altLang="en-US" sz="3600" b="1" kern="0" dirty="0"/>
           </a:p>
@@ -12029,7 +12674,7 @@
         <p:spPr>
           <a:xfrm>
             <a:off x="797440" y="1215772"/>
-            <a:ext cx="10047767" cy="3718197"/>
+            <a:ext cx="10047767" cy="3053400"/>
           </a:xfrm>
           <a:prstGeom prst="rect">
             <a:avLst/>
@@ -12054,17 +12699,8 @@
               <a:rPr lang="en-US" b="1" dirty="0">
                 <a:effectLst/>
               </a:rPr>
-              <a:t>Refactor </a:t>
-            </a:r>
-            <a:r>
-              <a:rPr lang="en-US" b="1" dirty="0" err="1">
-                <a:effectLst/>
-              </a:rPr>
-              <a:t>UseCase</a:t>
-            </a:r>
-            <a:endParaRPr lang="en-US" b="1" dirty="0">
-              <a:effectLst/>
-            </a:endParaRPr>
+              <a:t>Handle UI</a:t>
+            </a:r>
           </a:p>
           <a:p>
             <a:pPr marL="742950" lvl="1" indent="-285750">
@@ -12077,16 +12713,19 @@
             </a:pPr>
             <a:r>
               <a:rPr lang="en-US" dirty="0"/>
-              <a:t>Refactor </a:t>
+              <a:t>Copy properties from old class &gt; next new line after “</a:t>
             </a:r>
             <a:r>
               <a:rPr lang="en-US" dirty="0" err="1"/>
-              <a:t>getUserInformation</a:t>
+              <a:t>ViewModel</a:t>
             </a:r>
             <a:r>
               <a:rPr lang="en-US" dirty="0"/>
-              <a:t> &gt; new Method</a:t>
-            </a:r>
+              <a:t>” please </a:t>
+            </a:r>
+            <a:endParaRPr lang="en-US" dirty="0">
+              <a:effectLst/>
+            </a:endParaRPr>
           </a:p>
           <a:p>
             <a:pPr marL="742950" lvl="1" indent="-285750">
@@ -12099,7 +12738,7 @@
             </a:pPr>
             <a:r>
               <a:rPr lang="en-US" dirty="0"/>
-              <a:t>Distinguish Business flow  and Data flow</a:t>
+              <a:t>Copy UI from old class</a:t>
             </a:r>
           </a:p>
           <a:p>
@@ -12112,40 +12751,11 @@
               <a:buChar char="•"/>
             </a:pPr>
             <a:r>
-              <a:rPr lang="en-US" dirty="0"/>
-              <a:t>Copy logic from old method &gt; Past it and Refactor it</a:t>
-            </a:r>
-          </a:p>
-          <a:p>
-            <a:pPr marL="742950" lvl="1" indent="-285750">
-              <a:lnSpc>
-                <a:spcPct val="120000"/>
-              </a:lnSpc>
-              <a:buSzPct val="100000"/>
-              <a:buFont typeface="Arial" panose="020B0604020202020204" pitchFamily="34" charset="0"/>
-              <a:buChar char="•"/>
-            </a:pPr>
-            <a:r>
-              <a:rPr lang="en-US" dirty="0"/>
-              <a:t>Replace passing object , shopper &gt; entity</a:t>
-            </a:r>
-          </a:p>
-          <a:p>
-            <a:pPr marL="742950" lvl="1" indent="-285750">
-              <a:lnSpc>
-                <a:spcPct val="120000"/>
-              </a:lnSpc>
-              <a:buSzPct val="100000"/>
-              <a:buFont typeface="Arial" panose="020B0604020202020204" pitchFamily="34" charset="0"/>
-              <a:buChar char="•"/>
-            </a:pPr>
-            <a:r>
-              <a:rPr lang="en-US" dirty="0"/>
-              <a:t>Refactor initializer</a:t>
-            </a:r>
-            <a:endParaRPr lang="en-US" dirty="0">
-              <a:effectLst/>
-            </a:endParaRPr>
+              <a:rPr lang="en-US" dirty="0">
+                <a:effectLst/>
+              </a:rPr>
+              <a:t>Copy other codes from old class</a:t>
+            </a:r>
           </a:p>
           <a:p>
             <a:pPr marL="285750" indent="-285750">
@@ -12234,7 +12844,7 @@
     </p:spTree>
     <p:extLst>
       <p:ext uri="{BB962C8B-B14F-4D97-AF65-F5344CB8AC3E}">
-        <p14:creationId xmlns:p14="http://schemas.microsoft.com/office/powerpoint/2010/main" val="3024959510"/>
+        <p14:creationId xmlns:p14="http://schemas.microsoft.com/office/powerpoint/2010/main" val="3223015097"/>
       </p:ext>
     </p:extLst>
   </p:cSld>
@@ -12281,7 +12891,7 @@
             <a:pPr algn="ctr"/>
             <a:r>
               <a:rPr lang="en-US" altLang="ja-JP" sz="3600" b="1" dirty="0"/>
-              <a:t>Build feature - 4 </a:t>
+              <a:t>Build feature - 3 </a:t>
             </a:r>
             <a:endParaRPr lang="ja-JP" altLang="en-US" sz="3600" b="1" kern="0" dirty="0"/>
           </a:p>
@@ -12341,7 +12951,7 @@
         <p:spPr>
           <a:xfrm>
             <a:off x="797440" y="1215772"/>
-            <a:ext cx="10047767" cy="4715393"/>
+            <a:ext cx="10047767" cy="3718197"/>
           </a:xfrm>
           <a:prstGeom prst="rect">
             <a:avLst/>
@@ -12366,8 +12976,17 @@
               <a:rPr lang="en-US" b="1" dirty="0">
                 <a:effectLst/>
               </a:rPr>
-              <a:t>Refactor Repository</a:t>
-            </a:r>
+              <a:t>Refactor </a:t>
+            </a:r>
+            <a:r>
+              <a:rPr lang="en-US" b="1" dirty="0" err="1">
+                <a:effectLst/>
+              </a:rPr>
+              <a:t>UseCase</a:t>
+            </a:r>
+            <a:endParaRPr lang="en-US" b="1" dirty="0">
+              <a:effectLst/>
+            </a:endParaRPr>
           </a:p>
           <a:p>
             <a:pPr marL="742950" lvl="1" indent="-285750">
@@ -12380,7 +12999,15 @@
             </a:pPr>
             <a:r>
               <a:rPr lang="en-US" dirty="0"/>
-              <a:t>Create a new method</a:t>
+              <a:t>Refactor </a:t>
+            </a:r>
+            <a:r>
+              <a:rPr lang="en-US" dirty="0" err="1"/>
+              <a:t>getUserInformation</a:t>
+            </a:r>
+            <a:r>
+              <a:rPr lang="en-US" dirty="0"/>
+              <a:t> &gt; new Method</a:t>
             </a:r>
           </a:p>
           <a:p>
@@ -12394,7 +13021,7 @@
             </a:pPr>
             <a:r>
               <a:rPr lang="en-US" dirty="0"/>
-              <a:t>Don’t forgot to write the method in "Protocol"</a:t>
+              <a:t>Distinguish Business flow  and Data flow</a:t>
             </a:r>
           </a:p>
           <a:p>
@@ -12408,7 +13035,7 @@
             </a:pPr>
             <a:r>
               <a:rPr lang="en-US" dirty="0"/>
-              <a:t>Copy perform API logic into repository</a:t>
+              <a:t>Copy logic from old method &gt; Past it and Refactor it</a:t>
             </a:r>
           </a:p>
           <a:p>
@@ -12422,19 +13049,11 @@
             </a:pPr>
             <a:r>
               <a:rPr lang="en-US" dirty="0"/>
-              <a:t>Network request is the same , so we just move logic from </a:t>
-            </a:r>
-            <a:r>
-              <a:rPr lang="en-US" dirty="0" err="1"/>
-              <a:t>RakutenWalletApiManager</a:t>
-            </a:r>
-            <a:r>
-              <a:rPr lang="en-US" dirty="0"/>
-              <a:t> and API Manager to Repository</a:t>
-            </a:r>
-          </a:p>
-          <a:p>
-            <a:pPr marL="285750" indent="-285750">
+              <a:t>Replace passing object , shopper &gt; entity</a:t>
+            </a:r>
+          </a:p>
+          <a:p>
+            <a:pPr marL="742950" lvl="1" indent="-285750">
               <a:lnSpc>
                 <a:spcPct val="120000"/>
               </a:lnSpc>
@@ -12443,17 +13062,15 @@
               <a:buChar char="•"/>
             </a:pPr>
             <a:r>
-              <a:rPr lang="en-US" b="1" dirty="0"/>
-              <a:t>Create new </a:t>
-            </a:r>
-            <a:r>
-              <a:rPr lang="en-US" b="1" dirty="0" err="1"/>
-              <a:t>EndPoint</a:t>
-            </a:r>
-            <a:endParaRPr lang="en-US" b="1" dirty="0"/>
-          </a:p>
-          <a:p>
-            <a:pPr marL="742950" lvl="1" indent="-285750">
+              <a:rPr lang="en-US" dirty="0"/>
+              <a:t>Refactor initializer</a:t>
+            </a:r>
+            <a:endParaRPr lang="en-US" dirty="0">
+              <a:effectLst/>
+            </a:endParaRPr>
+          </a:p>
+          <a:p>
+            <a:pPr marL="285750" indent="-285750">
               <a:lnSpc>
                 <a:spcPct val="120000"/>
               </a:lnSpc>
@@ -12462,8 +13079,8 @@
               <a:buChar char="•"/>
             </a:pPr>
             <a:r>
-              <a:rPr lang="en-US" dirty="0"/>
-              <a:t>Refactor from the first line before invoke “Network request”</a:t>
+              <a:rPr lang="en-US" b="1" dirty="0"/>
+              <a:t>Create Feature</a:t>
             </a:r>
           </a:p>
           <a:p>
@@ -12477,21 +13094,8 @@
             </a:pPr>
             <a:r>
               <a:rPr lang="en-US" dirty="0"/>
-              <a:t>Copy </a:t>
-            </a:r>
-            <a:r>
-              <a:rPr lang="en-US" dirty="0" err="1"/>
-              <a:t>parameters、API</a:t>
-            </a:r>
-            <a:r>
-              <a:rPr lang="en-US" dirty="0"/>
-              <a:t> </a:t>
-            </a:r>
-            <a:r>
-              <a:rPr lang="en-US" dirty="0" err="1"/>
-              <a:t>path、method</a:t>
-            </a:r>
-            <a:endParaRPr lang="en-US" dirty="0"/>
+              <a:t>Create it in no matter what folder you want</a:t>
+            </a:r>
           </a:p>
           <a:p>
             <a:pPr marL="742950" lvl="1" indent="-285750">
@@ -12504,13 +13108,8 @@
             </a:pPr>
             <a:r>
               <a:rPr lang="en-US" dirty="0"/>
-              <a:t>Make a new </a:t>
-            </a:r>
-            <a:r>
-              <a:rPr lang="en-US" dirty="0" err="1"/>
-              <a:t>EndPoint</a:t>
-            </a:r>
-            <a:endParaRPr lang="en-US" dirty="0"/>
+              <a:t>Create feature by template</a:t>
+            </a:r>
           </a:p>
           <a:p>
             <a:pPr marL="742950" lvl="1" indent="-285750">
@@ -12522,16 +13121,24 @@
               <a:buChar char="•"/>
             </a:pPr>
             <a:r>
-              <a:rPr lang="en-US" dirty="0" err="1"/>
-              <a:t>NetworkEndpoint</a:t>
-            </a:r>
-            <a:r>
               <a:rPr lang="en-US" dirty="0"/>
-              <a:t>&lt;Generic(your response object)&gt;</a:t>
-            </a:r>
-          </a:p>
-          <a:p>
-            <a:pPr marL="742950" lvl="1" indent="-285750">
+              <a:t>Don’t forgot to </a:t>
+            </a:r>
+            <a:r>
+              <a:rPr lang="en-US" dirty="0">
+                <a:solidFill>
+                  <a:srgbClr val="FF0000"/>
+                </a:solidFill>
+              </a:rPr>
+              <a:t>BUILD</a:t>
+            </a:r>
+            <a:r>
+              <a:rPr lang="en-US" dirty="0"/>
+              <a:t> again and again</a:t>
+            </a:r>
+          </a:p>
+          <a:p>
+            <a:pPr marL="285750" indent="-285750">
               <a:lnSpc>
                 <a:spcPct val="120000"/>
               </a:lnSpc>
@@ -12540,57 +13147,16 @@
               <a:buChar char="•"/>
             </a:pPr>
             <a:r>
-              <a:rPr lang="en-US" dirty="0"/>
-              <a:t>Refactor DTO (Data transfer object) &gt; Data to Entity</a:t>
-            </a:r>
-          </a:p>
-          <a:p>
-            <a:pPr marL="742950" lvl="1" indent="-285750">
-              <a:lnSpc>
-                <a:spcPct val="120000"/>
-              </a:lnSpc>
-              <a:buSzPct val="100000"/>
-              <a:buFont typeface="Arial" panose="020B0604020202020204" pitchFamily="34" charset="0"/>
-              <a:buChar char="•"/>
-            </a:pPr>
-            <a:r>
-              <a:rPr lang="en-US" dirty="0"/>
-              <a:t>Copy all properties to DTO &gt; refactor </a:t>
-            </a:r>
-            <a:r>
-              <a:rPr lang="en-US" dirty="0" err="1"/>
-              <a:t>toDomain</a:t>
-            </a:r>
-            <a:r>
-              <a:rPr lang="en-US" dirty="0"/>
-              <a:t> method </a:t>
-            </a:r>
-          </a:p>
-          <a:p>
-            <a:pPr marL="285750" indent="-285750">
-              <a:lnSpc>
-                <a:spcPct val="120000"/>
-              </a:lnSpc>
-              <a:buSzPct val="100000"/>
-              <a:buFont typeface="Arial" panose="020B0604020202020204" pitchFamily="34" charset="0"/>
-              <a:buChar char="•"/>
-            </a:pPr>
-            <a:r>
               <a:rPr lang="en-US" b="1" dirty="0"/>
-              <a:t>Perform API call with Endpoint object by </a:t>
-            </a:r>
-            <a:r>
-              <a:rPr lang="en-US" b="1" dirty="0" err="1"/>
-              <a:t>RemoteDataLoader</a:t>
-            </a:r>
-            <a:endParaRPr lang="en-US" b="1" dirty="0"/>
+              <a:t>Start to organize life cycle</a:t>
+            </a:r>
           </a:p>
         </p:txBody>
       </p:sp>
     </p:spTree>
     <p:extLst>
       <p:ext uri="{BB962C8B-B14F-4D97-AF65-F5344CB8AC3E}">
-        <p14:creationId xmlns:p14="http://schemas.microsoft.com/office/powerpoint/2010/main" val="3915449693"/>
+        <p14:creationId xmlns:p14="http://schemas.microsoft.com/office/powerpoint/2010/main" val="3024959510"/>
       </p:ext>
     </p:extLst>
   </p:cSld>
@@ -12637,7 +13203,7 @@
             <a:pPr algn="ctr"/>
             <a:r>
               <a:rPr lang="en-US" altLang="ja-JP" sz="3600" b="1" dirty="0"/>
-              <a:t>Build feature - 5 </a:t>
+              <a:t>Build feature - 4 </a:t>
             </a:r>
             <a:endParaRPr lang="ja-JP" altLang="en-US" sz="3600" b="1" kern="0" dirty="0"/>
           </a:p>
@@ -12697,7 +13263,7 @@
         <p:spPr>
           <a:xfrm>
             <a:off x="797440" y="1215772"/>
-            <a:ext cx="10047767" cy="5380191"/>
+            <a:ext cx="10047767" cy="4715393"/>
           </a:xfrm>
           <a:prstGeom prst="rect">
             <a:avLst/>
@@ -12722,29 +13288,8 @@
               <a:rPr lang="en-US" b="1" dirty="0">
                 <a:effectLst/>
               </a:rPr>
-              <a:t>Refactor all the method to Combine objects (</a:t>
-            </a:r>
-            <a:r>
-              <a:rPr lang="en-US" b="1" dirty="0" err="1">
-                <a:effectLst/>
-              </a:rPr>
-              <a:t>AnyPublisher</a:t>
-            </a:r>
-            <a:r>
-              <a:rPr lang="en-US" b="1" dirty="0"/>
-              <a:t>&lt;</a:t>
-            </a:r>
-            <a:r>
-              <a:rPr lang="en-US" b="1" dirty="0" err="1"/>
-              <a:t>Success,Error</a:t>
-            </a:r>
-            <a:r>
-              <a:rPr lang="en-US" b="1" dirty="0"/>
-              <a:t>&gt;)</a:t>
-            </a:r>
-            <a:endParaRPr lang="en-US" b="1" dirty="0">
-              <a:effectLst/>
-            </a:endParaRPr>
+              <a:t>Refactor Repository</a:t>
+            </a:r>
           </a:p>
           <a:p>
             <a:pPr marL="742950" lvl="1" indent="-285750">
@@ -12756,12 +13301,12 @@
               <a:buChar char="•"/>
             </a:pPr>
             <a:r>
-              <a:rPr lang="en-US" b="1" dirty="0"/>
-              <a:t>Repository </a:t>
-            </a:r>
-          </a:p>
-          <a:p>
-            <a:pPr marL="1200150" lvl="2" indent="-285750">
+              <a:rPr lang="en-US" dirty="0"/>
+              <a:t>Create a new method</a:t>
+            </a:r>
+          </a:p>
+          <a:p>
+            <a:pPr marL="742950" lvl="1" indent="-285750">
               <a:lnSpc>
                 <a:spcPct val="120000"/>
               </a:lnSpc>
@@ -12771,11 +13316,11 @@
             </a:pPr>
             <a:r>
               <a:rPr lang="en-US" dirty="0"/>
-              <a:t>Success &gt; Entity</a:t>
-            </a:r>
-          </a:p>
-          <a:p>
-            <a:pPr marL="1200150" lvl="2" indent="-285750">
+              <a:t>Don’t forgot to write the method in "Protocol"</a:t>
+            </a:r>
+          </a:p>
+          <a:p>
+            <a:pPr marL="742950" lvl="1" indent="-285750">
               <a:lnSpc>
                 <a:spcPct val="120000"/>
               </a:lnSpc>
@@ -12784,15 +13329,12 @@
               <a:buChar char="•"/>
             </a:pPr>
             <a:r>
-              <a:rPr lang="en-US" dirty="0">
-                <a:effectLst/>
-              </a:rPr>
-              <a:t>Error &gt; API Error</a:t>
-            </a:r>
-            <a:endParaRPr lang="en-US" dirty="0"/>
-          </a:p>
-          <a:p>
-            <a:pPr marL="1200150" lvl="2" indent="-285750">
+              <a:rPr lang="en-US" dirty="0"/>
+              <a:t>Copy perform API logic into repository</a:t>
+            </a:r>
+          </a:p>
+          <a:p>
+            <a:pPr marL="742950" lvl="1" indent="-285750">
               <a:lnSpc>
                 <a:spcPct val="120000"/>
               </a:lnSpc>
@@ -12802,11 +13344,19 @@
             </a:pPr>
             <a:r>
               <a:rPr lang="en-US" dirty="0"/>
-              <a:t>Wrap DTO publisher to Entity</a:t>
-            </a:r>
-          </a:p>
-          <a:p>
-            <a:pPr marL="742950" lvl="1" indent="-285750">
+              <a:t>Network request is the same , so we just move logic from </a:t>
+            </a:r>
+            <a:r>
+              <a:rPr lang="en-US" dirty="0" err="1"/>
+              <a:t>RakutenWalletApiManager</a:t>
+            </a:r>
+            <a:r>
+              <a:rPr lang="en-US" dirty="0"/>
+              <a:t> and API Manager to Repository</a:t>
+            </a:r>
+          </a:p>
+          <a:p>
+            <a:pPr marL="285750" indent="-285750">
               <a:lnSpc>
                 <a:spcPct val="120000"/>
               </a:lnSpc>
@@ -12815,13 +13365,17 @@
               <a:buChar char="•"/>
             </a:pPr>
             <a:r>
+              <a:rPr lang="en-US" b="1" dirty="0"/>
+              <a:t>Create new </a:t>
+            </a:r>
+            <a:r>
               <a:rPr lang="en-US" b="1" dirty="0" err="1"/>
-              <a:t>UseCase</a:t>
+              <a:t>EndPoint</a:t>
             </a:r>
             <a:endParaRPr lang="en-US" b="1" dirty="0"/>
           </a:p>
           <a:p>
-            <a:pPr marL="1200150" lvl="2" indent="-285750">
+            <a:pPr marL="742950" lvl="1" indent="-285750">
               <a:lnSpc>
                 <a:spcPct val="120000"/>
               </a:lnSpc>
@@ -12831,11 +13385,11 @@
             </a:pPr>
             <a:r>
               <a:rPr lang="en-US" dirty="0"/>
-              <a:t>Success &gt; Entity</a:t>
-            </a:r>
-          </a:p>
-          <a:p>
-            <a:pPr marL="1200150" lvl="2" indent="-285750">
+              <a:t>Refactor from the first line before invoke “Network request”</a:t>
+            </a:r>
+          </a:p>
+          <a:p>
+            <a:pPr marL="742950" lvl="1" indent="-285750">
               <a:lnSpc>
                 <a:spcPct val="120000"/>
               </a:lnSpc>
@@ -12844,10 +13398,20 @@
               <a:buChar char="•"/>
             </a:pPr>
             <a:r>
-              <a:rPr lang="en-US" dirty="0">
-                <a:effectLst/>
-              </a:rPr>
-              <a:t>Error &gt; API Error</a:t>
+              <a:rPr lang="en-US" dirty="0"/>
+              <a:t>Copy </a:t>
+            </a:r>
+            <a:r>
+              <a:rPr lang="en-US" dirty="0" err="1"/>
+              <a:t>parameters、API</a:t>
+            </a:r>
+            <a:r>
+              <a:rPr lang="en-US" dirty="0"/>
+              <a:t> </a:t>
+            </a:r>
+            <a:r>
+              <a:rPr lang="en-US" dirty="0" err="1"/>
+              <a:t>path、method</a:t>
             </a:r>
             <a:endParaRPr lang="en-US" dirty="0"/>
           </a:p>
@@ -12861,13 +13425,17 @@
               <a:buChar char="•"/>
             </a:pPr>
             <a:r>
-              <a:rPr lang="en-US" b="1" dirty="0" err="1"/>
-              <a:t>ViewModel</a:t>
-            </a:r>
-            <a:endParaRPr lang="en-US" b="1" dirty="0"/>
-          </a:p>
-          <a:p>
-            <a:pPr marL="1200150" lvl="2" indent="-285750">
+              <a:rPr lang="en-US" dirty="0"/>
+              <a:t>Make a new </a:t>
+            </a:r>
+            <a:r>
+              <a:rPr lang="en-US" dirty="0" err="1"/>
+              <a:t>EndPoint</a:t>
+            </a:r>
+            <a:endParaRPr lang="en-US" dirty="0"/>
+          </a:p>
+          <a:p>
+            <a:pPr marL="742950" lvl="1" indent="-285750">
               <a:lnSpc>
                 <a:spcPct val="120000"/>
               </a:lnSpc>
@@ -12876,17 +13444,16 @@
               <a:buChar char="•"/>
             </a:pPr>
             <a:r>
+              <a:rPr lang="en-US" dirty="0" err="1"/>
+              <a:t>NetworkEndpoint</a:t>
+            </a:r>
+            <a:r>
               <a:rPr lang="en-US" dirty="0"/>
-              <a:t>Refactor data handler and data flow in </a:t>
-            </a:r>
-            <a:r>
-              <a:rPr lang="en-US" dirty="0" err="1"/>
-              <a:t>initialActions</a:t>
-            </a:r>
-            <a:endParaRPr lang="en-US" dirty="0"/>
-          </a:p>
-          <a:p>
-            <a:pPr marL="1200150" lvl="2" indent="-285750">
+              <a:t>&lt;Generic(your response object)&gt;</a:t>
+            </a:r>
+          </a:p>
+          <a:p>
+            <a:pPr marL="742950" lvl="1" indent="-285750">
               <a:lnSpc>
                 <a:spcPct val="120000"/>
               </a:lnSpc>
@@ -12896,16 +13463,11 @@
             </a:pPr>
             <a:r>
               <a:rPr lang="en-US" dirty="0"/>
-              <a:t>Move properties into </a:t>
-            </a:r>
-            <a:r>
-              <a:rPr lang="en-US" dirty="0" err="1"/>
-              <a:t>viewmodel</a:t>
-            </a:r>
-            <a:endParaRPr lang="en-US" dirty="0"/>
-          </a:p>
-          <a:p>
-            <a:pPr marL="1200150" lvl="2" indent="-285750">
+              <a:t>Refactor DTO (Data transfer object) &gt; Data to Entity</a:t>
+            </a:r>
+          </a:p>
+          <a:p>
+            <a:pPr marL="742950" lvl="1" indent="-285750">
               <a:lnSpc>
                 <a:spcPct val="120000"/>
               </a:lnSpc>
@@ -12915,16 +13477,19 @@
             </a:pPr>
             <a:r>
               <a:rPr lang="en-US" dirty="0"/>
-              <a:t>Add UI binding depend on </a:t>
+              <a:t>Copy all properties to DTO &gt; refactor </a:t>
             </a:r>
             <a:r>
               <a:rPr lang="en-US" dirty="0" err="1"/>
-              <a:t>dataFlow</a:t>
-            </a:r>
-            <a:endParaRPr lang="en-US" dirty="0"/>
-          </a:p>
-          <a:p>
-            <a:pPr marL="1657350" lvl="3" indent="-285750">
+              <a:t>toDomain</a:t>
+            </a:r>
+            <a:r>
+              <a:rPr lang="en-US" dirty="0"/>
+              <a:t> method </a:t>
+            </a:r>
+          </a:p>
+          <a:p>
+            <a:pPr marL="285750" indent="-285750">
               <a:lnSpc>
                 <a:spcPct val="120000"/>
               </a:lnSpc>
@@ -12933,59 +13498,21 @@
               <a:buChar char="•"/>
             </a:pPr>
             <a:r>
-              <a:rPr lang="en-US" dirty="0"/>
-              <a:t>Input &gt; replace input trigger</a:t>
-            </a:r>
-          </a:p>
-          <a:p>
-            <a:pPr marL="1657350" lvl="3" indent="-285750">
-              <a:lnSpc>
-                <a:spcPct val="120000"/>
-              </a:lnSpc>
-              <a:buSzPct val="100000"/>
-              <a:buFont typeface="Arial" panose="020B0604020202020204" pitchFamily="34" charset="0"/>
-              <a:buChar char="•"/>
-            </a:pPr>
-            <a:r>
-              <a:rPr lang="en-US" dirty="0"/>
-              <a:t>Output &gt; change UI status</a:t>
-            </a:r>
-          </a:p>
-          <a:p>
-            <a:pPr marL="2114550" lvl="4" indent="-285750">
-              <a:lnSpc>
-                <a:spcPct val="120000"/>
-              </a:lnSpc>
-              <a:buSzPct val="100000"/>
-              <a:buFont typeface="Arial" panose="020B0604020202020204" pitchFamily="34" charset="0"/>
-              <a:buChar char="•"/>
-            </a:pPr>
-            <a:r>
-              <a:rPr lang="en-US" dirty="0"/>
-              <a:t>Loading activities</a:t>
-            </a:r>
-          </a:p>
-          <a:p>
-            <a:pPr marL="2114550" lvl="4" indent="-285750">
-              <a:lnSpc>
-                <a:spcPct val="120000"/>
-              </a:lnSpc>
-              <a:buSzPct val="100000"/>
-              <a:buFont typeface="Arial" panose="020B0604020202020204" pitchFamily="34" charset="0"/>
-              <a:buChar char="•"/>
-            </a:pPr>
-            <a:r>
-              <a:rPr lang="en-US" dirty="0" err="1"/>
-              <a:t>UIPresent</a:t>
-            </a:r>
-            <a:endParaRPr lang="en-US" dirty="0"/>
+              <a:rPr lang="en-US" b="1" dirty="0"/>
+              <a:t>Perform API call with Endpoint object by </a:t>
+            </a:r>
+            <a:r>
+              <a:rPr lang="en-US" b="1" dirty="0" err="1"/>
+              <a:t>RemoteDataLoader</a:t>
+            </a:r>
+            <a:endParaRPr lang="en-US" b="1" dirty="0"/>
           </a:p>
         </p:txBody>
       </p:sp>
     </p:spTree>
     <p:extLst>
       <p:ext uri="{BB962C8B-B14F-4D97-AF65-F5344CB8AC3E}">
-        <p14:creationId xmlns:p14="http://schemas.microsoft.com/office/powerpoint/2010/main" val="1745901562"/>
+        <p14:creationId xmlns:p14="http://schemas.microsoft.com/office/powerpoint/2010/main" val="3915449693"/>
       </p:ext>
     </p:extLst>
   </p:cSld>
